--- a/figures/Methodology.pptx
+++ b/figures/Methodology.pptx
@@ -2,7 +2,7 @@
 <file path=ppt/presentation.xml><?xml version="1.0" encoding="utf-8"?>
 <p:presentation xmlns:a="http://schemas.openxmlformats.org/drawingml/2006/main" xmlns:r="http://schemas.openxmlformats.org/officeDocument/2006/relationships" xmlns:p="http://schemas.openxmlformats.org/presentationml/2006/main" saveSubsetFonts="1" autoCompressPictures="0">
   <p:sldMasterIdLst>
-    <p:sldMasterId id="2147483720" r:id="rId1"/>
+    <p:sldMasterId id="2147483744" r:id="rId1"/>
   </p:sldMasterIdLst>
   <p:notesMasterIdLst>
     <p:notesMasterId r:id="rId3"/>
@@ -10,7 +10,7 @@
   <p:sldIdLst>
     <p:sldId id="256" r:id="rId2"/>
   </p:sldIdLst>
-  <p:sldSz cx="5400675" cy="4500563"/>
+  <p:sldSz cx="5400675" cy="2519363"/>
   <p:notesSz cx="6858000" cy="9144000"/>
   <p:defaultTextStyle>
     <a:defPPr>
@@ -197,7 +197,7 @@
           <a:p>
             <a:fld id="{498D7E84-9E83-884E-975C-BAEF30A447D1}" type="datetimeFigureOut">
               <a:rPr lang="fr-FR" smtClean="0"/>
-              <a:t>09/07/2025</a:t>
+              <a:t>15/07/2025</a:t>
             </a:fld>
             <a:endParaRPr lang="fr-FR"/>
           </a:p>
@@ -215,8 +215,8 @@
         </p:nvSpPr>
         <p:spPr>
           <a:xfrm>
-            <a:off x="1577975" y="1143000"/>
-            <a:ext cx="3702050" cy="3086100"/>
+            <a:off x="122238" y="1143000"/>
+            <a:ext cx="6613525" cy="3086100"/>
           </a:xfrm>
           <a:prstGeom prst="rect">
             <a:avLst/>
@@ -493,8 +493,8 @@
         </p:nvSpPr>
         <p:spPr>
           <a:xfrm>
-            <a:off x="1577975" y="1143000"/>
-            <a:ext cx="3702050" cy="3086100"/>
+            <a:off x="122238" y="1143000"/>
+            <a:ext cx="6613525" cy="3086100"/>
           </a:xfrm>
         </p:spPr>
       </p:sp>
@@ -582,15 +582,15 @@
         </p:nvSpPr>
         <p:spPr>
           <a:xfrm>
-            <a:off x="405051" y="736551"/>
-            <a:ext cx="4590574" cy="1566863"/>
+            <a:off x="675085" y="412312"/>
+            <a:ext cx="4050506" cy="877112"/>
           </a:xfrm>
         </p:spPr>
         <p:txBody>
           <a:bodyPr anchor="b"/>
           <a:lstStyle>
             <a:lvl1pPr algn="ctr">
-              <a:defRPr sz="3544"/>
+              <a:defRPr sz="2204"/>
             </a:lvl1pPr>
           </a:lstStyle>
           <a:p>
@@ -614,8 +614,8 @@
         </p:nvSpPr>
         <p:spPr>
           <a:xfrm>
-            <a:off x="675085" y="2363838"/>
-            <a:ext cx="4050506" cy="1086594"/>
+            <a:off x="675085" y="1323249"/>
+            <a:ext cx="4050506" cy="608263"/>
           </a:xfrm>
         </p:spPr>
         <p:txBody>
@@ -623,39 +623,39 @@
           <a:lstStyle>
             <a:lvl1pPr marL="0" indent="0" algn="ctr">
               <a:buNone/>
-              <a:defRPr sz="1417"/>
+              <a:defRPr sz="882"/>
             </a:lvl1pPr>
-            <a:lvl2pPr marL="270022" indent="0" algn="ctr">
+            <a:lvl2pPr marL="167975" indent="0" algn="ctr">
               <a:buNone/>
-              <a:defRPr sz="1181"/>
+              <a:defRPr sz="735"/>
             </a:lvl2pPr>
-            <a:lvl3pPr marL="540045" indent="0" algn="ctr">
+            <a:lvl3pPr marL="335951" indent="0" algn="ctr">
               <a:buNone/>
-              <a:defRPr sz="1063"/>
+              <a:defRPr sz="661"/>
             </a:lvl3pPr>
-            <a:lvl4pPr marL="810067" indent="0" algn="ctr">
+            <a:lvl4pPr marL="503926" indent="0" algn="ctr">
               <a:buNone/>
-              <a:defRPr sz="945"/>
+              <a:defRPr sz="588"/>
             </a:lvl4pPr>
-            <a:lvl5pPr marL="1080089" indent="0" algn="ctr">
+            <a:lvl5pPr marL="671901" indent="0" algn="ctr">
               <a:buNone/>
-              <a:defRPr sz="945"/>
+              <a:defRPr sz="588"/>
             </a:lvl5pPr>
-            <a:lvl6pPr marL="1350112" indent="0" algn="ctr">
+            <a:lvl6pPr marL="839876" indent="0" algn="ctr">
               <a:buNone/>
-              <a:defRPr sz="945"/>
+              <a:defRPr sz="588"/>
             </a:lvl6pPr>
-            <a:lvl7pPr marL="1620134" indent="0" algn="ctr">
+            <a:lvl7pPr marL="1007852" indent="0" algn="ctr">
               <a:buNone/>
-              <a:defRPr sz="945"/>
+              <a:defRPr sz="588"/>
             </a:lvl7pPr>
-            <a:lvl8pPr marL="1890156" indent="0" algn="ctr">
+            <a:lvl8pPr marL="1175827" indent="0" algn="ctr">
               <a:buNone/>
-              <a:defRPr sz="945"/>
+              <a:defRPr sz="588"/>
             </a:lvl8pPr>
-            <a:lvl9pPr marL="2160179" indent="0" algn="ctr">
+            <a:lvl9pPr marL="1343802" indent="0" algn="ctr">
               <a:buNone/>
-              <a:defRPr sz="945"/>
+              <a:defRPr sz="588"/>
             </a:lvl9pPr>
           </a:lstStyle>
           <a:p>
@@ -684,7 +684,7 @@
           <a:p>
             <a:fld id="{9A568DE9-78C7-6145-A01B-879F4074346E}" type="datetimeFigureOut">
               <a:rPr lang="fr-FR" smtClean="0"/>
-              <a:t>09/07/2025</a:t>
+              <a:t>15/07/2025</a:t>
             </a:fld>
             <a:endParaRPr lang="fr-FR"/>
           </a:p>
@@ -735,7 +735,7 @@
     </p:spTree>
     <p:extLst>
       <p:ext uri="{BB962C8B-B14F-4D97-AF65-F5344CB8AC3E}">
-        <p14:creationId xmlns:p14="http://schemas.microsoft.com/office/powerpoint/2010/main" val="3901864720"/>
+        <p14:creationId xmlns:p14="http://schemas.microsoft.com/office/powerpoint/2010/main" val="545345317"/>
       </p:ext>
     </p:extLst>
   </p:cSld>
@@ -854,7 +854,7 @@
           <a:p>
             <a:fld id="{9A568DE9-78C7-6145-A01B-879F4074346E}" type="datetimeFigureOut">
               <a:rPr lang="fr-FR" smtClean="0"/>
-              <a:t>09/07/2025</a:t>
+              <a:t>15/07/2025</a:t>
             </a:fld>
             <a:endParaRPr lang="fr-FR"/>
           </a:p>
@@ -905,7 +905,7 @@
     </p:spTree>
     <p:extLst>
       <p:ext uri="{BB962C8B-B14F-4D97-AF65-F5344CB8AC3E}">
-        <p14:creationId xmlns:p14="http://schemas.microsoft.com/office/powerpoint/2010/main" val="3197301711"/>
+        <p14:creationId xmlns:p14="http://schemas.microsoft.com/office/powerpoint/2010/main" val="4077303426"/>
       </p:ext>
     </p:extLst>
   </p:cSld>
@@ -944,8 +944,8 @@
         </p:nvSpPr>
         <p:spPr>
           <a:xfrm>
-            <a:off x="3864858" y="239613"/>
-            <a:ext cx="1164521" cy="3814019"/>
+            <a:off x="3864858" y="134133"/>
+            <a:ext cx="1164521" cy="2135044"/>
           </a:xfrm>
         </p:spPr>
         <p:txBody>
@@ -972,8 +972,8 @@
         </p:nvSpPr>
         <p:spPr>
           <a:xfrm>
-            <a:off x="371297" y="239613"/>
-            <a:ext cx="3426053" cy="3814019"/>
+            <a:off x="371297" y="134133"/>
+            <a:ext cx="3426053" cy="2135044"/>
           </a:xfrm>
         </p:spPr>
         <p:txBody>
@@ -1034,7 +1034,7 @@
           <a:p>
             <a:fld id="{9A568DE9-78C7-6145-A01B-879F4074346E}" type="datetimeFigureOut">
               <a:rPr lang="fr-FR" smtClean="0"/>
-              <a:t>09/07/2025</a:t>
+              <a:t>15/07/2025</a:t>
             </a:fld>
             <a:endParaRPr lang="fr-FR"/>
           </a:p>
@@ -1085,7 +1085,7 @@
     </p:spTree>
     <p:extLst>
       <p:ext uri="{BB962C8B-B14F-4D97-AF65-F5344CB8AC3E}">
-        <p14:creationId xmlns:p14="http://schemas.microsoft.com/office/powerpoint/2010/main" val="3588166733"/>
+        <p14:creationId xmlns:p14="http://schemas.microsoft.com/office/powerpoint/2010/main" val="382154404"/>
       </p:ext>
     </p:extLst>
   </p:cSld>
@@ -1204,7 +1204,7 @@
           <a:p>
             <a:fld id="{9A568DE9-78C7-6145-A01B-879F4074346E}" type="datetimeFigureOut">
               <a:rPr lang="fr-FR" smtClean="0"/>
-              <a:t>09/07/2025</a:t>
+              <a:t>15/07/2025</a:t>
             </a:fld>
             <a:endParaRPr lang="fr-FR"/>
           </a:p>
@@ -1255,7 +1255,7 @@
     </p:spTree>
     <p:extLst>
       <p:ext uri="{BB962C8B-B14F-4D97-AF65-F5344CB8AC3E}">
-        <p14:creationId xmlns:p14="http://schemas.microsoft.com/office/powerpoint/2010/main" val="3928124383"/>
+        <p14:creationId xmlns:p14="http://schemas.microsoft.com/office/powerpoint/2010/main" val="3082312687"/>
       </p:ext>
     </p:extLst>
   </p:cSld>
@@ -1294,15 +1294,15 @@
         </p:nvSpPr>
         <p:spPr>
           <a:xfrm>
-            <a:off x="368484" y="1122017"/>
-            <a:ext cx="4658082" cy="1872109"/>
+            <a:off x="368484" y="628091"/>
+            <a:ext cx="4658082" cy="1047985"/>
           </a:xfrm>
         </p:spPr>
         <p:txBody>
           <a:bodyPr anchor="b"/>
           <a:lstStyle>
             <a:lvl1pPr>
-              <a:defRPr sz="3544"/>
+              <a:defRPr sz="2204"/>
             </a:lvl1pPr>
           </a:lstStyle>
           <a:p>
@@ -1326,8 +1326,8 @@
         </p:nvSpPr>
         <p:spPr>
           <a:xfrm>
-            <a:off x="368484" y="3011836"/>
-            <a:ext cx="4658082" cy="984498"/>
+            <a:off x="368484" y="1685991"/>
+            <a:ext cx="4658082" cy="551110"/>
           </a:xfrm>
         </p:spPr>
         <p:txBody>
@@ -1335,15 +1335,17 @@
           <a:lstStyle>
             <a:lvl1pPr marL="0" indent="0">
               <a:buNone/>
-              <a:defRPr sz="1417">
+              <a:defRPr sz="882">
                 <a:solidFill>
-                  <a:schemeClr val="tx1"/>
+                  <a:schemeClr val="tx1">
+                    <a:tint val="75000"/>
+                  </a:schemeClr>
                 </a:solidFill>
               </a:defRPr>
             </a:lvl1pPr>
-            <a:lvl2pPr marL="270022" indent="0">
+            <a:lvl2pPr marL="167975" indent="0">
               <a:buNone/>
-              <a:defRPr sz="1181">
+              <a:defRPr sz="735">
                 <a:solidFill>
                   <a:schemeClr val="tx1">
                     <a:tint val="75000"/>
@@ -1351,9 +1353,9 @@
                 </a:solidFill>
               </a:defRPr>
             </a:lvl2pPr>
-            <a:lvl3pPr marL="540045" indent="0">
+            <a:lvl3pPr marL="335951" indent="0">
               <a:buNone/>
-              <a:defRPr sz="1063">
+              <a:defRPr sz="661">
                 <a:solidFill>
                   <a:schemeClr val="tx1">
                     <a:tint val="75000"/>
@@ -1361,9 +1363,9 @@
                 </a:solidFill>
               </a:defRPr>
             </a:lvl3pPr>
-            <a:lvl4pPr marL="810067" indent="0">
+            <a:lvl4pPr marL="503926" indent="0">
               <a:buNone/>
-              <a:defRPr sz="945">
+              <a:defRPr sz="588">
                 <a:solidFill>
                   <a:schemeClr val="tx1">
                     <a:tint val="75000"/>
@@ -1371,9 +1373,9 @@
                 </a:solidFill>
               </a:defRPr>
             </a:lvl4pPr>
-            <a:lvl5pPr marL="1080089" indent="0">
+            <a:lvl5pPr marL="671901" indent="0">
               <a:buNone/>
-              <a:defRPr sz="945">
+              <a:defRPr sz="588">
                 <a:solidFill>
                   <a:schemeClr val="tx1">
                     <a:tint val="75000"/>
@@ -1381,9 +1383,9 @@
                 </a:solidFill>
               </a:defRPr>
             </a:lvl5pPr>
-            <a:lvl6pPr marL="1350112" indent="0">
+            <a:lvl6pPr marL="839876" indent="0">
               <a:buNone/>
-              <a:defRPr sz="945">
+              <a:defRPr sz="588">
                 <a:solidFill>
                   <a:schemeClr val="tx1">
                     <a:tint val="75000"/>
@@ -1391,9 +1393,9 @@
                 </a:solidFill>
               </a:defRPr>
             </a:lvl6pPr>
-            <a:lvl7pPr marL="1620134" indent="0">
+            <a:lvl7pPr marL="1007852" indent="0">
               <a:buNone/>
-              <a:defRPr sz="945">
+              <a:defRPr sz="588">
                 <a:solidFill>
                   <a:schemeClr val="tx1">
                     <a:tint val="75000"/>
@@ -1401,9 +1403,9 @@
                 </a:solidFill>
               </a:defRPr>
             </a:lvl7pPr>
-            <a:lvl8pPr marL="1890156" indent="0">
+            <a:lvl8pPr marL="1175827" indent="0">
               <a:buNone/>
-              <a:defRPr sz="945">
+              <a:defRPr sz="588">
                 <a:solidFill>
                   <a:schemeClr val="tx1">
                     <a:tint val="75000"/>
@@ -1411,9 +1413,9 @@
                 </a:solidFill>
               </a:defRPr>
             </a:lvl8pPr>
-            <a:lvl9pPr marL="2160179" indent="0">
+            <a:lvl9pPr marL="1343802" indent="0">
               <a:buNone/>
-              <a:defRPr sz="945">
+              <a:defRPr sz="588">
                 <a:solidFill>
                   <a:schemeClr val="tx1">
                     <a:tint val="75000"/>
@@ -1448,7 +1450,7 @@
           <a:p>
             <a:fld id="{9A568DE9-78C7-6145-A01B-879F4074346E}" type="datetimeFigureOut">
               <a:rPr lang="fr-FR" smtClean="0"/>
-              <a:t>09/07/2025</a:t>
+              <a:t>15/07/2025</a:t>
             </a:fld>
             <a:endParaRPr lang="fr-FR"/>
           </a:p>
@@ -1499,7 +1501,7 @@
     </p:spTree>
     <p:extLst>
       <p:ext uri="{BB962C8B-B14F-4D97-AF65-F5344CB8AC3E}">
-        <p14:creationId xmlns:p14="http://schemas.microsoft.com/office/powerpoint/2010/main" val="2408947649"/>
+        <p14:creationId xmlns:p14="http://schemas.microsoft.com/office/powerpoint/2010/main" val="3764460270"/>
       </p:ext>
     </p:extLst>
   </p:cSld>
@@ -1561,8 +1563,8 @@
         </p:nvSpPr>
         <p:spPr>
           <a:xfrm>
-            <a:off x="371296" y="1198066"/>
-            <a:ext cx="2295287" cy="2855566"/>
+            <a:off x="371296" y="670664"/>
+            <a:ext cx="2295287" cy="1598513"/>
           </a:xfrm>
         </p:spPr>
         <p:txBody>
@@ -1618,8 +1620,8 @@
         </p:nvSpPr>
         <p:spPr>
           <a:xfrm>
-            <a:off x="2734092" y="1198066"/>
-            <a:ext cx="2295287" cy="2855566"/>
+            <a:off x="2734092" y="670664"/>
+            <a:ext cx="2295287" cy="1598513"/>
           </a:xfrm>
         </p:spPr>
         <p:txBody>
@@ -1680,7 +1682,7 @@
           <a:p>
             <a:fld id="{9A568DE9-78C7-6145-A01B-879F4074346E}" type="datetimeFigureOut">
               <a:rPr lang="fr-FR" smtClean="0"/>
-              <a:t>09/07/2025</a:t>
+              <a:t>15/07/2025</a:t>
             </a:fld>
             <a:endParaRPr lang="fr-FR"/>
           </a:p>
@@ -1731,7 +1733,7 @@
     </p:spTree>
     <p:extLst>
       <p:ext uri="{BB962C8B-B14F-4D97-AF65-F5344CB8AC3E}">
-        <p14:creationId xmlns:p14="http://schemas.microsoft.com/office/powerpoint/2010/main" val="2007275710"/>
+        <p14:creationId xmlns:p14="http://schemas.microsoft.com/office/powerpoint/2010/main" val="2822544541"/>
       </p:ext>
     </p:extLst>
   </p:cSld>
@@ -1770,8 +1772,8 @@
         </p:nvSpPr>
         <p:spPr>
           <a:xfrm>
-            <a:off x="372000" y="239614"/>
-            <a:ext cx="4658082" cy="869901"/>
+            <a:off x="372000" y="134133"/>
+            <a:ext cx="4658082" cy="486960"/>
           </a:xfrm>
         </p:spPr>
         <p:txBody>
@@ -1798,8 +1800,8 @@
         </p:nvSpPr>
         <p:spPr>
           <a:xfrm>
-            <a:off x="372001" y="1103263"/>
-            <a:ext cx="2284738" cy="540692"/>
+            <a:off x="372000" y="617594"/>
+            <a:ext cx="2284738" cy="302673"/>
           </a:xfrm>
         </p:spPr>
         <p:txBody>
@@ -1807,39 +1809,39 @@
           <a:lstStyle>
             <a:lvl1pPr marL="0" indent="0">
               <a:buNone/>
-              <a:defRPr sz="1417" b="1"/>
+              <a:defRPr sz="882" b="1"/>
             </a:lvl1pPr>
-            <a:lvl2pPr marL="270022" indent="0">
+            <a:lvl2pPr marL="167975" indent="0">
               <a:buNone/>
-              <a:defRPr sz="1181" b="1"/>
+              <a:defRPr sz="735" b="1"/>
             </a:lvl2pPr>
-            <a:lvl3pPr marL="540045" indent="0">
+            <a:lvl3pPr marL="335951" indent="0">
               <a:buNone/>
-              <a:defRPr sz="1063" b="1"/>
+              <a:defRPr sz="661" b="1"/>
             </a:lvl3pPr>
-            <a:lvl4pPr marL="810067" indent="0">
+            <a:lvl4pPr marL="503926" indent="0">
               <a:buNone/>
-              <a:defRPr sz="945" b="1"/>
+              <a:defRPr sz="588" b="1"/>
             </a:lvl4pPr>
-            <a:lvl5pPr marL="1080089" indent="0">
+            <a:lvl5pPr marL="671901" indent="0">
               <a:buNone/>
-              <a:defRPr sz="945" b="1"/>
+              <a:defRPr sz="588" b="1"/>
             </a:lvl5pPr>
-            <a:lvl6pPr marL="1350112" indent="0">
+            <a:lvl6pPr marL="839876" indent="0">
               <a:buNone/>
-              <a:defRPr sz="945" b="1"/>
+              <a:defRPr sz="588" b="1"/>
             </a:lvl6pPr>
-            <a:lvl7pPr marL="1620134" indent="0">
+            <a:lvl7pPr marL="1007852" indent="0">
               <a:buNone/>
-              <a:defRPr sz="945" b="1"/>
+              <a:defRPr sz="588" b="1"/>
             </a:lvl7pPr>
-            <a:lvl8pPr marL="1890156" indent="0">
+            <a:lvl8pPr marL="1175827" indent="0">
               <a:buNone/>
-              <a:defRPr sz="945" b="1"/>
+              <a:defRPr sz="588" b="1"/>
             </a:lvl8pPr>
-            <a:lvl9pPr marL="2160179" indent="0">
+            <a:lvl9pPr marL="1343802" indent="0">
               <a:buNone/>
-              <a:defRPr sz="945" b="1"/>
+              <a:defRPr sz="588" b="1"/>
             </a:lvl9pPr>
           </a:lstStyle>
           <a:p>
@@ -1863,8 +1865,8 @@
         </p:nvSpPr>
         <p:spPr>
           <a:xfrm>
-            <a:off x="372001" y="1643956"/>
-            <a:ext cx="2284738" cy="2418011"/>
+            <a:off x="372000" y="920267"/>
+            <a:ext cx="2284738" cy="1353575"/>
           </a:xfrm>
         </p:spPr>
         <p:txBody>
@@ -1920,8 +1922,8 @@
         </p:nvSpPr>
         <p:spPr>
           <a:xfrm>
-            <a:off x="2734092" y="1103263"/>
-            <a:ext cx="2295990" cy="540692"/>
+            <a:off x="2734092" y="617594"/>
+            <a:ext cx="2295990" cy="302673"/>
           </a:xfrm>
         </p:spPr>
         <p:txBody>
@@ -1929,39 +1931,39 @@
           <a:lstStyle>
             <a:lvl1pPr marL="0" indent="0">
               <a:buNone/>
-              <a:defRPr sz="1417" b="1"/>
+              <a:defRPr sz="882" b="1"/>
             </a:lvl1pPr>
-            <a:lvl2pPr marL="270022" indent="0">
+            <a:lvl2pPr marL="167975" indent="0">
               <a:buNone/>
-              <a:defRPr sz="1181" b="1"/>
+              <a:defRPr sz="735" b="1"/>
             </a:lvl2pPr>
-            <a:lvl3pPr marL="540045" indent="0">
+            <a:lvl3pPr marL="335951" indent="0">
               <a:buNone/>
-              <a:defRPr sz="1063" b="1"/>
+              <a:defRPr sz="661" b="1"/>
             </a:lvl3pPr>
-            <a:lvl4pPr marL="810067" indent="0">
+            <a:lvl4pPr marL="503926" indent="0">
               <a:buNone/>
-              <a:defRPr sz="945" b="1"/>
+              <a:defRPr sz="588" b="1"/>
             </a:lvl4pPr>
-            <a:lvl5pPr marL="1080089" indent="0">
+            <a:lvl5pPr marL="671901" indent="0">
               <a:buNone/>
-              <a:defRPr sz="945" b="1"/>
+              <a:defRPr sz="588" b="1"/>
             </a:lvl5pPr>
-            <a:lvl6pPr marL="1350112" indent="0">
+            <a:lvl6pPr marL="839876" indent="0">
               <a:buNone/>
-              <a:defRPr sz="945" b="1"/>
+              <a:defRPr sz="588" b="1"/>
             </a:lvl6pPr>
-            <a:lvl7pPr marL="1620134" indent="0">
+            <a:lvl7pPr marL="1007852" indent="0">
               <a:buNone/>
-              <a:defRPr sz="945" b="1"/>
+              <a:defRPr sz="588" b="1"/>
             </a:lvl7pPr>
-            <a:lvl8pPr marL="1890156" indent="0">
+            <a:lvl8pPr marL="1175827" indent="0">
               <a:buNone/>
-              <a:defRPr sz="945" b="1"/>
+              <a:defRPr sz="588" b="1"/>
             </a:lvl8pPr>
-            <a:lvl9pPr marL="2160179" indent="0">
+            <a:lvl9pPr marL="1343802" indent="0">
               <a:buNone/>
-              <a:defRPr sz="945" b="1"/>
+              <a:defRPr sz="588" b="1"/>
             </a:lvl9pPr>
           </a:lstStyle>
           <a:p>
@@ -1985,8 +1987,8 @@
         </p:nvSpPr>
         <p:spPr>
           <a:xfrm>
-            <a:off x="2734092" y="1643956"/>
-            <a:ext cx="2295990" cy="2418011"/>
+            <a:off x="2734092" y="920267"/>
+            <a:ext cx="2295990" cy="1353575"/>
           </a:xfrm>
         </p:spPr>
         <p:txBody>
@@ -2047,7 +2049,7 @@
           <a:p>
             <a:fld id="{9A568DE9-78C7-6145-A01B-879F4074346E}" type="datetimeFigureOut">
               <a:rPr lang="fr-FR" smtClean="0"/>
-              <a:t>09/07/2025</a:t>
+              <a:t>15/07/2025</a:t>
             </a:fld>
             <a:endParaRPr lang="fr-FR"/>
           </a:p>
@@ -2098,7 +2100,7 @@
     </p:spTree>
     <p:extLst>
       <p:ext uri="{BB962C8B-B14F-4D97-AF65-F5344CB8AC3E}">
-        <p14:creationId xmlns:p14="http://schemas.microsoft.com/office/powerpoint/2010/main" val="4016949951"/>
+        <p14:creationId xmlns:p14="http://schemas.microsoft.com/office/powerpoint/2010/main" val="1382278265"/>
       </p:ext>
     </p:extLst>
   </p:cSld>
@@ -2165,7 +2167,7 @@
           <a:p>
             <a:fld id="{9A568DE9-78C7-6145-A01B-879F4074346E}" type="datetimeFigureOut">
               <a:rPr lang="fr-FR" smtClean="0"/>
-              <a:t>09/07/2025</a:t>
+              <a:t>15/07/2025</a:t>
             </a:fld>
             <a:endParaRPr lang="fr-FR"/>
           </a:p>
@@ -2216,7 +2218,7 @@
     </p:spTree>
     <p:extLst>
       <p:ext uri="{BB962C8B-B14F-4D97-AF65-F5344CB8AC3E}">
-        <p14:creationId xmlns:p14="http://schemas.microsoft.com/office/powerpoint/2010/main" val="630267743"/>
+        <p14:creationId xmlns:p14="http://schemas.microsoft.com/office/powerpoint/2010/main" val="3709510069"/>
       </p:ext>
     </p:extLst>
   </p:cSld>
@@ -2260,7 +2262,7 @@
           <a:p>
             <a:fld id="{9A568DE9-78C7-6145-A01B-879F4074346E}" type="datetimeFigureOut">
               <a:rPr lang="fr-FR" smtClean="0"/>
-              <a:t>09/07/2025</a:t>
+              <a:t>15/07/2025</a:t>
             </a:fld>
             <a:endParaRPr lang="fr-FR"/>
           </a:p>
@@ -2311,7 +2313,7 @@
     </p:spTree>
     <p:extLst>
       <p:ext uri="{BB962C8B-B14F-4D97-AF65-F5344CB8AC3E}">
-        <p14:creationId xmlns:p14="http://schemas.microsoft.com/office/powerpoint/2010/main" val="3461378404"/>
+        <p14:creationId xmlns:p14="http://schemas.microsoft.com/office/powerpoint/2010/main" val="1261194566"/>
       </p:ext>
     </p:extLst>
   </p:cSld>
@@ -2350,15 +2352,15 @@
         </p:nvSpPr>
         <p:spPr>
           <a:xfrm>
-            <a:off x="372000" y="300038"/>
-            <a:ext cx="1741858" cy="1050131"/>
+            <a:off x="372000" y="167958"/>
+            <a:ext cx="1741858" cy="587851"/>
           </a:xfrm>
         </p:spPr>
         <p:txBody>
           <a:bodyPr anchor="b"/>
           <a:lstStyle>
             <a:lvl1pPr>
-              <a:defRPr sz="1890"/>
+              <a:defRPr sz="1176"/>
             </a:lvl1pPr>
           </a:lstStyle>
           <a:p>
@@ -2382,39 +2384,39 @@
         </p:nvSpPr>
         <p:spPr>
           <a:xfrm>
-            <a:off x="2295990" y="647999"/>
-            <a:ext cx="2734092" cy="3198317"/>
+            <a:off x="2295990" y="362742"/>
+            <a:ext cx="2734092" cy="1790381"/>
           </a:xfrm>
         </p:spPr>
         <p:txBody>
           <a:bodyPr/>
           <a:lstStyle>
             <a:lvl1pPr>
-              <a:defRPr sz="1890"/>
+              <a:defRPr sz="1176"/>
             </a:lvl1pPr>
             <a:lvl2pPr>
-              <a:defRPr sz="1654"/>
+              <a:defRPr sz="1029"/>
             </a:lvl2pPr>
             <a:lvl3pPr>
-              <a:defRPr sz="1417"/>
+              <a:defRPr sz="882"/>
             </a:lvl3pPr>
             <a:lvl4pPr>
-              <a:defRPr sz="1181"/>
+              <a:defRPr sz="735"/>
             </a:lvl4pPr>
             <a:lvl5pPr>
-              <a:defRPr sz="1181"/>
+              <a:defRPr sz="735"/>
             </a:lvl5pPr>
             <a:lvl6pPr>
-              <a:defRPr sz="1181"/>
+              <a:defRPr sz="735"/>
             </a:lvl6pPr>
             <a:lvl7pPr>
-              <a:defRPr sz="1181"/>
+              <a:defRPr sz="735"/>
             </a:lvl7pPr>
             <a:lvl8pPr>
-              <a:defRPr sz="1181"/>
+              <a:defRPr sz="735"/>
             </a:lvl8pPr>
             <a:lvl9pPr>
-              <a:defRPr sz="1181"/>
+              <a:defRPr sz="735"/>
             </a:lvl9pPr>
           </a:lstStyle>
           <a:p>
@@ -2467,8 +2469,8 @@
         </p:nvSpPr>
         <p:spPr>
           <a:xfrm>
-            <a:off x="372000" y="1350169"/>
-            <a:ext cx="1741858" cy="2501355"/>
+            <a:off x="372000" y="755809"/>
+            <a:ext cx="1741858" cy="1400229"/>
           </a:xfrm>
         </p:spPr>
         <p:txBody>
@@ -2476,39 +2478,39 @@
           <a:lstStyle>
             <a:lvl1pPr marL="0" indent="0">
               <a:buNone/>
-              <a:defRPr sz="945"/>
+              <a:defRPr sz="588"/>
             </a:lvl1pPr>
-            <a:lvl2pPr marL="270022" indent="0">
+            <a:lvl2pPr marL="167975" indent="0">
               <a:buNone/>
-              <a:defRPr sz="827"/>
+              <a:defRPr sz="514"/>
             </a:lvl2pPr>
-            <a:lvl3pPr marL="540045" indent="0">
+            <a:lvl3pPr marL="335951" indent="0">
               <a:buNone/>
-              <a:defRPr sz="709"/>
+              <a:defRPr sz="441"/>
             </a:lvl3pPr>
-            <a:lvl4pPr marL="810067" indent="0">
+            <a:lvl4pPr marL="503926" indent="0">
               <a:buNone/>
-              <a:defRPr sz="591"/>
+              <a:defRPr sz="367"/>
             </a:lvl4pPr>
-            <a:lvl5pPr marL="1080089" indent="0">
+            <a:lvl5pPr marL="671901" indent="0">
               <a:buNone/>
-              <a:defRPr sz="591"/>
+              <a:defRPr sz="367"/>
             </a:lvl5pPr>
-            <a:lvl6pPr marL="1350112" indent="0">
+            <a:lvl6pPr marL="839876" indent="0">
               <a:buNone/>
-              <a:defRPr sz="591"/>
+              <a:defRPr sz="367"/>
             </a:lvl6pPr>
-            <a:lvl7pPr marL="1620134" indent="0">
+            <a:lvl7pPr marL="1007852" indent="0">
               <a:buNone/>
-              <a:defRPr sz="591"/>
+              <a:defRPr sz="367"/>
             </a:lvl7pPr>
-            <a:lvl8pPr marL="1890156" indent="0">
+            <a:lvl8pPr marL="1175827" indent="0">
               <a:buNone/>
-              <a:defRPr sz="591"/>
+              <a:defRPr sz="367"/>
             </a:lvl8pPr>
-            <a:lvl9pPr marL="2160179" indent="0">
+            <a:lvl9pPr marL="1343802" indent="0">
               <a:buNone/>
-              <a:defRPr sz="591"/>
+              <a:defRPr sz="367"/>
             </a:lvl9pPr>
           </a:lstStyle>
           <a:p>
@@ -2537,7 +2539,7 @@
           <a:p>
             <a:fld id="{9A568DE9-78C7-6145-A01B-879F4074346E}" type="datetimeFigureOut">
               <a:rPr lang="fr-FR" smtClean="0"/>
-              <a:t>09/07/2025</a:t>
+              <a:t>15/07/2025</a:t>
             </a:fld>
             <a:endParaRPr lang="fr-FR"/>
           </a:p>
@@ -2588,7 +2590,7 @@
     </p:spTree>
     <p:extLst>
       <p:ext uri="{BB962C8B-B14F-4D97-AF65-F5344CB8AC3E}">
-        <p14:creationId xmlns:p14="http://schemas.microsoft.com/office/powerpoint/2010/main" val="3419679637"/>
+        <p14:creationId xmlns:p14="http://schemas.microsoft.com/office/powerpoint/2010/main" val="3626853139"/>
       </p:ext>
     </p:extLst>
   </p:cSld>
@@ -2627,15 +2629,15 @@
         </p:nvSpPr>
         <p:spPr>
           <a:xfrm>
-            <a:off x="372000" y="300038"/>
-            <a:ext cx="1741858" cy="1050131"/>
+            <a:off x="372000" y="167958"/>
+            <a:ext cx="1741858" cy="587851"/>
           </a:xfrm>
         </p:spPr>
         <p:txBody>
           <a:bodyPr anchor="b"/>
           <a:lstStyle>
             <a:lvl1pPr>
-              <a:defRPr sz="1890"/>
+              <a:defRPr sz="1176"/>
             </a:lvl1pPr>
           </a:lstStyle>
           <a:p>
@@ -2659,8 +2661,8 @@
         </p:nvSpPr>
         <p:spPr>
           <a:xfrm>
-            <a:off x="2295990" y="647999"/>
-            <a:ext cx="2734092" cy="3198317"/>
+            <a:off x="2295990" y="362742"/>
+            <a:ext cx="2734092" cy="1790381"/>
           </a:xfrm>
         </p:spPr>
         <p:txBody>
@@ -2668,39 +2670,39 @@
           <a:lstStyle>
             <a:lvl1pPr marL="0" indent="0">
               <a:buNone/>
-              <a:defRPr sz="1890"/>
+              <a:defRPr sz="1176"/>
             </a:lvl1pPr>
-            <a:lvl2pPr marL="270022" indent="0">
+            <a:lvl2pPr marL="167975" indent="0">
               <a:buNone/>
-              <a:defRPr sz="1654"/>
+              <a:defRPr sz="1029"/>
             </a:lvl2pPr>
-            <a:lvl3pPr marL="540045" indent="0">
+            <a:lvl3pPr marL="335951" indent="0">
               <a:buNone/>
-              <a:defRPr sz="1417"/>
+              <a:defRPr sz="882"/>
             </a:lvl3pPr>
-            <a:lvl4pPr marL="810067" indent="0">
+            <a:lvl4pPr marL="503926" indent="0">
               <a:buNone/>
-              <a:defRPr sz="1181"/>
+              <a:defRPr sz="735"/>
             </a:lvl4pPr>
-            <a:lvl5pPr marL="1080089" indent="0">
+            <a:lvl5pPr marL="671901" indent="0">
               <a:buNone/>
-              <a:defRPr sz="1181"/>
+              <a:defRPr sz="735"/>
             </a:lvl5pPr>
-            <a:lvl6pPr marL="1350112" indent="0">
+            <a:lvl6pPr marL="839876" indent="0">
               <a:buNone/>
-              <a:defRPr sz="1181"/>
+              <a:defRPr sz="735"/>
             </a:lvl6pPr>
-            <a:lvl7pPr marL="1620134" indent="0">
+            <a:lvl7pPr marL="1007852" indent="0">
               <a:buNone/>
-              <a:defRPr sz="1181"/>
+              <a:defRPr sz="735"/>
             </a:lvl7pPr>
-            <a:lvl8pPr marL="1890156" indent="0">
+            <a:lvl8pPr marL="1175827" indent="0">
               <a:buNone/>
-              <a:defRPr sz="1181"/>
+              <a:defRPr sz="735"/>
             </a:lvl8pPr>
-            <a:lvl9pPr marL="2160179" indent="0">
+            <a:lvl9pPr marL="1343802" indent="0">
               <a:buNone/>
-              <a:defRPr sz="1181"/>
+              <a:defRPr sz="735"/>
             </a:lvl9pPr>
           </a:lstStyle>
           <a:p>
@@ -2724,8 +2726,8 @@
         </p:nvSpPr>
         <p:spPr>
           <a:xfrm>
-            <a:off x="372000" y="1350169"/>
-            <a:ext cx="1741858" cy="2501355"/>
+            <a:off x="372000" y="755809"/>
+            <a:ext cx="1741858" cy="1400229"/>
           </a:xfrm>
         </p:spPr>
         <p:txBody>
@@ -2733,39 +2735,39 @@
           <a:lstStyle>
             <a:lvl1pPr marL="0" indent="0">
               <a:buNone/>
-              <a:defRPr sz="945"/>
+              <a:defRPr sz="588"/>
             </a:lvl1pPr>
-            <a:lvl2pPr marL="270022" indent="0">
+            <a:lvl2pPr marL="167975" indent="0">
               <a:buNone/>
-              <a:defRPr sz="827"/>
+              <a:defRPr sz="514"/>
             </a:lvl2pPr>
-            <a:lvl3pPr marL="540045" indent="0">
+            <a:lvl3pPr marL="335951" indent="0">
               <a:buNone/>
-              <a:defRPr sz="709"/>
+              <a:defRPr sz="441"/>
             </a:lvl3pPr>
-            <a:lvl4pPr marL="810067" indent="0">
+            <a:lvl4pPr marL="503926" indent="0">
               <a:buNone/>
-              <a:defRPr sz="591"/>
+              <a:defRPr sz="367"/>
             </a:lvl4pPr>
-            <a:lvl5pPr marL="1080089" indent="0">
+            <a:lvl5pPr marL="671901" indent="0">
               <a:buNone/>
-              <a:defRPr sz="591"/>
+              <a:defRPr sz="367"/>
             </a:lvl5pPr>
-            <a:lvl6pPr marL="1350112" indent="0">
+            <a:lvl6pPr marL="839876" indent="0">
               <a:buNone/>
-              <a:defRPr sz="591"/>
+              <a:defRPr sz="367"/>
             </a:lvl6pPr>
-            <a:lvl7pPr marL="1620134" indent="0">
+            <a:lvl7pPr marL="1007852" indent="0">
               <a:buNone/>
-              <a:defRPr sz="591"/>
+              <a:defRPr sz="367"/>
             </a:lvl7pPr>
-            <a:lvl8pPr marL="1890156" indent="0">
+            <a:lvl8pPr marL="1175827" indent="0">
               <a:buNone/>
-              <a:defRPr sz="591"/>
+              <a:defRPr sz="367"/>
             </a:lvl8pPr>
-            <a:lvl9pPr marL="2160179" indent="0">
+            <a:lvl9pPr marL="1343802" indent="0">
               <a:buNone/>
-              <a:defRPr sz="591"/>
+              <a:defRPr sz="367"/>
             </a:lvl9pPr>
           </a:lstStyle>
           <a:p>
@@ -2794,7 +2796,7 @@
           <a:p>
             <a:fld id="{9A568DE9-78C7-6145-A01B-879F4074346E}" type="datetimeFigureOut">
               <a:rPr lang="fr-FR" smtClean="0"/>
-              <a:t>09/07/2025</a:t>
+              <a:t>15/07/2025</a:t>
             </a:fld>
             <a:endParaRPr lang="fr-FR"/>
           </a:p>
@@ -2845,7 +2847,7 @@
     </p:spTree>
     <p:extLst>
       <p:ext uri="{BB962C8B-B14F-4D97-AF65-F5344CB8AC3E}">
-        <p14:creationId xmlns:p14="http://schemas.microsoft.com/office/powerpoint/2010/main" val="3439015256"/>
+        <p14:creationId xmlns:p14="http://schemas.microsoft.com/office/powerpoint/2010/main" val="1696936546"/>
       </p:ext>
     </p:extLst>
   </p:cSld>
@@ -2889,8 +2891,8 @@
         </p:nvSpPr>
         <p:spPr>
           <a:xfrm>
-            <a:off x="371297" y="239614"/>
-            <a:ext cx="4658082" cy="869901"/>
+            <a:off x="371297" y="134133"/>
+            <a:ext cx="4658082" cy="486960"/>
           </a:xfrm>
           <a:prstGeom prst="rect">
             <a:avLst/>
@@ -2922,8 +2924,8 @@
         </p:nvSpPr>
         <p:spPr>
           <a:xfrm>
-            <a:off x="371297" y="1198066"/>
-            <a:ext cx="4658082" cy="2855566"/>
+            <a:off x="371297" y="670664"/>
+            <a:ext cx="4658082" cy="1598513"/>
           </a:xfrm>
           <a:prstGeom prst="rect">
             <a:avLst/>
@@ -2984,8 +2986,8 @@
         </p:nvSpPr>
         <p:spPr>
           <a:xfrm>
-            <a:off x="371296" y="4171356"/>
-            <a:ext cx="1215152" cy="239613"/>
+            <a:off x="371296" y="2335076"/>
+            <a:ext cx="1215152" cy="134133"/>
           </a:xfrm>
           <a:prstGeom prst="rect">
             <a:avLst/>
@@ -2995,7 +2997,7 @@
           <a:bodyPr vert="horz" lIns="91440" tIns="45720" rIns="91440" bIns="45720" rtlCol="0" anchor="ctr"/>
           <a:lstStyle>
             <a:lvl1pPr algn="l">
-              <a:defRPr sz="709">
+              <a:defRPr sz="441">
                 <a:solidFill>
                   <a:schemeClr val="tx1">
                     <a:tint val="75000"/>
@@ -3007,7 +3009,7 @@
           <a:p>
             <a:fld id="{9A568DE9-78C7-6145-A01B-879F4074346E}" type="datetimeFigureOut">
               <a:rPr lang="fr-FR" smtClean="0"/>
-              <a:t>09/07/2025</a:t>
+              <a:t>15/07/2025</a:t>
             </a:fld>
             <a:endParaRPr lang="fr-FR"/>
           </a:p>
@@ -3025,8 +3027,8 @@
         </p:nvSpPr>
         <p:spPr>
           <a:xfrm>
-            <a:off x="1788974" y="4171356"/>
-            <a:ext cx="1822728" cy="239613"/>
+            <a:off x="1788974" y="2335076"/>
+            <a:ext cx="1822728" cy="134133"/>
           </a:xfrm>
           <a:prstGeom prst="rect">
             <a:avLst/>
@@ -3036,7 +3038,7 @@
           <a:bodyPr vert="horz" lIns="91440" tIns="45720" rIns="91440" bIns="45720" rtlCol="0" anchor="ctr"/>
           <a:lstStyle>
             <a:lvl1pPr algn="ctr">
-              <a:defRPr sz="709">
+              <a:defRPr sz="441">
                 <a:solidFill>
                   <a:schemeClr val="tx1">
                     <a:tint val="75000"/>
@@ -3062,8 +3064,8 @@
         </p:nvSpPr>
         <p:spPr>
           <a:xfrm>
-            <a:off x="3814227" y="4171356"/>
-            <a:ext cx="1215152" cy="239613"/>
+            <a:off x="3814227" y="2335076"/>
+            <a:ext cx="1215152" cy="134133"/>
           </a:xfrm>
           <a:prstGeom prst="rect">
             <a:avLst/>
@@ -3073,7 +3075,7 @@
           <a:bodyPr vert="horz" lIns="91440" tIns="45720" rIns="91440" bIns="45720" rtlCol="0" anchor="ctr"/>
           <a:lstStyle>
             <a:lvl1pPr algn="r">
-              <a:defRPr sz="709">
+              <a:defRPr sz="441">
                 <a:solidFill>
                   <a:schemeClr val="tx1">
                     <a:tint val="75000"/>
@@ -3094,27 +3096,27 @@
     </p:spTree>
     <p:extLst>
       <p:ext uri="{BB962C8B-B14F-4D97-AF65-F5344CB8AC3E}">
-        <p14:creationId xmlns:p14="http://schemas.microsoft.com/office/powerpoint/2010/main" val="951195258"/>
+        <p14:creationId xmlns:p14="http://schemas.microsoft.com/office/powerpoint/2010/main" val="2907131727"/>
       </p:ext>
     </p:extLst>
   </p:cSld>
   <p:clrMap bg1="lt1" tx1="dk1" bg2="lt2" tx2="dk2" accent1="accent1" accent2="accent2" accent3="accent3" accent4="accent4" accent5="accent5" accent6="accent6" hlink="hlink" folHlink="folHlink"/>
   <p:sldLayoutIdLst>
-    <p:sldLayoutId id="2147483721" r:id="rId1"/>
-    <p:sldLayoutId id="2147483722" r:id="rId2"/>
-    <p:sldLayoutId id="2147483723" r:id="rId3"/>
-    <p:sldLayoutId id="2147483724" r:id="rId4"/>
-    <p:sldLayoutId id="2147483725" r:id="rId5"/>
-    <p:sldLayoutId id="2147483726" r:id="rId6"/>
-    <p:sldLayoutId id="2147483727" r:id="rId7"/>
-    <p:sldLayoutId id="2147483728" r:id="rId8"/>
-    <p:sldLayoutId id="2147483729" r:id="rId9"/>
-    <p:sldLayoutId id="2147483730" r:id="rId10"/>
-    <p:sldLayoutId id="2147483731" r:id="rId11"/>
+    <p:sldLayoutId id="2147483745" r:id="rId1"/>
+    <p:sldLayoutId id="2147483746" r:id="rId2"/>
+    <p:sldLayoutId id="2147483747" r:id="rId3"/>
+    <p:sldLayoutId id="2147483748" r:id="rId4"/>
+    <p:sldLayoutId id="2147483749" r:id="rId5"/>
+    <p:sldLayoutId id="2147483750" r:id="rId6"/>
+    <p:sldLayoutId id="2147483751" r:id="rId7"/>
+    <p:sldLayoutId id="2147483752" r:id="rId8"/>
+    <p:sldLayoutId id="2147483753" r:id="rId9"/>
+    <p:sldLayoutId id="2147483754" r:id="rId10"/>
+    <p:sldLayoutId id="2147483755" r:id="rId11"/>
   </p:sldLayoutIdLst>
   <p:txStyles>
     <p:titleStyle>
-      <a:lvl1pPr algn="l" defTabSz="540045" rtl="0" eaLnBrk="1" latinLnBrk="0" hangingPunct="1">
+      <a:lvl1pPr algn="l" defTabSz="335951" rtl="0" eaLnBrk="1" latinLnBrk="0" hangingPunct="1">
         <a:lnSpc>
           <a:spcPct val="90000"/>
         </a:lnSpc>
@@ -3122,7 +3124,7 @@
           <a:spcPct val="0"/>
         </a:spcBef>
         <a:buNone/>
-        <a:defRPr sz="2599" kern="1200">
+        <a:defRPr sz="1617" kern="1200">
           <a:solidFill>
             <a:schemeClr val="tx1"/>
           </a:solidFill>
@@ -3133,16 +3135,16 @@
       </a:lvl1pPr>
     </p:titleStyle>
     <p:bodyStyle>
-      <a:lvl1pPr marL="135011" indent="-135011" algn="l" defTabSz="540045" rtl="0" eaLnBrk="1" latinLnBrk="0" hangingPunct="1">
+      <a:lvl1pPr marL="83988" indent="-83988" algn="l" defTabSz="335951" rtl="0" eaLnBrk="1" latinLnBrk="0" hangingPunct="1">
         <a:lnSpc>
           <a:spcPct val="90000"/>
         </a:lnSpc>
         <a:spcBef>
-          <a:spcPts val="591"/>
+          <a:spcPts val="367"/>
         </a:spcBef>
         <a:buFont typeface="Arial" panose="020B0604020202020204" pitchFamily="34" charset="0"/>
         <a:buChar char="•"/>
-        <a:defRPr sz="1654" kern="1200">
+        <a:defRPr sz="1029" kern="1200">
           <a:solidFill>
             <a:schemeClr val="tx1"/>
           </a:solidFill>
@@ -3151,16 +3153,16 @@
           <a:cs typeface="+mn-cs"/>
         </a:defRPr>
       </a:lvl1pPr>
-      <a:lvl2pPr marL="405033" indent="-135011" algn="l" defTabSz="540045" rtl="0" eaLnBrk="1" latinLnBrk="0" hangingPunct="1">
+      <a:lvl2pPr marL="251963" indent="-83988" algn="l" defTabSz="335951" rtl="0" eaLnBrk="1" latinLnBrk="0" hangingPunct="1">
         <a:lnSpc>
           <a:spcPct val="90000"/>
         </a:lnSpc>
         <a:spcBef>
-          <a:spcPts val="295"/>
+          <a:spcPts val="184"/>
         </a:spcBef>
         <a:buFont typeface="Arial" panose="020B0604020202020204" pitchFamily="34" charset="0"/>
         <a:buChar char="•"/>
-        <a:defRPr sz="1417" kern="1200">
+        <a:defRPr sz="882" kern="1200">
           <a:solidFill>
             <a:schemeClr val="tx1"/>
           </a:solidFill>
@@ -3169,16 +3171,16 @@
           <a:cs typeface="+mn-cs"/>
         </a:defRPr>
       </a:lvl2pPr>
-      <a:lvl3pPr marL="675056" indent="-135011" algn="l" defTabSz="540045" rtl="0" eaLnBrk="1" latinLnBrk="0" hangingPunct="1">
+      <a:lvl3pPr marL="419938" indent="-83988" algn="l" defTabSz="335951" rtl="0" eaLnBrk="1" latinLnBrk="0" hangingPunct="1">
         <a:lnSpc>
           <a:spcPct val="90000"/>
         </a:lnSpc>
         <a:spcBef>
-          <a:spcPts val="295"/>
+          <a:spcPts val="184"/>
         </a:spcBef>
         <a:buFont typeface="Arial" panose="020B0604020202020204" pitchFamily="34" charset="0"/>
         <a:buChar char="•"/>
-        <a:defRPr sz="1181" kern="1200">
+        <a:defRPr sz="735" kern="1200">
           <a:solidFill>
             <a:schemeClr val="tx1"/>
           </a:solidFill>
@@ -3187,16 +3189,16 @@
           <a:cs typeface="+mn-cs"/>
         </a:defRPr>
       </a:lvl3pPr>
-      <a:lvl4pPr marL="945078" indent="-135011" algn="l" defTabSz="540045" rtl="0" eaLnBrk="1" latinLnBrk="0" hangingPunct="1">
+      <a:lvl4pPr marL="587913" indent="-83988" algn="l" defTabSz="335951" rtl="0" eaLnBrk="1" latinLnBrk="0" hangingPunct="1">
         <a:lnSpc>
           <a:spcPct val="90000"/>
         </a:lnSpc>
         <a:spcBef>
-          <a:spcPts val="295"/>
+          <a:spcPts val="184"/>
         </a:spcBef>
         <a:buFont typeface="Arial" panose="020B0604020202020204" pitchFamily="34" charset="0"/>
         <a:buChar char="•"/>
-        <a:defRPr sz="1063" kern="1200">
+        <a:defRPr sz="661" kern="1200">
           <a:solidFill>
             <a:schemeClr val="tx1"/>
           </a:solidFill>
@@ -3205,16 +3207,16 @@
           <a:cs typeface="+mn-cs"/>
         </a:defRPr>
       </a:lvl4pPr>
-      <a:lvl5pPr marL="1215100" indent="-135011" algn="l" defTabSz="540045" rtl="0" eaLnBrk="1" latinLnBrk="0" hangingPunct="1">
+      <a:lvl5pPr marL="755889" indent="-83988" algn="l" defTabSz="335951" rtl="0" eaLnBrk="1" latinLnBrk="0" hangingPunct="1">
         <a:lnSpc>
           <a:spcPct val="90000"/>
         </a:lnSpc>
         <a:spcBef>
-          <a:spcPts val="295"/>
+          <a:spcPts val="184"/>
         </a:spcBef>
         <a:buFont typeface="Arial" panose="020B0604020202020204" pitchFamily="34" charset="0"/>
         <a:buChar char="•"/>
-        <a:defRPr sz="1063" kern="1200">
+        <a:defRPr sz="661" kern="1200">
           <a:solidFill>
             <a:schemeClr val="tx1"/>
           </a:solidFill>
@@ -3223,16 +3225,16 @@
           <a:cs typeface="+mn-cs"/>
         </a:defRPr>
       </a:lvl5pPr>
-      <a:lvl6pPr marL="1485123" indent="-135011" algn="l" defTabSz="540045" rtl="0" eaLnBrk="1" latinLnBrk="0" hangingPunct="1">
+      <a:lvl6pPr marL="923864" indent="-83988" algn="l" defTabSz="335951" rtl="0" eaLnBrk="1" latinLnBrk="0" hangingPunct="1">
         <a:lnSpc>
           <a:spcPct val="90000"/>
         </a:lnSpc>
         <a:spcBef>
-          <a:spcPts val="295"/>
+          <a:spcPts val="184"/>
         </a:spcBef>
         <a:buFont typeface="Arial" panose="020B0604020202020204" pitchFamily="34" charset="0"/>
         <a:buChar char="•"/>
-        <a:defRPr sz="1063" kern="1200">
+        <a:defRPr sz="661" kern="1200">
           <a:solidFill>
             <a:schemeClr val="tx1"/>
           </a:solidFill>
@@ -3241,16 +3243,16 @@
           <a:cs typeface="+mn-cs"/>
         </a:defRPr>
       </a:lvl6pPr>
-      <a:lvl7pPr marL="1755145" indent="-135011" algn="l" defTabSz="540045" rtl="0" eaLnBrk="1" latinLnBrk="0" hangingPunct="1">
+      <a:lvl7pPr marL="1091839" indent="-83988" algn="l" defTabSz="335951" rtl="0" eaLnBrk="1" latinLnBrk="0" hangingPunct="1">
         <a:lnSpc>
           <a:spcPct val="90000"/>
         </a:lnSpc>
         <a:spcBef>
-          <a:spcPts val="295"/>
+          <a:spcPts val="184"/>
         </a:spcBef>
         <a:buFont typeface="Arial" panose="020B0604020202020204" pitchFamily="34" charset="0"/>
         <a:buChar char="•"/>
-        <a:defRPr sz="1063" kern="1200">
+        <a:defRPr sz="661" kern="1200">
           <a:solidFill>
             <a:schemeClr val="tx1"/>
           </a:solidFill>
@@ -3259,16 +3261,16 @@
           <a:cs typeface="+mn-cs"/>
         </a:defRPr>
       </a:lvl7pPr>
-      <a:lvl8pPr marL="2025167" indent="-135011" algn="l" defTabSz="540045" rtl="0" eaLnBrk="1" latinLnBrk="0" hangingPunct="1">
+      <a:lvl8pPr marL="1259815" indent="-83988" algn="l" defTabSz="335951" rtl="0" eaLnBrk="1" latinLnBrk="0" hangingPunct="1">
         <a:lnSpc>
           <a:spcPct val="90000"/>
         </a:lnSpc>
         <a:spcBef>
-          <a:spcPts val="295"/>
+          <a:spcPts val="184"/>
         </a:spcBef>
         <a:buFont typeface="Arial" panose="020B0604020202020204" pitchFamily="34" charset="0"/>
         <a:buChar char="•"/>
-        <a:defRPr sz="1063" kern="1200">
+        <a:defRPr sz="661" kern="1200">
           <a:solidFill>
             <a:schemeClr val="tx1"/>
           </a:solidFill>
@@ -3277,16 +3279,16 @@
           <a:cs typeface="+mn-cs"/>
         </a:defRPr>
       </a:lvl8pPr>
-      <a:lvl9pPr marL="2295190" indent="-135011" algn="l" defTabSz="540045" rtl="0" eaLnBrk="1" latinLnBrk="0" hangingPunct="1">
+      <a:lvl9pPr marL="1427790" indent="-83988" algn="l" defTabSz="335951" rtl="0" eaLnBrk="1" latinLnBrk="0" hangingPunct="1">
         <a:lnSpc>
           <a:spcPct val="90000"/>
         </a:lnSpc>
         <a:spcBef>
-          <a:spcPts val="295"/>
+          <a:spcPts val="184"/>
         </a:spcBef>
         <a:buFont typeface="Arial" panose="020B0604020202020204" pitchFamily="34" charset="0"/>
         <a:buChar char="•"/>
-        <a:defRPr sz="1063" kern="1200">
+        <a:defRPr sz="661" kern="1200">
           <a:solidFill>
             <a:schemeClr val="tx1"/>
           </a:solidFill>
@@ -3300,8 +3302,8 @@
       <a:defPPr>
         <a:defRPr lang="en-US"/>
       </a:defPPr>
-      <a:lvl1pPr marL="0" algn="l" defTabSz="540045" rtl="0" eaLnBrk="1" latinLnBrk="0" hangingPunct="1">
-        <a:defRPr sz="1063" kern="1200">
+      <a:lvl1pPr marL="0" algn="l" defTabSz="335951" rtl="0" eaLnBrk="1" latinLnBrk="0" hangingPunct="1">
+        <a:defRPr sz="661" kern="1200">
           <a:solidFill>
             <a:schemeClr val="tx1"/>
           </a:solidFill>
@@ -3310,8 +3312,8 @@
           <a:cs typeface="+mn-cs"/>
         </a:defRPr>
       </a:lvl1pPr>
-      <a:lvl2pPr marL="270022" algn="l" defTabSz="540045" rtl="0" eaLnBrk="1" latinLnBrk="0" hangingPunct="1">
-        <a:defRPr sz="1063" kern="1200">
+      <a:lvl2pPr marL="167975" algn="l" defTabSz="335951" rtl="0" eaLnBrk="1" latinLnBrk="0" hangingPunct="1">
+        <a:defRPr sz="661" kern="1200">
           <a:solidFill>
             <a:schemeClr val="tx1"/>
           </a:solidFill>
@@ -3320,8 +3322,8 @@
           <a:cs typeface="+mn-cs"/>
         </a:defRPr>
       </a:lvl2pPr>
-      <a:lvl3pPr marL="540045" algn="l" defTabSz="540045" rtl="0" eaLnBrk="1" latinLnBrk="0" hangingPunct="1">
-        <a:defRPr sz="1063" kern="1200">
+      <a:lvl3pPr marL="335951" algn="l" defTabSz="335951" rtl="0" eaLnBrk="1" latinLnBrk="0" hangingPunct="1">
+        <a:defRPr sz="661" kern="1200">
           <a:solidFill>
             <a:schemeClr val="tx1"/>
           </a:solidFill>
@@ -3330,8 +3332,8 @@
           <a:cs typeface="+mn-cs"/>
         </a:defRPr>
       </a:lvl3pPr>
-      <a:lvl4pPr marL="810067" algn="l" defTabSz="540045" rtl="0" eaLnBrk="1" latinLnBrk="0" hangingPunct="1">
-        <a:defRPr sz="1063" kern="1200">
+      <a:lvl4pPr marL="503926" algn="l" defTabSz="335951" rtl="0" eaLnBrk="1" latinLnBrk="0" hangingPunct="1">
+        <a:defRPr sz="661" kern="1200">
           <a:solidFill>
             <a:schemeClr val="tx1"/>
           </a:solidFill>
@@ -3340,8 +3342,8 @@
           <a:cs typeface="+mn-cs"/>
         </a:defRPr>
       </a:lvl4pPr>
-      <a:lvl5pPr marL="1080089" algn="l" defTabSz="540045" rtl="0" eaLnBrk="1" latinLnBrk="0" hangingPunct="1">
-        <a:defRPr sz="1063" kern="1200">
+      <a:lvl5pPr marL="671901" algn="l" defTabSz="335951" rtl="0" eaLnBrk="1" latinLnBrk="0" hangingPunct="1">
+        <a:defRPr sz="661" kern="1200">
           <a:solidFill>
             <a:schemeClr val="tx1"/>
           </a:solidFill>
@@ -3350,8 +3352,8 @@
           <a:cs typeface="+mn-cs"/>
         </a:defRPr>
       </a:lvl5pPr>
-      <a:lvl6pPr marL="1350112" algn="l" defTabSz="540045" rtl="0" eaLnBrk="1" latinLnBrk="0" hangingPunct="1">
-        <a:defRPr sz="1063" kern="1200">
+      <a:lvl6pPr marL="839876" algn="l" defTabSz="335951" rtl="0" eaLnBrk="1" latinLnBrk="0" hangingPunct="1">
+        <a:defRPr sz="661" kern="1200">
           <a:solidFill>
             <a:schemeClr val="tx1"/>
           </a:solidFill>
@@ -3360,8 +3362,8 @@
           <a:cs typeface="+mn-cs"/>
         </a:defRPr>
       </a:lvl6pPr>
-      <a:lvl7pPr marL="1620134" algn="l" defTabSz="540045" rtl="0" eaLnBrk="1" latinLnBrk="0" hangingPunct="1">
-        <a:defRPr sz="1063" kern="1200">
+      <a:lvl7pPr marL="1007852" algn="l" defTabSz="335951" rtl="0" eaLnBrk="1" latinLnBrk="0" hangingPunct="1">
+        <a:defRPr sz="661" kern="1200">
           <a:solidFill>
             <a:schemeClr val="tx1"/>
           </a:solidFill>
@@ -3370,8 +3372,8 @@
           <a:cs typeface="+mn-cs"/>
         </a:defRPr>
       </a:lvl7pPr>
-      <a:lvl8pPr marL="1890156" algn="l" defTabSz="540045" rtl="0" eaLnBrk="1" latinLnBrk="0" hangingPunct="1">
-        <a:defRPr sz="1063" kern="1200">
+      <a:lvl8pPr marL="1175827" algn="l" defTabSz="335951" rtl="0" eaLnBrk="1" latinLnBrk="0" hangingPunct="1">
+        <a:defRPr sz="661" kern="1200">
           <a:solidFill>
             <a:schemeClr val="tx1"/>
           </a:solidFill>
@@ -3380,8 +3382,8 @@
           <a:cs typeface="+mn-cs"/>
         </a:defRPr>
       </a:lvl8pPr>
-      <a:lvl9pPr marL="2160179" algn="l" defTabSz="540045" rtl="0" eaLnBrk="1" latinLnBrk="0" hangingPunct="1">
-        <a:defRPr sz="1063" kern="1200">
+      <a:lvl9pPr marL="1343802" algn="l" defTabSz="335951" rtl="0" eaLnBrk="1" latinLnBrk="0" hangingPunct="1">
+        <a:defRPr sz="661" kern="1200">
           <a:solidFill>
             <a:schemeClr val="tx1"/>
           </a:solidFill>
@@ -3414,10 +3416,10 @@
       </p:grpSpPr>
       <p:sp>
         <p:nvSpPr>
-          <p:cNvPr id="73" name="Rectangle : coins arrondis 72">
+          <p:cNvPr id="4" name="Rectangle : coins arrondis 3">
             <a:extLst>
               <a:ext uri="{FF2B5EF4-FFF2-40B4-BE49-F238E27FC236}">
-                <a16:creationId xmlns:a16="http://schemas.microsoft.com/office/drawing/2014/main" id="{C2A1F421-2320-F86C-90F5-6F451EA6A0C5}"/>
+                <a16:creationId xmlns:a16="http://schemas.microsoft.com/office/drawing/2014/main" id="{F978B96B-7472-FF63-1B51-02DE72DFE42C}"/>
               </a:ext>
             </a:extLst>
           </p:cNvPr>
@@ -3426,17 +3428,15 @@
         </p:nvSpPr>
         <p:spPr>
           <a:xfrm>
-            <a:off x="127861" y="1920921"/>
-            <a:ext cx="5144957" cy="2504710"/>
+            <a:off x="2079959" y="920552"/>
+            <a:ext cx="658191" cy="229421"/>
           </a:xfrm>
           <a:prstGeom prst="roundRect">
-            <a:avLst>
-              <a:gd name="adj" fmla="val 9081"/>
-            </a:avLst>
+            <a:avLst/>
           </a:prstGeom>
           <a:solidFill>
             <a:schemeClr val="bg1">
-              <a:lumMod val="95000"/>
+              <a:lumMod val="75000"/>
             </a:schemeClr>
           </a:solidFill>
         </p:spPr>
@@ -3461,16 +3461,148 @@
           <a:lstStyle/>
           <a:p>
             <a:pPr algn="ctr"/>
-            <a:endParaRPr lang="fr-FR" dirty="0"/>
-          </a:p>
-        </p:txBody>
-      </p:sp>
-      <p:sp>
-        <p:nvSpPr>
-          <p:cNvPr id="69" name="Rectangle : coins arrondis 68">
+            <a:endParaRPr lang="fr-FR"/>
+          </a:p>
+        </p:txBody>
+      </p:sp>
+      <p:sp>
+        <p:nvSpPr>
+          <p:cNvPr id="74" name="ZoneTexte 73">
             <a:extLst>
               <a:ext uri="{FF2B5EF4-FFF2-40B4-BE49-F238E27FC236}">
-                <a16:creationId xmlns:a16="http://schemas.microsoft.com/office/drawing/2014/main" id="{489C5316-C106-D07F-D051-B8CD41195A18}"/>
+                <a16:creationId xmlns:a16="http://schemas.microsoft.com/office/drawing/2014/main" id="{11762797-38EE-7652-7509-C45CE009CB28}"/>
+              </a:ext>
+            </a:extLst>
+          </p:cNvPr>
+          <p:cNvSpPr txBox="1"/>
+          <p:nvPr/>
+        </p:nvSpPr>
+        <p:spPr>
+          <a:xfrm>
+            <a:off x="79583" y="55237"/>
+            <a:ext cx="4001617" cy="215444"/>
+          </a:xfrm>
+          <a:prstGeom prst="rect">
+            <a:avLst/>
+          </a:prstGeom>
+          <a:noFill/>
+        </p:spPr>
+        <p:txBody>
+          <a:bodyPr wrap="square" rtlCol="0">
+            <a:spAutoFit/>
+          </a:bodyPr>
+          <a:lstStyle/>
+          <a:p>
+            <a:pPr algn="just"/>
+            <a:r>
+              <a:rPr lang="en-GB" sz="800" b="1" dirty="0"/>
+              <a:t>Development of an Innovative Multimodal Strategy to Predict Steatohepatitis.</a:t>
+            </a:r>
+          </a:p>
+        </p:txBody>
+      </p:sp>
+      <p:sp>
+        <p:nvSpPr>
+          <p:cNvPr id="79" name="ZoneTexte 78">
+            <a:extLst>
+              <a:ext uri="{FF2B5EF4-FFF2-40B4-BE49-F238E27FC236}">
+                <a16:creationId xmlns:a16="http://schemas.microsoft.com/office/drawing/2014/main" id="{18AE7EF2-DF27-ABBF-9043-493680FCA0E5}"/>
+              </a:ext>
+            </a:extLst>
+          </p:cNvPr>
+          <p:cNvSpPr txBox="1"/>
+          <p:nvPr/>
+        </p:nvSpPr>
+        <p:spPr>
+          <a:xfrm>
+            <a:off x="-103672" y="648123"/>
+            <a:ext cx="1658097" cy="215444"/>
+          </a:xfrm>
+          <a:prstGeom prst="rect">
+            <a:avLst/>
+          </a:prstGeom>
+          <a:noFill/>
+        </p:spPr>
+        <p:txBody>
+          <a:bodyPr wrap="square" rtlCol="0">
+            <a:spAutoFit/>
+          </a:bodyPr>
+          <a:lstStyle/>
+          <a:p>
+            <a:pPr algn="ctr"/>
+            <a:r>
+              <a:rPr lang="en-GB" sz="800" u="sng" dirty="0"/>
+              <a:t>Strategy n°1</a:t>
+            </a:r>
+            <a:r>
+              <a:rPr lang="en-GB" sz="800" dirty="0"/>
+              <a:t>: </a:t>
+            </a:r>
+            <a:r>
+              <a:rPr lang="en-GB" sz="800" b="1" dirty="0"/>
+              <a:t>Unimodal data</a:t>
+            </a:r>
+          </a:p>
+        </p:txBody>
+      </p:sp>
+      <p:sp>
+        <p:nvSpPr>
+          <p:cNvPr id="80" name="ZoneTexte 79">
+            <a:extLst>
+              <a:ext uri="{FF2B5EF4-FFF2-40B4-BE49-F238E27FC236}">
+                <a16:creationId xmlns:a16="http://schemas.microsoft.com/office/drawing/2014/main" id="{C2A6EDE1-26D4-C51C-1081-B5BBBFAB63AD}"/>
+              </a:ext>
+            </a:extLst>
+          </p:cNvPr>
+          <p:cNvSpPr txBox="1"/>
+          <p:nvPr/>
+        </p:nvSpPr>
+        <p:spPr>
+          <a:xfrm>
+            <a:off x="1613352" y="642348"/>
+            <a:ext cx="1756856" cy="215444"/>
+          </a:xfrm>
+          <a:prstGeom prst="rect">
+            <a:avLst/>
+          </a:prstGeom>
+          <a:noFill/>
+        </p:spPr>
+        <p:txBody>
+          <a:bodyPr wrap="square" rtlCol="0">
+            <a:spAutoFit/>
+          </a:bodyPr>
+          <a:lstStyle/>
+          <a:p>
+            <a:pPr algn="just"/>
+            <a:r>
+              <a:rPr lang="en-GB" sz="800" u="sng" dirty="0"/>
+              <a:t>Strategy n°2</a:t>
+            </a:r>
+            <a:r>
+              <a:rPr lang="en-GB" sz="800" dirty="0"/>
+              <a:t>: </a:t>
+            </a:r>
+            <a:r>
+              <a:rPr lang="en-GB" sz="800" b="1" dirty="0"/>
+              <a:t>Pooled</a:t>
+            </a:r>
+            <a:r>
+              <a:rPr lang="en-GB" sz="800" dirty="0"/>
+              <a:t> </a:t>
+            </a:r>
+            <a:r>
+              <a:rPr lang="en-GB" sz="800" b="1" dirty="0"/>
+              <a:t>data integration </a:t>
+            </a:r>
+          </a:p>
+        </p:txBody>
+      </p:sp>
+      <p:sp>
+        <p:nvSpPr>
+          <p:cNvPr id="82" name="Rectangle : coins arrondis 81">
+            <a:extLst>
+              <a:ext uri="{FF2B5EF4-FFF2-40B4-BE49-F238E27FC236}">
+                <a16:creationId xmlns:a16="http://schemas.microsoft.com/office/drawing/2014/main" id="{AD176429-E1B7-EF4D-B3E5-DBCCC618697F}"/>
               </a:ext>
             </a:extLst>
           </p:cNvPr>
@@ -3479,17 +3611,13 @@
         </p:nvSpPr>
         <p:spPr>
           <a:xfrm>
-            <a:off x="2642732" y="52667"/>
-            <a:ext cx="2612639" cy="1806688"/>
+            <a:off x="137499" y="293143"/>
+            <a:ext cx="4359517" cy="287256"/>
           </a:xfrm>
           <a:prstGeom prst="roundRect">
             <a:avLst/>
           </a:prstGeom>
-          <a:solidFill>
-            <a:schemeClr val="bg1">
-              <a:lumMod val="95000"/>
-            </a:schemeClr>
-          </a:solidFill>
+          <a:noFill/>
         </p:spPr>
         <p:style>
           <a:lnRef idx="2">
@@ -3512,16 +3640,46 @@
           <a:lstStyle/>
           <a:p>
             <a:pPr algn="ctr"/>
-            <a:endParaRPr lang="fr-FR" dirty="0"/>
-          </a:p>
-        </p:txBody>
-      </p:sp>
-      <p:sp>
-        <p:nvSpPr>
-          <p:cNvPr id="70" name="Rectangle : coins arrondis 69">
+            <a:endParaRPr lang="en-GB" dirty="0"/>
+          </a:p>
+        </p:txBody>
+      </p:sp>
+      <p:pic>
+        <p:nvPicPr>
+          <p:cNvPr id="86" name="Image 85">
             <a:extLst>
               <a:ext uri="{FF2B5EF4-FFF2-40B4-BE49-F238E27FC236}">
-                <a16:creationId xmlns:a16="http://schemas.microsoft.com/office/drawing/2014/main" id="{D6F3D60A-B5DA-3BBD-DCA8-15C2AF8998A0}"/>
+                <a16:creationId xmlns:a16="http://schemas.microsoft.com/office/drawing/2014/main" id="{DC6B8F2D-4A4F-F5E2-9064-29F1743C7E5C}"/>
+              </a:ext>
+            </a:extLst>
+          </p:cNvPr>
+          <p:cNvPicPr>
+            <a:picLocks noChangeAspect="1"/>
+          </p:cNvPicPr>
+          <p:nvPr/>
+        </p:nvPicPr>
+        <p:blipFill>
+          <a:blip r:embed="rId3"/>
+          <a:stretch>
+            <a:fillRect/>
+          </a:stretch>
+        </p:blipFill>
+        <p:spPr>
+          <a:xfrm>
+            <a:off x="166094" y="311832"/>
+            <a:ext cx="239348" cy="239348"/>
+          </a:xfrm>
+          <a:prstGeom prst="rect">
+            <a:avLst/>
+          </a:prstGeom>
+        </p:spPr>
+      </p:pic>
+      <p:sp>
+        <p:nvSpPr>
+          <p:cNvPr id="103" name="Flèche vers la gauche 102">
+            <a:extLst>
+              <a:ext uri="{FF2B5EF4-FFF2-40B4-BE49-F238E27FC236}">
+                <a16:creationId xmlns:a16="http://schemas.microsoft.com/office/drawing/2014/main" id="{26D75E03-134C-2748-F1AC-6C06561E3462}"/>
               </a:ext>
             </a:extLst>
           </p:cNvPr>
@@ -3529,16 +3687,109 @@
           <p:nvPr/>
         </p:nvSpPr>
         <p:spPr>
-          <a:xfrm>
-            <a:off x="4239261" y="1441462"/>
-            <a:ext cx="870400" cy="907442"/>
+          <a:xfrm rot="16200000">
+            <a:off x="125277" y="1224859"/>
+            <a:ext cx="274136" cy="197308"/>
+          </a:xfrm>
+          <a:prstGeom prst="leftArrow">
+            <a:avLst/>
+          </a:prstGeom>
+          <a:solidFill>
+            <a:schemeClr val="bg2">
+              <a:lumMod val="75000"/>
+            </a:schemeClr>
+          </a:solidFill>
+          <a:ln>
+            <a:solidFill>
+              <a:schemeClr val="tx1">
+                <a:lumMod val="95000"/>
+                <a:lumOff val="5000"/>
+              </a:schemeClr>
+            </a:solidFill>
+          </a:ln>
+        </p:spPr>
+        <p:style>
+          <a:lnRef idx="3">
+            <a:schemeClr val="lt1"/>
+          </a:lnRef>
+          <a:fillRef idx="1">
+            <a:schemeClr val="dk1"/>
+          </a:fillRef>
+          <a:effectRef idx="1">
+            <a:schemeClr val="dk1"/>
+          </a:effectRef>
+          <a:fontRef idx="minor">
+            <a:schemeClr val="lt1"/>
+          </a:fontRef>
+        </p:style>
+        <p:txBody>
+          <a:bodyPr rtlCol="0" anchor="ctr"/>
+          <a:lstStyle/>
+          <a:p>
+            <a:pPr algn="ctr"/>
+            <a:endParaRPr lang="fr-FR"/>
+          </a:p>
+        </p:txBody>
+      </p:sp>
+      <p:sp>
+        <p:nvSpPr>
+          <p:cNvPr id="113" name="ZoneTexte 112">
+            <a:extLst>
+              <a:ext uri="{FF2B5EF4-FFF2-40B4-BE49-F238E27FC236}">
+                <a16:creationId xmlns:a16="http://schemas.microsoft.com/office/drawing/2014/main" id="{E5DCF8BD-628E-F0F7-54F6-3C3E391316B9}"/>
+              </a:ext>
+            </a:extLst>
+          </p:cNvPr>
+          <p:cNvSpPr txBox="1"/>
+          <p:nvPr/>
+        </p:nvSpPr>
+        <p:spPr>
+          <a:xfrm>
+            <a:off x="79726" y="1463731"/>
+            <a:ext cx="397866" cy="276999"/>
+          </a:xfrm>
+          <a:prstGeom prst="rect">
+            <a:avLst/>
+          </a:prstGeom>
+          <a:noFill/>
+        </p:spPr>
+        <p:txBody>
+          <a:bodyPr wrap="none" rtlCol="0">
+            <a:spAutoFit/>
+          </a:bodyPr>
+          <a:lstStyle/>
+          <a:p>
+            <a:r>
+              <a:rPr lang="fr-FR" sz="1200" b="1" dirty="0"/>
+              <a:t>M1</a:t>
+            </a:r>
+          </a:p>
+        </p:txBody>
+      </p:sp>
+      <p:sp>
+        <p:nvSpPr>
+          <p:cNvPr id="2" name="Rectangle : coins arrondis 1">
+            <a:extLst>
+              <a:ext uri="{FF2B5EF4-FFF2-40B4-BE49-F238E27FC236}">
+                <a16:creationId xmlns:a16="http://schemas.microsoft.com/office/drawing/2014/main" id="{775BE4EA-6224-A865-F644-1FCAAA8F0DE7}"/>
+              </a:ext>
+            </a:extLst>
+          </p:cNvPr>
+          <p:cNvSpPr/>
+          <p:nvPr/>
+        </p:nvSpPr>
+        <p:spPr>
+          <a:xfrm>
+            <a:off x="161088" y="929307"/>
+            <a:ext cx="197307" cy="185215"/>
           </a:xfrm>
           <a:prstGeom prst="roundRect">
             <a:avLst/>
           </a:prstGeom>
           <a:solidFill>
-            <a:schemeClr val="bg2">
-              <a:lumMod val="50000"/>
+            <a:schemeClr val="accent6">
+              <a:lumMod val="20000"/>
+              <a:lumOff val="80000"/>
             </a:schemeClr>
           </a:solidFill>
         </p:spPr>
@@ -3569,10 +3820,10 @@
       </p:sp>
       <p:sp>
         <p:nvSpPr>
-          <p:cNvPr id="67" name="Rectangle : coins arrondis 66">
+          <p:cNvPr id="6" name="Rectangle : coins arrondis 5">
             <a:extLst>
               <a:ext uri="{FF2B5EF4-FFF2-40B4-BE49-F238E27FC236}">
-                <a16:creationId xmlns:a16="http://schemas.microsoft.com/office/drawing/2014/main" id="{1DB06275-5D3F-CF79-9B46-B85E4691027E}"/>
+                <a16:creationId xmlns:a16="http://schemas.microsoft.com/office/drawing/2014/main" id="{6F984FF6-9D9D-B60D-1802-2802C3F35CAC}"/>
               </a:ext>
             </a:extLst>
           </p:cNvPr>
@@ -3581,15 +3832,16 @@
         </p:nvSpPr>
         <p:spPr>
           <a:xfrm>
-            <a:off x="110409" y="52667"/>
-            <a:ext cx="2417858" cy="1806688"/>
+            <a:off x="586830" y="935668"/>
+            <a:ext cx="197307" cy="185215"/>
           </a:xfrm>
           <a:prstGeom prst="roundRect">
             <a:avLst/>
           </a:prstGeom>
           <a:solidFill>
-            <a:schemeClr val="bg1">
-              <a:lumMod val="95000"/>
+            <a:schemeClr val="accent5">
+              <a:lumMod val="20000"/>
+              <a:lumOff val="80000"/>
             </a:schemeClr>
           </a:solidFill>
         </p:spPr>
@@ -3614,513 +3866,16 @@
           <a:lstStyle/>
           <a:p>
             <a:pPr algn="ctr"/>
-            <a:endParaRPr lang="fr-FR" dirty="0"/>
-          </a:p>
-        </p:txBody>
-      </p:sp>
-      <p:grpSp>
-        <p:nvGrpSpPr>
-          <p:cNvPr id="31" name="Groupe 30">
+            <a:endParaRPr lang="fr-FR"/>
+          </a:p>
+        </p:txBody>
+      </p:sp>
+      <p:sp>
+        <p:nvSpPr>
+          <p:cNvPr id="10" name="Rectangle : coins arrondis 9">
             <a:extLst>
               <a:ext uri="{FF2B5EF4-FFF2-40B4-BE49-F238E27FC236}">
-                <a16:creationId xmlns:a16="http://schemas.microsoft.com/office/drawing/2014/main" id="{C45BD724-632A-617F-7FA8-31247422416D}"/>
-              </a:ext>
-            </a:extLst>
-          </p:cNvPr>
-          <p:cNvGrpSpPr>
-            <a:grpSpLocks noChangeAspect="1"/>
-          </p:cNvGrpSpPr>
-          <p:nvPr/>
-        </p:nvGrpSpPr>
-        <p:grpSpPr>
-          <a:xfrm>
-            <a:off x="407952" y="303094"/>
-            <a:ext cx="1945984" cy="893167"/>
-            <a:chOff x="-106072" y="-1"/>
-            <a:chExt cx="2197384" cy="1008556"/>
-          </a:xfrm>
-        </p:grpSpPr>
-        <p:sp>
-          <p:nvSpPr>
-            <p:cNvPr id="42" name="Triangle rectangle 41">
-              <a:extLst>
-                <a:ext uri="{FF2B5EF4-FFF2-40B4-BE49-F238E27FC236}">
-                  <a16:creationId xmlns:a16="http://schemas.microsoft.com/office/drawing/2014/main" id="{3E4410E2-BBBF-05A6-9732-B8CDC8B70399}"/>
-                </a:ext>
-              </a:extLst>
-            </p:cNvPr>
-            <p:cNvSpPr/>
-            <p:nvPr/>
-          </p:nvSpPr>
-          <p:spPr>
-            <a:xfrm rot="10800000">
-              <a:off x="154448" y="746549"/>
-              <a:ext cx="1847316" cy="262006"/>
-            </a:xfrm>
-            <a:prstGeom prst="rtTriangle">
-              <a:avLst/>
-            </a:prstGeom>
-            <a:solidFill>
-              <a:schemeClr val="tx2">
-                <a:lumMod val="60000"/>
-                <a:lumOff val="40000"/>
-              </a:schemeClr>
-            </a:solidFill>
-            <a:ln>
-              <a:noFill/>
-            </a:ln>
-          </p:spPr>
-          <p:style>
-            <a:lnRef idx="2">
-              <a:schemeClr val="accent1">
-                <a:shade val="15000"/>
-              </a:schemeClr>
-            </a:lnRef>
-            <a:fillRef idx="1">
-              <a:schemeClr val="accent1"/>
-            </a:fillRef>
-            <a:effectRef idx="0">
-              <a:schemeClr val="accent1"/>
-            </a:effectRef>
-            <a:fontRef idx="minor">
-              <a:schemeClr val="lt1"/>
-            </a:fontRef>
-          </p:style>
-          <p:txBody>
-            <a:bodyPr rtlCol="0" anchor="ctr"/>
-            <a:lstStyle/>
-            <a:p>
-              <a:pPr algn="ctr"/>
-              <a:endParaRPr lang="fr-FR" sz="700" dirty="0"/>
-            </a:p>
-          </p:txBody>
-        </p:sp>
-        <p:pic>
-          <p:nvPicPr>
-            <p:cNvPr id="43" name="Graphique 42" descr="Rat avec un remplissage uni">
-              <a:extLst>
-                <a:ext uri="{FF2B5EF4-FFF2-40B4-BE49-F238E27FC236}">
-                  <a16:creationId xmlns:a16="http://schemas.microsoft.com/office/drawing/2014/main" id="{9AAC0E99-3AB5-E6A9-E86E-0DD68FFE138A}"/>
-                </a:ext>
-              </a:extLst>
-            </p:cNvPr>
-            <p:cNvPicPr>
-              <a:picLocks noChangeAspect="1"/>
-            </p:cNvPicPr>
-            <p:nvPr/>
-          </p:nvPicPr>
-          <p:blipFill>
-            <a:blip r:embed="rId3">
-              <a:extLst>
-                <a:ext uri="{96DAC541-7B7A-43D3-8B79-37D633B846F1}">
-                  <asvg:svgBlip xmlns:asvg="http://schemas.microsoft.com/office/drawing/2016/SVG/main" r:embed="rId4"/>
-                </a:ext>
-              </a:extLst>
-            </a:blip>
-            <a:stretch>
-              <a:fillRect/>
-            </a:stretch>
-          </p:blipFill>
-          <p:spPr>
-            <a:xfrm>
-              <a:off x="183621" y="350700"/>
-              <a:ext cx="342901" cy="342901"/>
-            </a:xfrm>
-            <a:prstGeom prst="rect">
-              <a:avLst/>
-            </a:prstGeom>
-          </p:spPr>
-        </p:pic>
-        <p:pic>
-          <p:nvPicPr>
-            <p:cNvPr id="44" name="Graphique 43" descr="Rat avec un remplissage uni">
-              <a:extLst>
-                <a:ext uri="{FF2B5EF4-FFF2-40B4-BE49-F238E27FC236}">
-                  <a16:creationId xmlns:a16="http://schemas.microsoft.com/office/drawing/2014/main" id="{7D54DB23-8323-C1E7-21FF-76F354A75472}"/>
-                </a:ext>
-              </a:extLst>
-            </p:cNvPr>
-            <p:cNvPicPr>
-              <a:picLocks noChangeAspect="1"/>
-            </p:cNvPicPr>
-            <p:nvPr/>
-          </p:nvPicPr>
-          <p:blipFill>
-            <a:blip r:embed="rId5">
-              <a:extLst>
-                <a:ext uri="{96DAC541-7B7A-43D3-8B79-37D633B846F1}">
-                  <asvg:svgBlip xmlns:asvg="http://schemas.microsoft.com/office/drawing/2016/SVG/main" r:embed="rId6"/>
-                </a:ext>
-              </a:extLst>
-            </a:blip>
-            <a:stretch>
-              <a:fillRect/>
-            </a:stretch>
-          </p:blipFill>
-          <p:spPr>
-            <a:xfrm>
-              <a:off x="183621" y="-1"/>
-              <a:ext cx="342901" cy="342901"/>
-            </a:xfrm>
-            <a:prstGeom prst="rect">
-              <a:avLst/>
-            </a:prstGeom>
-          </p:spPr>
-        </p:pic>
-        <p:pic>
-          <p:nvPicPr>
-            <p:cNvPr id="45" name="Graphique 44" descr="Rat avec un remplissage uni">
-              <a:extLst>
-                <a:ext uri="{FF2B5EF4-FFF2-40B4-BE49-F238E27FC236}">
-                  <a16:creationId xmlns:a16="http://schemas.microsoft.com/office/drawing/2014/main" id="{48C89481-5B48-B161-76FF-524EA92C5609}"/>
-                </a:ext>
-              </a:extLst>
-            </p:cNvPr>
-            <p:cNvPicPr>
-              <a:picLocks noChangeAspect="1"/>
-            </p:cNvPicPr>
-            <p:nvPr/>
-          </p:nvPicPr>
-          <p:blipFill>
-            <a:blip r:embed="rId7">
-              <a:extLst>
-                <a:ext uri="{96DAC541-7B7A-43D3-8B79-37D633B846F1}">
-                  <asvg:svgBlip xmlns:asvg="http://schemas.microsoft.com/office/drawing/2016/SVG/main" r:embed="rId8"/>
-                </a:ext>
-              </a:extLst>
-            </a:blip>
-            <a:stretch>
-              <a:fillRect/>
-            </a:stretch>
-          </p:blipFill>
-          <p:spPr>
-            <a:xfrm>
-              <a:off x="1097598" y="350700"/>
-              <a:ext cx="342901" cy="342901"/>
-            </a:xfrm>
-            <a:prstGeom prst="rect">
-              <a:avLst/>
-            </a:prstGeom>
-          </p:spPr>
-        </p:pic>
-        <p:pic>
-          <p:nvPicPr>
-            <p:cNvPr id="46" name="Graphique 45" descr="Rat avec un remplissage uni">
-              <a:extLst>
-                <a:ext uri="{FF2B5EF4-FFF2-40B4-BE49-F238E27FC236}">
-                  <a16:creationId xmlns:a16="http://schemas.microsoft.com/office/drawing/2014/main" id="{7D3205D6-7F54-ECF7-CB14-A57D4106C51B}"/>
-                </a:ext>
-              </a:extLst>
-            </p:cNvPr>
-            <p:cNvPicPr>
-              <a:picLocks noChangeAspect="1"/>
-            </p:cNvPicPr>
-            <p:nvPr/>
-          </p:nvPicPr>
-          <p:blipFill>
-            <a:blip r:embed="rId9">
-              <a:extLst>
-                <a:ext uri="{96DAC541-7B7A-43D3-8B79-37D633B846F1}">
-                  <asvg:svgBlip xmlns:asvg="http://schemas.microsoft.com/office/drawing/2016/SVG/main" r:embed="rId10"/>
-                </a:ext>
-              </a:extLst>
-            </a:blip>
-            <a:stretch>
-              <a:fillRect/>
-            </a:stretch>
-          </p:blipFill>
-          <p:spPr>
-            <a:xfrm>
-              <a:off x="1097598" y="0"/>
-              <a:ext cx="342901" cy="342901"/>
-            </a:xfrm>
-            <a:prstGeom prst="rect">
-              <a:avLst/>
-            </a:prstGeom>
-          </p:spPr>
-        </p:pic>
-        <p:sp>
-          <p:nvSpPr>
-            <p:cNvPr id="47" name="ZoneTexte 46">
-              <a:extLst>
-                <a:ext uri="{FF2B5EF4-FFF2-40B4-BE49-F238E27FC236}">
-                  <a16:creationId xmlns:a16="http://schemas.microsoft.com/office/drawing/2014/main" id="{DA160732-D565-1CBD-CF8D-E90A95F00A83}"/>
-                </a:ext>
-              </a:extLst>
-            </p:cNvPr>
-            <p:cNvSpPr txBox="1"/>
-            <p:nvPr/>
-          </p:nvSpPr>
-          <p:spPr>
-            <a:xfrm>
-              <a:off x="1388515" y="704972"/>
-              <a:ext cx="581403" cy="225900"/>
-            </a:xfrm>
-            <a:prstGeom prst="rect">
-              <a:avLst/>
-            </a:prstGeom>
-            <a:noFill/>
-          </p:spPr>
-          <p:txBody>
-            <a:bodyPr wrap="none" rtlCol="0">
-              <a:spAutoFit/>
-            </a:bodyPr>
-            <a:lstStyle/>
-            <a:p>
-              <a:r>
-                <a:rPr lang="en-GB" sz="700" dirty="0">
-                  <a:solidFill>
-                    <a:schemeClr val="bg1"/>
-                  </a:solidFill>
-                </a:rPr>
-                <a:t>Steatosis</a:t>
-              </a:r>
-            </a:p>
-          </p:txBody>
-        </p:sp>
-        <p:sp>
-          <p:nvSpPr>
-            <p:cNvPr id="48" name="ZoneTexte 47">
-              <a:extLst>
-                <a:ext uri="{FF2B5EF4-FFF2-40B4-BE49-F238E27FC236}">
-                  <a16:creationId xmlns:a16="http://schemas.microsoft.com/office/drawing/2014/main" id="{94342C5A-18E4-420B-E407-85211B664F00}"/>
-                </a:ext>
-              </a:extLst>
-            </p:cNvPr>
-            <p:cNvSpPr txBox="1"/>
-            <p:nvPr/>
-          </p:nvSpPr>
-          <p:spPr>
-            <a:xfrm>
-              <a:off x="502748" y="422176"/>
-              <a:ext cx="645344" cy="278030"/>
-            </a:xfrm>
-            <a:prstGeom prst="rect">
-              <a:avLst/>
-            </a:prstGeom>
-            <a:noFill/>
-          </p:spPr>
-          <p:txBody>
-            <a:bodyPr wrap="square" rtlCol="0">
-              <a:spAutoFit/>
-            </a:bodyPr>
-            <a:lstStyle/>
-            <a:p>
-              <a:pPr algn="ctr"/>
-              <a:r>
-                <a:rPr lang="fr-FR" sz="500" dirty="0"/>
-                <a:t>CTL group (n = 24)</a:t>
-              </a:r>
-            </a:p>
-          </p:txBody>
-        </p:sp>
-        <p:sp>
-          <p:nvSpPr>
-            <p:cNvPr id="49" name="ZoneTexte 48">
-              <a:extLst>
-                <a:ext uri="{FF2B5EF4-FFF2-40B4-BE49-F238E27FC236}">
-                  <a16:creationId xmlns:a16="http://schemas.microsoft.com/office/drawing/2014/main" id="{04BFE526-D8C9-A85F-E07E-27C0EB0251C8}"/>
-                </a:ext>
-              </a:extLst>
-            </p:cNvPr>
-            <p:cNvSpPr txBox="1"/>
-            <p:nvPr/>
-          </p:nvSpPr>
-          <p:spPr>
-            <a:xfrm>
-              <a:off x="1443473" y="419773"/>
-              <a:ext cx="597509" cy="278030"/>
-            </a:xfrm>
-            <a:prstGeom prst="rect">
-              <a:avLst/>
-            </a:prstGeom>
-            <a:noFill/>
-          </p:spPr>
-          <p:txBody>
-            <a:bodyPr wrap="square" rtlCol="0">
-              <a:spAutoFit/>
-            </a:bodyPr>
-            <a:lstStyle/>
-            <a:p>
-              <a:pPr algn="ctr"/>
-              <a:r>
-                <a:rPr lang="fr-FR" sz="500" dirty="0"/>
-                <a:t>HFHC group (n = 25)</a:t>
-              </a:r>
-            </a:p>
-          </p:txBody>
-        </p:sp>
-        <p:sp>
-          <p:nvSpPr>
-            <p:cNvPr id="50" name="ZoneTexte 49">
-              <a:extLst>
-                <a:ext uri="{FF2B5EF4-FFF2-40B4-BE49-F238E27FC236}">
-                  <a16:creationId xmlns:a16="http://schemas.microsoft.com/office/drawing/2014/main" id="{80725B9B-5152-3641-3A89-398A8806CA88}"/>
-                </a:ext>
-              </a:extLst>
-            </p:cNvPr>
-            <p:cNvSpPr txBox="1"/>
-            <p:nvPr/>
-          </p:nvSpPr>
-          <p:spPr>
-            <a:xfrm>
-              <a:off x="1393145" y="75874"/>
-              <a:ext cx="698167" cy="278030"/>
-            </a:xfrm>
-            <a:prstGeom prst="rect">
-              <a:avLst/>
-            </a:prstGeom>
-            <a:noFill/>
-          </p:spPr>
-          <p:txBody>
-            <a:bodyPr wrap="square" rtlCol="0">
-              <a:spAutoFit/>
-            </a:bodyPr>
-            <a:lstStyle/>
-            <a:p>
-              <a:pPr algn="ctr"/>
-              <a:r>
-                <a:rPr lang="fr-FR" sz="500" dirty="0"/>
-                <a:t>IRON + HFHC group (n = 23)</a:t>
-              </a:r>
-            </a:p>
-          </p:txBody>
-        </p:sp>
-        <p:sp>
-          <p:nvSpPr>
-            <p:cNvPr id="51" name="ZoneTexte 50">
-              <a:extLst>
-                <a:ext uri="{FF2B5EF4-FFF2-40B4-BE49-F238E27FC236}">
-                  <a16:creationId xmlns:a16="http://schemas.microsoft.com/office/drawing/2014/main" id="{AF0CA546-D2C3-59DB-F255-8773BC68832F}"/>
-                </a:ext>
-              </a:extLst>
-            </p:cNvPr>
-            <p:cNvSpPr txBox="1"/>
-            <p:nvPr/>
-          </p:nvSpPr>
-          <p:spPr>
-            <a:xfrm>
-              <a:off x="540025" y="85975"/>
-              <a:ext cx="564088" cy="278030"/>
-            </a:xfrm>
-            <a:prstGeom prst="rect">
-              <a:avLst/>
-            </a:prstGeom>
-            <a:noFill/>
-          </p:spPr>
-          <p:txBody>
-            <a:bodyPr wrap="square" rtlCol="0">
-              <a:spAutoFit/>
-            </a:bodyPr>
-            <a:lstStyle/>
-            <a:p>
-              <a:pPr algn="ctr"/>
-              <a:r>
-                <a:rPr lang="fr-FR" sz="500" dirty="0"/>
-                <a:t>IRON group (n = 25)</a:t>
-              </a:r>
-            </a:p>
-          </p:txBody>
-        </p:sp>
-        <p:sp>
-          <p:nvSpPr>
-            <p:cNvPr id="52" name="Triangle rectangle 51">
-              <a:extLst>
-                <a:ext uri="{FF2B5EF4-FFF2-40B4-BE49-F238E27FC236}">
-                  <a16:creationId xmlns:a16="http://schemas.microsoft.com/office/drawing/2014/main" id="{FD7EDE64-DC0D-695A-507D-6FCBD5B01C00}"/>
-                </a:ext>
-              </a:extLst>
-            </p:cNvPr>
-            <p:cNvSpPr/>
-            <p:nvPr/>
-          </p:nvSpPr>
-          <p:spPr>
-            <a:xfrm rot="5400000" flipV="1">
-              <a:off x="-324587" y="303776"/>
-              <a:ext cx="661290" cy="224259"/>
-            </a:xfrm>
-            <a:prstGeom prst="rtTriangle">
-              <a:avLst/>
-            </a:prstGeom>
-            <a:solidFill>
-              <a:srgbClr val="C55A11"/>
-            </a:solidFill>
-            <a:ln>
-              <a:noFill/>
-            </a:ln>
-          </p:spPr>
-          <p:style>
-            <a:lnRef idx="2">
-              <a:schemeClr val="accent1">
-                <a:shade val="15000"/>
-              </a:schemeClr>
-            </a:lnRef>
-            <a:fillRef idx="1">
-              <a:schemeClr val="accent1"/>
-            </a:fillRef>
-            <a:effectRef idx="0">
-              <a:schemeClr val="accent1"/>
-            </a:effectRef>
-            <a:fontRef idx="minor">
-              <a:schemeClr val="lt1"/>
-            </a:fontRef>
-          </p:style>
-          <p:txBody>
-            <a:bodyPr rtlCol="0" anchor="ctr"/>
-            <a:lstStyle/>
-            <a:p>
-              <a:pPr algn="ctr"/>
-              <a:endParaRPr lang="fr-FR" sz="700" dirty="0"/>
-            </a:p>
-          </p:txBody>
-        </p:sp>
-        <p:sp>
-          <p:nvSpPr>
-            <p:cNvPr id="53" name="ZoneTexte 52">
-              <a:extLst>
-                <a:ext uri="{FF2B5EF4-FFF2-40B4-BE49-F238E27FC236}">
-                  <a16:creationId xmlns:a16="http://schemas.microsoft.com/office/drawing/2014/main" id="{84A5FD00-B2F7-806C-B859-69D59DFA92DF}"/>
-                </a:ext>
-              </a:extLst>
-            </p:cNvPr>
-            <p:cNvSpPr txBox="1"/>
-            <p:nvPr/>
-          </p:nvSpPr>
-          <p:spPr>
-            <a:xfrm rot="16200000">
-              <a:off x="-209323" y="195405"/>
-              <a:ext cx="534009" cy="208523"/>
-            </a:xfrm>
-            <a:prstGeom prst="rect">
-              <a:avLst/>
-            </a:prstGeom>
-            <a:noFill/>
-          </p:spPr>
-          <p:txBody>
-            <a:bodyPr wrap="square" rtlCol="0">
-              <a:spAutoFit/>
-            </a:bodyPr>
-            <a:lstStyle/>
-            <a:p>
-              <a:pPr algn="r"/>
-              <a:r>
-                <a:rPr lang="en-GB" sz="600" dirty="0">
-                  <a:solidFill>
-                    <a:schemeClr val="bg1"/>
-                  </a:solidFill>
-                </a:rPr>
-                <a:t>Damages</a:t>
-              </a:r>
-            </a:p>
-          </p:txBody>
-        </p:sp>
-      </p:grpSp>
-      <p:sp>
-        <p:nvSpPr>
-          <p:cNvPr id="32" name="Rectangle : coins arrondis 31">
-            <a:extLst>
-              <a:ext uri="{FF2B5EF4-FFF2-40B4-BE49-F238E27FC236}">
-                <a16:creationId xmlns:a16="http://schemas.microsoft.com/office/drawing/2014/main" id="{8BCC4ABD-445A-55C6-F9DC-4B500527D2CF}"/>
+                <a16:creationId xmlns:a16="http://schemas.microsoft.com/office/drawing/2014/main" id="{758444EC-2DBE-6B92-7D97-0607595601C2}"/>
               </a:ext>
             </a:extLst>
           </p:cNvPr>
@@ -4129,13 +3884,18 @@
         </p:nvSpPr>
         <p:spPr>
           <a:xfrm>
-            <a:off x="256704" y="1373710"/>
-            <a:ext cx="902811" cy="400542"/>
+            <a:off x="994318" y="937369"/>
+            <a:ext cx="197307" cy="185215"/>
           </a:xfrm>
           <a:prstGeom prst="roundRect">
             <a:avLst/>
           </a:prstGeom>
-          <a:noFill/>
+          <a:solidFill>
+            <a:schemeClr val="accent2">
+              <a:lumMod val="20000"/>
+              <a:lumOff val="80000"/>
+            </a:schemeClr>
+          </a:solidFill>
         </p:spPr>
         <p:style>
           <a:lnRef idx="2">
@@ -4158,16 +3918,16 @@
           <a:lstStyle/>
           <a:p>
             <a:pPr algn="ctr"/>
-            <a:endParaRPr lang="en-GB" dirty="0"/>
-          </a:p>
-        </p:txBody>
-      </p:sp>
-      <p:sp>
-        <p:nvSpPr>
-          <p:cNvPr id="33" name="Rectangle : coins arrondis 32">
+            <a:endParaRPr lang="fr-FR"/>
+          </a:p>
+        </p:txBody>
+      </p:sp>
+      <p:sp>
+        <p:nvSpPr>
+          <p:cNvPr id="21" name="Flèche vers la gauche 20">
             <a:extLst>
               <a:ext uri="{FF2B5EF4-FFF2-40B4-BE49-F238E27FC236}">
-                <a16:creationId xmlns:a16="http://schemas.microsoft.com/office/drawing/2014/main" id="{B97B95F9-C340-E622-EF59-CFE9E3AC7E75}"/>
+                <a16:creationId xmlns:a16="http://schemas.microsoft.com/office/drawing/2014/main" id="{022427F5-5483-C22C-CF7B-FE17378D1238}"/>
               </a:ext>
             </a:extLst>
           </p:cNvPr>
@@ -4175,14 +3935,373 @@
           <p:nvPr/>
         </p:nvSpPr>
         <p:spPr>
-          <a:xfrm>
-            <a:off x="1466602" y="1371580"/>
-            <a:ext cx="902811" cy="400543"/>
+          <a:xfrm rot="16200000">
+            <a:off x="548189" y="1220002"/>
+            <a:ext cx="274136" cy="197308"/>
+          </a:xfrm>
+          <a:prstGeom prst="leftArrow">
+            <a:avLst/>
+          </a:prstGeom>
+          <a:solidFill>
+            <a:schemeClr val="bg2">
+              <a:lumMod val="75000"/>
+            </a:schemeClr>
+          </a:solidFill>
+          <a:ln>
+            <a:solidFill>
+              <a:schemeClr val="tx1">
+                <a:lumMod val="95000"/>
+                <a:lumOff val="5000"/>
+              </a:schemeClr>
+            </a:solidFill>
+          </a:ln>
+        </p:spPr>
+        <p:style>
+          <a:lnRef idx="3">
+            <a:schemeClr val="lt1"/>
+          </a:lnRef>
+          <a:fillRef idx="1">
+            <a:schemeClr val="dk1"/>
+          </a:fillRef>
+          <a:effectRef idx="1">
+            <a:schemeClr val="dk1"/>
+          </a:effectRef>
+          <a:fontRef idx="minor">
+            <a:schemeClr val="lt1"/>
+          </a:fontRef>
+        </p:style>
+        <p:txBody>
+          <a:bodyPr rtlCol="0" anchor="ctr"/>
+          <a:lstStyle/>
+          <a:p>
+            <a:pPr algn="ctr"/>
+            <a:endParaRPr lang="fr-FR"/>
+          </a:p>
+        </p:txBody>
+      </p:sp>
+      <p:sp>
+        <p:nvSpPr>
+          <p:cNvPr id="22" name="Flèche vers la gauche 21">
+            <a:extLst>
+              <a:ext uri="{FF2B5EF4-FFF2-40B4-BE49-F238E27FC236}">
+                <a16:creationId xmlns:a16="http://schemas.microsoft.com/office/drawing/2014/main" id="{056FAE8F-FC97-2B58-CC11-3E13D586426D}"/>
+              </a:ext>
+            </a:extLst>
+          </p:cNvPr>
+          <p:cNvSpPr/>
+          <p:nvPr/>
+        </p:nvSpPr>
+        <p:spPr>
+          <a:xfrm rot="16200000">
+            <a:off x="2276918" y="1223471"/>
+            <a:ext cx="274136" cy="197308"/>
+          </a:xfrm>
+          <a:prstGeom prst="leftArrow">
+            <a:avLst/>
+          </a:prstGeom>
+          <a:solidFill>
+            <a:schemeClr val="bg2">
+              <a:lumMod val="75000"/>
+            </a:schemeClr>
+          </a:solidFill>
+          <a:ln>
+            <a:solidFill>
+              <a:schemeClr val="tx1">
+                <a:lumMod val="95000"/>
+                <a:lumOff val="5000"/>
+              </a:schemeClr>
+            </a:solidFill>
+          </a:ln>
+        </p:spPr>
+        <p:style>
+          <a:lnRef idx="3">
+            <a:schemeClr val="lt1"/>
+          </a:lnRef>
+          <a:fillRef idx="1">
+            <a:schemeClr val="dk1"/>
+          </a:fillRef>
+          <a:effectRef idx="1">
+            <a:schemeClr val="dk1"/>
+          </a:effectRef>
+          <a:fontRef idx="minor">
+            <a:schemeClr val="lt1"/>
+          </a:fontRef>
+        </p:style>
+        <p:txBody>
+          <a:bodyPr rtlCol="0" anchor="ctr"/>
+          <a:lstStyle/>
+          <a:p>
+            <a:pPr algn="ctr"/>
+            <a:endParaRPr lang="fr-FR"/>
+          </a:p>
+        </p:txBody>
+      </p:sp>
+      <p:sp>
+        <p:nvSpPr>
+          <p:cNvPr id="23" name="ZoneTexte 22">
+            <a:extLst>
+              <a:ext uri="{FF2B5EF4-FFF2-40B4-BE49-F238E27FC236}">
+                <a16:creationId xmlns:a16="http://schemas.microsoft.com/office/drawing/2014/main" id="{5BBFF380-9244-6D6D-7236-0FF390BD5732}"/>
+              </a:ext>
+            </a:extLst>
+          </p:cNvPr>
+          <p:cNvSpPr txBox="1"/>
+          <p:nvPr/>
+        </p:nvSpPr>
+        <p:spPr>
+          <a:xfrm>
+            <a:off x="486545" y="1460517"/>
+            <a:ext cx="397866" cy="276999"/>
+          </a:xfrm>
+          <a:prstGeom prst="rect">
+            <a:avLst/>
+          </a:prstGeom>
+          <a:noFill/>
+        </p:spPr>
+        <p:txBody>
+          <a:bodyPr wrap="none" rtlCol="0">
+            <a:spAutoFit/>
+          </a:bodyPr>
+          <a:lstStyle/>
+          <a:p>
+            <a:r>
+              <a:rPr lang="fr-FR" sz="1200" b="1" dirty="0"/>
+              <a:t>M2</a:t>
+            </a:r>
+          </a:p>
+        </p:txBody>
+      </p:sp>
+      <p:sp>
+        <p:nvSpPr>
+          <p:cNvPr id="24" name="ZoneTexte 23">
+            <a:extLst>
+              <a:ext uri="{FF2B5EF4-FFF2-40B4-BE49-F238E27FC236}">
+                <a16:creationId xmlns:a16="http://schemas.microsoft.com/office/drawing/2014/main" id="{042D7C86-A089-8A45-212A-EABB9F038A3A}"/>
+              </a:ext>
+            </a:extLst>
+          </p:cNvPr>
+          <p:cNvSpPr txBox="1"/>
+          <p:nvPr/>
+        </p:nvSpPr>
+        <p:spPr>
+          <a:xfrm>
+            <a:off x="899828" y="1467125"/>
+            <a:ext cx="397866" cy="276999"/>
+          </a:xfrm>
+          <a:prstGeom prst="rect">
+            <a:avLst/>
+          </a:prstGeom>
+          <a:noFill/>
+        </p:spPr>
+        <p:txBody>
+          <a:bodyPr wrap="none" rtlCol="0">
+            <a:spAutoFit/>
+          </a:bodyPr>
+          <a:lstStyle/>
+          <a:p>
+            <a:r>
+              <a:rPr lang="fr-FR" sz="1200" b="1" dirty="0"/>
+              <a:t>M3</a:t>
+            </a:r>
+          </a:p>
+        </p:txBody>
+      </p:sp>
+      <p:sp>
+        <p:nvSpPr>
+          <p:cNvPr id="25" name="Flèche vers la gauche 24">
+            <a:extLst>
+              <a:ext uri="{FF2B5EF4-FFF2-40B4-BE49-F238E27FC236}">
+                <a16:creationId xmlns:a16="http://schemas.microsoft.com/office/drawing/2014/main" id="{173E48D8-035E-6CEC-83E0-0C426C8753BC}"/>
+              </a:ext>
+            </a:extLst>
+          </p:cNvPr>
+          <p:cNvSpPr/>
+          <p:nvPr/>
+        </p:nvSpPr>
+        <p:spPr>
+          <a:xfrm rot="16200000">
+            <a:off x="958938" y="1782535"/>
+            <a:ext cx="274136" cy="197308"/>
+          </a:xfrm>
+          <a:prstGeom prst="leftArrow">
+            <a:avLst/>
+          </a:prstGeom>
+          <a:solidFill>
+            <a:schemeClr val="bg2">
+              <a:lumMod val="75000"/>
+            </a:schemeClr>
+          </a:solidFill>
+          <a:ln>
+            <a:solidFill>
+              <a:schemeClr val="tx1">
+                <a:lumMod val="95000"/>
+                <a:lumOff val="5000"/>
+              </a:schemeClr>
+            </a:solidFill>
+          </a:ln>
+        </p:spPr>
+        <p:style>
+          <a:lnRef idx="3">
+            <a:schemeClr val="lt1"/>
+          </a:lnRef>
+          <a:fillRef idx="1">
+            <a:schemeClr val="dk1"/>
+          </a:fillRef>
+          <a:effectRef idx="1">
+            <a:schemeClr val="dk1"/>
+          </a:effectRef>
+          <a:fontRef idx="minor">
+            <a:schemeClr val="lt1"/>
+          </a:fontRef>
+        </p:style>
+        <p:txBody>
+          <a:bodyPr rtlCol="0" anchor="ctr"/>
+          <a:lstStyle/>
+          <a:p>
+            <a:pPr algn="ctr"/>
+            <a:endParaRPr lang="fr-FR"/>
+          </a:p>
+        </p:txBody>
+      </p:sp>
+      <p:sp>
+        <p:nvSpPr>
+          <p:cNvPr id="26" name="Flèche vers la gauche 25">
+            <a:extLst>
+              <a:ext uri="{FF2B5EF4-FFF2-40B4-BE49-F238E27FC236}">
+                <a16:creationId xmlns:a16="http://schemas.microsoft.com/office/drawing/2014/main" id="{568C6D58-0687-C21D-FC27-40506D853144}"/>
+              </a:ext>
+            </a:extLst>
+          </p:cNvPr>
+          <p:cNvSpPr/>
+          <p:nvPr/>
+        </p:nvSpPr>
+        <p:spPr>
+          <a:xfrm rot="16200000">
+            <a:off x="548411" y="1789702"/>
+            <a:ext cx="274136" cy="197308"/>
+          </a:xfrm>
+          <a:prstGeom prst="leftArrow">
+            <a:avLst/>
+          </a:prstGeom>
+          <a:solidFill>
+            <a:schemeClr val="bg2">
+              <a:lumMod val="75000"/>
+            </a:schemeClr>
+          </a:solidFill>
+          <a:ln>
+            <a:solidFill>
+              <a:schemeClr val="tx1">
+                <a:lumMod val="95000"/>
+                <a:lumOff val="5000"/>
+              </a:schemeClr>
+            </a:solidFill>
+          </a:ln>
+        </p:spPr>
+        <p:style>
+          <a:lnRef idx="3">
+            <a:schemeClr val="lt1"/>
+          </a:lnRef>
+          <a:fillRef idx="1">
+            <a:schemeClr val="dk1"/>
+          </a:fillRef>
+          <a:effectRef idx="1">
+            <a:schemeClr val="dk1"/>
+          </a:effectRef>
+          <a:fontRef idx="minor">
+            <a:schemeClr val="lt1"/>
+          </a:fontRef>
+        </p:style>
+        <p:txBody>
+          <a:bodyPr rtlCol="0" anchor="ctr"/>
+          <a:lstStyle/>
+          <a:p>
+            <a:pPr algn="ctr"/>
+            <a:endParaRPr lang="fr-FR"/>
+          </a:p>
+        </p:txBody>
+      </p:sp>
+      <p:sp>
+        <p:nvSpPr>
+          <p:cNvPr id="27" name="Flèche vers la gauche 26">
+            <a:extLst>
+              <a:ext uri="{FF2B5EF4-FFF2-40B4-BE49-F238E27FC236}">
+                <a16:creationId xmlns:a16="http://schemas.microsoft.com/office/drawing/2014/main" id="{B7A1E173-8B91-1CEE-8EDF-D51110677622}"/>
+              </a:ext>
+            </a:extLst>
+          </p:cNvPr>
+          <p:cNvSpPr/>
+          <p:nvPr/>
+        </p:nvSpPr>
+        <p:spPr>
+          <a:xfrm rot="16200000">
+            <a:off x="122671" y="1775925"/>
+            <a:ext cx="274136" cy="197308"/>
+          </a:xfrm>
+          <a:prstGeom prst="leftArrow">
+            <a:avLst/>
+          </a:prstGeom>
+          <a:solidFill>
+            <a:schemeClr val="bg2">
+              <a:lumMod val="75000"/>
+            </a:schemeClr>
+          </a:solidFill>
+          <a:ln>
+            <a:solidFill>
+              <a:schemeClr val="tx1">
+                <a:lumMod val="95000"/>
+                <a:lumOff val="5000"/>
+              </a:schemeClr>
+            </a:solidFill>
+          </a:ln>
+        </p:spPr>
+        <p:style>
+          <a:lnRef idx="3">
+            <a:schemeClr val="lt1"/>
+          </a:lnRef>
+          <a:fillRef idx="1">
+            <a:schemeClr val="dk1"/>
+          </a:fillRef>
+          <a:effectRef idx="1">
+            <a:schemeClr val="dk1"/>
+          </a:effectRef>
+          <a:fontRef idx="minor">
+            <a:schemeClr val="lt1"/>
+          </a:fontRef>
+        </p:style>
+        <p:txBody>
+          <a:bodyPr rtlCol="0" anchor="ctr"/>
+          <a:lstStyle/>
+          <a:p>
+            <a:pPr algn="ctr"/>
+            <a:endParaRPr lang="fr-FR"/>
+          </a:p>
+        </p:txBody>
+      </p:sp>
+      <p:sp>
+        <p:nvSpPr>
+          <p:cNvPr id="28" name="Rectangle : coins arrondis 27">
+            <a:extLst>
+              <a:ext uri="{FF2B5EF4-FFF2-40B4-BE49-F238E27FC236}">
+                <a16:creationId xmlns:a16="http://schemas.microsoft.com/office/drawing/2014/main" id="{284B0927-1D39-B2E7-63CF-EA79F2FBA886}"/>
+              </a:ext>
+            </a:extLst>
+          </p:cNvPr>
+          <p:cNvSpPr/>
+          <p:nvPr/>
+        </p:nvSpPr>
+        <p:spPr>
+          <a:xfrm>
+            <a:off x="163697" y="2073603"/>
+            <a:ext cx="197307" cy="185215"/>
           </a:xfrm>
           <a:prstGeom prst="roundRect">
             <a:avLst/>
           </a:prstGeom>
-          <a:noFill/>
+          <a:solidFill>
+            <a:schemeClr val="bg2">
+              <a:lumMod val="50000"/>
+            </a:schemeClr>
+          </a:solidFill>
         </p:spPr>
         <p:style>
           <a:lnRef idx="2">
@@ -4205,293 +4324,16 @@
           <a:lstStyle/>
           <a:p>
             <a:pPr algn="ctr"/>
-            <a:endParaRPr lang="en-GB" dirty="0"/>
-          </a:p>
-        </p:txBody>
-      </p:sp>
-      <p:sp>
-        <p:nvSpPr>
-          <p:cNvPr id="34" name="ZoneTexte 33">
+            <a:endParaRPr lang="fr-FR"/>
+          </a:p>
+        </p:txBody>
+      </p:sp>
+      <p:sp>
+        <p:nvSpPr>
+          <p:cNvPr id="29" name="Rectangle : coins arrondis 28">
             <a:extLst>
               <a:ext uri="{FF2B5EF4-FFF2-40B4-BE49-F238E27FC236}">
-                <a16:creationId xmlns:a16="http://schemas.microsoft.com/office/drawing/2014/main" id="{379DAC28-1945-0687-BCC3-42312E31F32B}"/>
-              </a:ext>
-            </a:extLst>
-          </p:cNvPr>
-          <p:cNvSpPr txBox="1"/>
-          <p:nvPr/>
-        </p:nvSpPr>
-        <p:spPr>
-          <a:xfrm>
-            <a:off x="433670" y="1608265"/>
-            <a:ext cx="452993" cy="153888"/>
-          </a:xfrm>
-          <a:prstGeom prst="rect">
-            <a:avLst/>
-          </a:prstGeom>
-          <a:noFill/>
-        </p:spPr>
-        <p:txBody>
-          <a:bodyPr wrap="square" rtlCol="0">
-            <a:spAutoFit/>
-          </a:bodyPr>
-          <a:lstStyle/>
-          <a:p>
-            <a:r>
-              <a:rPr lang="en-GB" sz="400" dirty="0"/>
-              <a:t>mRNA level</a:t>
-            </a:r>
-          </a:p>
-        </p:txBody>
-      </p:sp>
-      <p:sp>
-        <p:nvSpPr>
-          <p:cNvPr id="35" name="ZoneTexte 34">
-            <a:extLst>
-              <a:ext uri="{FF2B5EF4-FFF2-40B4-BE49-F238E27FC236}">
-                <a16:creationId xmlns:a16="http://schemas.microsoft.com/office/drawing/2014/main" id="{958D2D55-9E48-38AE-2B15-CBAABC746C0E}"/>
-              </a:ext>
-            </a:extLst>
-          </p:cNvPr>
-          <p:cNvSpPr txBox="1"/>
-          <p:nvPr/>
-        </p:nvSpPr>
-        <p:spPr>
-          <a:xfrm>
-            <a:off x="433670" y="1381794"/>
-            <a:ext cx="612057" cy="153888"/>
-          </a:xfrm>
-          <a:prstGeom prst="rect">
-            <a:avLst/>
-          </a:prstGeom>
-          <a:noFill/>
-        </p:spPr>
-        <p:txBody>
-          <a:bodyPr wrap="square" rtlCol="0">
-            <a:spAutoFit/>
-          </a:bodyPr>
-          <a:lstStyle/>
-          <a:p>
-            <a:r>
-              <a:rPr lang="en-GB" sz="400" dirty="0"/>
-              <a:t>Histological analyses</a:t>
-            </a:r>
-          </a:p>
-        </p:txBody>
-      </p:sp>
-      <p:sp>
-        <p:nvSpPr>
-          <p:cNvPr id="36" name="ZoneTexte 35">
-            <a:extLst>
-              <a:ext uri="{FF2B5EF4-FFF2-40B4-BE49-F238E27FC236}">
-                <a16:creationId xmlns:a16="http://schemas.microsoft.com/office/drawing/2014/main" id="{E3313ED8-1A5E-50F5-BA04-DA9A7166C9F8}"/>
-              </a:ext>
-            </a:extLst>
-          </p:cNvPr>
-          <p:cNvSpPr txBox="1"/>
-          <p:nvPr/>
-        </p:nvSpPr>
-        <p:spPr>
-          <a:xfrm>
-            <a:off x="428716" y="1495595"/>
-            <a:ext cx="748290" cy="153888"/>
-          </a:xfrm>
-          <a:prstGeom prst="rect">
-            <a:avLst/>
-          </a:prstGeom>
-          <a:noFill/>
-        </p:spPr>
-        <p:txBody>
-          <a:bodyPr wrap="square" rtlCol="0">
-            <a:spAutoFit/>
-          </a:bodyPr>
-          <a:lstStyle/>
-          <a:p>
-            <a:r>
-              <a:rPr lang="en-GB" sz="400" dirty="0"/>
-              <a:t>Biochemical quantification</a:t>
-            </a:r>
-          </a:p>
-        </p:txBody>
-      </p:sp>
-      <p:sp>
-        <p:nvSpPr>
-          <p:cNvPr id="37" name="ZoneTexte 36">
-            <a:extLst>
-              <a:ext uri="{FF2B5EF4-FFF2-40B4-BE49-F238E27FC236}">
-                <a16:creationId xmlns:a16="http://schemas.microsoft.com/office/drawing/2014/main" id="{C6DFC403-C419-E583-69F5-136E49D8AD05}"/>
-              </a:ext>
-            </a:extLst>
-          </p:cNvPr>
-          <p:cNvSpPr txBox="1"/>
-          <p:nvPr/>
-        </p:nvSpPr>
-        <p:spPr>
-          <a:xfrm>
-            <a:off x="1692293" y="1368301"/>
-            <a:ext cx="607740" cy="153888"/>
-          </a:xfrm>
-          <a:prstGeom prst="rect">
-            <a:avLst/>
-          </a:prstGeom>
-          <a:noFill/>
-        </p:spPr>
-        <p:txBody>
-          <a:bodyPr wrap="square" rtlCol="0">
-            <a:spAutoFit/>
-          </a:bodyPr>
-          <a:lstStyle/>
-          <a:p>
-            <a:r>
-              <a:rPr lang="en-GB" sz="400" dirty="0"/>
-              <a:t>Blood markers </a:t>
-            </a:r>
-          </a:p>
-        </p:txBody>
-      </p:sp>
-      <p:sp>
-        <p:nvSpPr>
-          <p:cNvPr id="38" name="ZoneTexte 37">
-            <a:extLst>
-              <a:ext uri="{FF2B5EF4-FFF2-40B4-BE49-F238E27FC236}">
-                <a16:creationId xmlns:a16="http://schemas.microsoft.com/office/drawing/2014/main" id="{299A6445-C41F-C027-E53B-DC305D7C76A4}"/>
-              </a:ext>
-            </a:extLst>
-          </p:cNvPr>
-          <p:cNvSpPr txBox="1"/>
-          <p:nvPr/>
-        </p:nvSpPr>
-        <p:spPr>
-          <a:xfrm>
-            <a:off x="1692293" y="1456582"/>
-            <a:ext cx="607740" cy="215444"/>
-          </a:xfrm>
-          <a:prstGeom prst="rect">
-            <a:avLst/>
-          </a:prstGeom>
-          <a:noFill/>
-        </p:spPr>
-        <p:txBody>
-          <a:bodyPr wrap="square" rtlCol="0">
-            <a:spAutoFit/>
-          </a:bodyPr>
-          <a:lstStyle/>
-          <a:p>
-            <a:pPr algn="just"/>
-            <a:r>
-              <a:rPr lang="en-GB" sz="400" dirty="0"/>
-              <a:t>Serum Mid-infrared spectroscopy</a:t>
-            </a:r>
-          </a:p>
-        </p:txBody>
-      </p:sp>
-      <p:sp>
-        <p:nvSpPr>
-          <p:cNvPr id="39" name="ZoneTexte 38">
-            <a:extLst>
-              <a:ext uri="{FF2B5EF4-FFF2-40B4-BE49-F238E27FC236}">
-                <a16:creationId xmlns:a16="http://schemas.microsoft.com/office/drawing/2014/main" id="{E139DF8A-5C2F-CB9C-08B8-317DA253F5BD}"/>
-              </a:ext>
-            </a:extLst>
-          </p:cNvPr>
-          <p:cNvSpPr txBox="1"/>
-          <p:nvPr/>
-        </p:nvSpPr>
-        <p:spPr>
-          <a:xfrm>
-            <a:off x="1692293" y="1614391"/>
-            <a:ext cx="607740" cy="153888"/>
-          </a:xfrm>
-          <a:prstGeom prst="rect">
-            <a:avLst/>
-          </a:prstGeom>
-          <a:noFill/>
-        </p:spPr>
-        <p:txBody>
-          <a:bodyPr wrap="square" rtlCol="0">
-            <a:spAutoFit/>
-          </a:bodyPr>
-          <a:lstStyle/>
-          <a:p>
-            <a:pPr algn="just"/>
-            <a:r>
-              <a:rPr lang="en-GB" sz="400" dirty="0"/>
-              <a:t>Serum </a:t>
-            </a:r>
-            <a:r>
-              <a:rPr lang="en-GB" sz="400" dirty="0" err="1"/>
-              <a:t>metalomic</a:t>
-            </a:r>
-            <a:endParaRPr lang="en-GB" sz="400" dirty="0"/>
-          </a:p>
-        </p:txBody>
-      </p:sp>
-      <p:pic>
-        <p:nvPicPr>
-          <p:cNvPr id="40" name="Image 39">
-            <a:extLst>
-              <a:ext uri="{FF2B5EF4-FFF2-40B4-BE49-F238E27FC236}">
-                <a16:creationId xmlns:a16="http://schemas.microsoft.com/office/drawing/2014/main" id="{5DF693C5-83C2-C7AC-5553-89EEA74D2CFC}"/>
-              </a:ext>
-            </a:extLst>
-          </p:cNvPr>
-          <p:cNvPicPr>
-            <a:picLocks noChangeAspect="1"/>
-          </p:cNvPicPr>
-          <p:nvPr/>
-        </p:nvPicPr>
-        <p:blipFill>
-          <a:blip r:embed="rId11"/>
-          <a:stretch>
-            <a:fillRect/>
-          </a:stretch>
-        </p:blipFill>
-        <p:spPr>
-          <a:xfrm>
-            <a:off x="280454" y="1455624"/>
-            <a:ext cx="233841" cy="233841"/>
-          </a:xfrm>
-          <a:prstGeom prst="rect">
-            <a:avLst/>
-          </a:prstGeom>
-        </p:spPr>
-      </p:pic>
-      <p:pic>
-        <p:nvPicPr>
-          <p:cNvPr id="41" name="Image 40">
-            <a:extLst>
-              <a:ext uri="{FF2B5EF4-FFF2-40B4-BE49-F238E27FC236}">
-                <a16:creationId xmlns:a16="http://schemas.microsoft.com/office/drawing/2014/main" id="{F1127A1F-61A1-1200-9AA9-BC160DAB2C7E}"/>
-              </a:ext>
-            </a:extLst>
-          </p:cNvPr>
-          <p:cNvPicPr>
-            <a:picLocks noChangeAspect="1"/>
-          </p:cNvPicPr>
-          <p:nvPr/>
-        </p:nvPicPr>
-        <p:blipFill>
-          <a:blip r:embed="rId12"/>
-          <a:stretch>
-            <a:fillRect/>
-          </a:stretch>
-        </p:blipFill>
-        <p:spPr>
-          <a:xfrm>
-            <a:off x="1507581" y="1441462"/>
-            <a:ext cx="239348" cy="239348"/>
-          </a:xfrm>
-          <a:prstGeom prst="rect">
-            <a:avLst/>
-          </a:prstGeom>
-        </p:spPr>
-      </p:pic>
-      <p:sp>
-        <p:nvSpPr>
-          <p:cNvPr id="54" name="Rectangle : coins arrondis 53">
-            <a:extLst>
-              <a:ext uri="{FF2B5EF4-FFF2-40B4-BE49-F238E27FC236}">
-                <a16:creationId xmlns:a16="http://schemas.microsoft.com/office/drawing/2014/main" id="{DC89DC85-CF9E-C25D-1265-B6B1307AD3D3}"/>
+                <a16:creationId xmlns:a16="http://schemas.microsoft.com/office/drawing/2014/main" id="{8EABACFB-BEEE-F368-8C24-09E2B94B4277}"/>
               </a:ext>
             </a:extLst>
           </p:cNvPr>
@@ -4500,13 +4342,17 @@
         </p:nvSpPr>
         <p:spPr>
           <a:xfrm>
-            <a:off x="2835359" y="1377784"/>
-            <a:ext cx="902811" cy="400542"/>
+            <a:off x="578362" y="2073603"/>
+            <a:ext cx="197307" cy="185215"/>
           </a:xfrm>
           <a:prstGeom prst="roundRect">
             <a:avLst/>
           </a:prstGeom>
-          <a:noFill/>
+          <a:solidFill>
+            <a:schemeClr val="bg2">
+              <a:lumMod val="50000"/>
+            </a:schemeClr>
+          </a:solidFill>
         </p:spPr>
         <p:style>
           <a:lnRef idx="2">
@@ -4529,221 +4375,16 @@
           <a:lstStyle/>
           <a:p>
             <a:pPr algn="ctr"/>
-            <a:endParaRPr lang="en-GB" dirty="0"/>
-          </a:p>
-        </p:txBody>
-      </p:sp>
-      <p:sp>
-        <p:nvSpPr>
-          <p:cNvPr id="55" name="ZoneTexte 54">
+            <a:endParaRPr lang="fr-FR"/>
+          </a:p>
+        </p:txBody>
+      </p:sp>
+      <p:sp>
+        <p:nvSpPr>
+          <p:cNvPr id="30" name="Rectangle : coins arrondis 29">
             <a:extLst>
               <a:ext uri="{FF2B5EF4-FFF2-40B4-BE49-F238E27FC236}">
-                <a16:creationId xmlns:a16="http://schemas.microsoft.com/office/drawing/2014/main" id="{B37DFCDF-BEBC-55F3-7C4B-555301760A88}"/>
-              </a:ext>
-            </a:extLst>
-          </p:cNvPr>
-          <p:cNvSpPr txBox="1"/>
-          <p:nvPr/>
-        </p:nvSpPr>
-        <p:spPr>
-          <a:xfrm>
-            <a:off x="3012325" y="1612339"/>
-            <a:ext cx="452993" cy="153888"/>
-          </a:xfrm>
-          <a:prstGeom prst="rect">
-            <a:avLst/>
-          </a:prstGeom>
-          <a:noFill/>
-        </p:spPr>
-        <p:txBody>
-          <a:bodyPr wrap="square" rtlCol="0">
-            <a:spAutoFit/>
-          </a:bodyPr>
-          <a:lstStyle/>
-          <a:p>
-            <a:r>
-              <a:rPr lang="en-GB" sz="400" dirty="0"/>
-              <a:t>mRNA level</a:t>
-            </a:r>
-          </a:p>
-        </p:txBody>
-      </p:sp>
-      <p:sp>
-        <p:nvSpPr>
-          <p:cNvPr id="56" name="ZoneTexte 55">
-            <a:extLst>
-              <a:ext uri="{FF2B5EF4-FFF2-40B4-BE49-F238E27FC236}">
-                <a16:creationId xmlns:a16="http://schemas.microsoft.com/office/drawing/2014/main" id="{C39D9BDE-9EAC-A267-6DEF-2971ACE5F03E}"/>
-              </a:ext>
-            </a:extLst>
-          </p:cNvPr>
-          <p:cNvSpPr txBox="1"/>
-          <p:nvPr/>
-        </p:nvSpPr>
-        <p:spPr>
-          <a:xfrm>
-            <a:off x="3012325" y="1385868"/>
-            <a:ext cx="612057" cy="153888"/>
-          </a:xfrm>
-          <a:prstGeom prst="rect">
-            <a:avLst/>
-          </a:prstGeom>
-          <a:noFill/>
-        </p:spPr>
-        <p:txBody>
-          <a:bodyPr wrap="square" rtlCol="0">
-            <a:spAutoFit/>
-          </a:bodyPr>
-          <a:lstStyle/>
-          <a:p>
-            <a:r>
-              <a:rPr lang="en-GB" sz="400" dirty="0"/>
-              <a:t>Histological analyses</a:t>
-            </a:r>
-          </a:p>
-        </p:txBody>
-      </p:sp>
-      <p:sp>
-        <p:nvSpPr>
-          <p:cNvPr id="57" name="ZoneTexte 56">
-            <a:extLst>
-              <a:ext uri="{FF2B5EF4-FFF2-40B4-BE49-F238E27FC236}">
-                <a16:creationId xmlns:a16="http://schemas.microsoft.com/office/drawing/2014/main" id="{7C043548-5782-0B6C-5AA1-A0D056FCB233}"/>
-              </a:ext>
-            </a:extLst>
-          </p:cNvPr>
-          <p:cNvSpPr txBox="1"/>
-          <p:nvPr/>
-        </p:nvSpPr>
-        <p:spPr>
-          <a:xfrm>
-            <a:off x="3014324" y="1501276"/>
-            <a:ext cx="748290" cy="153888"/>
-          </a:xfrm>
-          <a:prstGeom prst="rect">
-            <a:avLst/>
-          </a:prstGeom>
-          <a:noFill/>
-        </p:spPr>
-        <p:txBody>
-          <a:bodyPr wrap="square" rtlCol="0">
-            <a:spAutoFit/>
-          </a:bodyPr>
-          <a:lstStyle/>
-          <a:p>
-            <a:r>
-              <a:rPr lang="en-GB" sz="400" dirty="0"/>
-              <a:t>Biochemical quantification</a:t>
-            </a:r>
-          </a:p>
-        </p:txBody>
-      </p:sp>
-      <p:pic>
-        <p:nvPicPr>
-          <p:cNvPr id="58" name="Image 57">
-            <a:extLst>
-              <a:ext uri="{FF2B5EF4-FFF2-40B4-BE49-F238E27FC236}">
-                <a16:creationId xmlns:a16="http://schemas.microsoft.com/office/drawing/2014/main" id="{419BDF61-FB59-23BA-284F-C2B4AAF84413}"/>
-              </a:ext>
-            </a:extLst>
-          </p:cNvPr>
-          <p:cNvPicPr>
-            <a:picLocks noChangeAspect="1"/>
-          </p:cNvPicPr>
-          <p:nvPr/>
-        </p:nvPicPr>
-        <p:blipFill>
-          <a:blip r:embed="rId11"/>
-          <a:stretch>
-            <a:fillRect/>
-          </a:stretch>
-        </p:blipFill>
-        <p:spPr>
-          <a:xfrm>
-            <a:off x="2859109" y="1459698"/>
-            <a:ext cx="233841" cy="233841"/>
-          </a:xfrm>
-          <a:prstGeom prst="rect">
-            <a:avLst/>
-          </a:prstGeom>
-        </p:spPr>
-      </p:pic>
-      <p:sp>
-        <p:nvSpPr>
-          <p:cNvPr id="60" name="ZoneTexte 59">
-            <a:extLst>
-              <a:ext uri="{FF2B5EF4-FFF2-40B4-BE49-F238E27FC236}">
-                <a16:creationId xmlns:a16="http://schemas.microsoft.com/office/drawing/2014/main" id="{4E29DC85-478C-9B7C-0F89-28F646863DD0}"/>
-              </a:ext>
-            </a:extLst>
-          </p:cNvPr>
-          <p:cNvSpPr txBox="1"/>
-          <p:nvPr/>
-        </p:nvSpPr>
-        <p:spPr>
-          <a:xfrm>
-            <a:off x="224875" y="1180126"/>
-            <a:ext cx="930063" cy="215444"/>
-          </a:xfrm>
-          <a:prstGeom prst="rect">
-            <a:avLst/>
-          </a:prstGeom>
-          <a:noFill/>
-        </p:spPr>
-        <p:txBody>
-          <a:bodyPr wrap="none" rtlCol="0">
-            <a:spAutoFit/>
-          </a:bodyPr>
-          <a:lstStyle/>
-          <a:p>
-            <a:r>
-              <a:rPr lang="en-GB" sz="800" b="1" dirty="0"/>
-              <a:t>Steatosis severity</a:t>
-            </a:r>
-          </a:p>
-        </p:txBody>
-      </p:sp>
-      <p:sp>
-        <p:nvSpPr>
-          <p:cNvPr id="61" name="ZoneTexte 60">
-            <a:extLst>
-              <a:ext uri="{FF2B5EF4-FFF2-40B4-BE49-F238E27FC236}">
-                <a16:creationId xmlns:a16="http://schemas.microsoft.com/office/drawing/2014/main" id="{2CBEF643-F984-B5B1-8ECD-99AF10BC6558}"/>
-              </a:ext>
-            </a:extLst>
-          </p:cNvPr>
-          <p:cNvSpPr txBox="1"/>
-          <p:nvPr/>
-        </p:nvSpPr>
-        <p:spPr>
-          <a:xfrm>
-            <a:off x="1472454" y="1180126"/>
-            <a:ext cx="899605" cy="215444"/>
-          </a:xfrm>
-          <a:prstGeom prst="rect">
-            <a:avLst/>
-          </a:prstGeom>
-          <a:noFill/>
-        </p:spPr>
-        <p:txBody>
-          <a:bodyPr wrap="none" rtlCol="0">
-            <a:spAutoFit/>
-          </a:bodyPr>
-          <a:lstStyle/>
-          <a:p>
-            <a:r>
-              <a:rPr lang="en-GB" sz="800" b="1" dirty="0"/>
-              <a:t>Multimodal data</a:t>
-            </a:r>
-          </a:p>
-        </p:txBody>
-      </p:sp>
-      <p:sp>
-        <p:nvSpPr>
-          <p:cNvPr id="62" name="Flèche vers la gauche 61">
-            <a:extLst>
-              <a:ext uri="{FF2B5EF4-FFF2-40B4-BE49-F238E27FC236}">
-                <a16:creationId xmlns:a16="http://schemas.microsoft.com/office/drawing/2014/main" id="{B9BC6A29-204D-9DEF-2547-243312B6BD85}"/>
+                <a16:creationId xmlns:a16="http://schemas.microsoft.com/office/drawing/2014/main" id="{9C0A4D17-C97E-A113-52B6-F480FD2830B2}"/>
               </a:ext>
             </a:extLst>
           </p:cNvPr>
@@ -4752,8 +4393,371 @@
         </p:nvSpPr>
         <p:spPr>
           <a:xfrm>
-            <a:off x="1200889" y="1471856"/>
-            <a:ext cx="201636" cy="185215"/>
+            <a:off x="994318" y="2080339"/>
+            <a:ext cx="197307" cy="185215"/>
+          </a:xfrm>
+          <a:prstGeom prst="roundRect">
+            <a:avLst/>
+          </a:prstGeom>
+          <a:solidFill>
+            <a:schemeClr val="bg2">
+              <a:lumMod val="50000"/>
+            </a:schemeClr>
+          </a:solidFill>
+        </p:spPr>
+        <p:style>
+          <a:lnRef idx="2">
+            <a:schemeClr val="accent1">
+              <a:shade val="15000"/>
+            </a:schemeClr>
+          </a:lnRef>
+          <a:fillRef idx="1">
+            <a:schemeClr val="accent1"/>
+          </a:fillRef>
+          <a:effectRef idx="0">
+            <a:schemeClr val="accent1"/>
+          </a:effectRef>
+          <a:fontRef idx="minor">
+            <a:schemeClr val="lt1"/>
+          </a:fontRef>
+        </p:style>
+        <p:txBody>
+          <a:bodyPr rtlCol="0" anchor="ctr"/>
+          <a:lstStyle/>
+          <a:p>
+            <a:pPr algn="ctr"/>
+            <a:endParaRPr lang="fr-FR"/>
+          </a:p>
+        </p:txBody>
+      </p:sp>
+      <p:sp>
+        <p:nvSpPr>
+          <p:cNvPr id="63" name="Rectangle : coins arrondis 62">
+            <a:extLst>
+              <a:ext uri="{FF2B5EF4-FFF2-40B4-BE49-F238E27FC236}">
+                <a16:creationId xmlns:a16="http://schemas.microsoft.com/office/drawing/2014/main" id="{2C73109F-D9ED-7AE1-2C4C-D56E85B2A8DE}"/>
+              </a:ext>
+            </a:extLst>
+          </p:cNvPr>
+          <p:cNvSpPr/>
+          <p:nvPr/>
+        </p:nvSpPr>
+        <p:spPr>
+          <a:xfrm>
+            <a:off x="446125" y="345800"/>
+            <a:ext cx="197307" cy="185215"/>
+          </a:xfrm>
+          <a:prstGeom prst="roundRect">
+            <a:avLst/>
+          </a:prstGeom>
+          <a:solidFill>
+            <a:schemeClr val="accent6">
+              <a:lumMod val="20000"/>
+              <a:lumOff val="80000"/>
+            </a:schemeClr>
+          </a:solidFill>
+        </p:spPr>
+        <p:style>
+          <a:lnRef idx="2">
+            <a:schemeClr val="accent1">
+              <a:shade val="15000"/>
+            </a:schemeClr>
+          </a:lnRef>
+          <a:fillRef idx="1">
+            <a:schemeClr val="accent1"/>
+          </a:fillRef>
+          <a:effectRef idx="0">
+            <a:schemeClr val="accent1"/>
+          </a:effectRef>
+          <a:fontRef idx="minor">
+            <a:schemeClr val="lt1"/>
+          </a:fontRef>
+        </p:style>
+        <p:txBody>
+          <a:bodyPr rtlCol="0" anchor="ctr"/>
+          <a:lstStyle/>
+          <a:p>
+            <a:pPr algn="ctr"/>
+            <a:endParaRPr lang="fr-FR"/>
+          </a:p>
+        </p:txBody>
+      </p:sp>
+      <p:sp>
+        <p:nvSpPr>
+          <p:cNvPr id="72" name="Rectangle : coins arrondis 71">
+            <a:extLst>
+              <a:ext uri="{FF2B5EF4-FFF2-40B4-BE49-F238E27FC236}">
+                <a16:creationId xmlns:a16="http://schemas.microsoft.com/office/drawing/2014/main" id="{D7CDB61C-28EC-128D-0B90-6F70C4B36DBE}"/>
+              </a:ext>
+            </a:extLst>
+          </p:cNvPr>
+          <p:cNvSpPr/>
+          <p:nvPr/>
+        </p:nvSpPr>
+        <p:spPr>
+          <a:xfrm>
+            <a:off x="1224388" y="343595"/>
+            <a:ext cx="197307" cy="185215"/>
+          </a:xfrm>
+          <a:prstGeom prst="roundRect">
+            <a:avLst/>
+          </a:prstGeom>
+          <a:solidFill>
+            <a:schemeClr val="accent5">
+              <a:lumMod val="20000"/>
+              <a:lumOff val="80000"/>
+            </a:schemeClr>
+          </a:solidFill>
+        </p:spPr>
+        <p:style>
+          <a:lnRef idx="2">
+            <a:schemeClr val="accent1">
+              <a:shade val="15000"/>
+            </a:schemeClr>
+          </a:lnRef>
+          <a:fillRef idx="1">
+            <a:schemeClr val="accent1"/>
+          </a:fillRef>
+          <a:effectRef idx="0">
+            <a:schemeClr val="accent1"/>
+          </a:effectRef>
+          <a:fontRef idx="minor">
+            <a:schemeClr val="lt1"/>
+          </a:fontRef>
+        </p:style>
+        <p:txBody>
+          <a:bodyPr rtlCol="0" anchor="ctr"/>
+          <a:lstStyle/>
+          <a:p>
+            <a:pPr algn="ctr"/>
+            <a:endParaRPr lang="fr-FR"/>
+          </a:p>
+        </p:txBody>
+      </p:sp>
+      <p:sp>
+        <p:nvSpPr>
+          <p:cNvPr id="75" name="Rectangle : coins arrondis 74">
+            <a:extLst>
+              <a:ext uri="{FF2B5EF4-FFF2-40B4-BE49-F238E27FC236}">
+                <a16:creationId xmlns:a16="http://schemas.microsoft.com/office/drawing/2014/main" id="{844CB366-0744-0C56-9F69-6733DBCBBC15}"/>
+              </a:ext>
+            </a:extLst>
+          </p:cNvPr>
+          <p:cNvSpPr/>
+          <p:nvPr/>
+        </p:nvSpPr>
+        <p:spPr>
+          <a:xfrm>
+            <a:off x="2692256" y="343595"/>
+            <a:ext cx="197307" cy="185215"/>
+          </a:xfrm>
+          <a:prstGeom prst="roundRect">
+            <a:avLst/>
+          </a:prstGeom>
+          <a:solidFill>
+            <a:schemeClr val="accent2">
+              <a:lumMod val="20000"/>
+              <a:lumOff val="80000"/>
+            </a:schemeClr>
+          </a:solidFill>
+        </p:spPr>
+        <p:style>
+          <a:lnRef idx="2">
+            <a:schemeClr val="accent1">
+              <a:shade val="15000"/>
+            </a:schemeClr>
+          </a:lnRef>
+          <a:fillRef idx="1">
+            <a:schemeClr val="accent1"/>
+          </a:fillRef>
+          <a:effectRef idx="0">
+            <a:schemeClr val="accent1"/>
+          </a:effectRef>
+          <a:fontRef idx="minor">
+            <a:schemeClr val="lt1"/>
+          </a:fontRef>
+        </p:style>
+        <p:txBody>
+          <a:bodyPr rtlCol="0" anchor="ctr"/>
+          <a:lstStyle/>
+          <a:p>
+            <a:pPr algn="ctr"/>
+            <a:endParaRPr lang="fr-FR"/>
+          </a:p>
+        </p:txBody>
+      </p:sp>
+      <p:sp>
+        <p:nvSpPr>
+          <p:cNvPr id="76" name="Rectangle : coins arrondis 75">
+            <a:extLst>
+              <a:ext uri="{FF2B5EF4-FFF2-40B4-BE49-F238E27FC236}">
+                <a16:creationId xmlns:a16="http://schemas.microsoft.com/office/drawing/2014/main" id="{5C2EE547-8918-F81C-C722-8C870F5345CE}"/>
+              </a:ext>
+            </a:extLst>
+          </p:cNvPr>
+          <p:cNvSpPr/>
+          <p:nvPr/>
+        </p:nvSpPr>
+        <p:spPr>
+          <a:xfrm>
+            <a:off x="2104157" y="941612"/>
+            <a:ext cx="197307" cy="185215"/>
+          </a:xfrm>
+          <a:prstGeom prst="roundRect">
+            <a:avLst/>
+          </a:prstGeom>
+          <a:solidFill>
+            <a:schemeClr val="accent6">
+              <a:lumMod val="20000"/>
+              <a:lumOff val="80000"/>
+            </a:schemeClr>
+          </a:solidFill>
+        </p:spPr>
+        <p:style>
+          <a:lnRef idx="2">
+            <a:schemeClr val="accent1">
+              <a:shade val="15000"/>
+            </a:schemeClr>
+          </a:lnRef>
+          <a:fillRef idx="1">
+            <a:schemeClr val="accent1"/>
+          </a:fillRef>
+          <a:effectRef idx="0">
+            <a:schemeClr val="accent1"/>
+          </a:effectRef>
+          <a:fontRef idx="minor">
+            <a:schemeClr val="lt1"/>
+          </a:fontRef>
+        </p:style>
+        <p:txBody>
+          <a:bodyPr rtlCol="0" anchor="ctr"/>
+          <a:lstStyle/>
+          <a:p>
+            <a:pPr algn="ctr"/>
+            <a:endParaRPr lang="fr-FR"/>
+          </a:p>
+        </p:txBody>
+      </p:sp>
+      <p:sp>
+        <p:nvSpPr>
+          <p:cNvPr id="77" name="Rectangle : coins arrondis 76">
+            <a:extLst>
+              <a:ext uri="{FF2B5EF4-FFF2-40B4-BE49-F238E27FC236}">
+                <a16:creationId xmlns:a16="http://schemas.microsoft.com/office/drawing/2014/main" id="{93BD61E4-0B97-3613-4C76-25C01FDFE9E7}"/>
+              </a:ext>
+            </a:extLst>
+          </p:cNvPr>
+          <p:cNvSpPr/>
+          <p:nvPr/>
+        </p:nvSpPr>
+        <p:spPr>
+          <a:xfrm>
+            <a:off x="2310402" y="941612"/>
+            <a:ext cx="197307" cy="185215"/>
+          </a:xfrm>
+          <a:prstGeom prst="roundRect">
+            <a:avLst/>
+          </a:prstGeom>
+          <a:solidFill>
+            <a:schemeClr val="accent5">
+              <a:lumMod val="20000"/>
+              <a:lumOff val="80000"/>
+            </a:schemeClr>
+          </a:solidFill>
+        </p:spPr>
+        <p:style>
+          <a:lnRef idx="2">
+            <a:schemeClr val="accent1">
+              <a:shade val="15000"/>
+            </a:schemeClr>
+          </a:lnRef>
+          <a:fillRef idx="1">
+            <a:schemeClr val="accent1"/>
+          </a:fillRef>
+          <a:effectRef idx="0">
+            <a:schemeClr val="accent1"/>
+          </a:effectRef>
+          <a:fontRef idx="minor">
+            <a:schemeClr val="lt1"/>
+          </a:fontRef>
+        </p:style>
+        <p:txBody>
+          <a:bodyPr rtlCol="0" anchor="ctr"/>
+          <a:lstStyle/>
+          <a:p>
+            <a:pPr algn="ctr"/>
+            <a:endParaRPr lang="fr-FR"/>
+          </a:p>
+        </p:txBody>
+      </p:sp>
+      <p:sp>
+        <p:nvSpPr>
+          <p:cNvPr id="87" name="Rectangle : coins arrondis 86">
+            <a:extLst>
+              <a:ext uri="{FF2B5EF4-FFF2-40B4-BE49-F238E27FC236}">
+                <a16:creationId xmlns:a16="http://schemas.microsoft.com/office/drawing/2014/main" id="{5C7DBF4A-0595-00C8-45C9-701591F66FDB}"/>
+              </a:ext>
+            </a:extLst>
+          </p:cNvPr>
+          <p:cNvSpPr/>
+          <p:nvPr/>
+        </p:nvSpPr>
+        <p:spPr>
+          <a:xfrm>
+            <a:off x="2513363" y="941612"/>
+            <a:ext cx="197307" cy="185215"/>
+          </a:xfrm>
+          <a:prstGeom prst="roundRect">
+            <a:avLst/>
+          </a:prstGeom>
+          <a:solidFill>
+            <a:schemeClr val="accent2">
+              <a:lumMod val="20000"/>
+              <a:lumOff val="80000"/>
+            </a:schemeClr>
+          </a:solidFill>
+        </p:spPr>
+        <p:style>
+          <a:lnRef idx="2">
+            <a:schemeClr val="accent1">
+              <a:shade val="15000"/>
+            </a:schemeClr>
+          </a:lnRef>
+          <a:fillRef idx="1">
+            <a:schemeClr val="accent1"/>
+          </a:fillRef>
+          <a:effectRef idx="0">
+            <a:schemeClr val="accent1"/>
+          </a:effectRef>
+          <a:fontRef idx="minor">
+            <a:schemeClr val="lt1"/>
+          </a:fontRef>
+        </p:style>
+        <p:txBody>
+          <a:bodyPr rtlCol="0" anchor="ctr"/>
+          <a:lstStyle/>
+          <a:p>
+            <a:pPr algn="ctr"/>
+            <a:endParaRPr lang="fr-FR"/>
+          </a:p>
+        </p:txBody>
+      </p:sp>
+      <p:sp>
+        <p:nvSpPr>
+          <p:cNvPr id="105" name="Flèche vers la gauche 104">
+            <a:extLst>
+              <a:ext uri="{FF2B5EF4-FFF2-40B4-BE49-F238E27FC236}">
+                <a16:creationId xmlns:a16="http://schemas.microsoft.com/office/drawing/2014/main" id="{C686ACD6-9B12-2524-C9A8-C908F3899679}"/>
+              </a:ext>
+            </a:extLst>
+          </p:cNvPr>
+          <p:cNvSpPr/>
+          <p:nvPr/>
+        </p:nvSpPr>
+        <p:spPr>
+          <a:xfrm rot="16200000">
+            <a:off x="962675" y="1218777"/>
+            <a:ext cx="274136" cy="197308"/>
           </a:xfrm>
           <a:prstGeom prst="leftArrow">
             <a:avLst/>
@@ -4795,42 +4799,47 @@
           </a:p>
         </p:txBody>
       </p:sp>
-      <p:pic>
-        <p:nvPicPr>
-          <p:cNvPr id="64" name="Image 63">
+      <p:sp>
+        <p:nvSpPr>
+          <p:cNvPr id="110" name="ZoneTexte 109">
             <a:extLst>
               <a:ext uri="{FF2B5EF4-FFF2-40B4-BE49-F238E27FC236}">
-                <a16:creationId xmlns:a16="http://schemas.microsoft.com/office/drawing/2014/main" id="{BF03CAEA-8DA3-2365-8F66-F7571DF65A4B}"/>
+                <a16:creationId xmlns:a16="http://schemas.microsoft.com/office/drawing/2014/main" id="{17EFB093-CAA9-8780-EC51-F1455276EA9B}"/>
               </a:ext>
             </a:extLst>
           </p:cNvPr>
-          <p:cNvPicPr>
-            <a:picLocks noChangeAspect="1"/>
-          </p:cNvPicPr>
+          <p:cNvSpPr txBox="1"/>
           <p:nvPr/>
-        </p:nvPicPr>
-        <p:blipFill>
-          <a:blip r:embed="rId13"/>
-          <a:stretch>
-            <a:fillRect/>
-          </a:stretch>
-        </p:blipFill>
-        <p:spPr>
-          <a:xfrm>
-            <a:off x="3165984" y="326243"/>
-            <a:ext cx="1397707" cy="1016515"/>
+        </p:nvSpPr>
+        <p:spPr>
+          <a:xfrm>
+            <a:off x="2223689" y="1452157"/>
+            <a:ext cx="397866" cy="276999"/>
           </a:xfrm>
           <a:prstGeom prst="rect">
             <a:avLst/>
           </a:prstGeom>
-        </p:spPr>
-      </p:pic>
-      <p:sp>
-        <p:nvSpPr>
-          <p:cNvPr id="65" name="Flèche vers la gauche 64">
+          <a:noFill/>
+        </p:spPr>
+        <p:txBody>
+          <a:bodyPr wrap="none" rtlCol="0">
+            <a:spAutoFit/>
+          </a:bodyPr>
+          <a:lstStyle/>
+          <a:p>
+            <a:r>
+              <a:rPr lang="fr-FR" sz="1200" b="1" dirty="0"/>
+              <a:t>M1</a:t>
+            </a:r>
+          </a:p>
+        </p:txBody>
+      </p:sp>
+      <p:sp>
+        <p:nvSpPr>
+          <p:cNvPr id="125" name="Rectangle : coins arrondis 124">
             <a:extLst>
               <a:ext uri="{FF2B5EF4-FFF2-40B4-BE49-F238E27FC236}">
-                <a16:creationId xmlns:a16="http://schemas.microsoft.com/office/drawing/2014/main" id="{A5044D4B-63D2-978A-B3B3-394185457152}"/>
+                <a16:creationId xmlns:a16="http://schemas.microsoft.com/office/drawing/2014/main" id="{D5C359F6-F32D-ABEC-8AB5-5F852297E03B}"/>
               </a:ext>
             </a:extLst>
           </p:cNvPr>
@@ -4838,9 +4847,156 @@
           <p:nvPr/>
         </p:nvSpPr>
         <p:spPr>
+          <a:xfrm>
+            <a:off x="2310402" y="2080104"/>
+            <a:ext cx="197307" cy="185215"/>
+          </a:xfrm>
+          <a:prstGeom prst="roundRect">
+            <a:avLst/>
+          </a:prstGeom>
+          <a:solidFill>
+            <a:schemeClr val="bg2">
+              <a:lumMod val="50000"/>
+            </a:schemeClr>
+          </a:solidFill>
+        </p:spPr>
+        <p:style>
+          <a:lnRef idx="2">
+            <a:schemeClr val="accent1">
+              <a:shade val="15000"/>
+            </a:schemeClr>
+          </a:lnRef>
+          <a:fillRef idx="1">
+            <a:schemeClr val="accent1"/>
+          </a:fillRef>
+          <a:effectRef idx="0">
+            <a:schemeClr val="accent1"/>
+          </a:effectRef>
+          <a:fontRef idx="minor">
+            <a:schemeClr val="lt1"/>
+          </a:fontRef>
+        </p:style>
+        <p:txBody>
+          <a:bodyPr rtlCol="0" anchor="ctr"/>
+          <a:lstStyle/>
+          <a:p>
+            <a:pPr algn="ctr"/>
+            <a:endParaRPr lang="fr-FR"/>
+          </a:p>
+        </p:txBody>
+      </p:sp>
+      <p:sp>
+        <p:nvSpPr>
+          <p:cNvPr id="128" name="ZoneTexte 127">
+            <a:extLst>
+              <a:ext uri="{FF2B5EF4-FFF2-40B4-BE49-F238E27FC236}">
+                <a16:creationId xmlns:a16="http://schemas.microsoft.com/office/drawing/2014/main" id="{3F51A3BF-95D0-2812-03EE-8052FB68D2DF}"/>
+              </a:ext>
+            </a:extLst>
+          </p:cNvPr>
+          <p:cNvSpPr txBox="1"/>
+          <p:nvPr/>
+        </p:nvSpPr>
+        <p:spPr>
+          <a:xfrm>
+            <a:off x="3393056" y="645236"/>
+            <a:ext cx="1887667" cy="215444"/>
+          </a:xfrm>
+          <a:prstGeom prst="rect">
+            <a:avLst/>
+          </a:prstGeom>
+          <a:noFill/>
+        </p:spPr>
+        <p:txBody>
+          <a:bodyPr wrap="square" rtlCol="0">
+            <a:spAutoFit/>
+          </a:bodyPr>
+          <a:lstStyle/>
+          <a:p>
+            <a:pPr algn="just"/>
+            <a:r>
+              <a:rPr lang="en-GB" sz="800" u="sng" dirty="0"/>
+              <a:t>Strategy n°3</a:t>
+            </a:r>
+            <a:r>
+              <a:rPr lang="en-GB" sz="800" dirty="0"/>
+              <a:t>: </a:t>
+            </a:r>
+            <a:r>
+              <a:rPr lang="en-GB" sz="800" b="1" dirty="0"/>
+              <a:t>Multistep data integration</a:t>
+            </a:r>
+          </a:p>
+        </p:txBody>
+      </p:sp>
+      <p:sp>
+        <p:nvSpPr>
+          <p:cNvPr id="129" name="Rectangle : coins arrondis 128">
+            <a:extLst>
+              <a:ext uri="{FF2B5EF4-FFF2-40B4-BE49-F238E27FC236}">
+                <a16:creationId xmlns:a16="http://schemas.microsoft.com/office/drawing/2014/main" id="{12DED574-FE3C-AEA3-0655-3CC76E0C13D6}"/>
+              </a:ext>
+            </a:extLst>
+          </p:cNvPr>
+          <p:cNvSpPr/>
+          <p:nvPr/>
+        </p:nvSpPr>
+        <p:spPr>
+          <a:xfrm>
+            <a:off x="3677071" y="937370"/>
+            <a:ext cx="197307" cy="185215"/>
+          </a:xfrm>
+          <a:prstGeom prst="roundRect">
+            <a:avLst/>
+          </a:prstGeom>
+          <a:solidFill>
+            <a:schemeClr val="accent6">
+              <a:lumMod val="20000"/>
+              <a:lumOff val="80000"/>
+            </a:schemeClr>
+          </a:solidFill>
+        </p:spPr>
+        <p:style>
+          <a:lnRef idx="2">
+            <a:schemeClr val="accent1">
+              <a:shade val="15000"/>
+            </a:schemeClr>
+          </a:lnRef>
+          <a:fillRef idx="1">
+            <a:schemeClr val="accent1"/>
+          </a:fillRef>
+          <a:effectRef idx="0">
+            <a:schemeClr val="accent1"/>
+          </a:effectRef>
+          <a:fontRef idx="minor">
+            <a:schemeClr val="lt1"/>
+          </a:fontRef>
+        </p:style>
+        <p:txBody>
+          <a:bodyPr rtlCol="0" anchor="ctr"/>
+          <a:lstStyle/>
+          <a:p>
+            <a:pPr algn="ctr"/>
+            <a:endParaRPr lang="fr-FR"/>
+          </a:p>
+        </p:txBody>
+      </p:sp>
+      <p:sp>
+        <p:nvSpPr>
+          <p:cNvPr id="130" name="Flèche vers la gauche 129">
+            <a:extLst>
+              <a:ext uri="{FF2B5EF4-FFF2-40B4-BE49-F238E27FC236}">
+                <a16:creationId xmlns:a16="http://schemas.microsoft.com/office/drawing/2014/main" id="{DD23AFE2-A0D2-7D5C-9538-5BB8F5581F22}"/>
+              </a:ext>
+            </a:extLst>
+          </p:cNvPr>
+          <p:cNvSpPr/>
+          <p:nvPr/>
+        </p:nvSpPr>
+        <p:spPr>
           <a:xfrm rot="10800000">
-            <a:off x="3881497" y="1501533"/>
-            <a:ext cx="201636" cy="185215"/>
+            <a:off x="3949918" y="935559"/>
+            <a:ext cx="274136" cy="197308"/>
           </a:xfrm>
           <a:prstGeom prst="leftArrow">
             <a:avLst/>
@@ -4884,10 +5040,10 @@
       </p:sp>
       <p:sp>
         <p:nvSpPr>
-          <p:cNvPr id="66" name="ZoneTexte 65">
+          <p:cNvPr id="131" name="ZoneTexte 130">
             <a:extLst>
               <a:ext uri="{FF2B5EF4-FFF2-40B4-BE49-F238E27FC236}">
-                <a16:creationId xmlns:a16="http://schemas.microsoft.com/office/drawing/2014/main" id="{E9D114D1-F4E7-9453-C5CF-D95F89F389F1}"/>
+                <a16:creationId xmlns:a16="http://schemas.microsoft.com/office/drawing/2014/main" id="{7EBAD5D0-3621-743A-6AD4-1B78C1BC26E6}"/>
               </a:ext>
             </a:extLst>
           </p:cNvPr>
@@ -4896,8 +5052,8 @@
         </p:nvSpPr>
         <p:spPr>
           <a:xfrm>
-            <a:off x="4200617" y="1506956"/>
-            <a:ext cx="947695" cy="215444"/>
+            <a:off x="4199425" y="889775"/>
+            <a:ext cx="397866" cy="276999"/>
           </a:xfrm>
           <a:prstGeom prst="rect">
             <a:avLst/>
@@ -4911,257 +5067,18 @@
           <a:lstStyle/>
           <a:p>
             <a:r>
-              <a:rPr lang="en-GB" sz="800" b="1" dirty="0">
-                <a:solidFill>
-                  <a:schemeClr val="bg1"/>
-                </a:solidFill>
-              </a:rPr>
-              <a:t>Synthetic variable</a:t>
-            </a:r>
-          </a:p>
-        </p:txBody>
-      </p:sp>
-      <p:sp>
-        <p:nvSpPr>
-          <p:cNvPr id="68" name="ZoneTexte 67">
+              <a:rPr lang="fr-FR" sz="1200" b="1" dirty="0"/>
+              <a:t>M1</a:t>
+            </a:r>
+          </a:p>
+        </p:txBody>
+      </p:sp>
+      <p:sp>
+        <p:nvSpPr>
+          <p:cNvPr id="132" name="Flèche vers la gauche 131">
             <a:extLst>
               <a:ext uri="{FF2B5EF4-FFF2-40B4-BE49-F238E27FC236}">
-                <a16:creationId xmlns:a16="http://schemas.microsoft.com/office/drawing/2014/main" id="{4E6B74EF-8D0B-99D8-E613-B7CEA36EBF3E}"/>
-              </a:ext>
-            </a:extLst>
-          </p:cNvPr>
-          <p:cNvSpPr txBox="1"/>
-          <p:nvPr/>
-        </p:nvSpPr>
-        <p:spPr>
-          <a:xfrm>
-            <a:off x="428716" y="45543"/>
-            <a:ext cx="1789272" cy="246221"/>
-          </a:xfrm>
-          <a:prstGeom prst="rect">
-            <a:avLst/>
-          </a:prstGeom>
-          <a:noFill/>
-        </p:spPr>
-        <p:txBody>
-          <a:bodyPr wrap="none" rtlCol="0">
-            <a:spAutoFit/>
-          </a:bodyPr>
-          <a:lstStyle/>
-          <a:p>
-            <a:r>
-              <a:rPr lang="en-GB" sz="1000" b="1" u="sng"/>
-              <a:t>Experimental design overview</a:t>
-            </a:r>
-          </a:p>
-        </p:txBody>
-      </p:sp>
-      <p:sp>
-        <p:nvSpPr>
-          <p:cNvPr id="71" name="ZoneTexte 70">
-            <a:extLst>
-              <a:ext uri="{FF2B5EF4-FFF2-40B4-BE49-F238E27FC236}">
-                <a16:creationId xmlns:a16="http://schemas.microsoft.com/office/drawing/2014/main" id="{AA3229AA-72CC-7794-4128-2A1B9F25259F}"/>
-              </a:ext>
-            </a:extLst>
-          </p:cNvPr>
-          <p:cNvSpPr txBox="1"/>
-          <p:nvPr/>
-        </p:nvSpPr>
-        <p:spPr>
-          <a:xfrm>
-            <a:off x="2803648" y="29556"/>
-            <a:ext cx="2334561" cy="338554"/>
-          </a:xfrm>
-          <a:prstGeom prst="rect">
-            <a:avLst/>
-          </a:prstGeom>
-          <a:noFill/>
-        </p:spPr>
-        <p:txBody>
-          <a:bodyPr wrap="square" rtlCol="0">
-            <a:spAutoFit/>
-          </a:bodyPr>
-          <a:lstStyle/>
-          <a:p>
-            <a:pPr algn="just"/>
-            <a:r>
-              <a:rPr lang="en-GB" sz="800" b="1" dirty="0"/>
-              <a:t>1) Development of a synthetic variable integrating steatohepatitis across multiple biological scales</a:t>
-            </a:r>
-          </a:p>
-        </p:txBody>
-      </p:sp>
-      <p:sp>
-        <p:nvSpPr>
-          <p:cNvPr id="74" name="ZoneTexte 73">
-            <a:extLst>
-              <a:ext uri="{FF2B5EF4-FFF2-40B4-BE49-F238E27FC236}">
-                <a16:creationId xmlns:a16="http://schemas.microsoft.com/office/drawing/2014/main" id="{11762797-38EE-7652-7509-C45CE009CB28}"/>
-              </a:ext>
-            </a:extLst>
-          </p:cNvPr>
-          <p:cNvSpPr txBox="1"/>
-          <p:nvPr/>
-        </p:nvSpPr>
-        <p:spPr>
-          <a:xfrm>
-            <a:off x="1253754" y="2020930"/>
-            <a:ext cx="2903531" cy="338554"/>
-          </a:xfrm>
-          <a:prstGeom prst="rect">
-            <a:avLst/>
-          </a:prstGeom>
-          <a:noFill/>
-        </p:spPr>
-        <p:txBody>
-          <a:bodyPr wrap="square" rtlCol="0">
-            <a:spAutoFit/>
-          </a:bodyPr>
-          <a:lstStyle/>
-          <a:p>
-            <a:pPr algn="just"/>
-            <a:r>
-              <a:rPr lang="en-GB" sz="800" b="1" dirty="0"/>
-              <a:t>2) Development of an innovative multimodal strategy to predict steatohepatitis.</a:t>
-            </a:r>
-          </a:p>
-        </p:txBody>
-      </p:sp>
-      <p:sp>
-        <p:nvSpPr>
-          <p:cNvPr id="78" name="ZoneTexte 77">
-            <a:extLst>
-              <a:ext uri="{FF2B5EF4-FFF2-40B4-BE49-F238E27FC236}">
-                <a16:creationId xmlns:a16="http://schemas.microsoft.com/office/drawing/2014/main" id="{0E5BCBB2-6FED-11D5-410A-9D3FCBF64F0E}"/>
-              </a:ext>
-            </a:extLst>
-          </p:cNvPr>
-          <p:cNvSpPr txBox="1"/>
-          <p:nvPr/>
-        </p:nvSpPr>
-        <p:spPr>
-          <a:xfrm>
-            <a:off x="4252741" y="2094091"/>
-            <a:ext cx="856920" cy="215444"/>
-          </a:xfrm>
-          <a:prstGeom prst="rect">
-            <a:avLst/>
-          </a:prstGeom>
-          <a:noFill/>
-        </p:spPr>
-        <p:txBody>
-          <a:bodyPr wrap="square">
-            <a:spAutoFit/>
-          </a:bodyPr>
-          <a:lstStyle/>
-          <a:p>
-            <a:pPr algn="ctr"/>
-            <a:r>
-              <a:rPr lang="en-GB" sz="800" b="1" dirty="0">
-                <a:solidFill>
-                  <a:schemeClr val="bg1"/>
-                </a:solidFill>
-              </a:rPr>
-              <a:t>Target variable</a:t>
-            </a:r>
-          </a:p>
-        </p:txBody>
-      </p:sp>
-      <p:sp>
-        <p:nvSpPr>
-          <p:cNvPr id="79" name="ZoneTexte 78">
-            <a:extLst>
-              <a:ext uri="{FF2B5EF4-FFF2-40B4-BE49-F238E27FC236}">
-                <a16:creationId xmlns:a16="http://schemas.microsoft.com/office/drawing/2014/main" id="{18AE7EF2-DF27-ABBF-9043-493680FCA0E5}"/>
-              </a:ext>
-            </a:extLst>
-          </p:cNvPr>
-          <p:cNvSpPr txBox="1"/>
-          <p:nvPr/>
-        </p:nvSpPr>
-        <p:spPr>
-          <a:xfrm>
-            <a:off x="88835" y="2532843"/>
-            <a:ext cx="1658097" cy="215444"/>
-          </a:xfrm>
-          <a:prstGeom prst="rect">
-            <a:avLst/>
-          </a:prstGeom>
-          <a:noFill/>
-        </p:spPr>
-        <p:txBody>
-          <a:bodyPr wrap="square" rtlCol="0">
-            <a:spAutoFit/>
-          </a:bodyPr>
-          <a:lstStyle/>
-          <a:p>
-            <a:pPr algn="ctr"/>
-            <a:r>
-              <a:rPr lang="en-GB" sz="800" u="sng" dirty="0"/>
-              <a:t>Strategy n°1</a:t>
-            </a:r>
-            <a:r>
-              <a:rPr lang="en-GB" sz="800" dirty="0"/>
-              <a:t>: </a:t>
-            </a:r>
-            <a:r>
-              <a:rPr lang="en-GB" sz="800" b="1" dirty="0"/>
-              <a:t>Independent models</a:t>
-            </a:r>
-          </a:p>
-        </p:txBody>
-      </p:sp>
-      <p:sp>
-        <p:nvSpPr>
-          <p:cNvPr id="80" name="ZoneTexte 79">
-            <a:extLst>
-              <a:ext uri="{FF2B5EF4-FFF2-40B4-BE49-F238E27FC236}">
-                <a16:creationId xmlns:a16="http://schemas.microsoft.com/office/drawing/2014/main" id="{C2A6EDE1-26D4-C51C-1081-B5BBBFAB63AD}"/>
-              </a:ext>
-            </a:extLst>
-          </p:cNvPr>
-          <p:cNvSpPr txBox="1"/>
-          <p:nvPr/>
-        </p:nvSpPr>
-        <p:spPr>
-          <a:xfrm>
-            <a:off x="1877907" y="2397492"/>
-            <a:ext cx="1306930" cy="338554"/>
-          </a:xfrm>
-          <a:prstGeom prst="rect">
-            <a:avLst/>
-          </a:prstGeom>
-          <a:noFill/>
-        </p:spPr>
-        <p:txBody>
-          <a:bodyPr wrap="square" rtlCol="0">
-            <a:spAutoFit/>
-          </a:bodyPr>
-          <a:lstStyle/>
-          <a:p>
-            <a:pPr algn="just"/>
-            <a:r>
-              <a:rPr lang="en-GB" sz="800" u="sng" dirty="0"/>
-              <a:t>Strategy n°2</a:t>
-            </a:r>
-            <a:r>
-              <a:rPr lang="en-GB" sz="800" dirty="0"/>
-              <a:t>: </a:t>
-            </a:r>
-            <a:r>
-              <a:rPr lang="en-GB" sz="800" b="1" dirty="0"/>
-              <a:t>Pooled data with dependent models</a:t>
-            </a:r>
-          </a:p>
-        </p:txBody>
-      </p:sp>
-      <p:sp>
-        <p:nvSpPr>
-          <p:cNvPr id="82" name="Rectangle : coins arrondis 81">
-            <a:extLst>
-              <a:ext uri="{FF2B5EF4-FFF2-40B4-BE49-F238E27FC236}">
-                <a16:creationId xmlns:a16="http://schemas.microsoft.com/office/drawing/2014/main" id="{AD176429-E1B7-EF4D-B3E5-DBCCC618697F}"/>
+                <a16:creationId xmlns:a16="http://schemas.microsoft.com/office/drawing/2014/main" id="{D60DC7AA-85AB-0A9B-F420-36AF1BB9F1FE}"/>
               </a:ext>
             </a:extLst>
           </p:cNvPr>
@@ -5169,14 +5086,76 @@
           <p:nvPr/>
         </p:nvSpPr>
         <p:spPr>
-          <a:xfrm>
-            <a:off x="247373" y="2024209"/>
-            <a:ext cx="1043541" cy="400543"/>
+          <a:xfrm rot="16200000">
+            <a:off x="4261293" y="1218777"/>
+            <a:ext cx="274136" cy="197308"/>
+          </a:xfrm>
+          <a:prstGeom prst="leftArrow">
+            <a:avLst/>
+          </a:prstGeom>
+          <a:solidFill>
+            <a:schemeClr val="bg2">
+              <a:lumMod val="75000"/>
+            </a:schemeClr>
+          </a:solidFill>
+          <a:ln>
+            <a:solidFill>
+              <a:schemeClr val="tx1">
+                <a:lumMod val="95000"/>
+                <a:lumOff val="5000"/>
+              </a:schemeClr>
+            </a:solidFill>
+          </a:ln>
+        </p:spPr>
+        <p:style>
+          <a:lnRef idx="3">
+            <a:schemeClr val="lt1"/>
+          </a:lnRef>
+          <a:fillRef idx="1">
+            <a:schemeClr val="dk1"/>
+          </a:fillRef>
+          <a:effectRef idx="1">
+            <a:schemeClr val="dk1"/>
+          </a:effectRef>
+          <a:fontRef idx="minor">
+            <a:schemeClr val="lt1"/>
+          </a:fontRef>
+        </p:style>
+        <p:txBody>
+          <a:bodyPr rtlCol="0" anchor="ctr"/>
+          <a:lstStyle/>
+          <a:p>
+            <a:pPr algn="ctr"/>
+            <a:endParaRPr lang="fr-FR"/>
+          </a:p>
+        </p:txBody>
+      </p:sp>
+      <p:sp>
+        <p:nvSpPr>
+          <p:cNvPr id="133" name="Rectangle : coins arrondis 132">
+            <a:extLst>
+              <a:ext uri="{FF2B5EF4-FFF2-40B4-BE49-F238E27FC236}">
+                <a16:creationId xmlns:a16="http://schemas.microsoft.com/office/drawing/2014/main" id="{7E941BCC-04C3-1456-F746-EB363313BA03}"/>
+              </a:ext>
+            </a:extLst>
+          </p:cNvPr>
+          <p:cNvSpPr/>
+          <p:nvPr/>
+        </p:nvSpPr>
+        <p:spPr>
+          <a:xfrm>
+            <a:off x="4299709" y="1514582"/>
+            <a:ext cx="197307" cy="185215"/>
           </a:xfrm>
           <a:prstGeom prst="roundRect">
             <a:avLst/>
           </a:prstGeom>
-          <a:noFill/>
+          <a:solidFill>
+            <a:schemeClr val="accent5">
+              <a:lumMod val="20000"/>
+              <a:lumOff val="80000"/>
+            </a:schemeClr>
+          </a:solidFill>
         </p:spPr>
         <p:style>
           <a:lnRef idx="2">
@@ -5199,46 +5178,16 @@
           <a:lstStyle/>
           <a:p>
             <a:pPr algn="ctr"/>
-            <a:endParaRPr lang="en-GB" dirty="0"/>
-          </a:p>
-        </p:txBody>
-      </p:sp>
-      <p:pic>
-        <p:nvPicPr>
-          <p:cNvPr id="86" name="Image 85">
+            <a:endParaRPr lang="fr-FR"/>
+          </a:p>
+        </p:txBody>
+      </p:sp>
+      <p:sp>
+        <p:nvSpPr>
+          <p:cNvPr id="134" name="Flèche vers la gauche 133">
             <a:extLst>
               <a:ext uri="{FF2B5EF4-FFF2-40B4-BE49-F238E27FC236}">
-                <a16:creationId xmlns:a16="http://schemas.microsoft.com/office/drawing/2014/main" id="{DC6B8F2D-4A4F-F5E2-9064-29F1743C7E5C}"/>
-              </a:ext>
-            </a:extLst>
-          </p:cNvPr>
-          <p:cNvPicPr>
-            <a:picLocks noChangeAspect="1"/>
-          </p:cNvPicPr>
-          <p:nvPr/>
-        </p:nvPicPr>
-        <p:blipFill>
-          <a:blip r:embed="rId12"/>
-          <a:stretch>
-            <a:fillRect/>
-          </a:stretch>
-        </p:blipFill>
-        <p:spPr>
-          <a:xfrm>
-            <a:off x="275970" y="2093547"/>
-            <a:ext cx="239348" cy="239348"/>
-          </a:xfrm>
-          <a:prstGeom prst="rect">
-            <a:avLst/>
-          </a:prstGeom>
-        </p:spPr>
-      </p:pic>
-      <p:sp>
-        <p:nvSpPr>
-          <p:cNvPr id="103" name="Flèche vers la gauche 102">
-            <a:extLst>
-              <a:ext uri="{FF2B5EF4-FFF2-40B4-BE49-F238E27FC236}">
-                <a16:creationId xmlns:a16="http://schemas.microsoft.com/office/drawing/2014/main" id="{26D75E03-134C-2748-F1AC-6C06561E3462}"/>
+                <a16:creationId xmlns:a16="http://schemas.microsoft.com/office/drawing/2014/main" id="{504BC8B2-D223-C1DB-55EB-8FE858F68121}"/>
               </a:ext>
             </a:extLst>
           </p:cNvPr>
@@ -5246,8 +5195,8 @@
           <p:nvPr/>
         </p:nvSpPr>
         <p:spPr>
-          <a:xfrm rot="16200000">
-            <a:off x="317784" y="3080704"/>
+          <a:xfrm>
+            <a:off x="3947519" y="1506967"/>
             <a:ext cx="274136" cy="197308"/>
           </a:xfrm>
           <a:prstGeom prst="leftArrow">
@@ -5292,10 +5241,10 @@
       </p:sp>
       <p:sp>
         <p:nvSpPr>
-          <p:cNvPr id="113" name="ZoneTexte 112">
+          <p:cNvPr id="135" name="ZoneTexte 134">
             <a:extLst>
               <a:ext uri="{FF2B5EF4-FFF2-40B4-BE49-F238E27FC236}">
-                <a16:creationId xmlns:a16="http://schemas.microsoft.com/office/drawing/2014/main" id="{E5DCF8BD-628E-F0F7-54F6-3C3E391316B9}"/>
+                <a16:creationId xmlns:a16="http://schemas.microsoft.com/office/drawing/2014/main" id="{F8D97D9F-345F-FD52-E860-E64F2756361F}"/>
               </a:ext>
             </a:extLst>
           </p:cNvPr>
@@ -5304,7 +5253,7 @@
         </p:nvSpPr>
         <p:spPr>
           <a:xfrm>
-            <a:off x="272233" y="3319574"/>
+            <a:off x="3582385" y="1467124"/>
             <a:ext cx="397866" cy="276999"/>
           </a:xfrm>
           <a:prstGeom prst="rect">
@@ -5320,17 +5269,17 @@
           <a:p>
             <a:r>
               <a:rPr lang="fr-FR" sz="1200" b="1" dirty="0"/>
-              <a:t>M1</a:t>
-            </a:r>
-          </a:p>
-        </p:txBody>
-      </p:sp>
-      <p:sp>
-        <p:nvSpPr>
-          <p:cNvPr id="2" name="Rectangle : coins arrondis 1">
+              <a:t>M2</a:t>
+            </a:r>
+          </a:p>
+        </p:txBody>
+      </p:sp>
+      <p:sp>
+        <p:nvSpPr>
+          <p:cNvPr id="136" name="Flèche vers la gauche 135">
             <a:extLst>
               <a:ext uri="{FF2B5EF4-FFF2-40B4-BE49-F238E27FC236}">
-                <a16:creationId xmlns:a16="http://schemas.microsoft.com/office/drawing/2014/main" id="{775BE4EA-6224-A865-F644-1FCAAA8F0DE7}"/>
+                <a16:creationId xmlns:a16="http://schemas.microsoft.com/office/drawing/2014/main" id="{A9F02C92-3BA9-F826-1B80-BE86E79AEFEC}"/>
               </a:ext>
             </a:extLst>
           </p:cNvPr>
@@ -5338,15 +5287,72 @@
           <p:nvPr/>
         </p:nvSpPr>
         <p:spPr>
-          <a:xfrm>
-            <a:off x="361864" y="2786255"/>
+          <a:xfrm rot="16200000">
+            <a:off x="3652818" y="1779242"/>
+            <a:ext cx="274136" cy="197308"/>
+          </a:xfrm>
+          <a:prstGeom prst="leftArrow">
+            <a:avLst/>
+          </a:prstGeom>
+          <a:solidFill>
+            <a:schemeClr val="bg2">
+              <a:lumMod val="75000"/>
+            </a:schemeClr>
+          </a:solidFill>
+          <a:ln>
+            <a:solidFill>
+              <a:schemeClr val="tx1">
+                <a:lumMod val="95000"/>
+                <a:lumOff val="5000"/>
+              </a:schemeClr>
+            </a:solidFill>
+          </a:ln>
+        </p:spPr>
+        <p:style>
+          <a:lnRef idx="3">
+            <a:schemeClr val="lt1"/>
+          </a:lnRef>
+          <a:fillRef idx="1">
+            <a:schemeClr val="dk1"/>
+          </a:fillRef>
+          <a:effectRef idx="1">
+            <a:schemeClr val="dk1"/>
+          </a:effectRef>
+          <a:fontRef idx="minor">
+            <a:schemeClr val="lt1"/>
+          </a:fontRef>
+        </p:style>
+        <p:txBody>
+          <a:bodyPr rtlCol="0" anchor="ctr"/>
+          <a:lstStyle/>
+          <a:p>
+            <a:pPr algn="ctr"/>
+            <a:endParaRPr lang="fr-FR"/>
+          </a:p>
+        </p:txBody>
+      </p:sp>
+      <p:sp>
+        <p:nvSpPr>
+          <p:cNvPr id="137" name="Rectangle : coins arrondis 136">
+            <a:extLst>
+              <a:ext uri="{FF2B5EF4-FFF2-40B4-BE49-F238E27FC236}">
+                <a16:creationId xmlns:a16="http://schemas.microsoft.com/office/drawing/2014/main" id="{32AA29B7-4A45-3F56-B0DE-86B16778596C}"/>
+              </a:ext>
+            </a:extLst>
+          </p:cNvPr>
+          <p:cNvSpPr/>
+          <p:nvPr/>
+        </p:nvSpPr>
+        <p:spPr>
+          <a:xfrm>
+            <a:off x="3691234" y="2071675"/>
             <a:ext cx="197307" cy="185215"/>
           </a:xfrm>
           <a:prstGeom prst="roundRect">
             <a:avLst/>
           </a:prstGeom>
           <a:solidFill>
-            <a:schemeClr val="accent6">
+            <a:schemeClr val="accent2">
               <a:lumMod val="20000"/>
               <a:lumOff val="80000"/>
             </a:schemeClr>
@@ -5379,10 +5385,10 @@
       </p:sp>
       <p:sp>
         <p:nvSpPr>
-          <p:cNvPr id="6" name="Rectangle : coins arrondis 5">
+          <p:cNvPr id="138" name="Flèche vers la gauche 137">
             <a:extLst>
               <a:ext uri="{FF2B5EF4-FFF2-40B4-BE49-F238E27FC236}">
-                <a16:creationId xmlns:a16="http://schemas.microsoft.com/office/drawing/2014/main" id="{6F984FF6-9D9D-B60D-1802-2802C3F35CAC}"/>
+                <a16:creationId xmlns:a16="http://schemas.microsoft.com/office/drawing/2014/main" id="{CA24409A-0D05-181E-FB8E-1ED6206F88C9}"/>
               </a:ext>
             </a:extLst>
           </p:cNvPr>
@@ -5390,17 +5396,108 @@
           <p:nvPr/>
         </p:nvSpPr>
         <p:spPr>
-          <a:xfrm>
-            <a:off x="779335" y="2791511"/>
+          <a:xfrm rot="10800000">
+            <a:off x="3947519" y="2062222"/>
+            <a:ext cx="274136" cy="197308"/>
+          </a:xfrm>
+          <a:prstGeom prst="leftArrow">
+            <a:avLst/>
+          </a:prstGeom>
+          <a:solidFill>
+            <a:schemeClr val="bg2">
+              <a:lumMod val="75000"/>
+            </a:schemeClr>
+          </a:solidFill>
+          <a:ln>
+            <a:solidFill>
+              <a:schemeClr val="tx1">
+                <a:lumMod val="95000"/>
+                <a:lumOff val="5000"/>
+              </a:schemeClr>
+            </a:solidFill>
+          </a:ln>
+        </p:spPr>
+        <p:style>
+          <a:lnRef idx="3">
+            <a:schemeClr val="lt1"/>
+          </a:lnRef>
+          <a:fillRef idx="1">
+            <a:schemeClr val="dk1"/>
+          </a:fillRef>
+          <a:effectRef idx="1">
+            <a:schemeClr val="dk1"/>
+          </a:effectRef>
+          <a:fontRef idx="minor">
+            <a:schemeClr val="lt1"/>
+          </a:fontRef>
+        </p:style>
+        <p:txBody>
+          <a:bodyPr rtlCol="0" anchor="ctr"/>
+          <a:lstStyle/>
+          <a:p>
+            <a:pPr algn="ctr"/>
+            <a:endParaRPr lang="fr-FR"/>
+          </a:p>
+        </p:txBody>
+      </p:sp>
+      <p:sp>
+        <p:nvSpPr>
+          <p:cNvPr id="139" name="ZoneTexte 138">
+            <a:extLst>
+              <a:ext uri="{FF2B5EF4-FFF2-40B4-BE49-F238E27FC236}">
+                <a16:creationId xmlns:a16="http://schemas.microsoft.com/office/drawing/2014/main" id="{AC40E083-3C78-FC45-205B-7BAE13FDA777}"/>
+              </a:ext>
+            </a:extLst>
+          </p:cNvPr>
+          <p:cNvSpPr txBox="1"/>
+          <p:nvPr/>
+        </p:nvSpPr>
+        <p:spPr>
+          <a:xfrm>
+            <a:off x="4192243" y="2035470"/>
+            <a:ext cx="397866" cy="276999"/>
+          </a:xfrm>
+          <a:prstGeom prst="rect">
+            <a:avLst/>
+          </a:prstGeom>
+          <a:noFill/>
+        </p:spPr>
+        <p:txBody>
+          <a:bodyPr wrap="none" rtlCol="0">
+            <a:spAutoFit/>
+          </a:bodyPr>
+          <a:lstStyle/>
+          <a:p>
+            <a:r>
+              <a:rPr lang="fr-FR" sz="1200" b="1" dirty="0"/>
+              <a:t>M3</a:t>
+            </a:r>
+          </a:p>
+        </p:txBody>
+      </p:sp>
+      <p:sp>
+        <p:nvSpPr>
+          <p:cNvPr id="140" name="Rectangle : coins arrondis 139">
+            <a:extLst>
+              <a:ext uri="{FF2B5EF4-FFF2-40B4-BE49-F238E27FC236}">
+                <a16:creationId xmlns:a16="http://schemas.microsoft.com/office/drawing/2014/main" id="{F609820A-3B2C-0CA3-6778-55A4A69CEE48}"/>
+              </a:ext>
+            </a:extLst>
+          </p:cNvPr>
+          <p:cNvSpPr/>
+          <p:nvPr/>
+        </p:nvSpPr>
+        <p:spPr>
+          <a:xfrm>
+            <a:off x="4878460" y="2062224"/>
             <a:ext cx="197307" cy="185215"/>
           </a:xfrm>
           <a:prstGeom prst="roundRect">
             <a:avLst/>
           </a:prstGeom>
           <a:solidFill>
-            <a:schemeClr val="accent5">
-              <a:lumMod val="20000"/>
-              <a:lumOff val="80000"/>
+            <a:schemeClr val="bg2">
+              <a:lumMod val="50000"/>
             </a:schemeClr>
           </a:solidFill>
         </p:spPr>
@@ -5431,10 +5528,10 @@
       </p:sp>
       <p:sp>
         <p:nvSpPr>
-          <p:cNvPr id="10" name="Rectangle : coins arrondis 9">
+          <p:cNvPr id="141" name="Flèche vers la gauche 140">
             <a:extLst>
               <a:ext uri="{FF2B5EF4-FFF2-40B4-BE49-F238E27FC236}">
-                <a16:creationId xmlns:a16="http://schemas.microsoft.com/office/drawing/2014/main" id="{758444EC-2DBE-6B92-7D97-0607595601C2}"/>
+                <a16:creationId xmlns:a16="http://schemas.microsoft.com/office/drawing/2014/main" id="{E6C8F8E5-4546-7CEE-6575-9D75FCBD15D2}"/>
               </a:ext>
             </a:extLst>
           </p:cNvPr>
@@ -5442,17 +5539,350 @@
           <p:nvPr/>
         </p:nvSpPr>
         <p:spPr>
-          <a:xfrm>
-            <a:off x="1190966" y="2797455"/>
+          <a:xfrm rot="10800000">
+            <a:off x="4560697" y="2071276"/>
+            <a:ext cx="274136" cy="197308"/>
+          </a:xfrm>
+          <a:prstGeom prst="leftArrow">
+            <a:avLst/>
+          </a:prstGeom>
+          <a:solidFill>
+            <a:schemeClr val="bg2">
+              <a:lumMod val="75000"/>
+            </a:schemeClr>
+          </a:solidFill>
+          <a:ln>
+            <a:solidFill>
+              <a:schemeClr val="tx1">
+                <a:lumMod val="95000"/>
+                <a:lumOff val="5000"/>
+              </a:schemeClr>
+            </a:solidFill>
+          </a:ln>
+        </p:spPr>
+        <p:style>
+          <a:lnRef idx="3">
+            <a:schemeClr val="lt1"/>
+          </a:lnRef>
+          <a:fillRef idx="1">
+            <a:schemeClr val="dk1"/>
+          </a:fillRef>
+          <a:effectRef idx="1">
+            <a:schemeClr val="dk1"/>
+          </a:effectRef>
+          <a:fontRef idx="minor">
+            <a:schemeClr val="lt1"/>
+          </a:fontRef>
+        </p:style>
+        <p:txBody>
+          <a:bodyPr rtlCol="0" anchor="ctr"/>
+          <a:lstStyle/>
+          <a:p>
+            <a:pPr algn="ctr"/>
+            <a:endParaRPr lang="fr-FR"/>
+          </a:p>
+        </p:txBody>
+      </p:sp>
+      <p:sp>
+        <p:nvSpPr>
+          <p:cNvPr id="3" name="Flèche vers la gauche 2">
+            <a:extLst>
+              <a:ext uri="{FF2B5EF4-FFF2-40B4-BE49-F238E27FC236}">
+                <a16:creationId xmlns:a16="http://schemas.microsoft.com/office/drawing/2014/main" id="{1AB750BB-FD42-6B60-CF92-25D7D2113611}"/>
+              </a:ext>
+            </a:extLst>
+          </p:cNvPr>
+          <p:cNvSpPr/>
+          <p:nvPr/>
+        </p:nvSpPr>
+        <p:spPr>
+          <a:xfrm rot="16200000">
+            <a:off x="2271986" y="1789702"/>
+            <a:ext cx="274136" cy="197308"/>
+          </a:xfrm>
+          <a:prstGeom prst="leftArrow">
+            <a:avLst/>
+          </a:prstGeom>
+          <a:solidFill>
+            <a:schemeClr val="bg2">
+              <a:lumMod val="75000"/>
+            </a:schemeClr>
+          </a:solidFill>
+          <a:ln>
+            <a:solidFill>
+              <a:schemeClr val="tx1">
+                <a:lumMod val="95000"/>
+                <a:lumOff val="5000"/>
+              </a:schemeClr>
+            </a:solidFill>
+          </a:ln>
+        </p:spPr>
+        <p:style>
+          <a:lnRef idx="3">
+            <a:schemeClr val="lt1"/>
+          </a:lnRef>
+          <a:fillRef idx="1">
+            <a:schemeClr val="dk1"/>
+          </a:fillRef>
+          <a:effectRef idx="1">
+            <a:schemeClr val="dk1"/>
+          </a:effectRef>
+          <a:fontRef idx="minor">
+            <a:schemeClr val="lt1"/>
+          </a:fontRef>
+        </p:style>
+        <p:txBody>
+          <a:bodyPr rtlCol="0" anchor="ctr"/>
+          <a:lstStyle/>
+          <a:p>
+            <a:pPr algn="ctr"/>
+            <a:endParaRPr lang="fr-FR"/>
+          </a:p>
+        </p:txBody>
+      </p:sp>
+      <p:sp>
+        <p:nvSpPr>
+          <p:cNvPr id="7" name="ZoneTexte 6">
+            <a:extLst>
+              <a:ext uri="{FF2B5EF4-FFF2-40B4-BE49-F238E27FC236}">
+                <a16:creationId xmlns:a16="http://schemas.microsoft.com/office/drawing/2014/main" id="{6BD6968D-6853-F391-6FE3-5321F27D80B3}"/>
+              </a:ext>
+            </a:extLst>
+          </p:cNvPr>
+          <p:cNvSpPr txBox="1"/>
+          <p:nvPr/>
+        </p:nvSpPr>
+        <p:spPr>
+          <a:xfrm>
+            <a:off x="3519635" y="2253615"/>
+            <a:ext cx="1773444" cy="307777"/>
+          </a:xfrm>
+          <a:prstGeom prst="rect">
+            <a:avLst/>
+          </a:prstGeom>
+          <a:noFill/>
+        </p:spPr>
+        <p:txBody>
+          <a:bodyPr wrap="square" rtlCol="0">
+            <a:spAutoFit/>
+          </a:bodyPr>
+          <a:lstStyle/>
+          <a:p>
+            <a:pPr algn="just"/>
+            <a:r>
+              <a:rPr lang="en-GB" sz="700" dirty="0"/>
+              <a:t>* The target variable is the residuals of the previous model.</a:t>
+            </a:r>
+          </a:p>
+        </p:txBody>
+      </p:sp>
+      <p:sp>
+        <p:nvSpPr>
+          <p:cNvPr id="9" name="ZoneTexte 8">
+            <a:extLst>
+              <a:ext uri="{FF2B5EF4-FFF2-40B4-BE49-F238E27FC236}">
+                <a16:creationId xmlns:a16="http://schemas.microsoft.com/office/drawing/2014/main" id="{F6B576B3-5B2B-D004-AC2D-8400CFEF7DDB}"/>
+              </a:ext>
+            </a:extLst>
+          </p:cNvPr>
+          <p:cNvSpPr txBox="1"/>
+          <p:nvPr/>
+        </p:nvSpPr>
+        <p:spPr>
+          <a:xfrm>
+            <a:off x="3507279" y="1453576"/>
+            <a:ext cx="257675" cy="246221"/>
+          </a:xfrm>
+          <a:prstGeom prst="rect">
+            <a:avLst/>
+          </a:prstGeom>
+          <a:noFill/>
+        </p:spPr>
+        <p:txBody>
+          <a:bodyPr wrap="square">
+            <a:spAutoFit/>
+          </a:bodyPr>
+          <a:lstStyle/>
+          <a:p>
+            <a:r>
+              <a:rPr lang="en-GB" sz="1000" dirty="0"/>
+              <a:t>*</a:t>
+            </a:r>
+            <a:endParaRPr lang="fr-FR" sz="1000" dirty="0"/>
+          </a:p>
+        </p:txBody>
+      </p:sp>
+      <p:sp>
+        <p:nvSpPr>
+          <p:cNvPr id="11" name="ZoneTexte 10">
+            <a:extLst>
+              <a:ext uri="{FF2B5EF4-FFF2-40B4-BE49-F238E27FC236}">
+                <a16:creationId xmlns:a16="http://schemas.microsoft.com/office/drawing/2014/main" id="{DBB4DC55-D66D-57D2-5E43-CC8DC9D00FDD}"/>
+              </a:ext>
+            </a:extLst>
+          </p:cNvPr>
+          <p:cNvSpPr txBox="1"/>
+          <p:nvPr/>
+        </p:nvSpPr>
+        <p:spPr>
+          <a:xfrm>
+            <a:off x="4137361" y="1982112"/>
+            <a:ext cx="257675" cy="246221"/>
+          </a:xfrm>
+          <a:prstGeom prst="rect">
+            <a:avLst/>
+          </a:prstGeom>
+          <a:noFill/>
+        </p:spPr>
+        <p:txBody>
+          <a:bodyPr wrap="square">
+            <a:spAutoFit/>
+          </a:bodyPr>
+          <a:lstStyle/>
+          <a:p>
+            <a:r>
+              <a:rPr lang="en-GB" sz="1000" dirty="0"/>
+              <a:t>*</a:t>
+            </a:r>
+            <a:endParaRPr lang="fr-FR" sz="1000" dirty="0"/>
+          </a:p>
+        </p:txBody>
+      </p:sp>
+      <p:sp>
+        <p:nvSpPr>
+          <p:cNvPr id="12" name="ZoneTexte 11">
+            <a:extLst>
+              <a:ext uri="{FF2B5EF4-FFF2-40B4-BE49-F238E27FC236}">
+                <a16:creationId xmlns:a16="http://schemas.microsoft.com/office/drawing/2014/main" id="{13354CD7-3C5E-C0D7-340A-E532A0D089DD}"/>
+              </a:ext>
+            </a:extLst>
+          </p:cNvPr>
+          <p:cNvSpPr txBox="1"/>
+          <p:nvPr/>
+        </p:nvSpPr>
+        <p:spPr>
+          <a:xfrm>
+            <a:off x="616594" y="339280"/>
+            <a:ext cx="722858" cy="184666"/>
+          </a:xfrm>
+          <a:prstGeom prst="rect">
+            <a:avLst/>
+          </a:prstGeom>
+          <a:noFill/>
+        </p:spPr>
+        <p:txBody>
+          <a:bodyPr wrap="square" rtlCol="0">
+            <a:spAutoFit/>
+          </a:bodyPr>
+          <a:lstStyle/>
+          <a:p>
+            <a:r>
+              <a:rPr lang="en-GB" sz="600" dirty="0"/>
+              <a:t>Blood markers </a:t>
+            </a:r>
+          </a:p>
+        </p:txBody>
+      </p:sp>
+      <p:sp>
+        <p:nvSpPr>
+          <p:cNvPr id="13" name="ZoneTexte 12">
+            <a:extLst>
+              <a:ext uri="{FF2B5EF4-FFF2-40B4-BE49-F238E27FC236}">
+                <a16:creationId xmlns:a16="http://schemas.microsoft.com/office/drawing/2014/main" id="{354CBA41-53B8-7BB2-9C7C-2A3308E0D77F}"/>
+              </a:ext>
+            </a:extLst>
+          </p:cNvPr>
+          <p:cNvSpPr txBox="1"/>
+          <p:nvPr/>
+        </p:nvSpPr>
+        <p:spPr>
+          <a:xfrm>
+            <a:off x="1408719" y="340326"/>
+            <a:ext cx="1343342" cy="184666"/>
+          </a:xfrm>
+          <a:prstGeom prst="rect">
+            <a:avLst/>
+          </a:prstGeom>
+          <a:noFill/>
+        </p:spPr>
+        <p:txBody>
+          <a:bodyPr wrap="square" rtlCol="0">
+            <a:spAutoFit/>
+          </a:bodyPr>
+          <a:lstStyle/>
+          <a:p>
+            <a:pPr algn="just"/>
+            <a:r>
+              <a:rPr lang="en-GB" sz="600" dirty="0"/>
+              <a:t>Serum Mid-infrared spectroscopy</a:t>
+            </a:r>
+          </a:p>
+        </p:txBody>
+      </p:sp>
+      <p:sp>
+        <p:nvSpPr>
+          <p:cNvPr id="14" name="ZoneTexte 13">
+            <a:extLst>
+              <a:ext uri="{FF2B5EF4-FFF2-40B4-BE49-F238E27FC236}">
+                <a16:creationId xmlns:a16="http://schemas.microsoft.com/office/drawing/2014/main" id="{9ECEA8EF-C0B1-B1D3-717A-41B94849340B}"/>
+              </a:ext>
+            </a:extLst>
+          </p:cNvPr>
+          <p:cNvSpPr txBox="1"/>
+          <p:nvPr/>
+        </p:nvSpPr>
+        <p:spPr>
+          <a:xfrm>
+            <a:off x="2897331" y="348364"/>
+            <a:ext cx="873630" cy="184666"/>
+          </a:xfrm>
+          <a:prstGeom prst="rect">
+            <a:avLst/>
+          </a:prstGeom>
+          <a:noFill/>
+        </p:spPr>
+        <p:txBody>
+          <a:bodyPr wrap="square" rtlCol="0">
+            <a:spAutoFit/>
+          </a:bodyPr>
+          <a:lstStyle/>
+          <a:p>
+            <a:pPr algn="just"/>
+            <a:r>
+              <a:rPr lang="en-GB" sz="600" dirty="0"/>
+              <a:t>Serum </a:t>
+            </a:r>
+            <a:r>
+              <a:rPr lang="en-GB" sz="600" dirty="0" err="1"/>
+              <a:t>metalomic</a:t>
+            </a:r>
+            <a:endParaRPr lang="en-GB" sz="600" dirty="0"/>
+          </a:p>
+        </p:txBody>
+      </p:sp>
+      <p:sp>
+        <p:nvSpPr>
+          <p:cNvPr id="15" name="Rectangle : coins arrondis 14">
+            <a:extLst>
+              <a:ext uri="{FF2B5EF4-FFF2-40B4-BE49-F238E27FC236}">
+                <a16:creationId xmlns:a16="http://schemas.microsoft.com/office/drawing/2014/main" id="{ED067BAC-08E2-12DA-F3D6-424C297B96AC}"/>
+              </a:ext>
+            </a:extLst>
+          </p:cNvPr>
+          <p:cNvSpPr/>
+          <p:nvPr/>
+        </p:nvSpPr>
+        <p:spPr>
+          <a:xfrm>
+            <a:off x="3675596" y="345800"/>
             <a:ext cx="197307" cy="185215"/>
           </a:xfrm>
           <a:prstGeom prst="roundRect">
             <a:avLst/>
           </a:prstGeom>
           <a:solidFill>
-            <a:schemeClr val="accent2">
-              <a:lumMod val="20000"/>
-              <a:lumOff val="80000"/>
+            <a:schemeClr val="bg2">
+              <a:lumMod val="50000"/>
             </a:schemeClr>
           </a:solidFill>
         </p:spPr>
@@ -5483,124 +5913,10 @@
       </p:sp>
       <p:sp>
         <p:nvSpPr>
-          <p:cNvPr id="21" name="Flèche vers la gauche 20">
+          <p:cNvPr id="16" name="ZoneTexte 15">
             <a:extLst>
               <a:ext uri="{FF2B5EF4-FFF2-40B4-BE49-F238E27FC236}">
-                <a16:creationId xmlns:a16="http://schemas.microsoft.com/office/drawing/2014/main" id="{022427F5-5483-C22C-CF7B-FE17378D1238}"/>
-              </a:ext>
-            </a:extLst>
-          </p:cNvPr>
-          <p:cNvSpPr/>
-          <p:nvPr/>
-        </p:nvSpPr>
-        <p:spPr>
-          <a:xfrm rot="16200000">
-            <a:off x="732450" y="3080704"/>
-            <a:ext cx="274136" cy="197308"/>
-          </a:xfrm>
-          <a:prstGeom prst="leftArrow">
-            <a:avLst/>
-          </a:prstGeom>
-          <a:solidFill>
-            <a:schemeClr val="bg2">
-              <a:lumMod val="75000"/>
-            </a:schemeClr>
-          </a:solidFill>
-          <a:ln>
-            <a:solidFill>
-              <a:schemeClr val="tx1">
-                <a:lumMod val="95000"/>
-                <a:lumOff val="5000"/>
-              </a:schemeClr>
-            </a:solidFill>
-          </a:ln>
-        </p:spPr>
-        <p:style>
-          <a:lnRef idx="3">
-            <a:schemeClr val="lt1"/>
-          </a:lnRef>
-          <a:fillRef idx="1">
-            <a:schemeClr val="dk1"/>
-          </a:fillRef>
-          <a:effectRef idx="1">
-            <a:schemeClr val="dk1"/>
-          </a:effectRef>
-          <a:fontRef idx="minor">
-            <a:schemeClr val="lt1"/>
-          </a:fontRef>
-        </p:style>
-        <p:txBody>
-          <a:bodyPr rtlCol="0" anchor="ctr"/>
-          <a:lstStyle/>
-          <a:p>
-            <a:pPr algn="ctr"/>
-            <a:endParaRPr lang="fr-FR"/>
-          </a:p>
-        </p:txBody>
-      </p:sp>
-      <p:sp>
-        <p:nvSpPr>
-          <p:cNvPr id="22" name="Flèche vers la gauche 21">
-            <a:extLst>
-              <a:ext uri="{FF2B5EF4-FFF2-40B4-BE49-F238E27FC236}">
-                <a16:creationId xmlns:a16="http://schemas.microsoft.com/office/drawing/2014/main" id="{056FAE8F-FC97-2B58-CC11-3E13D586426D}"/>
-              </a:ext>
-            </a:extLst>
-          </p:cNvPr>
-          <p:cNvSpPr/>
-          <p:nvPr/>
-        </p:nvSpPr>
-        <p:spPr>
-          <a:xfrm rot="16200000">
-            <a:off x="2372173" y="3107173"/>
-            <a:ext cx="274136" cy="197308"/>
-          </a:xfrm>
-          <a:prstGeom prst="leftArrow">
-            <a:avLst/>
-          </a:prstGeom>
-          <a:solidFill>
-            <a:schemeClr val="bg2">
-              <a:lumMod val="75000"/>
-            </a:schemeClr>
-          </a:solidFill>
-          <a:ln>
-            <a:solidFill>
-              <a:schemeClr val="tx1">
-                <a:lumMod val="95000"/>
-                <a:lumOff val="5000"/>
-              </a:schemeClr>
-            </a:solidFill>
-          </a:ln>
-        </p:spPr>
-        <p:style>
-          <a:lnRef idx="3">
-            <a:schemeClr val="lt1"/>
-          </a:lnRef>
-          <a:fillRef idx="1">
-            <a:schemeClr val="dk1"/>
-          </a:fillRef>
-          <a:effectRef idx="1">
-            <a:schemeClr val="dk1"/>
-          </a:effectRef>
-          <a:fontRef idx="minor">
-            <a:schemeClr val="lt1"/>
-          </a:fontRef>
-        </p:style>
-        <p:txBody>
-          <a:bodyPr rtlCol="0" anchor="ctr"/>
-          <a:lstStyle/>
-          <a:p>
-            <a:pPr algn="ctr"/>
-            <a:endParaRPr lang="fr-FR"/>
-          </a:p>
-        </p:txBody>
-      </p:sp>
-      <p:sp>
-        <p:nvSpPr>
-          <p:cNvPr id="23" name="ZoneTexte 22">
-            <a:extLst>
-              <a:ext uri="{FF2B5EF4-FFF2-40B4-BE49-F238E27FC236}">
-                <a16:creationId xmlns:a16="http://schemas.microsoft.com/office/drawing/2014/main" id="{5BBFF380-9244-6D6D-7236-0FF390BD5732}"/>
+                <a16:creationId xmlns:a16="http://schemas.microsoft.com/office/drawing/2014/main" id="{61AE4824-FDC9-11BA-6919-298F1991847C}"/>
               </a:ext>
             </a:extLst>
           </p:cNvPr>
@@ -5609,8 +5925,8 @@
         </p:nvSpPr>
         <p:spPr>
           <a:xfrm>
-            <a:off x="679052" y="3316360"/>
-            <a:ext cx="397866" cy="276999"/>
+            <a:off x="3900072" y="346072"/>
+            <a:ext cx="873630" cy="184666"/>
           </a:xfrm>
           <a:prstGeom prst="rect">
             <a:avLst/>
@@ -5618,1967 +5934,15 @@
           <a:noFill/>
         </p:spPr>
         <p:txBody>
-          <a:bodyPr wrap="none" rtlCol="0">
-            <a:spAutoFit/>
-          </a:bodyPr>
-          <a:lstStyle/>
-          <a:p>
-            <a:r>
-              <a:rPr lang="fr-FR" sz="1200" b="1" dirty="0"/>
-              <a:t>M2</a:t>
-            </a:r>
-          </a:p>
-        </p:txBody>
-      </p:sp>
-      <p:sp>
-        <p:nvSpPr>
-          <p:cNvPr id="24" name="ZoneTexte 23">
-            <a:extLst>
-              <a:ext uri="{FF2B5EF4-FFF2-40B4-BE49-F238E27FC236}">
-                <a16:creationId xmlns:a16="http://schemas.microsoft.com/office/drawing/2014/main" id="{042D7C86-A089-8A45-212A-EABB9F038A3A}"/>
-              </a:ext>
-            </a:extLst>
-          </p:cNvPr>
-          <p:cNvSpPr txBox="1"/>
-          <p:nvPr/>
-        </p:nvSpPr>
-        <p:spPr>
-          <a:xfrm>
-            <a:off x="1092335" y="3322968"/>
-            <a:ext cx="397866" cy="276999"/>
-          </a:xfrm>
-          <a:prstGeom prst="rect">
-            <a:avLst/>
-          </a:prstGeom>
-          <a:noFill/>
-        </p:spPr>
-        <p:txBody>
-          <a:bodyPr wrap="none" rtlCol="0">
-            <a:spAutoFit/>
-          </a:bodyPr>
-          <a:lstStyle/>
-          <a:p>
-            <a:r>
-              <a:rPr lang="fr-FR" sz="1200" b="1" dirty="0"/>
-              <a:t>M3</a:t>
-            </a:r>
-          </a:p>
-        </p:txBody>
-      </p:sp>
-      <p:sp>
-        <p:nvSpPr>
-          <p:cNvPr id="25" name="Flèche vers la gauche 24">
-            <a:extLst>
-              <a:ext uri="{FF2B5EF4-FFF2-40B4-BE49-F238E27FC236}">
-                <a16:creationId xmlns:a16="http://schemas.microsoft.com/office/drawing/2014/main" id="{173E48D8-035E-6CEC-83E0-0C426C8753BC}"/>
-              </a:ext>
-            </a:extLst>
-          </p:cNvPr>
-          <p:cNvSpPr/>
-          <p:nvPr/>
-        </p:nvSpPr>
-        <p:spPr>
-          <a:xfrm rot="16200000">
-            <a:off x="1147295" y="3638378"/>
-            <a:ext cx="274136" cy="197308"/>
-          </a:xfrm>
-          <a:prstGeom prst="leftArrow">
-            <a:avLst/>
-          </a:prstGeom>
-          <a:solidFill>
-            <a:schemeClr val="bg2">
-              <a:lumMod val="75000"/>
-            </a:schemeClr>
-          </a:solidFill>
-          <a:ln>
-            <a:solidFill>
-              <a:schemeClr val="tx1">
-                <a:lumMod val="95000"/>
-                <a:lumOff val="5000"/>
-              </a:schemeClr>
-            </a:solidFill>
-          </a:ln>
-        </p:spPr>
-        <p:style>
-          <a:lnRef idx="3">
-            <a:schemeClr val="lt1"/>
-          </a:lnRef>
-          <a:fillRef idx="1">
-            <a:schemeClr val="dk1"/>
-          </a:fillRef>
-          <a:effectRef idx="1">
-            <a:schemeClr val="dk1"/>
-          </a:effectRef>
-          <a:fontRef idx="minor">
-            <a:schemeClr val="lt1"/>
-          </a:fontRef>
-        </p:style>
-        <p:txBody>
-          <a:bodyPr rtlCol="0" anchor="ctr"/>
-          <a:lstStyle/>
-          <a:p>
-            <a:pPr algn="ctr"/>
-            <a:endParaRPr lang="fr-FR"/>
-          </a:p>
-        </p:txBody>
-      </p:sp>
-      <p:sp>
-        <p:nvSpPr>
-          <p:cNvPr id="26" name="Flèche vers la gauche 25">
-            <a:extLst>
-              <a:ext uri="{FF2B5EF4-FFF2-40B4-BE49-F238E27FC236}">
-                <a16:creationId xmlns:a16="http://schemas.microsoft.com/office/drawing/2014/main" id="{568C6D58-0687-C21D-FC27-40506D853144}"/>
-              </a:ext>
-            </a:extLst>
-          </p:cNvPr>
-          <p:cNvSpPr/>
-          <p:nvPr/>
-        </p:nvSpPr>
-        <p:spPr>
-          <a:xfrm rot="16200000">
-            <a:off x="740918" y="3645547"/>
-            <a:ext cx="274136" cy="197308"/>
-          </a:xfrm>
-          <a:prstGeom prst="leftArrow">
-            <a:avLst/>
-          </a:prstGeom>
-          <a:solidFill>
-            <a:schemeClr val="bg2">
-              <a:lumMod val="75000"/>
-            </a:schemeClr>
-          </a:solidFill>
-          <a:ln>
-            <a:solidFill>
-              <a:schemeClr val="tx1">
-                <a:lumMod val="95000"/>
-                <a:lumOff val="5000"/>
-              </a:schemeClr>
-            </a:solidFill>
-          </a:ln>
-        </p:spPr>
-        <p:style>
-          <a:lnRef idx="3">
-            <a:schemeClr val="lt1"/>
-          </a:lnRef>
-          <a:fillRef idx="1">
-            <a:schemeClr val="dk1"/>
-          </a:fillRef>
-          <a:effectRef idx="1">
-            <a:schemeClr val="dk1"/>
-          </a:effectRef>
-          <a:fontRef idx="minor">
-            <a:schemeClr val="lt1"/>
-          </a:fontRef>
-        </p:style>
-        <p:txBody>
-          <a:bodyPr rtlCol="0" anchor="ctr"/>
-          <a:lstStyle/>
-          <a:p>
-            <a:pPr algn="ctr"/>
-            <a:endParaRPr lang="fr-FR"/>
-          </a:p>
-        </p:txBody>
-      </p:sp>
-      <p:sp>
-        <p:nvSpPr>
-          <p:cNvPr id="27" name="Flèche vers la gauche 26">
-            <a:extLst>
-              <a:ext uri="{FF2B5EF4-FFF2-40B4-BE49-F238E27FC236}">
-                <a16:creationId xmlns:a16="http://schemas.microsoft.com/office/drawing/2014/main" id="{B7A1E173-8B91-1CEE-8EDF-D51110677622}"/>
-              </a:ext>
-            </a:extLst>
-          </p:cNvPr>
-          <p:cNvSpPr/>
-          <p:nvPr/>
-        </p:nvSpPr>
-        <p:spPr>
-          <a:xfrm rot="16200000">
-            <a:off x="315178" y="3631770"/>
-            <a:ext cx="274136" cy="197308"/>
-          </a:xfrm>
-          <a:prstGeom prst="leftArrow">
-            <a:avLst/>
-          </a:prstGeom>
-          <a:solidFill>
-            <a:schemeClr val="bg2">
-              <a:lumMod val="75000"/>
-            </a:schemeClr>
-          </a:solidFill>
-          <a:ln>
-            <a:solidFill>
-              <a:schemeClr val="tx1">
-                <a:lumMod val="95000"/>
-                <a:lumOff val="5000"/>
-              </a:schemeClr>
-            </a:solidFill>
-          </a:ln>
-        </p:spPr>
-        <p:style>
-          <a:lnRef idx="3">
-            <a:schemeClr val="lt1"/>
-          </a:lnRef>
-          <a:fillRef idx="1">
-            <a:schemeClr val="dk1"/>
-          </a:fillRef>
-          <a:effectRef idx="1">
-            <a:schemeClr val="dk1"/>
-          </a:effectRef>
-          <a:fontRef idx="minor">
-            <a:schemeClr val="lt1"/>
-          </a:fontRef>
-        </p:style>
-        <p:txBody>
-          <a:bodyPr rtlCol="0" anchor="ctr"/>
-          <a:lstStyle/>
-          <a:p>
-            <a:pPr algn="ctr"/>
-            <a:endParaRPr lang="fr-FR"/>
-          </a:p>
-        </p:txBody>
-      </p:sp>
-      <p:sp>
-        <p:nvSpPr>
-          <p:cNvPr id="28" name="Rectangle : coins arrondis 27">
-            <a:extLst>
-              <a:ext uri="{FF2B5EF4-FFF2-40B4-BE49-F238E27FC236}">
-                <a16:creationId xmlns:a16="http://schemas.microsoft.com/office/drawing/2014/main" id="{284B0927-1D39-B2E7-63CF-EA79F2FBA886}"/>
-              </a:ext>
-            </a:extLst>
-          </p:cNvPr>
-          <p:cNvSpPr/>
-          <p:nvPr/>
-        </p:nvSpPr>
-        <p:spPr>
-          <a:xfrm>
-            <a:off x="356202" y="3929446"/>
-            <a:ext cx="197307" cy="185215"/>
-          </a:xfrm>
-          <a:prstGeom prst="roundRect">
-            <a:avLst/>
-          </a:prstGeom>
-          <a:solidFill>
-            <a:schemeClr val="bg2">
-              <a:lumMod val="50000"/>
-            </a:schemeClr>
-          </a:solidFill>
-        </p:spPr>
-        <p:style>
-          <a:lnRef idx="2">
-            <a:schemeClr val="accent1">
-              <a:shade val="15000"/>
-            </a:schemeClr>
-          </a:lnRef>
-          <a:fillRef idx="1">
-            <a:schemeClr val="accent1"/>
-          </a:fillRef>
-          <a:effectRef idx="0">
-            <a:schemeClr val="accent1"/>
-          </a:effectRef>
-          <a:fontRef idx="minor">
-            <a:schemeClr val="lt1"/>
-          </a:fontRef>
-        </p:style>
-        <p:txBody>
-          <a:bodyPr rtlCol="0" anchor="ctr"/>
-          <a:lstStyle/>
-          <a:p>
-            <a:pPr algn="ctr"/>
-            <a:endParaRPr lang="fr-FR"/>
-          </a:p>
-        </p:txBody>
-      </p:sp>
-      <p:sp>
-        <p:nvSpPr>
-          <p:cNvPr id="29" name="Rectangle : coins arrondis 28">
-            <a:extLst>
-              <a:ext uri="{FF2B5EF4-FFF2-40B4-BE49-F238E27FC236}">
-                <a16:creationId xmlns:a16="http://schemas.microsoft.com/office/drawing/2014/main" id="{8EABACFB-BEEE-F368-8C24-09E2B94B4277}"/>
-              </a:ext>
-            </a:extLst>
-          </p:cNvPr>
-          <p:cNvSpPr/>
-          <p:nvPr/>
-        </p:nvSpPr>
-        <p:spPr>
-          <a:xfrm>
-            <a:off x="770867" y="3929446"/>
-            <a:ext cx="197307" cy="185215"/>
-          </a:xfrm>
-          <a:prstGeom prst="roundRect">
-            <a:avLst/>
-          </a:prstGeom>
-          <a:solidFill>
-            <a:schemeClr val="bg2">
-              <a:lumMod val="50000"/>
-            </a:schemeClr>
-          </a:solidFill>
-        </p:spPr>
-        <p:style>
-          <a:lnRef idx="2">
-            <a:schemeClr val="accent1">
-              <a:shade val="15000"/>
-            </a:schemeClr>
-          </a:lnRef>
-          <a:fillRef idx="1">
-            <a:schemeClr val="accent1"/>
-          </a:fillRef>
-          <a:effectRef idx="0">
-            <a:schemeClr val="accent1"/>
-          </a:effectRef>
-          <a:fontRef idx="minor">
-            <a:schemeClr val="lt1"/>
-          </a:fontRef>
-        </p:style>
-        <p:txBody>
-          <a:bodyPr rtlCol="0" anchor="ctr"/>
-          <a:lstStyle/>
-          <a:p>
-            <a:pPr algn="ctr"/>
-            <a:endParaRPr lang="fr-FR"/>
-          </a:p>
-        </p:txBody>
-      </p:sp>
-      <p:sp>
-        <p:nvSpPr>
-          <p:cNvPr id="30" name="Rectangle : coins arrondis 29">
-            <a:extLst>
-              <a:ext uri="{FF2B5EF4-FFF2-40B4-BE49-F238E27FC236}">
-                <a16:creationId xmlns:a16="http://schemas.microsoft.com/office/drawing/2014/main" id="{9C0A4D17-C97E-A113-52B6-F480FD2830B2}"/>
-              </a:ext>
-            </a:extLst>
-          </p:cNvPr>
-          <p:cNvSpPr/>
-          <p:nvPr/>
-        </p:nvSpPr>
-        <p:spPr>
-          <a:xfrm>
-            <a:off x="1186823" y="3936182"/>
-            <a:ext cx="197307" cy="185215"/>
-          </a:xfrm>
-          <a:prstGeom prst="roundRect">
-            <a:avLst/>
-          </a:prstGeom>
-          <a:solidFill>
-            <a:schemeClr val="bg2">
-              <a:lumMod val="50000"/>
-            </a:schemeClr>
-          </a:solidFill>
-        </p:spPr>
-        <p:style>
-          <a:lnRef idx="2">
-            <a:schemeClr val="accent1">
-              <a:shade val="15000"/>
-            </a:schemeClr>
-          </a:lnRef>
-          <a:fillRef idx="1">
-            <a:schemeClr val="accent1"/>
-          </a:fillRef>
-          <a:effectRef idx="0">
-            <a:schemeClr val="accent1"/>
-          </a:effectRef>
-          <a:fontRef idx="minor">
-            <a:schemeClr val="lt1"/>
-          </a:fontRef>
-        </p:style>
-        <p:txBody>
-          <a:bodyPr rtlCol="0" anchor="ctr"/>
-          <a:lstStyle/>
-          <a:p>
-            <a:pPr algn="ctr"/>
-            <a:endParaRPr lang="fr-FR"/>
-          </a:p>
-        </p:txBody>
-      </p:sp>
-      <p:sp>
-        <p:nvSpPr>
-          <p:cNvPr id="59" name="ZoneTexte 58">
-            <a:extLst>
-              <a:ext uri="{FF2B5EF4-FFF2-40B4-BE49-F238E27FC236}">
-                <a16:creationId xmlns:a16="http://schemas.microsoft.com/office/drawing/2014/main" id="{0B32742D-BFAB-B756-2934-4E4ED428E8FE}"/>
-              </a:ext>
-            </a:extLst>
-          </p:cNvPr>
-          <p:cNvSpPr txBox="1"/>
-          <p:nvPr/>
-        </p:nvSpPr>
-        <p:spPr>
-          <a:xfrm>
-            <a:off x="263357" y="4170563"/>
-            <a:ext cx="1261228" cy="215444"/>
-          </a:xfrm>
-          <a:prstGeom prst="rect">
-            <a:avLst/>
-          </a:prstGeom>
-          <a:noFill/>
-        </p:spPr>
-        <p:txBody>
           <a:bodyPr wrap="square" rtlCol="0">
             <a:spAutoFit/>
           </a:bodyPr>
           <a:lstStyle/>
           <a:p>
-            <a:pPr algn="ctr"/>
-            <a:r>
-              <a:rPr lang="en-GB" sz="800" b="1" dirty="0"/>
-              <a:t>Independent prediction</a:t>
-            </a:r>
-          </a:p>
-        </p:txBody>
-      </p:sp>
-      <p:sp>
-        <p:nvSpPr>
-          <p:cNvPr id="63" name="Rectangle : coins arrondis 62">
-            <a:extLst>
-              <a:ext uri="{FF2B5EF4-FFF2-40B4-BE49-F238E27FC236}">
-                <a16:creationId xmlns:a16="http://schemas.microsoft.com/office/drawing/2014/main" id="{2C73109F-D9ED-7AE1-2C4C-D56E85B2A8DE}"/>
-              </a:ext>
-            </a:extLst>
-          </p:cNvPr>
-          <p:cNvSpPr/>
-          <p:nvPr/>
-        </p:nvSpPr>
-        <p:spPr>
-          <a:xfrm>
-            <a:off x="555999" y="2127513"/>
-            <a:ext cx="197307" cy="185215"/>
-          </a:xfrm>
-          <a:prstGeom prst="roundRect">
-            <a:avLst/>
-          </a:prstGeom>
-          <a:solidFill>
-            <a:schemeClr val="accent6">
-              <a:lumMod val="20000"/>
-              <a:lumOff val="80000"/>
-            </a:schemeClr>
-          </a:solidFill>
-        </p:spPr>
-        <p:style>
-          <a:lnRef idx="2">
-            <a:schemeClr val="accent1">
-              <a:shade val="15000"/>
-            </a:schemeClr>
-          </a:lnRef>
-          <a:fillRef idx="1">
-            <a:schemeClr val="accent1"/>
-          </a:fillRef>
-          <a:effectRef idx="0">
-            <a:schemeClr val="accent1"/>
-          </a:effectRef>
-          <a:fontRef idx="minor">
-            <a:schemeClr val="lt1"/>
-          </a:fontRef>
-        </p:style>
-        <p:txBody>
-          <a:bodyPr rtlCol="0" anchor="ctr"/>
-          <a:lstStyle/>
-          <a:p>
-            <a:pPr algn="ctr"/>
-            <a:endParaRPr lang="fr-FR"/>
-          </a:p>
-        </p:txBody>
-      </p:sp>
-      <p:sp>
-        <p:nvSpPr>
-          <p:cNvPr id="72" name="Rectangle : coins arrondis 71">
-            <a:extLst>
-              <a:ext uri="{FF2B5EF4-FFF2-40B4-BE49-F238E27FC236}">
-                <a16:creationId xmlns:a16="http://schemas.microsoft.com/office/drawing/2014/main" id="{D7CDB61C-28EC-128D-0B90-6F70C4B36DBE}"/>
-              </a:ext>
-            </a:extLst>
-          </p:cNvPr>
-          <p:cNvSpPr/>
-          <p:nvPr/>
-        </p:nvSpPr>
-        <p:spPr>
-          <a:xfrm>
-            <a:off x="795318" y="2125308"/>
-            <a:ext cx="197307" cy="185215"/>
-          </a:xfrm>
-          <a:prstGeom prst="roundRect">
-            <a:avLst/>
-          </a:prstGeom>
-          <a:solidFill>
-            <a:schemeClr val="accent5">
-              <a:lumMod val="20000"/>
-              <a:lumOff val="80000"/>
-            </a:schemeClr>
-          </a:solidFill>
-        </p:spPr>
-        <p:style>
-          <a:lnRef idx="2">
-            <a:schemeClr val="accent1">
-              <a:shade val="15000"/>
-            </a:schemeClr>
-          </a:lnRef>
-          <a:fillRef idx="1">
-            <a:schemeClr val="accent1"/>
-          </a:fillRef>
-          <a:effectRef idx="0">
-            <a:schemeClr val="accent1"/>
-          </a:effectRef>
-          <a:fontRef idx="minor">
-            <a:schemeClr val="lt1"/>
-          </a:fontRef>
-        </p:style>
-        <p:txBody>
-          <a:bodyPr rtlCol="0" anchor="ctr"/>
-          <a:lstStyle/>
-          <a:p>
-            <a:pPr algn="ctr"/>
-            <a:endParaRPr lang="fr-FR"/>
-          </a:p>
-        </p:txBody>
-      </p:sp>
-      <p:sp>
-        <p:nvSpPr>
-          <p:cNvPr id="75" name="Rectangle : coins arrondis 74">
-            <a:extLst>
-              <a:ext uri="{FF2B5EF4-FFF2-40B4-BE49-F238E27FC236}">
-                <a16:creationId xmlns:a16="http://schemas.microsoft.com/office/drawing/2014/main" id="{844CB366-0744-0C56-9F69-6733DBCBBC15}"/>
-              </a:ext>
-            </a:extLst>
-          </p:cNvPr>
-          <p:cNvSpPr/>
-          <p:nvPr/>
-        </p:nvSpPr>
-        <p:spPr>
-          <a:xfrm>
-            <a:off x="1034023" y="2125308"/>
-            <a:ext cx="197307" cy="185215"/>
-          </a:xfrm>
-          <a:prstGeom prst="roundRect">
-            <a:avLst/>
-          </a:prstGeom>
-          <a:solidFill>
-            <a:schemeClr val="accent2">
-              <a:lumMod val="20000"/>
-              <a:lumOff val="80000"/>
-            </a:schemeClr>
-          </a:solidFill>
-        </p:spPr>
-        <p:style>
-          <a:lnRef idx="2">
-            <a:schemeClr val="accent1">
-              <a:shade val="15000"/>
-            </a:schemeClr>
-          </a:lnRef>
-          <a:fillRef idx="1">
-            <a:schemeClr val="accent1"/>
-          </a:fillRef>
-          <a:effectRef idx="0">
-            <a:schemeClr val="accent1"/>
-          </a:effectRef>
-          <a:fontRef idx="minor">
-            <a:schemeClr val="lt1"/>
-          </a:fontRef>
-        </p:style>
-        <p:txBody>
-          <a:bodyPr rtlCol="0" anchor="ctr"/>
-          <a:lstStyle/>
-          <a:p>
-            <a:pPr algn="ctr"/>
-            <a:endParaRPr lang="fr-FR"/>
-          </a:p>
-        </p:txBody>
-      </p:sp>
-      <p:sp>
-        <p:nvSpPr>
-          <p:cNvPr id="76" name="Rectangle : coins arrondis 75">
-            <a:extLst>
-              <a:ext uri="{FF2B5EF4-FFF2-40B4-BE49-F238E27FC236}">
-                <a16:creationId xmlns:a16="http://schemas.microsoft.com/office/drawing/2014/main" id="{5C2EE547-8918-F81C-C722-8C870F5345CE}"/>
-              </a:ext>
-            </a:extLst>
-          </p:cNvPr>
-          <p:cNvSpPr/>
-          <p:nvPr/>
-        </p:nvSpPr>
-        <p:spPr>
-          <a:xfrm>
-            <a:off x="2200410" y="2797455"/>
-            <a:ext cx="197307" cy="185215"/>
-          </a:xfrm>
-          <a:prstGeom prst="roundRect">
-            <a:avLst/>
-          </a:prstGeom>
-          <a:solidFill>
-            <a:schemeClr val="accent6">
-              <a:lumMod val="20000"/>
-              <a:lumOff val="80000"/>
-            </a:schemeClr>
-          </a:solidFill>
-        </p:spPr>
-        <p:style>
-          <a:lnRef idx="2">
-            <a:schemeClr val="accent1">
-              <a:shade val="15000"/>
-            </a:schemeClr>
-          </a:lnRef>
-          <a:fillRef idx="1">
-            <a:schemeClr val="accent1"/>
-          </a:fillRef>
-          <a:effectRef idx="0">
-            <a:schemeClr val="accent1"/>
-          </a:effectRef>
-          <a:fontRef idx="minor">
-            <a:schemeClr val="lt1"/>
-          </a:fontRef>
-        </p:style>
-        <p:txBody>
-          <a:bodyPr rtlCol="0" anchor="ctr"/>
-          <a:lstStyle/>
-          <a:p>
-            <a:pPr algn="ctr"/>
-            <a:endParaRPr lang="fr-FR"/>
-          </a:p>
-        </p:txBody>
-      </p:sp>
-      <p:sp>
-        <p:nvSpPr>
-          <p:cNvPr id="77" name="Rectangle : coins arrondis 76">
-            <a:extLst>
-              <a:ext uri="{FF2B5EF4-FFF2-40B4-BE49-F238E27FC236}">
-                <a16:creationId xmlns:a16="http://schemas.microsoft.com/office/drawing/2014/main" id="{93BD61E4-0B97-3613-4C76-25C01FDFE9E7}"/>
-              </a:ext>
-            </a:extLst>
-          </p:cNvPr>
-          <p:cNvSpPr/>
-          <p:nvPr/>
-        </p:nvSpPr>
-        <p:spPr>
-          <a:xfrm>
-            <a:off x="2406655" y="2797455"/>
-            <a:ext cx="197307" cy="185215"/>
-          </a:xfrm>
-          <a:prstGeom prst="roundRect">
-            <a:avLst/>
-          </a:prstGeom>
-          <a:solidFill>
-            <a:schemeClr val="accent5">
-              <a:lumMod val="20000"/>
-              <a:lumOff val="80000"/>
-            </a:schemeClr>
-          </a:solidFill>
-        </p:spPr>
-        <p:style>
-          <a:lnRef idx="2">
-            <a:schemeClr val="accent1">
-              <a:shade val="15000"/>
-            </a:schemeClr>
-          </a:lnRef>
-          <a:fillRef idx="1">
-            <a:schemeClr val="accent1"/>
-          </a:fillRef>
-          <a:effectRef idx="0">
-            <a:schemeClr val="accent1"/>
-          </a:effectRef>
-          <a:fontRef idx="minor">
-            <a:schemeClr val="lt1"/>
-          </a:fontRef>
-        </p:style>
-        <p:txBody>
-          <a:bodyPr rtlCol="0" anchor="ctr"/>
-          <a:lstStyle/>
-          <a:p>
-            <a:pPr algn="ctr"/>
-            <a:endParaRPr lang="fr-FR"/>
-          </a:p>
-        </p:txBody>
-      </p:sp>
-      <p:sp>
-        <p:nvSpPr>
-          <p:cNvPr id="87" name="Rectangle : coins arrondis 86">
-            <a:extLst>
-              <a:ext uri="{FF2B5EF4-FFF2-40B4-BE49-F238E27FC236}">
-                <a16:creationId xmlns:a16="http://schemas.microsoft.com/office/drawing/2014/main" id="{5C7DBF4A-0595-00C8-45C9-701591F66FDB}"/>
-              </a:ext>
-            </a:extLst>
-          </p:cNvPr>
-          <p:cNvSpPr/>
-          <p:nvPr/>
-        </p:nvSpPr>
-        <p:spPr>
-          <a:xfrm>
-            <a:off x="2609616" y="2797455"/>
-            <a:ext cx="197307" cy="185215"/>
-          </a:xfrm>
-          <a:prstGeom prst="roundRect">
-            <a:avLst/>
-          </a:prstGeom>
-          <a:solidFill>
-            <a:schemeClr val="accent2">
-              <a:lumMod val="20000"/>
-              <a:lumOff val="80000"/>
-            </a:schemeClr>
-          </a:solidFill>
-        </p:spPr>
-        <p:style>
-          <a:lnRef idx="2">
-            <a:schemeClr val="accent1">
-              <a:shade val="15000"/>
-            </a:schemeClr>
-          </a:lnRef>
-          <a:fillRef idx="1">
-            <a:schemeClr val="accent1"/>
-          </a:fillRef>
-          <a:effectRef idx="0">
-            <a:schemeClr val="accent1"/>
-          </a:effectRef>
-          <a:fontRef idx="minor">
-            <a:schemeClr val="lt1"/>
-          </a:fontRef>
-        </p:style>
-        <p:txBody>
-          <a:bodyPr rtlCol="0" anchor="ctr"/>
-          <a:lstStyle/>
-          <a:p>
-            <a:pPr algn="ctr"/>
-            <a:endParaRPr lang="fr-FR"/>
-          </a:p>
-        </p:txBody>
-      </p:sp>
-      <p:sp>
-        <p:nvSpPr>
-          <p:cNvPr id="105" name="Flèche vers la gauche 104">
-            <a:extLst>
-              <a:ext uri="{FF2B5EF4-FFF2-40B4-BE49-F238E27FC236}">
-                <a16:creationId xmlns:a16="http://schemas.microsoft.com/office/drawing/2014/main" id="{C686ACD6-9B12-2524-C9A8-C908F3899679}"/>
-              </a:ext>
-            </a:extLst>
-          </p:cNvPr>
-          <p:cNvSpPr/>
-          <p:nvPr/>
-        </p:nvSpPr>
-        <p:spPr>
-          <a:xfrm rot="16200000">
-            <a:off x="1142039" y="3079316"/>
-            <a:ext cx="274136" cy="197308"/>
-          </a:xfrm>
-          <a:prstGeom prst="leftArrow">
-            <a:avLst/>
-          </a:prstGeom>
-          <a:solidFill>
-            <a:schemeClr val="bg2">
-              <a:lumMod val="75000"/>
-            </a:schemeClr>
-          </a:solidFill>
-          <a:ln>
-            <a:solidFill>
-              <a:schemeClr val="tx1">
-                <a:lumMod val="95000"/>
-                <a:lumOff val="5000"/>
-              </a:schemeClr>
-            </a:solidFill>
-          </a:ln>
-        </p:spPr>
-        <p:style>
-          <a:lnRef idx="3">
-            <a:schemeClr val="lt1"/>
-          </a:lnRef>
-          <a:fillRef idx="1">
-            <a:schemeClr val="dk1"/>
-          </a:fillRef>
-          <a:effectRef idx="1">
-            <a:schemeClr val="dk1"/>
-          </a:effectRef>
-          <a:fontRef idx="minor">
-            <a:schemeClr val="lt1"/>
-          </a:fontRef>
-        </p:style>
-        <p:txBody>
-          <a:bodyPr rtlCol="0" anchor="ctr"/>
-          <a:lstStyle/>
-          <a:p>
-            <a:pPr algn="ctr"/>
-            <a:endParaRPr lang="fr-FR"/>
-          </a:p>
-        </p:txBody>
-      </p:sp>
-      <p:sp>
-        <p:nvSpPr>
-          <p:cNvPr id="108" name="Flèche vers la gauche 107">
-            <a:extLst>
-              <a:ext uri="{FF2B5EF4-FFF2-40B4-BE49-F238E27FC236}">
-                <a16:creationId xmlns:a16="http://schemas.microsoft.com/office/drawing/2014/main" id="{23A3D7E6-EC7C-4B2E-5F0E-391531D39D1D}"/>
-              </a:ext>
-            </a:extLst>
-          </p:cNvPr>
-          <p:cNvSpPr/>
-          <p:nvPr/>
-        </p:nvSpPr>
-        <p:spPr>
-          <a:xfrm>
-            <a:off x="2071646" y="3357310"/>
-            <a:ext cx="274136" cy="197308"/>
-          </a:xfrm>
-          <a:prstGeom prst="leftArrow">
-            <a:avLst/>
-          </a:prstGeom>
-          <a:solidFill>
-            <a:schemeClr val="bg2">
-              <a:lumMod val="75000"/>
-            </a:schemeClr>
-          </a:solidFill>
-          <a:ln>
-            <a:solidFill>
-              <a:schemeClr val="tx1">
-                <a:lumMod val="95000"/>
-                <a:lumOff val="5000"/>
-              </a:schemeClr>
-            </a:solidFill>
-          </a:ln>
-        </p:spPr>
-        <p:style>
-          <a:lnRef idx="3">
-            <a:schemeClr val="lt1"/>
-          </a:lnRef>
-          <a:fillRef idx="1">
-            <a:schemeClr val="dk1"/>
-          </a:fillRef>
-          <a:effectRef idx="1">
-            <a:schemeClr val="dk1"/>
-          </a:effectRef>
-          <a:fontRef idx="minor">
-            <a:schemeClr val="lt1"/>
-          </a:fontRef>
-        </p:style>
-        <p:txBody>
-          <a:bodyPr rtlCol="0" anchor="ctr"/>
-          <a:lstStyle/>
-          <a:p>
-            <a:pPr algn="ctr"/>
-            <a:endParaRPr lang="fr-FR"/>
-          </a:p>
-        </p:txBody>
-      </p:sp>
-      <p:sp>
-        <p:nvSpPr>
-          <p:cNvPr id="110" name="ZoneTexte 109">
-            <a:extLst>
-              <a:ext uri="{FF2B5EF4-FFF2-40B4-BE49-F238E27FC236}">
-                <a16:creationId xmlns:a16="http://schemas.microsoft.com/office/drawing/2014/main" id="{17EFB093-CAA9-8780-EC51-F1455276EA9B}"/>
-              </a:ext>
-            </a:extLst>
-          </p:cNvPr>
-          <p:cNvSpPr txBox="1"/>
-          <p:nvPr/>
-        </p:nvSpPr>
-        <p:spPr>
-          <a:xfrm>
-            <a:off x="2319944" y="3308000"/>
-            <a:ext cx="397866" cy="276999"/>
-          </a:xfrm>
-          <a:prstGeom prst="rect">
-            <a:avLst/>
-          </a:prstGeom>
-          <a:noFill/>
-        </p:spPr>
-        <p:txBody>
-          <a:bodyPr wrap="none" rtlCol="0">
-            <a:spAutoFit/>
-          </a:bodyPr>
-          <a:lstStyle/>
-          <a:p>
-            <a:r>
-              <a:rPr lang="fr-FR" sz="1200" b="1" dirty="0"/>
-              <a:t>M1</a:t>
-            </a:r>
-          </a:p>
-        </p:txBody>
-      </p:sp>
-      <p:sp>
-        <p:nvSpPr>
-          <p:cNvPr id="111" name="ZoneTexte 110">
-            <a:extLst>
-              <a:ext uri="{FF2B5EF4-FFF2-40B4-BE49-F238E27FC236}">
-                <a16:creationId xmlns:a16="http://schemas.microsoft.com/office/drawing/2014/main" id="{6460D0AD-0BC3-B7A6-3565-3AA3E020AF68}"/>
-              </a:ext>
-            </a:extLst>
-          </p:cNvPr>
-          <p:cNvSpPr txBox="1"/>
-          <p:nvPr/>
-        </p:nvSpPr>
-        <p:spPr>
-          <a:xfrm>
-            <a:off x="1718533" y="3314823"/>
-            <a:ext cx="397866" cy="276999"/>
-          </a:xfrm>
-          <a:prstGeom prst="rect">
-            <a:avLst/>
-          </a:prstGeom>
-          <a:noFill/>
-        </p:spPr>
-        <p:txBody>
-          <a:bodyPr wrap="none" rtlCol="0">
-            <a:spAutoFit/>
-          </a:bodyPr>
-          <a:lstStyle/>
-          <a:p>
-            <a:r>
-              <a:rPr lang="fr-FR" sz="1200" b="1" dirty="0"/>
-              <a:t>M2</a:t>
-            </a:r>
-          </a:p>
-        </p:txBody>
-      </p:sp>
-      <p:sp>
-        <p:nvSpPr>
-          <p:cNvPr id="114" name="Flèche vers la gauche 113">
-            <a:extLst>
-              <a:ext uri="{FF2B5EF4-FFF2-40B4-BE49-F238E27FC236}">
-                <a16:creationId xmlns:a16="http://schemas.microsoft.com/office/drawing/2014/main" id="{040C8EA1-2BD9-5B8D-E833-B3AC1D53726B}"/>
-              </a:ext>
-            </a:extLst>
-          </p:cNvPr>
-          <p:cNvSpPr/>
-          <p:nvPr/>
-        </p:nvSpPr>
-        <p:spPr>
-          <a:xfrm rot="16200000">
-            <a:off x="1777292" y="3621162"/>
-            <a:ext cx="274136" cy="197308"/>
-          </a:xfrm>
-          <a:prstGeom prst="leftArrow">
-            <a:avLst/>
-          </a:prstGeom>
-          <a:solidFill>
-            <a:schemeClr val="bg2">
-              <a:lumMod val="75000"/>
-            </a:schemeClr>
-          </a:solidFill>
-          <a:ln>
-            <a:solidFill>
-              <a:schemeClr val="tx1">
-                <a:lumMod val="95000"/>
-                <a:lumOff val="5000"/>
-              </a:schemeClr>
-            </a:solidFill>
-          </a:ln>
-        </p:spPr>
-        <p:style>
-          <a:lnRef idx="3">
-            <a:schemeClr val="lt1"/>
-          </a:lnRef>
-          <a:fillRef idx="1">
-            <a:schemeClr val="dk1"/>
-          </a:fillRef>
-          <a:effectRef idx="1">
-            <a:schemeClr val="dk1"/>
-          </a:effectRef>
-          <a:fontRef idx="minor">
-            <a:schemeClr val="lt1"/>
-          </a:fontRef>
-        </p:style>
-        <p:txBody>
-          <a:bodyPr rtlCol="0" anchor="ctr"/>
-          <a:lstStyle/>
-          <a:p>
-            <a:pPr algn="ctr"/>
-            <a:endParaRPr lang="fr-FR"/>
-          </a:p>
-        </p:txBody>
-      </p:sp>
-      <p:sp>
-        <p:nvSpPr>
-          <p:cNvPr id="115" name="ZoneTexte 114">
-            <a:extLst>
-              <a:ext uri="{FF2B5EF4-FFF2-40B4-BE49-F238E27FC236}">
-                <a16:creationId xmlns:a16="http://schemas.microsoft.com/office/drawing/2014/main" id="{36212C87-7078-C2C9-8DE1-73A4020449BC}"/>
-              </a:ext>
-            </a:extLst>
-          </p:cNvPr>
-          <p:cNvSpPr txBox="1"/>
-          <p:nvPr/>
-        </p:nvSpPr>
-        <p:spPr>
-          <a:xfrm>
-            <a:off x="1723425" y="3878606"/>
-            <a:ext cx="397866" cy="276999"/>
-          </a:xfrm>
-          <a:prstGeom prst="rect">
-            <a:avLst/>
-          </a:prstGeom>
-          <a:noFill/>
-        </p:spPr>
-        <p:txBody>
-          <a:bodyPr wrap="none" rtlCol="0">
-            <a:spAutoFit/>
-          </a:bodyPr>
-          <a:lstStyle/>
-          <a:p>
-            <a:r>
-              <a:rPr lang="fr-FR" sz="1200" b="1" dirty="0"/>
-              <a:t>M3</a:t>
-            </a:r>
-          </a:p>
-        </p:txBody>
-      </p:sp>
-      <p:sp>
-        <p:nvSpPr>
-          <p:cNvPr id="123" name="Flèche vers la gauche 122">
-            <a:extLst>
-              <a:ext uri="{FF2B5EF4-FFF2-40B4-BE49-F238E27FC236}">
-                <a16:creationId xmlns:a16="http://schemas.microsoft.com/office/drawing/2014/main" id="{10F8C756-EB61-7D63-4F8A-3B99AEE90D9B}"/>
-              </a:ext>
-            </a:extLst>
-          </p:cNvPr>
-          <p:cNvSpPr/>
-          <p:nvPr/>
-        </p:nvSpPr>
-        <p:spPr>
-          <a:xfrm rot="10800000">
-            <a:off x="2082491" y="3924086"/>
-            <a:ext cx="274136" cy="197308"/>
-          </a:xfrm>
-          <a:prstGeom prst="leftArrow">
-            <a:avLst/>
-          </a:prstGeom>
-          <a:solidFill>
-            <a:schemeClr val="bg2">
-              <a:lumMod val="75000"/>
-            </a:schemeClr>
-          </a:solidFill>
-          <a:ln>
-            <a:solidFill>
-              <a:schemeClr val="tx1">
-                <a:lumMod val="95000"/>
-                <a:lumOff val="5000"/>
-              </a:schemeClr>
-            </a:solidFill>
-          </a:ln>
-        </p:spPr>
-        <p:style>
-          <a:lnRef idx="3">
-            <a:schemeClr val="lt1"/>
-          </a:lnRef>
-          <a:fillRef idx="1">
-            <a:schemeClr val="dk1"/>
-          </a:fillRef>
-          <a:effectRef idx="1">
-            <a:schemeClr val="dk1"/>
-          </a:effectRef>
-          <a:fontRef idx="minor">
-            <a:schemeClr val="lt1"/>
-          </a:fontRef>
-        </p:style>
-        <p:txBody>
-          <a:bodyPr rtlCol="0" anchor="ctr"/>
-          <a:lstStyle/>
-          <a:p>
-            <a:pPr algn="ctr"/>
-            <a:endParaRPr lang="fr-FR"/>
-          </a:p>
-        </p:txBody>
-      </p:sp>
-      <p:sp>
-        <p:nvSpPr>
-          <p:cNvPr id="124" name="ZoneTexte 123">
-            <a:extLst>
-              <a:ext uri="{FF2B5EF4-FFF2-40B4-BE49-F238E27FC236}">
-                <a16:creationId xmlns:a16="http://schemas.microsoft.com/office/drawing/2014/main" id="{58353B83-A07E-A4E6-846B-3E120598B688}"/>
-              </a:ext>
-            </a:extLst>
-          </p:cNvPr>
-          <p:cNvSpPr txBox="1"/>
-          <p:nvPr/>
-        </p:nvSpPr>
-        <p:spPr>
-          <a:xfrm>
-            <a:off x="2319944" y="3894324"/>
-            <a:ext cx="397866" cy="276999"/>
-          </a:xfrm>
-          <a:prstGeom prst="rect">
-            <a:avLst/>
-          </a:prstGeom>
-          <a:noFill/>
-        </p:spPr>
-        <p:txBody>
-          <a:bodyPr wrap="none" rtlCol="0">
-            <a:spAutoFit/>
-          </a:bodyPr>
-          <a:lstStyle/>
-          <a:p>
-            <a:r>
-              <a:rPr lang="fr-FR" sz="1200" b="1" dirty="0"/>
-              <a:t>M4</a:t>
-            </a:r>
-          </a:p>
-        </p:txBody>
-      </p:sp>
-      <p:sp>
-        <p:nvSpPr>
-          <p:cNvPr id="125" name="Rectangle : coins arrondis 124">
-            <a:extLst>
-              <a:ext uri="{FF2B5EF4-FFF2-40B4-BE49-F238E27FC236}">
-                <a16:creationId xmlns:a16="http://schemas.microsoft.com/office/drawing/2014/main" id="{D5C359F6-F32D-ABEC-8AB5-5F852297E03B}"/>
-              </a:ext>
-            </a:extLst>
-          </p:cNvPr>
-          <p:cNvSpPr/>
-          <p:nvPr/>
-        </p:nvSpPr>
-        <p:spPr>
-          <a:xfrm>
-            <a:off x="3006159" y="3921078"/>
-            <a:ext cx="197307" cy="185215"/>
-          </a:xfrm>
-          <a:prstGeom prst="roundRect">
-            <a:avLst/>
-          </a:prstGeom>
-          <a:solidFill>
-            <a:schemeClr val="bg2">
-              <a:lumMod val="50000"/>
-            </a:schemeClr>
-          </a:solidFill>
-        </p:spPr>
-        <p:style>
-          <a:lnRef idx="2">
-            <a:schemeClr val="accent1">
-              <a:shade val="15000"/>
-            </a:schemeClr>
-          </a:lnRef>
-          <a:fillRef idx="1">
-            <a:schemeClr val="accent1"/>
-          </a:fillRef>
-          <a:effectRef idx="0">
-            <a:schemeClr val="accent1"/>
-          </a:effectRef>
-          <a:fontRef idx="minor">
-            <a:schemeClr val="lt1"/>
-          </a:fontRef>
-        </p:style>
-        <p:txBody>
-          <a:bodyPr rtlCol="0" anchor="ctr"/>
-          <a:lstStyle/>
-          <a:p>
-            <a:pPr algn="ctr"/>
-            <a:endParaRPr lang="fr-FR"/>
-          </a:p>
-        </p:txBody>
-      </p:sp>
-      <p:sp>
-        <p:nvSpPr>
-          <p:cNvPr id="126" name="Flèche vers la gauche 125">
-            <a:extLst>
-              <a:ext uri="{FF2B5EF4-FFF2-40B4-BE49-F238E27FC236}">
-                <a16:creationId xmlns:a16="http://schemas.microsoft.com/office/drawing/2014/main" id="{1845CD4F-98B5-24A4-17FA-E779CFA5BD77}"/>
-              </a:ext>
-            </a:extLst>
-          </p:cNvPr>
-          <p:cNvSpPr/>
-          <p:nvPr/>
-        </p:nvSpPr>
-        <p:spPr>
-          <a:xfrm rot="10800000">
-            <a:off x="2688398" y="3930132"/>
-            <a:ext cx="274136" cy="197308"/>
-          </a:xfrm>
-          <a:prstGeom prst="leftArrow">
-            <a:avLst/>
-          </a:prstGeom>
-          <a:solidFill>
-            <a:schemeClr val="bg2">
-              <a:lumMod val="75000"/>
-            </a:schemeClr>
-          </a:solidFill>
-          <a:ln>
-            <a:solidFill>
-              <a:schemeClr val="tx1">
-                <a:lumMod val="95000"/>
-                <a:lumOff val="5000"/>
-              </a:schemeClr>
-            </a:solidFill>
-          </a:ln>
-        </p:spPr>
-        <p:style>
-          <a:lnRef idx="3">
-            <a:schemeClr val="lt1"/>
-          </a:lnRef>
-          <a:fillRef idx="1">
-            <a:schemeClr val="dk1"/>
-          </a:fillRef>
-          <a:effectRef idx="1">
-            <a:schemeClr val="dk1"/>
-          </a:effectRef>
-          <a:fontRef idx="minor">
-            <a:schemeClr val="lt1"/>
-          </a:fontRef>
-        </p:style>
-        <p:txBody>
-          <a:bodyPr rtlCol="0" anchor="ctr"/>
-          <a:lstStyle/>
-          <a:p>
-            <a:pPr algn="ctr"/>
-            <a:endParaRPr lang="fr-FR"/>
-          </a:p>
-        </p:txBody>
-      </p:sp>
-      <p:sp>
-        <p:nvSpPr>
-          <p:cNvPr id="128" name="ZoneTexte 127">
-            <a:extLst>
-              <a:ext uri="{FF2B5EF4-FFF2-40B4-BE49-F238E27FC236}">
-                <a16:creationId xmlns:a16="http://schemas.microsoft.com/office/drawing/2014/main" id="{3F51A3BF-95D0-2812-03EE-8052FB68D2DF}"/>
-              </a:ext>
-            </a:extLst>
-          </p:cNvPr>
-          <p:cNvSpPr txBox="1"/>
-          <p:nvPr/>
-        </p:nvSpPr>
-        <p:spPr>
-          <a:xfrm>
-            <a:off x="3498515" y="2410467"/>
-            <a:ext cx="1756856" cy="338554"/>
-          </a:xfrm>
-          <a:prstGeom prst="rect">
-            <a:avLst/>
-          </a:prstGeom>
-          <a:noFill/>
-        </p:spPr>
-        <p:txBody>
-          <a:bodyPr wrap="square" rtlCol="0">
-            <a:spAutoFit/>
-          </a:bodyPr>
-          <a:lstStyle/>
-          <a:p>
             <a:pPr algn="just"/>
             <a:r>
-              <a:rPr lang="en-GB" sz="800" u="sng" dirty="0"/>
-              <a:t>Strategy n°3</a:t>
-            </a:r>
-            <a:r>
-              <a:rPr lang="en-GB" sz="800" dirty="0"/>
-              <a:t>: </a:t>
-            </a:r>
-            <a:r>
-              <a:rPr lang="en-GB" sz="800" b="1" dirty="0"/>
-              <a:t>Independent data integration with dependent models</a:t>
-            </a:r>
-          </a:p>
-        </p:txBody>
-      </p:sp>
-      <p:sp>
-        <p:nvSpPr>
-          <p:cNvPr id="129" name="Rectangle : coins arrondis 128">
-            <a:extLst>
-              <a:ext uri="{FF2B5EF4-FFF2-40B4-BE49-F238E27FC236}">
-                <a16:creationId xmlns:a16="http://schemas.microsoft.com/office/drawing/2014/main" id="{12DED574-FE3C-AEA3-0655-3CC76E0C13D6}"/>
-              </a:ext>
-            </a:extLst>
-          </p:cNvPr>
-          <p:cNvSpPr/>
-          <p:nvPr/>
-        </p:nvSpPr>
-        <p:spPr>
-          <a:xfrm>
-            <a:off x="3677072" y="2793213"/>
-            <a:ext cx="197307" cy="185215"/>
-          </a:xfrm>
-          <a:prstGeom prst="roundRect">
-            <a:avLst/>
-          </a:prstGeom>
-          <a:solidFill>
-            <a:schemeClr val="accent6">
-              <a:lumMod val="20000"/>
-              <a:lumOff val="80000"/>
-            </a:schemeClr>
-          </a:solidFill>
-        </p:spPr>
-        <p:style>
-          <a:lnRef idx="2">
-            <a:schemeClr val="accent1">
-              <a:shade val="15000"/>
-            </a:schemeClr>
-          </a:lnRef>
-          <a:fillRef idx="1">
-            <a:schemeClr val="accent1"/>
-          </a:fillRef>
-          <a:effectRef idx="0">
-            <a:schemeClr val="accent1"/>
-          </a:effectRef>
-          <a:fontRef idx="minor">
-            <a:schemeClr val="lt1"/>
-          </a:fontRef>
-        </p:style>
-        <p:txBody>
-          <a:bodyPr rtlCol="0" anchor="ctr"/>
-          <a:lstStyle/>
-          <a:p>
-            <a:pPr algn="ctr"/>
-            <a:endParaRPr lang="fr-FR"/>
-          </a:p>
-        </p:txBody>
-      </p:sp>
-      <p:sp>
-        <p:nvSpPr>
-          <p:cNvPr id="130" name="Flèche vers la gauche 129">
-            <a:extLst>
-              <a:ext uri="{FF2B5EF4-FFF2-40B4-BE49-F238E27FC236}">
-                <a16:creationId xmlns:a16="http://schemas.microsoft.com/office/drawing/2014/main" id="{DD23AFE2-A0D2-7D5C-9538-5BB8F5581F22}"/>
-              </a:ext>
-            </a:extLst>
-          </p:cNvPr>
-          <p:cNvSpPr/>
-          <p:nvPr/>
-        </p:nvSpPr>
-        <p:spPr>
-          <a:xfrm rot="10800000">
-            <a:off x="3949921" y="2791404"/>
-            <a:ext cx="274136" cy="197308"/>
-          </a:xfrm>
-          <a:prstGeom prst="leftArrow">
-            <a:avLst/>
-          </a:prstGeom>
-          <a:solidFill>
-            <a:schemeClr val="bg2">
-              <a:lumMod val="75000"/>
-            </a:schemeClr>
-          </a:solidFill>
-          <a:ln>
-            <a:solidFill>
-              <a:schemeClr val="tx1">
-                <a:lumMod val="95000"/>
-                <a:lumOff val="5000"/>
-              </a:schemeClr>
-            </a:solidFill>
-          </a:ln>
-        </p:spPr>
-        <p:style>
-          <a:lnRef idx="3">
-            <a:schemeClr val="lt1"/>
-          </a:lnRef>
-          <a:fillRef idx="1">
-            <a:schemeClr val="dk1"/>
-          </a:fillRef>
-          <a:effectRef idx="1">
-            <a:schemeClr val="dk1"/>
-          </a:effectRef>
-          <a:fontRef idx="minor">
-            <a:schemeClr val="lt1"/>
-          </a:fontRef>
-        </p:style>
-        <p:txBody>
-          <a:bodyPr rtlCol="0" anchor="ctr"/>
-          <a:lstStyle/>
-          <a:p>
-            <a:pPr algn="ctr"/>
-            <a:endParaRPr lang="fr-FR"/>
-          </a:p>
-        </p:txBody>
-      </p:sp>
-      <p:sp>
-        <p:nvSpPr>
-          <p:cNvPr id="131" name="ZoneTexte 130">
-            <a:extLst>
-              <a:ext uri="{FF2B5EF4-FFF2-40B4-BE49-F238E27FC236}">
-                <a16:creationId xmlns:a16="http://schemas.microsoft.com/office/drawing/2014/main" id="{7EBAD5D0-3621-743A-6AD4-1B78C1BC26E6}"/>
-              </a:ext>
-            </a:extLst>
-          </p:cNvPr>
-          <p:cNvSpPr txBox="1"/>
-          <p:nvPr/>
-        </p:nvSpPr>
-        <p:spPr>
-          <a:xfrm>
-            <a:off x="4199428" y="2745618"/>
-            <a:ext cx="397866" cy="276999"/>
-          </a:xfrm>
-          <a:prstGeom prst="rect">
-            <a:avLst/>
-          </a:prstGeom>
-          <a:noFill/>
-        </p:spPr>
-        <p:txBody>
-          <a:bodyPr wrap="none" rtlCol="0">
-            <a:spAutoFit/>
-          </a:bodyPr>
-          <a:lstStyle/>
-          <a:p>
-            <a:r>
-              <a:rPr lang="fr-FR" sz="1200" b="1" dirty="0"/>
-              <a:t>M1</a:t>
-            </a:r>
-          </a:p>
-        </p:txBody>
-      </p:sp>
-      <p:sp>
-        <p:nvSpPr>
-          <p:cNvPr id="132" name="Flèche vers la gauche 131">
-            <a:extLst>
-              <a:ext uri="{FF2B5EF4-FFF2-40B4-BE49-F238E27FC236}">
-                <a16:creationId xmlns:a16="http://schemas.microsoft.com/office/drawing/2014/main" id="{D60DC7AA-85AB-0A9B-F420-36AF1BB9F1FE}"/>
-              </a:ext>
-            </a:extLst>
-          </p:cNvPr>
-          <p:cNvSpPr/>
-          <p:nvPr/>
-        </p:nvSpPr>
-        <p:spPr>
-          <a:xfrm rot="16200000">
-            <a:off x="4266098" y="3101361"/>
-            <a:ext cx="274136" cy="197308"/>
-          </a:xfrm>
-          <a:prstGeom prst="leftArrow">
-            <a:avLst/>
-          </a:prstGeom>
-          <a:solidFill>
-            <a:schemeClr val="bg2">
-              <a:lumMod val="75000"/>
-            </a:schemeClr>
-          </a:solidFill>
-          <a:ln>
-            <a:solidFill>
-              <a:schemeClr val="tx1">
-                <a:lumMod val="95000"/>
-                <a:lumOff val="5000"/>
-              </a:schemeClr>
-            </a:solidFill>
-          </a:ln>
-        </p:spPr>
-        <p:style>
-          <a:lnRef idx="3">
-            <a:schemeClr val="lt1"/>
-          </a:lnRef>
-          <a:fillRef idx="1">
-            <a:schemeClr val="dk1"/>
-          </a:fillRef>
-          <a:effectRef idx="1">
-            <a:schemeClr val="dk1"/>
-          </a:effectRef>
-          <a:fontRef idx="minor">
-            <a:schemeClr val="lt1"/>
-          </a:fontRef>
-        </p:style>
-        <p:txBody>
-          <a:bodyPr rtlCol="0" anchor="ctr"/>
-          <a:lstStyle/>
-          <a:p>
-            <a:pPr algn="ctr"/>
-            <a:endParaRPr lang="fr-FR"/>
-          </a:p>
-        </p:txBody>
-      </p:sp>
-      <p:sp>
-        <p:nvSpPr>
-          <p:cNvPr id="133" name="Rectangle : coins arrondis 132">
-            <a:extLst>
-              <a:ext uri="{FF2B5EF4-FFF2-40B4-BE49-F238E27FC236}">
-                <a16:creationId xmlns:a16="http://schemas.microsoft.com/office/drawing/2014/main" id="{7E941BCC-04C3-1456-F746-EB363313BA03}"/>
-              </a:ext>
-            </a:extLst>
-          </p:cNvPr>
-          <p:cNvSpPr/>
-          <p:nvPr/>
-        </p:nvSpPr>
-        <p:spPr>
-          <a:xfrm>
-            <a:off x="4299710" y="3370425"/>
-            <a:ext cx="197307" cy="185215"/>
-          </a:xfrm>
-          <a:prstGeom prst="roundRect">
-            <a:avLst/>
-          </a:prstGeom>
-          <a:solidFill>
-            <a:schemeClr val="accent5">
-              <a:lumMod val="20000"/>
-              <a:lumOff val="80000"/>
-            </a:schemeClr>
-          </a:solidFill>
-        </p:spPr>
-        <p:style>
-          <a:lnRef idx="2">
-            <a:schemeClr val="accent1">
-              <a:shade val="15000"/>
-            </a:schemeClr>
-          </a:lnRef>
-          <a:fillRef idx="1">
-            <a:schemeClr val="accent1"/>
-          </a:fillRef>
-          <a:effectRef idx="0">
-            <a:schemeClr val="accent1"/>
-          </a:effectRef>
-          <a:fontRef idx="minor">
-            <a:schemeClr val="lt1"/>
-          </a:fontRef>
-        </p:style>
-        <p:txBody>
-          <a:bodyPr rtlCol="0" anchor="ctr"/>
-          <a:lstStyle/>
-          <a:p>
-            <a:pPr algn="ctr"/>
-            <a:endParaRPr lang="fr-FR"/>
-          </a:p>
-        </p:txBody>
-      </p:sp>
-      <p:sp>
-        <p:nvSpPr>
-          <p:cNvPr id="134" name="Flèche vers la gauche 133">
-            <a:extLst>
-              <a:ext uri="{FF2B5EF4-FFF2-40B4-BE49-F238E27FC236}">
-                <a16:creationId xmlns:a16="http://schemas.microsoft.com/office/drawing/2014/main" id="{504BC8B2-D223-C1DB-55EB-8FE858F68121}"/>
-              </a:ext>
-            </a:extLst>
-          </p:cNvPr>
-          <p:cNvSpPr/>
-          <p:nvPr/>
-        </p:nvSpPr>
-        <p:spPr>
-          <a:xfrm>
-            <a:off x="3956183" y="3362810"/>
-            <a:ext cx="274136" cy="197308"/>
-          </a:xfrm>
-          <a:prstGeom prst="leftArrow">
-            <a:avLst/>
-          </a:prstGeom>
-          <a:solidFill>
-            <a:schemeClr val="bg2">
-              <a:lumMod val="75000"/>
-            </a:schemeClr>
-          </a:solidFill>
-          <a:ln>
-            <a:solidFill>
-              <a:schemeClr val="tx1">
-                <a:lumMod val="95000"/>
-                <a:lumOff val="5000"/>
-              </a:schemeClr>
-            </a:solidFill>
-          </a:ln>
-        </p:spPr>
-        <p:style>
-          <a:lnRef idx="3">
-            <a:schemeClr val="lt1"/>
-          </a:lnRef>
-          <a:fillRef idx="1">
-            <a:schemeClr val="dk1"/>
-          </a:fillRef>
-          <a:effectRef idx="1">
-            <a:schemeClr val="dk1"/>
-          </a:effectRef>
-          <a:fontRef idx="minor">
-            <a:schemeClr val="lt1"/>
-          </a:fontRef>
-        </p:style>
-        <p:txBody>
-          <a:bodyPr rtlCol="0" anchor="ctr"/>
-          <a:lstStyle/>
-          <a:p>
-            <a:pPr algn="ctr"/>
-            <a:endParaRPr lang="fr-FR"/>
-          </a:p>
-        </p:txBody>
-      </p:sp>
-      <p:sp>
-        <p:nvSpPr>
-          <p:cNvPr id="135" name="ZoneTexte 134">
-            <a:extLst>
-              <a:ext uri="{FF2B5EF4-FFF2-40B4-BE49-F238E27FC236}">
-                <a16:creationId xmlns:a16="http://schemas.microsoft.com/office/drawing/2014/main" id="{F8D97D9F-345F-FD52-E860-E64F2756361F}"/>
-              </a:ext>
-            </a:extLst>
-          </p:cNvPr>
-          <p:cNvSpPr txBox="1"/>
-          <p:nvPr/>
-        </p:nvSpPr>
-        <p:spPr>
-          <a:xfrm>
-            <a:off x="3582388" y="3322967"/>
-            <a:ext cx="397866" cy="276999"/>
-          </a:xfrm>
-          <a:prstGeom prst="rect">
-            <a:avLst/>
-          </a:prstGeom>
-          <a:noFill/>
-        </p:spPr>
-        <p:txBody>
-          <a:bodyPr wrap="none" rtlCol="0">
-            <a:spAutoFit/>
-          </a:bodyPr>
-          <a:lstStyle/>
-          <a:p>
-            <a:r>
-              <a:rPr lang="fr-FR" sz="1200" b="1" dirty="0"/>
-              <a:t>M2</a:t>
-            </a:r>
-          </a:p>
-        </p:txBody>
-      </p:sp>
-      <p:sp>
-        <p:nvSpPr>
-          <p:cNvPr id="136" name="Flèche vers la gauche 135">
-            <a:extLst>
-              <a:ext uri="{FF2B5EF4-FFF2-40B4-BE49-F238E27FC236}">
-                <a16:creationId xmlns:a16="http://schemas.microsoft.com/office/drawing/2014/main" id="{A9F02C92-3BA9-F826-1B80-BE86E79AEFEC}"/>
-              </a:ext>
-            </a:extLst>
-          </p:cNvPr>
-          <p:cNvSpPr/>
-          <p:nvPr/>
-        </p:nvSpPr>
-        <p:spPr>
-          <a:xfrm rot="16200000">
-            <a:off x="3651926" y="3621162"/>
-            <a:ext cx="274136" cy="197308"/>
-          </a:xfrm>
-          <a:prstGeom prst="leftArrow">
-            <a:avLst/>
-          </a:prstGeom>
-          <a:solidFill>
-            <a:schemeClr val="bg2">
-              <a:lumMod val="75000"/>
-            </a:schemeClr>
-          </a:solidFill>
-          <a:ln>
-            <a:solidFill>
-              <a:schemeClr val="tx1">
-                <a:lumMod val="95000"/>
-                <a:lumOff val="5000"/>
-              </a:schemeClr>
-            </a:solidFill>
-          </a:ln>
-        </p:spPr>
-        <p:style>
-          <a:lnRef idx="3">
-            <a:schemeClr val="lt1"/>
-          </a:lnRef>
-          <a:fillRef idx="1">
-            <a:schemeClr val="dk1"/>
-          </a:fillRef>
-          <a:effectRef idx="1">
-            <a:schemeClr val="dk1"/>
-          </a:effectRef>
-          <a:fontRef idx="minor">
-            <a:schemeClr val="lt1"/>
-          </a:fontRef>
-        </p:style>
-        <p:txBody>
-          <a:bodyPr rtlCol="0" anchor="ctr"/>
-          <a:lstStyle/>
-          <a:p>
-            <a:pPr algn="ctr"/>
-            <a:endParaRPr lang="fr-FR"/>
-          </a:p>
-        </p:txBody>
-      </p:sp>
-      <p:sp>
-        <p:nvSpPr>
-          <p:cNvPr id="137" name="Rectangle : coins arrondis 136">
-            <a:extLst>
-              <a:ext uri="{FF2B5EF4-FFF2-40B4-BE49-F238E27FC236}">
-                <a16:creationId xmlns:a16="http://schemas.microsoft.com/office/drawing/2014/main" id="{32AA29B7-4A45-3F56-B0DE-86B16778596C}"/>
-              </a:ext>
-            </a:extLst>
-          </p:cNvPr>
-          <p:cNvSpPr/>
-          <p:nvPr/>
-        </p:nvSpPr>
-        <p:spPr>
-          <a:xfrm>
-            <a:off x="3691235" y="3927518"/>
-            <a:ext cx="197307" cy="185215"/>
-          </a:xfrm>
-          <a:prstGeom prst="roundRect">
-            <a:avLst/>
-          </a:prstGeom>
-          <a:solidFill>
-            <a:schemeClr val="accent2">
-              <a:lumMod val="20000"/>
-              <a:lumOff val="80000"/>
-            </a:schemeClr>
-          </a:solidFill>
-        </p:spPr>
-        <p:style>
-          <a:lnRef idx="2">
-            <a:schemeClr val="accent1">
-              <a:shade val="15000"/>
-            </a:schemeClr>
-          </a:lnRef>
-          <a:fillRef idx="1">
-            <a:schemeClr val="accent1"/>
-          </a:fillRef>
-          <a:effectRef idx="0">
-            <a:schemeClr val="accent1"/>
-          </a:effectRef>
-          <a:fontRef idx="minor">
-            <a:schemeClr val="lt1"/>
-          </a:fontRef>
-        </p:style>
-        <p:txBody>
-          <a:bodyPr rtlCol="0" anchor="ctr"/>
-          <a:lstStyle/>
-          <a:p>
-            <a:pPr algn="ctr"/>
-            <a:endParaRPr lang="fr-FR"/>
-          </a:p>
-        </p:txBody>
-      </p:sp>
-      <p:sp>
-        <p:nvSpPr>
-          <p:cNvPr id="138" name="Flèche vers la gauche 137">
-            <a:extLst>
-              <a:ext uri="{FF2B5EF4-FFF2-40B4-BE49-F238E27FC236}">
-                <a16:creationId xmlns:a16="http://schemas.microsoft.com/office/drawing/2014/main" id="{CA24409A-0D05-181E-FB8E-1ED6206F88C9}"/>
-              </a:ext>
-            </a:extLst>
-          </p:cNvPr>
-          <p:cNvSpPr/>
-          <p:nvPr/>
-        </p:nvSpPr>
-        <p:spPr>
-          <a:xfrm rot="10800000">
-            <a:off x="3954793" y="3921075"/>
-            <a:ext cx="274136" cy="197308"/>
-          </a:xfrm>
-          <a:prstGeom prst="leftArrow">
-            <a:avLst/>
-          </a:prstGeom>
-          <a:solidFill>
-            <a:schemeClr val="bg2">
-              <a:lumMod val="75000"/>
-            </a:schemeClr>
-          </a:solidFill>
-          <a:ln>
-            <a:solidFill>
-              <a:schemeClr val="tx1">
-                <a:lumMod val="95000"/>
-                <a:lumOff val="5000"/>
-              </a:schemeClr>
-            </a:solidFill>
-          </a:ln>
-        </p:spPr>
-        <p:style>
-          <a:lnRef idx="3">
-            <a:schemeClr val="lt1"/>
-          </a:lnRef>
-          <a:fillRef idx="1">
-            <a:schemeClr val="dk1"/>
-          </a:fillRef>
-          <a:effectRef idx="1">
-            <a:schemeClr val="dk1"/>
-          </a:effectRef>
-          <a:fontRef idx="minor">
-            <a:schemeClr val="lt1"/>
-          </a:fontRef>
-        </p:style>
-        <p:txBody>
-          <a:bodyPr rtlCol="0" anchor="ctr"/>
-          <a:lstStyle/>
-          <a:p>
-            <a:pPr algn="ctr"/>
-            <a:endParaRPr lang="fr-FR"/>
-          </a:p>
-        </p:txBody>
-      </p:sp>
-      <p:sp>
-        <p:nvSpPr>
-          <p:cNvPr id="139" name="ZoneTexte 138">
-            <a:extLst>
-              <a:ext uri="{FF2B5EF4-FFF2-40B4-BE49-F238E27FC236}">
-                <a16:creationId xmlns:a16="http://schemas.microsoft.com/office/drawing/2014/main" id="{AC40E083-3C78-FC45-205B-7BAE13FDA777}"/>
-              </a:ext>
-            </a:extLst>
-          </p:cNvPr>
-          <p:cNvSpPr txBox="1"/>
-          <p:nvPr/>
-        </p:nvSpPr>
-        <p:spPr>
-          <a:xfrm>
-            <a:off x="4192246" y="3891313"/>
-            <a:ext cx="397866" cy="276999"/>
-          </a:xfrm>
-          <a:prstGeom prst="rect">
-            <a:avLst/>
-          </a:prstGeom>
-          <a:noFill/>
-        </p:spPr>
-        <p:txBody>
-          <a:bodyPr wrap="none" rtlCol="0">
-            <a:spAutoFit/>
-          </a:bodyPr>
-          <a:lstStyle/>
-          <a:p>
-            <a:r>
-              <a:rPr lang="fr-FR" sz="1200" b="1" dirty="0"/>
-              <a:t>M3</a:t>
-            </a:r>
-          </a:p>
-        </p:txBody>
-      </p:sp>
-      <p:sp>
-        <p:nvSpPr>
-          <p:cNvPr id="140" name="Rectangle : coins arrondis 139">
-            <a:extLst>
-              <a:ext uri="{FF2B5EF4-FFF2-40B4-BE49-F238E27FC236}">
-                <a16:creationId xmlns:a16="http://schemas.microsoft.com/office/drawing/2014/main" id="{F609820A-3B2C-0CA3-6778-55A4A69CEE48}"/>
-              </a:ext>
-            </a:extLst>
-          </p:cNvPr>
-          <p:cNvSpPr/>
-          <p:nvPr/>
-        </p:nvSpPr>
-        <p:spPr>
-          <a:xfrm>
-            <a:off x="4878461" y="3918067"/>
-            <a:ext cx="197307" cy="185215"/>
-          </a:xfrm>
-          <a:prstGeom prst="roundRect">
-            <a:avLst/>
-          </a:prstGeom>
-          <a:solidFill>
-            <a:schemeClr val="bg2">
-              <a:lumMod val="50000"/>
-            </a:schemeClr>
-          </a:solidFill>
-        </p:spPr>
-        <p:style>
-          <a:lnRef idx="2">
-            <a:schemeClr val="accent1">
-              <a:shade val="15000"/>
-            </a:schemeClr>
-          </a:lnRef>
-          <a:fillRef idx="1">
-            <a:schemeClr val="accent1"/>
-          </a:fillRef>
-          <a:effectRef idx="0">
-            <a:schemeClr val="accent1"/>
-          </a:effectRef>
-          <a:fontRef idx="minor">
-            <a:schemeClr val="lt1"/>
-          </a:fontRef>
-        </p:style>
-        <p:txBody>
-          <a:bodyPr rtlCol="0" anchor="ctr"/>
-          <a:lstStyle/>
-          <a:p>
-            <a:pPr algn="ctr"/>
-            <a:endParaRPr lang="fr-FR"/>
-          </a:p>
-        </p:txBody>
-      </p:sp>
-      <p:sp>
-        <p:nvSpPr>
-          <p:cNvPr id="141" name="Flèche vers la gauche 140">
-            <a:extLst>
-              <a:ext uri="{FF2B5EF4-FFF2-40B4-BE49-F238E27FC236}">
-                <a16:creationId xmlns:a16="http://schemas.microsoft.com/office/drawing/2014/main" id="{E6C8F8E5-4546-7CEE-6575-9D75FCBD15D2}"/>
-              </a:ext>
-            </a:extLst>
-          </p:cNvPr>
-          <p:cNvSpPr/>
-          <p:nvPr/>
-        </p:nvSpPr>
-        <p:spPr>
-          <a:xfrm rot="10800000">
-            <a:off x="4560700" y="3927121"/>
-            <a:ext cx="274136" cy="197308"/>
-          </a:xfrm>
-          <a:prstGeom prst="leftArrow">
-            <a:avLst/>
-          </a:prstGeom>
-          <a:solidFill>
-            <a:schemeClr val="bg2">
-              <a:lumMod val="75000"/>
-            </a:schemeClr>
-          </a:solidFill>
-          <a:ln>
-            <a:solidFill>
-              <a:schemeClr val="tx1">
-                <a:lumMod val="95000"/>
-                <a:lumOff val="5000"/>
-              </a:schemeClr>
-            </a:solidFill>
-          </a:ln>
-        </p:spPr>
-        <p:style>
-          <a:lnRef idx="3">
-            <a:schemeClr val="lt1"/>
-          </a:lnRef>
-          <a:fillRef idx="1">
-            <a:schemeClr val="dk1"/>
-          </a:fillRef>
-          <a:effectRef idx="1">
-            <a:schemeClr val="dk1"/>
-          </a:effectRef>
-          <a:fontRef idx="minor">
-            <a:schemeClr val="lt1"/>
-          </a:fontRef>
-        </p:style>
-        <p:txBody>
-          <a:bodyPr rtlCol="0" anchor="ctr"/>
-          <a:lstStyle/>
-          <a:p>
-            <a:pPr algn="ctr"/>
-            <a:endParaRPr lang="fr-FR"/>
-          </a:p>
-        </p:txBody>
-      </p:sp>
-      <p:sp>
-        <p:nvSpPr>
-          <p:cNvPr id="142" name="ZoneTexte 141">
-            <a:extLst>
-              <a:ext uri="{FF2B5EF4-FFF2-40B4-BE49-F238E27FC236}">
-                <a16:creationId xmlns:a16="http://schemas.microsoft.com/office/drawing/2014/main" id="{7B26E2CD-0A90-8CE5-7E04-1CD3C4F08CB1}"/>
-              </a:ext>
-            </a:extLst>
-          </p:cNvPr>
-          <p:cNvSpPr txBox="1"/>
-          <p:nvPr/>
-        </p:nvSpPr>
-        <p:spPr>
-          <a:xfrm>
-            <a:off x="3767747" y="4199120"/>
-            <a:ext cx="1261228" cy="215444"/>
-          </a:xfrm>
-          <a:prstGeom prst="rect">
-            <a:avLst/>
-          </a:prstGeom>
-          <a:noFill/>
-        </p:spPr>
-        <p:txBody>
-          <a:bodyPr wrap="square" rtlCol="0">
-            <a:spAutoFit/>
-          </a:bodyPr>
-          <a:lstStyle/>
-          <a:p>
-            <a:pPr algn="ctr"/>
-            <a:r>
-              <a:rPr lang="en-GB" sz="800" b="1" dirty="0"/>
-              <a:t>Dependent prediction</a:t>
-            </a:r>
-          </a:p>
-        </p:txBody>
-      </p:sp>
-      <p:sp>
-        <p:nvSpPr>
-          <p:cNvPr id="143" name="ZoneTexte 142">
-            <a:extLst>
-              <a:ext uri="{FF2B5EF4-FFF2-40B4-BE49-F238E27FC236}">
-                <a16:creationId xmlns:a16="http://schemas.microsoft.com/office/drawing/2014/main" id="{11EFB543-A7B9-6A89-86F3-87E56AD6326F}"/>
-              </a:ext>
-            </a:extLst>
-          </p:cNvPr>
-          <p:cNvSpPr txBox="1"/>
-          <p:nvPr/>
-        </p:nvSpPr>
-        <p:spPr>
-          <a:xfrm>
-            <a:off x="1942644" y="4199918"/>
-            <a:ext cx="1261228" cy="215444"/>
-          </a:xfrm>
-          <a:prstGeom prst="rect">
-            <a:avLst/>
-          </a:prstGeom>
-          <a:noFill/>
-        </p:spPr>
-        <p:txBody>
-          <a:bodyPr wrap="square" rtlCol="0">
-            <a:spAutoFit/>
-          </a:bodyPr>
-          <a:lstStyle/>
-          <a:p>
-            <a:pPr algn="ctr"/>
-            <a:r>
-              <a:rPr lang="en-GB" sz="800" b="1" dirty="0"/>
-              <a:t>Dependent prediction</a:t>
+              <a:rPr lang="en-GB" sz="600" dirty="0"/>
+              <a:t>Outcomes</a:t>
             </a:r>
           </a:p>
         </p:txBody>

--- a/figures/Methodology.pptx
+++ b/figures/Methodology.pptx
@@ -2,7 +2,7 @@
 <file path=ppt/presentation.xml><?xml version="1.0" encoding="utf-8"?>
 <p:presentation xmlns:a="http://schemas.openxmlformats.org/drawingml/2006/main" xmlns:r="http://schemas.openxmlformats.org/officeDocument/2006/relationships" xmlns:p="http://schemas.openxmlformats.org/presentationml/2006/main" saveSubsetFonts="1" autoCompressPictures="0">
   <p:sldMasterIdLst>
-    <p:sldMasterId id="2147483744" r:id="rId1"/>
+    <p:sldMasterId id="2147483768" r:id="rId1"/>
   </p:sldMasterIdLst>
   <p:notesMasterIdLst>
     <p:notesMasterId r:id="rId3"/>
@@ -10,7 +10,7 @@
   <p:sldIdLst>
     <p:sldId id="256" r:id="rId2"/>
   </p:sldIdLst>
-  <p:sldSz cx="5400675" cy="2519363"/>
+  <p:sldSz cx="5400675" cy="1979613"/>
   <p:notesSz cx="6858000" cy="9144000"/>
   <p:defaultTextStyle>
     <a:defPPr>
@@ -197,7 +197,7 @@
           <a:p>
             <a:fld id="{498D7E84-9E83-884E-975C-BAEF30A447D1}" type="datetimeFigureOut">
               <a:rPr lang="fr-FR" smtClean="0"/>
-              <a:t>15/07/2025</a:t>
+              <a:t>16/07/2025</a:t>
             </a:fld>
             <a:endParaRPr lang="fr-FR"/>
           </a:p>
@@ -215,8 +215,8 @@
         </p:nvSpPr>
         <p:spPr>
           <a:xfrm>
-            <a:off x="122238" y="1143000"/>
-            <a:ext cx="6613525" cy="3086100"/>
+            <a:off x="-779463" y="1143000"/>
+            <a:ext cx="8416926" cy="3086100"/>
           </a:xfrm>
           <a:prstGeom prst="rect">
             <a:avLst/>
@@ -493,8 +493,8 @@
         </p:nvSpPr>
         <p:spPr>
           <a:xfrm>
-            <a:off x="122238" y="1143000"/>
-            <a:ext cx="6613525" cy="3086100"/>
+            <a:off x="-779463" y="1143000"/>
+            <a:ext cx="8416926" cy="3086100"/>
           </a:xfrm>
         </p:spPr>
       </p:sp>
@@ -582,15 +582,15 @@
         </p:nvSpPr>
         <p:spPr>
           <a:xfrm>
-            <a:off x="675085" y="412312"/>
-            <a:ext cx="4050506" cy="877112"/>
+            <a:off x="675085" y="323978"/>
+            <a:ext cx="4050506" cy="689199"/>
           </a:xfrm>
         </p:spPr>
         <p:txBody>
           <a:bodyPr anchor="b"/>
           <a:lstStyle>
             <a:lvl1pPr algn="ctr">
-              <a:defRPr sz="2204"/>
+              <a:defRPr sz="1732"/>
             </a:lvl1pPr>
           </a:lstStyle>
           <a:p>
@@ -614,8 +614,8 @@
         </p:nvSpPr>
         <p:spPr>
           <a:xfrm>
-            <a:off x="675085" y="1323249"/>
-            <a:ext cx="4050506" cy="608263"/>
+            <a:off x="675085" y="1039755"/>
+            <a:ext cx="4050506" cy="477948"/>
           </a:xfrm>
         </p:spPr>
         <p:txBody>
@@ -623,39 +623,39 @@
           <a:lstStyle>
             <a:lvl1pPr marL="0" indent="0" algn="ctr">
               <a:buNone/>
-              <a:defRPr sz="882"/>
+              <a:defRPr sz="693"/>
             </a:lvl1pPr>
-            <a:lvl2pPr marL="167975" indent="0" algn="ctr">
+            <a:lvl2pPr marL="131994" indent="0" algn="ctr">
               <a:buNone/>
-              <a:defRPr sz="735"/>
+              <a:defRPr sz="577"/>
             </a:lvl2pPr>
-            <a:lvl3pPr marL="335951" indent="0" algn="ctr">
+            <a:lvl3pPr marL="263987" indent="0" algn="ctr">
               <a:buNone/>
-              <a:defRPr sz="661"/>
+              <a:defRPr sz="520"/>
             </a:lvl3pPr>
-            <a:lvl4pPr marL="503926" indent="0" algn="ctr">
+            <a:lvl4pPr marL="395981" indent="0" algn="ctr">
               <a:buNone/>
-              <a:defRPr sz="588"/>
+              <a:defRPr sz="462"/>
             </a:lvl4pPr>
-            <a:lvl5pPr marL="671901" indent="0" algn="ctr">
+            <a:lvl5pPr marL="527975" indent="0" algn="ctr">
               <a:buNone/>
-              <a:defRPr sz="588"/>
+              <a:defRPr sz="462"/>
             </a:lvl5pPr>
-            <a:lvl6pPr marL="839876" indent="0" algn="ctr">
+            <a:lvl6pPr marL="659968" indent="0" algn="ctr">
               <a:buNone/>
-              <a:defRPr sz="588"/>
+              <a:defRPr sz="462"/>
             </a:lvl6pPr>
-            <a:lvl7pPr marL="1007852" indent="0" algn="ctr">
+            <a:lvl7pPr marL="791962" indent="0" algn="ctr">
               <a:buNone/>
-              <a:defRPr sz="588"/>
+              <a:defRPr sz="462"/>
             </a:lvl7pPr>
-            <a:lvl8pPr marL="1175827" indent="0" algn="ctr">
+            <a:lvl8pPr marL="923955" indent="0" algn="ctr">
               <a:buNone/>
-              <a:defRPr sz="588"/>
+              <a:defRPr sz="462"/>
             </a:lvl8pPr>
-            <a:lvl9pPr marL="1343802" indent="0" algn="ctr">
+            <a:lvl9pPr marL="1055949" indent="0" algn="ctr">
               <a:buNone/>
-              <a:defRPr sz="588"/>
+              <a:defRPr sz="462"/>
             </a:lvl9pPr>
           </a:lstStyle>
           <a:p>
@@ -684,7 +684,7 @@
           <a:p>
             <a:fld id="{9A568DE9-78C7-6145-A01B-879F4074346E}" type="datetimeFigureOut">
               <a:rPr lang="fr-FR" smtClean="0"/>
-              <a:t>15/07/2025</a:t>
+              <a:t>16/07/2025</a:t>
             </a:fld>
             <a:endParaRPr lang="fr-FR"/>
           </a:p>
@@ -735,7 +735,7 @@
     </p:spTree>
     <p:extLst>
       <p:ext uri="{BB962C8B-B14F-4D97-AF65-F5344CB8AC3E}">
-        <p14:creationId xmlns:p14="http://schemas.microsoft.com/office/powerpoint/2010/main" val="545345317"/>
+        <p14:creationId xmlns:p14="http://schemas.microsoft.com/office/powerpoint/2010/main" val="3974748687"/>
       </p:ext>
     </p:extLst>
   </p:cSld>
@@ -854,7 +854,7 @@
           <a:p>
             <a:fld id="{9A568DE9-78C7-6145-A01B-879F4074346E}" type="datetimeFigureOut">
               <a:rPr lang="fr-FR" smtClean="0"/>
-              <a:t>15/07/2025</a:t>
+              <a:t>16/07/2025</a:t>
             </a:fld>
             <a:endParaRPr lang="fr-FR"/>
           </a:p>
@@ -905,7 +905,7 @@
     </p:spTree>
     <p:extLst>
       <p:ext uri="{BB962C8B-B14F-4D97-AF65-F5344CB8AC3E}">
-        <p14:creationId xmlns:p14="http://schemas.microsoft.com/office/powerpoint/2010/main" val="4077303426"/>
+        <p14:creationId xmlns:p14="http://schemas.microsoft.com/office/powerpoint/2010/main" val="3898743442"/>
       </p:ext>
     </p:extLst>
   </p:cSld>
@@ -944,8 +944,8 @@
         </p:nvSpPr>
         <p:spPr>
           <a:xfrm>
-            <a:off x="3864858" y="134133"/>
-            <a:ext cx="1164521" cy="2135044"/>
+            <a:off x="3864858" y="105396"/>
+            <a:ext cx="1164521" cy="1677631"/>
           </a:xfrm>
         </p:spPr>
         <p:txBody>
@@ -972,8 +972,8 @@
         </p:nvSpPr>
         <p:spPr>
           <a:xfrm>
-            <a:off x="371297" y="134133"/>
-            <a:ext cx="3426053" cy="2135044"/>
+            <a:off x="371297" y="105396"/>
+            <a:ext cx="3426053" cy="1677631"/>
           </a:xfrm>
         </p:spPr>
         <p:txBody>
@@ -1034,7 +1034,7 @@
           <a:p>
             <a:fld id="{9A568DE9-78C7-6145-A01B-879F4074346E}" type="datetimeFigureOut">
               <a:rPr lang="fr-FR" smtClean="0"/>
-              <a:t>15/07/2025</a:t>
+              <a:t>16/07/2025</a:t>
             </a:fld>
             <a:endParaRPr lang="fr-FR"/>
           </a:p>
@@ -1085,7 +1085,7 @@
     </p:spTree>
     <p:extLst>
       <p:ext uri="{BB962C8B-B14F-4D97-AF65-F5344CB8AC3E}">
-        <p14:creationId xmlns:p14="http://schemas.microsoft.com/office/powerpoint/2010/main" val="382154404"/>
+        <p14:creationId xmlns:p14="http://schemas.microsoft.com/office/powerpoint/2010/main" val="3331665592"/>
       </p:ext>
     </p:extLst>
   </p:cSld>
@@ -1204,7 +1204,7 @@
           <a:p>
             <a:fld id="{9A568DE9-78C7-6145-A01B-879F4074346E}" type="datetimeFigureOut">
               <a:rPr lang="fr-FR" smtClean="0"/>
-              <a:t>15/07/2025</a:t>
+              <a:t>16/07/2025</a:t>
             </a:fld>
             <a:endParaRPr lang="fr-FR"/>
           </a:p>
@@ -1255,7 +1255,7 @@
     </p:spTree>
     <p:extLst>
       <p:ext uri="{BB962C8B-B14F-4D97-AF65-F5344CB8AC3E}">
-        <p14:creationId xmlns:p14="http://schemas.microsoft.com/office/powerpoint/2010/main" val="3082312687"/>
+        <p14:creationId xmlns:p14="http://schemas.microsoft.com/office/powerpoint/2010/main" val="2718678549"/>
       </p:ext>
     </p:extLst>
   </p:cSld>
@@ -1294,15 +1294,15 @@
         </p:nvSpPr>
         <p:spPr>
           <a:xfrm>
-            <a:off x="368484" y="628091"/>
-            <a:ext cx="4658082" cy="1047985"/>
+            <a:off x="368484" y="493529"/>
+            <a:ext cx="4658082" cy="823464"/>
           </a:xfrm>
         </p:spPr>
         <p:txBody>
           <a:bodyPr anchor="b"/>
           <a:lstStyle>
             <a:lvl1pPr>
-              <a:defRPr sz="2204"/>
+              <a:defRPr sz="1732"/>
             </a:lvl1pPr>
           </a:lstStyle>
           <a:p>
@@ -1326,8 +1326,8 @@
         </p:nvSpPr>
         <p:spPr>
           <a:xfrm>
-            <a:off x="368484" y="1685991"/>
-            <a:ext cx="4658082" cy="551110"/>
+            <a:off x="368484" y="1324783"/>
+            <a:ext cx="4658082" cy="433040"/>
           </a:xfrm>
         </p:spPr>
         <p:txBody>
@@ -1335,7 +1335,7 @@
           <a:lstStyle>
             <a:lvl1pPr marL="0" indent="0">
               <a:buNone/>
-              <a:defRPr sz="882">
+              <a:defRPr sz="693">
                 <a:solidFill>
                   <a:schemeClr val="tx1">
                     <a:tint val="75000"/>
@@ -1343,9 +1343,9 @@
                 </a:solidFill>
               </a:defRPr>
             </a:lvl1pPr>
-            <a:lvl2pPr marL="167975" indent="0">
+            <a:lvl2pPr marL="131994" indent="0">
               <a:buNone/>
-              <a:defRPr sz="735">
+              <a:defRPr sz="577">
                 <a:solidFill>
                   <a:schemeClr val="tx1">
                     <a:tint val="75000"/>
@@ -1353,9 +1353,9 @@
                 </a:solidFill>
               </a:defRPr>
             </a:lvl2pPr>
-            <a:lvl3pPr marL="335951" indent="0">
+            <a:lvl3pPr marL="263987" indent="0">
               <a:buNone/>
-              <a:defRPr sz="661">
+              <a:defRPr sz="520">
                 <a:solidFill>
                   <a:schemeClr val="tx1">
                     <a:tint val="75000"/>
@@ -1363,9 +1363,9 @@
                 </a:solidFill>
               </a:defRPr>
             </a:lvl3pPr>
-            <a:lvl4pPr marL="503926" indent="0">
+            <a:lvl4pPr marL="395981" indent="0">
               <a:buNone/>
-              <a:defRPr sz="588">
+              <a:defRPr sz="462">
                 <a:solidFill>
                   <a:schemeClr val="tx1">
                     <a:tint val="75000"/>
@@ -1373,9 +1373,9 @@
                 </a:solidFill>
               </a:defRPr>
             </a:lvl4pPr>
-            <a:lvl5pPr marL="671901" indent="0">
+            <a:lvl5pPr marL="527975" indent="0">
               <a:buNone/>
-              <a:defRPr sz="588">
+              <a:defRPr sz="462">
                 <a:solidFill>
                   <a:schemeClr val="tx1">
                     <a:tint val="75000"/>
@@ -1383,9 +1383,9 @@
                 </a:solidFill>
               </a:defRPr>
             </a:lvl5pPr>
-            <a:lvl6pPr marL="839876" indent="0">
+            <a:lvl6pPr marL="659968" indent="0">
               <a:buNone/>
-              <a:defRPr sz="588">
+              <a:defRPr sz="462">
                 <a:solidFill>
                   <a:schemeClr val="tx1">
                     <a:tint val="75000"/>
@@ -1393,9 +1393,9 @@
                 </a:solidFill>
               </a:defRPr>
             </a:lvl6pPr>
-            <a:lvl7pPr marL="1007852" indent="0">
+            <a:lvl7pPr marL="791962" indent="0">
               <a:buNone/>
-              <a:defRPr sz="588">
+              <a:defRPr sz="462">
                 <a:solidFill>
                   <a:schemeClr val="tx1">
                     <a:tint val="75000"/>
@@ -1403,9 +1403,9 @@
                 </a:solidFill>
               </a:defRPr>
             </a:lvl7pPr>
-            <a:lvl8pPr marL="1175827" indent="0">
+            <a:lvl8pPr marL="923955" indent="0">
               <a:buNone/>
-              <a:defRPr sz="588">
+              <a:defRPr sz="462">
                 <a:solidFill>
                   <a:schemeClr val="tx1">
                     <a:tint val="75000"/>
@@ -1413,9 +1413,9 @@
                 </a:solidFill>
               </a:defRPr>
             </a:lvl8pPr>
-            <a:lvl9pPr marL="1343802" indent="0">
+            <a:lvl9pPr marL="1055949" indent="0">
               <a:buNone/>
-              <a:defRPr sz="588">
+              <a:defRPr sz="462">
                 <a:solidFill>
                   <a:schemeClr val="tx1">
                     <a:tint val="75000"/>
@@ -1450,7 +1450,7 @@
           <a:p>
             <a:fld id="{9A568DE9-78C7-6145-A01B-879F4074346E}" type="datetimeFigureOut">
               <a:rPr lang="fr-FR" smtClean="0"/>
-              <a:t>15/07/2025</a:t>
+              <a:t>16/07/2025</a:t>
             </a:fld>
             <a:endParaRPr lang="fr-FR"/>
           </a:p>
@@ -1501,7 +1501,7 @@
     </p:spTree>
     <p:extLst>
       <p:ext uri="{BB962C8B-B14F-4D97-AF65-F5344CB8AC3E}">
-        <p14:creationId xmlns:p14="http://schemas.microsoft.com/office/powerpoint/2010/main" val="3764460270"/>
+        <p14:creationId xmlns:p14="http://schemas.microsoft.com/office/powerpoint/2010/main" val="2899044496"/>
       </p:ext>
     </p:extLst>
   </p:cSld>
@@ -1563,8 +1563,8 @@
         </p:nvSpPr>
         <p:spPr>
           <a:xfrm>
-            <a:off x="371296" y="670664"/>
-            <a:ext cx="2295287" cy="1598513"/>
+            <a:off x="371296" y="526980"/>
+            <a:ext cx="2295287" cy="1256046"/>
           </a:xfrm>
         </p:spPr>
         <p:txBody>
@@ -1620,8 +1620,8 @@
         </p:nvSpPr>
         <p:spPr>
           <a:xfrm>
-            <a:off x="2734092" y="670664"/>
-            <a:ext cx="2295287" cy="1598513"/>
+            <a:off x="2734092" y="526980"/>
+            <a:ext cx="2295287" cy="1256046"/>
           </a:xfrm>
         </p:spPr>
         <p:txBody>
@@ -1682,7 +1682,7 @@
           <a:p>
             <a:fld id="{9A568DE9-78C7-6145-A01B-879F4074346E}" type="datetimeFigureOut">
               <a:rPr lang="fr-FR" smtClean="0"/>
-              <a:t>15/07/2025</a:t>
+              <a:t>16/07/2025</a:t>
             </a:fld>
             <a:endParaRPr lang="fr-FR"/>
           </a:p>
@@ -1733,7 +1733,7 @@
     </p:spTree>
     <p:extLst>
       <p:ext uri="{BB962C8B-B14F-4D97-AF65-F5344CB8AC3E}">
-        <p14:creationId xmlns:p14="http://schemas.microsoft.com/office/powerpoint/2010/main" val="2822544541"/>
+        <p14:creationId xmlns:p14="http://schemas.microsoft.com/office/powerpoint/2010/main" val="2592576059"/>
       </p:ext>
     </p:extLst>
   </p:cSld>
@@ -1772,8 +1772,8 @@
         </p:nvSpPr>
         <p:spPr>
           <a:xfrm>
-            <a:off x="372000" y="134133"/>
-            <a:ext cx="4658082" cy="486960"/>
+            <a:off x="372000" y="105396"/>
+            <a:ext cx="4658082" cy="382634"/>
           </a:xfrm>
         </p:spPr>
         <p:txBody>
@@ -1800,8 +1800,8 @@
         </p:nvSpPr>
         <p:spPr>
           <a:xfrm>
-            <a:off x="372000" y="617594"/>
-            <a:ext cx="2284738" cy="302673"/>
+            <a:off x="372000" y="485280"/>
+            <a:ext cx="2284738" cy="237828"/>
           </a:xfrm>
         </p:spPr>
         <p:txBody>
@@ -1809,39 +1809,39 @@
           <a:lstStyle>
             <a:lvl1pPr marL="0" indent="0">
               <a:buNone/>
-              <a:defRPr sz="882" b="1"/>
+              <a:defRPr sz="693" b="1"/>
             </a:lvl1pPr>
-            <a:lvl2pPr marL="167975" indent="0">
+            <a:lvl2pPr marL="131994" indent="0">
               <a:buNone/>
-              <a:defRPr sz="735" b="1"/>
+              <a:defRPr sz="577" b="1"/>
             </a:lvl2pPr>
-            <a:lvl3pPr marL="335951" indent="0">
+            <a:lvl3pPr marL="263987" indent="0">
               <a:buNone/>
-              <a:defRPr sz="661" b="1"/>
+              <a:defRPr sz="520" b="1"/>
             </a:lvl3pPr>
-            <a:lvl4pPr marL="503926" indent="0">
+            <a:lvl4pPr marL="395981" indent="0">
               <a:buNone/>
-              <a:defRPr sz="588" b="1"/>
+              <a:defRPr sz="462" b="1"/>
             </a:lvl4pPr>
-            <a:lvl5pPr marL="671901" indent="0">
+            <a:lvl5pPr marL="527975" indent="0">
               <a:buNone/>
-              <a:defRPr sz="588" b="1"/>
+              <a:defRPr sz="462" b="1"/>
             </a:lvl5pPr>
-            <a:lvl6pPr marL="839876" indent="0">
+            <a:lvl6pPr marL="659968" indent="0">
               <a:buNone/>
-              <a:defRPr sz="588" b="1"/>
+              <a:defRPr sz="462" b="1"/>
             </a:lvl6pPr>
-            <a:lvl7pPr marL="1007852" indent="0">
+            <a:lvl7pPr marL="791962" indent="0">
               <a:buNone/>
-              <a:defRPr sz="588" b="1"/>
+              <a:defRPr sz="462" b="1"/>
             </a:lvl7pPr>
-            <a:lvl8pPr marL="1175827" indent="0">
+            <a:lvl8pPr marL="923955" indent="0">
               <a:buNone/>
-              <a:defRPr sz="588" b="1"/>
+              <a:defRPr sz="462" b="1"/>
             </a:lvl8pPr>
-            <a:lvl9pPr marL="1343802" indent="0">
+            <a:lvl9pPr marL="1055949" indent="0">
               <a:buNone/>
-              <a:defRPr sz="588" b="1"/>
+              <a:defRPr sz="462" b="1"/>
             </a:lvl9pPr>
           </a:lstStyle>
           <a:p>
@@ -1865,8 +1865,8 @@
         </p:nvSpPr>
         <p:spPr>
           <a:xfrm>
-            <a:off x="372000" y="920267"/>
-            <a:ext cx="2284738" cy="1353575"/>
+            <a:off x="372000" y="723109"/>
+            <a:ext cx="2284738" cy="1063584"/>
           </a:xfrm>
         </p:spPr>
         <p:txBody>
@@ -1922,8 +1922,8 @@
         </p:nvSpPr>
         <p:spPr>
           <a:xfrm>
-            <a:off x="2734092" y="617594"/>
-            <a:ext cx="2295990" cy="302673"/>
+            <a:off x="2734092" y="485280"/>
+            <a:ext cx="2295990" cy="237828"/>
           </a:xfrm>
         </p:spPr>
         <p:txBody>
@@ -1931,39 +1931,39 @@
           <a:lstStyle>
             <a:lvl1pPr marL="0" indent="0">
               <a:buNone/>
-              <a:defRPr sz="882" b="1"/>
+              <a:defRPr sz="693" b="1"/>
             </a:lvl1pPr>
-            <a:lvl2pPr marL="167975" indent="0">
+            <a:lvl2pPr marL="131994" indent="0">
               <a:buNone/>
-              <a:defRPr sz="735" b="1"/>
+              <a:defRPr sz="577" b="1"/>
             </a:lvl2pPr>
-            <a:lvl3pPr marL="335951" indent="0">
+            <a:lvl3pPr marL="263987" indent="0">
               <a:buNone/>
-              <a:defRPr sz="661" b="1"/>
+              <a:defRPr sz="520" b="1"/>
             </a:lvl3pPr>
-            <a:lvl4pPr marL="503926" indent="0">
+            <a:lvl4pPr marL="395981" indent="0">
               <a:buNone/>
-              <a:defRPr sz="588" b="1"/>
+              <a:defRPr sz="462" b="1"/>
             </a:lvl4pPr>
-            <a:lvl5pPr marL="671901" indent="0">
+            <a:lvl5pPr marL="527975" indent="0">
               <a:buNone/>
-              <a:defRPr sz="588" b="1"/>
+              <a:defRPr sz="462" b="1"/>
             </a:lvl5pPr>
-            <a:lvl6pPr marL="839876" indent="0">
+            <a:lvl6pPr marL="659968" indent="0">
               <a:buNone/>
-              <a:defRPr sz="588" b="1"/>
+              <a:defRPr sz="462" b="1"/>
             </a:lvl6pPr>
-            <a:lvl7pPr marL="1007852" indent="0">
+            <a:lvl7pPr marL="791962" indent="0">
               <a:buNone/>
-              <a:defRPr sz="588" b="1"/>
+              <a:defRPr sz="462" b="1"/>
             </a:lvl7pPr>
-            <a:lvl8pPr marL="1175827" indent="0">
+            <a:lvl8pPr marL="923955" indent="0">
               <a:buNone/>
-              <a:defRPr sz="588" b="1"/>
+              <a:defRPr sz="462" b="1"/>
             </a:lvl8pPr>
-            <a:lvl9pPr marL="1343802" indent="0">
+            <a:lvl9pPr marL="1055949" indent="0">
               <a:buNone/>
-              <a:defRPr sz="588" b="1"/>
+              <a:defRPr sz="462" b="1"/>
             </a:lvl9pPr>
           </a:lstStyle>
           <a:p>
@@ -1987,8 +1987,8 @@
         </p:nvSpPr>
         <p:spPr>
           <a:xfrm>
-            <a:off x="2734092" y="920267"/>
-            <a:ext cx="2295990" cy="1353575"/>
+            <a:off x="2734092" y="723109"/>
+            <a:ext cx="2295990" cy="1063584"/>
           </a:xfrm>
         </p:spPr>
         <p:txBody>
@@ -2049,7 +2049,7 @@
           <a:p>
             <a:fld id="{9A568DE9-78C7-6145-A01B-879F4074346E}" type="datetimeFigureOut">
               <a:rPr lang="fr-FR" smtClean="0"/>
-              <a:t>15/07/2025</a:t>
+              <a:t>16/07/2025</a:t>
             </a:fld>
             <a:endParaRPr lang="fr-FR"/>
           </a:p>
@@ -2100,7 +2100,7 @@
     </p:spTree>
     <p:extLst>
       <p:ext uri="{BB962C8B-B14F-4D97-AF65-F5344CB8AC3E}">
-        <p14:creationId xmlns:p14="http://schemas.microsoft.com/office/powerpoint/2010/main" val="1382278265"/>
+        <p14:creationId xmlns:p14="http://schemas.microsoft.com/office/powerpoint/2010/main" val="1480311153"/>
       </p:ext>
     </p:extLst>
   </p:cSld>
@@ -2167,7 +2167,7 @@
           <a:p>
             <a:fld id="{9A568DE9-78C7-6145-A01B-879F4074346E}" type="datetimeFigureOut">
               <a:rPr lang="fr-FR" smtClean="0"/>
-              <a:t>15/07/2025</a:t>
+              <a:t>16/07/2025</a:t>
             </a:fld>
             <a:endParaRPr lang="fr-FR"/>
           </a:p>
@@ -2218,7 +2218,7 @@
     </p:spTree>
     <p:extLst>
       <p:ext uri="{BB962C8B-B14F-4D97-AF65-F5344CB8AC3E}">
-        <p14:creationId xmlns:p14="http://schemas.microsoft.com/office/powerpoint/2010/main" val="3709510069"/>
+        <p14:creationId xmlns:p14="http://schemas.microsoft.com/office/powerpoint/2010/main" val="2269646543"/>
       </p:ext>
     </p:extLst>
   </p:cSld>
@@ -2262,7 +2262,7 @@
           <a:p>
             <a:fld id="{9A568DE9-78C7-6145-A01B-879F4074346E}" type="datetimeFigureOut">
               <a:rPr lang="fr-FR" smtClean="0"/>
-              <a:t>15/07/2025</a:t>
+              <a:t>16/07/2025</a:t>
             </a:fld>
             <a:endParaRPr lang="fr-FR"/>
           </a:p>
@@ -2313,7 +2313,7 @@
     </p:spTree>
     <p:extLst>
       <p:ext uri="{BB962C8B-B14F-4D97-AF65-F5344CB8AC3E}">
-        <p14:creationId xmlns:p14="http://schemas.microsoft.com/office/powerpoint/2010/main" val="1261194566"/>
+        <p14:creationId xmlns:p14="http://schemas.microsoft.com/office/powerpoint/2010/main" val="1700819103"/>
       </p:ext>
     </p:extLst>
   </p:cSld>
@@ -2352,15 +2352,15 @@
         </p:nvSpPr>
         <p:spPr>
           <a:xfrm>
-            <a:off x="372000" y="167958"/>
-            <a:ext cx="1741858" cy="587851"/>
+            <a:off x="372000" y="131974"/>
+            <a:ext cx="1741858" cy="461910"/>
           </a:xfrm>
         </p:spPr>
         <p:txBody>
           <a:bodyPr anchor="b"/>
           <a:lstStyle>
             <a:lvl1pPr>
-              <a:defRPr sz="1176"/>
+              <a:defRPr sz="924"/>
             </a:lvl1pPr>
           </a:lstStyle>
           <a:p>
@@ -2384,39 +2384,39 @@
         </p:nvSpPr>
         <p:spPr>
           <a:xfrm>
-            <a:off x="2295990" y="362742"/>
-            <a:ext cx="2734092" cy="1790381"/>
+            <a:off x="2295990" y="285028"/>
+            <a:ext cx="2734092" cy="1406808"/>
           </a:xfrm>
         </p:spPr>
         <p:txBody>
           <a:bodyPr/>
           <a:lstStyle>
             <a:lvl1pPr>
-              <a:defRPr sz="1176"/>
+              <a:defRPr sz="924"/>
             </a:lvl1pPr>
             <a:lvl2pPr>
-              <a:defRPr sz="1029"/>
+              <a:defRPr sz="808"/>
             </a:lvl2pPr>
             <a:lvl3pPr>
-              <a:defRPr sz="882"/>
+              <a:defRPr sz="693"/>
             </a:lvl3pPr>
             <a:lvl4pPr>
-              <a:defRPr sz="735"/>
+              <a:defRPr sz="577"/>
             </a:lvl4pPr>
             <a:lvl5pPr>
-              <a:defRPr sz="735"/>
+              <a:defRPr sz="577"/>
             </a:lvl5pPr>
             <a:lvl6pPr>
-              <a:defRPr sz="735"/>
+              <a:defRPr sz="577"/>
             </a:lvl6pPr>
             <a:lvl7pPr>
-              <a:defRPr sz="735"/>
+              <a:defRPr sz="577"/>
             </a:lvl7pPr>
             <a:lvl8pPr>
-              <a:defRPr sz="735"/>
+              <a:defRPr sz="577"/>
             </a:lvl8pPr>
             <a:lvl9pPr>
-              <a:defRPr sz="735"/>
+              <a:defRPr sz="577"/>
             </a:lvl9pPr>
           </a:lstStyle>
           <a:p>
@@ -2469,8 +2469,8 @@
         </p:nvSpPr>
         <p:spPr>
           <a:xfrm>
-            <a:off x="372000" y="755809"/>
-            <a:ext cx="1741858" cy="1400229"/>
+            <a:off x="372000" y="593884"/>
+            <a:ext cx="1741858" cy="1100243"/>
           </a:xfrm>
         </p:spPr>
         <p:txBody>
@@ -2478,39 +2478,39 @@
           <a:lstStyle>
             <a:lvl1pPr marL="0" indent="0">
               <a:buNone/>
-              <a:defRPr sz="588"/>
+              <a:defRPr sz="462"/>
             </a:lvl1pPr>
-            <a:lvl2pPr marL="167975" indent="0">
+            <a:lvl2pPr marL="131994" indent="0">
               <a:buNone/>
-              <a:defRPr sz="514"/>
+              <a:defRPr sz="404"/>
             </a:lvl2pPr>
-            <a:lvl3pPr marL="335951" indent="0">
+            <a:lvl3pPr marL="263987" indent="0">
               <a:buNone/>
-              <a:defRPr sz="441"/>
+              <a:defRPr sz="346"/>
             </a:lvl3pPr>
-            <a:lvl4pPr marL="503926" indent="0">
+            <a:lvl4pPr marL="395981" indent="0">
               <a:buNone/>
-              <a:defRPr sz="367"/>
+              <a:defRPr sz="289"/>
             </a:lvl4pPr>
-            <a:lvl5pPr marL="671901" indent="0">
+            <a:lvl5pPr marL="527975" indent="0">
               <a:buNone/>
-              <a:defRPr sz="367"/>
+              <a:defRPr sz="289"/>
             </a:lvl5pPr>
-            <a:lvl6pPr marL="839876" indent="0">
+            <a:lvl6pPr marL="659968" indent="0">
               <a:buNone/>
-              <a:defRPr sz="367"/>
+              <a:defRPr sz="289"/>
             </a:lvl6pPr>
-            <a:lvl7pPr marL="1007852" indent="0">
+            <a:lvl7pPr marL="791962" indent="0">
               <a:buNone/>
-              <a:defRPr sz="367"/>
+              <a:defRPr sz="289"/>
             </a:lvl7pPr>
-            <a:lvl8pPr marL="1175827" indent="0">
+            <a:lvl8pPr marL="923955" indent="0">
               <a:buNone/>
-              <a:defRPr sz="367"/>
+              <a:defRPr sz="289"/>
             </a:lvl8pPr>
-            <a:lvl9pPr marL="1343802" indent="0">
+            <a:lvl9pPr marL="1055949" indent="0">
               <a:buNone/>
-              <a:defRPr sz="367"/>
+              <a:defRPr sz="289"/>
             </a:lvl9pPr>
           </a:lstStyle>
           <a:p>
@@ -2539,7 +2539,7 @@
           <a:p>
             <a:fld id="{9A568DE9-78C7-6145-A01B-879F4074346E}" type="datetimeFigureOut">
               <a:rPr lang="fr-FR" smtClean="0"/>
-              <a:t>15/07/2025</a:t>
+              <a:t>16/07/2025</a:t>
             </a:fld>
             <a:endParaRPr lang="fr-FR"/>
           </a:p>
@@ -2590,7 +2590,7 @@
     </p:spTree>
     <p:extLst>
       <p:ext uri="{BB962C8B-B14F-4D97-AF65-F5344CB8AC3E}">
-        <p14:creationId xmlns:p14="http://schemas.microsoft.com/office/powerpoint/2010/main" val="3626853139"/>
+        <p14:creationId xmlns:p14="http://schemas.microsoft.com/office/powerpoint/2010/main" val="2860605858"/>
       </p:ext>
     </p:extLst>
   </p:cSld>
@@ -2629,15 +2629,15 @@
         </p:nvSpPr>
         <p:spPr>
           <a:xfrm>
-            <a:off x="372000" y="167958"/>
-            <a:ext cx="1741858" cy="587851"/>
+            <a:off x="372000" y="131974"/>
+            <a:ext cx="1741858" cy="461910"/>
           </a:xfrm>
         </p:spPr>
         <p:txBody>
           <a:bodyPr anchor="b"/>
           <a:lstStyle>
             <a:lvl1pPr>
-              <a:defRPr sz="1176"/>
+              <a:defRPr sz="924"/>
             </a:lvl1pPr>
           </a:lstStyle>
           <a:p>
@@ -2661,8 +2661,8 @@
         </p:nvSpPr>
         <p:spPr>
           <a:xfrm>
-            <a:off x="2295990" y="362742"/>
-            <a:ext cx="2734092" cy="1790381"/>
+            <a:off x="2295990" y="285028"/>
+            <a:ext cx="2734092" cy="1406808"/>
           </a:xfrm>
         </p:spPr>
         <p:txBody>
@@ -2670,39 +2670,39 @@
           <a:lstStyle>
             <a:lvl1pPr marL="0" indent="0">
               <a:buNone/>
-              <a:defRPr sz="1176"/>
+              <a:defRPr sz="924"/>
             </a:lvl1pPr>
-            <a:lvl2pPr marL="167975" indent="0">
+            <a:lvl2pPr marL="131994" indent="0">
               <a:buNone/>
-              <a:defRPr sz="1029"/>
+              <a:defRPr sz="808"/>
             </a:lvl2pPr>
-            <a:lvl3pPr marL="335951" indent="0">
+            <a:lvl3pPr marL="263987" indent="0">
               <a:buNone/>
-              <a:defRPr sz="882"/>
+              <a:defRPr sz="693"/>
             </a:lvl3pPr>
-            <a:lvl4pPr marL="503926" indent="0">
+            <a:lvl4pPr marL="395981" indent="0">
               <a:buNone/>
-              <a:defRPr sz="735"/>
+              <a:defRPr sz="577"/>
             </a:lvl4pPr>
-            <a:lvl5pPr marL="671901" indent="0">
+            <a:lvl5pPr marL="527975" indent="0">
               <a:buNone/>
-              <a:defRPr sz="735"/>
+              <a:defRPr sz="577"/>
             </a:lvl5pPr>
-            <a:lvl6pPr marL="839876" indent="0">
+            <a:lvl6pPr marL="659968" indent="0">
               <a:buNone/>
-              <a:defRPr sz="735"/>
+              <a:defRPr sz="577"/>
             </a:lvl6pPr>
-            <a:lvl7pPr marL="1007852" indent="0">
+            <a:lvl7pPr marL="791962" indent="0">
               <a:buNone/>
-              <a:defRPr sz="735"/>
+              <a:defRPr sz="577"/>
             </a:lvl7pPr>
-            <a:lvl8pPr marL="1175827" indent="0">
+            <a:lvl8pPr marL="923955" indent="0">
               <a:buNone/>
-              <a:defRPr sz="735"/>
+              <a:defRPr sz="577"/>
             </a:lvl8pPr>
-            <a:lvl9pPr marL="1343802" indent="0">
+            <a:lvl9pPr marL="1055949" indent="0">
               <a:buNone/>
-              <a:defRPr sz="735"/>
+              <a:defRPr sz="577"/>
             </a:lvl9pPr>
           </a:lstStyle>
           <a:p>
@@ -2726,8 +2726,8 @@
         </p:nvSpPr>
         <p:spPr>
           <a:xfrm>
-            <a:off x="372000" y="755809"/>
-            <a:ext cx="1741858" cy="1400229"/>
+            <a:off x="372000" y="593884"/>
+            <a:ext cx="1741858" cy="1100243"/>
           </a:xfrm>
         </p:spPr>
         <p:txBody>
@@ -2735,39 +2735,39 @@
           <a:lstStyle>
             <a:lvl1pPr marL="0" indent="0">
               <a:buNone/>
-              <a:defRPr sz="588"/>
+              <a:defRPr sz="462"/>
             </a:lvl1pPr>
-            <a:lvl2pPr marL="167975" indent="0">
+            <a:lvl2pPr marL="131994" indent="0">
               <a:buNone/>
-              <a:defRPr sz="514"/>
+              <a:defRPr sz="404"/>
             </a:lvl2pPr>
-            <a:lvl3pPr marL="335951" indent="0">
+            <a:lvl3pPr marL="263987" indent="0">
               <a:buNone/>
-              <a:defRPr sz="441"/>
+              <a:defRPr sz="346"/>
             </a:lvl3pPr>
-            <a:lvl4pPr marL="503926" indent="0">
+            <a:lvl4pPr marL="395981" indent="0">
               <a:buNone/>
-              <a:defRPr sz="367"/>
+              <a:defRPr sz="289"/>
             </a:lvl4pPr>
-            <a:lvl5pPr marL="671901" indent="0">
+            <a:lvl5pPr marL="527975" indent="0">
               <a:buNone/>
-              <a:defRPr sz="367"/>
+              <a:defRPr sz="289"/>
             </a:lvl5pPr>
-            <a:lvl6pPr marL="839876" indent="0">
+            <a:lvl6pPr marL="659968" indent="0">
               <a:buNone/>
-              <a:defRPr sz="367"/>
+              <a:defRPr sz="289"/>
             </a:lvl6pPr>
-            <a:lvl7pPr marL="1007852" indent="0">
+            <a:lvl7pPr marL="791962" indent="0">
               <a:buNone/>
-              <a:defRPr sz="367"/>
+              <a:defRPr sz="289"/>
             </a:lvl7pPr>
-            <a:lvl8pPr marL="1175827" indent="0">
+            <a:lvl8pPr marL="923955" indent="0">
               <a:buNone/>
-              <a:defRPr sz="367"/>
+              <a:defRPr sz="289"/>
             </a:lvl8pPr>
-            <a:lvl9pPr marL="1343802" indent="0">
+            <a:lvl9pPr marL="1055949" indent="0">
               <a:buNone/>
-              <a:defRPr sz="367"/>
+              <a:defRPr sz="289"/>
             </a:lvl9pPr>
           </a:lstStyle>
           <a:p>
@@ -2796,7 +2796,7 @@
           <a:p>
             <a:fld id="{9A568DE9-78C7-6145-A01B-879F4074346E}" type="datetimeFigureOut">
               <a:rPr lang="fr-FR" smtClean="0"/>
-              <a:t>15/07/2025</a:t>
+              <a:t>16/07/2025</a:t>
             </a:fld>
             <a:endParaRPr lang="fr-FR"/>
           </a:p>
@@ -2847,7 +2847,7 @@
     </p:spTree>
     <p:extLst>
       <p:ext uri="{BB962C8B-B14F-4D97-AF65-F5344CB8AC3E}">
-        <p14:creationId xmlns:p14="http://schemas.microsoft.com/office/powerpoint/2010/main" val="1696936546"/>
+        <p14:creationId xmlns:p14="http://schemas.microsoft.com/office/powerpoint/2010/main" val="3506351604"/>
       </p:ext>
     </p:extLst>
   </p:cSld>
@@ -2891,8 +2891,8 @@
         </p:nvSpPr>
         <p:spPr>
           <a:xfrm>
-            <a:off x="371297" y="134133"/>
-            <a:ext cx="4658082" cy="486960"/>
+            <a:off x="371297" y="105396"/>
+            <a:ext cx="4658082" cy="382634"/>
           </a:xfrm>
           <a:prstGeom prst="rect">
             <a:avLst/>
@@ -2924,8 +2924,8 @@
         </p:nvSpPr>
         <p:spPr>
           <a:xfrm>
-            <a:off x="371297" y="670664"/>
-            <a:ext cx="4658082" cy="1598513"/>
+            <a:off x="371297" y="526980"/>
+            <a:ext cx="4658082" cy="1256046"/>
           </a:xfrm>
           <a:prstGeom prst="rect">
             <a:avLst/>
@@ -2986,8 +2986,8 @@
         </p:nvSpPr>
         <p:spPr>
           <a:xfrm>
-            <a:off x="371296" y="2335076"/>
-            <a:ext cx="1215152" cy="134133"/>
+            <a:off x="371296" y="1834808"/>
+            <a:ext cx="1215152" cy="105396"/>
           </a:xfrm>
           <a:prstGeom prst="rect">
             <a:avLst/>
@@ -2997,7 +2997,7 @@
           <a:bodyPr vert="horz" lIns="91440" tIns="45720" rIns="91440" bIns="45720" rtlCol="0" anchor="ctr"/>
           <a:lstStyle>
             <a:lvl1pPr algn="l">
-              <a:defRPr sz="441">
+              <a:defRPr sz="346">
                 <a:solidFill>
                   <a:schemeClr val="tx1">
                     <a:tint val="75000"/>
@@ -3009,7 +3009,7 @@
           <a:p>
             <a:fld id="{9A568DE9-78C7-6145-A01B-879F4074346E}" type="datetimeFigureOut">
               <a:rPr lang="fr-FR" smtClean="0"/>
-              <a:t>15/07/2025</a:t>
+              <a:t>16/07/2025</a:t>
             </a:fld>
             <a:endParaRPr lang="fr-FR"/>
           </a:p>
@@ -3027,8 +3027,8 @@
         </p:nvSpPr>
         <p:spPr>
           <a:xfrm>
-            <a:off x="1788974" y="2335076"/>
-            <a:ext cx="1822728" cy="134133"/>
+            <a:off x="1788974" y="1834808"/>
+            <a:ext cx="1822728" cy="105396"/>
           </a:xfrm>
           <a:prstGeom prst="rect">
             <a:avLst/>
@@ -3038,7 +3038,7 @@
           <a:bodyPr vert="horz" lIns="91440" tIns="45720" rIns="91440" bIns="45720" rtlCol="0" anchor="ctr"/>
           <a:lstStyle>
             <a:lvl1pPr algn="ctr">
-              <a:defRPr sz="441">
+              <a:defRPr sz="346">
                 <a:solidFill>
                   <a:schemeClr val="tx1">
                     <a:tint val="75000"/>
@@ -3064,8 +3064,8 @@
         </p:nvSpPr>
         <p:spPr>
           <a:xfrm>
-            <a:off x="3814227" y="2335076"/>
-            <a:ext cx="1215152" cy="134133"/>
+            <a:off x="3814227" y="1834808"/>
+            <a:ext cx="1215152" cy="105396"/>
           </a:xfrm>
           <a:prstGeom prst="rect">
             <a:avLst/>
@@ -3075,7 +3075,7 @@
           <a:bodyPr vert="horz" lIns="91440" tIns="45720" rIns="91440" bIns="45720" rtlCol="0" anchor="ctr"/>
           <a:lstStyle>
             <a:lvl1pPr algn="r">
-              <a:defRPr sz="441">
+              <a:defRPr sz="346">
                 <a:solidFill>
                   <a:schemeClr val="tx1">
                     <a:tint val="75000"/>
@@ -3096,27 +3096,27 @@
     </p:spTree>
     <p:extLst>
       <p:ext uri="{BB962C8B-B14F-4D97-AF65-F5344CB8AC3E}">
-        <p14:creationId xmlns:p14="http://schemas.microsoft.com/office/powerpoint/2010/main" val="2907131727"/>
+        <p14:creationId xmlns:p14="http://schemas.microsoft.com/office/powerpoint/2010/main" val="2952861716"/>
       </p:ext>
     </p:extLst>
   </p:cSld>
   <p:clrMap bg1="lt1" tx1="dk1" bg2="lt2" tx2="dk2" accent1="accent1" accent2="accent2" accent3="accent3" accent4="accent4" accent5="accent5" accent6="accent6" hlink="hlink" folHlink="folHlink"/>
   <p:sldLayoutIdLst>
-    <p:sldLayoutId id="2147483745" r:id="rId1"/>
-    <p:sldLayoutId id="2147483746" r:id="rId2"/>
-    <p:sldLayoutId id="2147483747" r:id="rId3"/>
-    <p:sldLayoutId id="2147483748" r:id="rId4"/>
-    <p:sldLayoutId id="2147483749" r:id="rId5"/>
-    <p:sldLayoutId id="2147483750" r:id="rId6"/>
-    <p:sldLayoutId id="2147483751" r:id="rId7"/>
-    <p:sldLayoutId id="2147483752" r:id="rId8"/>
-    <p:sldLayoutId id="2147483753" r:id="rId9"/>
-    <p:sldLayoutId id="2147483754" r:id="rId10"/>
-    <p:sldLayoutId id="2147483755" r:id="rId11"/>
+    <p:sldLayoutId id="2147483769" r:id="rId1"/>
+    <p:sldLayoutId id="2147483770" r:id="rId2"/>
+    <p:sldLayoutId id="2147483771" r:id="rId3"/>
+    <p:sldLayoutId id="2147483772" r:id="rId4"/>
+    <p:sldLayoutId id="2147483773" r:id="rId5"/>
+    <p:sldLayoutId id="2147483774" r:id="rId6"/>
+    <p:sldLayoutId id="2147483775" r:id="rId7"/>
+    <p:sldLayoutId id="2147483776" r:id="rId8"/>
+    <p:sldLayoutId id="2147483777" r:id="rId9"/>
+    <p:sldLayoutId id="2147483778" r:id="rId10"/>
+    <p:sldLayoutId id="2147483779" r:id="rId11"/>
   </p:sldLayoutIdLst>
   <p:txStyles>
     <p:titleStyle>
-      <a:lvl1pPr algn="l" defTabSz="335951" rtl="0" eaLnBrk="1" latinLnBrk="0" hangingPunct="1">
+      <a:lvl1pPr algn="l" defTabSz="263987" rtl="0" eaLnBrk="1" latinLnBrk="0" hangingPunct="1">
         <a:lnSpc>
           <a:spcPct val="90000"/>
         </a:lnSpc>
@@ -3124,7 +3124,7 @@
           <a:spcPct val="0"/>
         </a:spcBef>
         <a:buNone/>
-        <a:defRPr sz="1617" kern="1200">
+        <a:defRPr sz="1270" kern="1200">
           <a:solidFill>
             <a:schemeClr val="tx1"/>
           </a:solidFill>
@@ -3135,16 +3135,16 @@
       </a:lvl1pPr>
     </p:titleStyle>
     <p:bodyStyle>
-      <a:lvl1pPr marL="83988" indent="-83988" algn="l" defTabSz="335951" rtl="0" eaLnBrk="1" latinLnBrk="0" hangingPunct="1">
+      <a:lvl1pPr marL="65997" indent="-65997" algn="l" defTabSz="263987" rtl="0" eaLnBrk="1" latinLnBrk="0" hangingPunct="1">
         <a:lnSpc>
           <a:spcPct val="90000"/>
         </a:lnSpc>
         <a:spcBef>
-          <a:spcPts val="367"/>
+          <a:spcPts val="289"/>
         </a:spcBef>
         <a:buFont typeface="Arial" panose="020B0604020202020204" pitchFamily="34" charset="0"/>
         <a:buChar char="•"/>
-        <a:defRPr sz="1029" kern="1200">
+        <a:defRPr sz="808" kern="1200">
           <a:solidFill>
             <a:schemeClr val="tx1"/>
           </a:solidFill>
@@ -3153,16 +3153,16 @@
           <a:cs typeface="+mn-cs"/>
         </a:defRPr>
       </a:lvl1pPr>
-      <a:lvl2pPr marL="251963" indent="-83988" algn="l" defTabSz="335951" rtl="0" eaLnBrk="1" latinLnBrk="0" hangingPunct="1">
+      <a:lvl2pPr marL="197990" indent="-65997" algn="l" defTabSz="263987" rtl="0" eaLnBrk="1" latinLnBrk="0" hangingPunct="1">
         <a:lnSpc>
           <a:spcPct val="90000"/>
         </a:lnSpc>
         <a:spcBef>
-          <a:spcPts val="184"/>
+          <a:spcPts val="144"/>
         </a:spcBef>
         <a:buFont typeface="Arial" panose="020B0604020202020204" pitchFamily="34" charset="0"/>
         <a:buChar char="•"/>
-        <a:defRPr sz="882" kern="1200">
+        <a:defRPr sz="693" kern="1200">
           <a:solidFill>
             <a:schemeClr val="tx1"/>
           </a:solidFill>
@@ -3171,16 +3171,16 @@
           <a:cs typeface="+mn-cs"/>
         </a:defRPr>
       </a:lvl2pPr>
-      <a:lvl3pPr marL="419938" indent="-83988" algn="l" defTabSz="335951" rtl="0" eaLnBrk="1" latinLnBrk="0" hangingPunct="1">
+      <a:lvl3pPr marL="329984" indent="-65997" algn="l" defTabSz="263987" rtl="0" eaLnBrk="1" latinLnBrk="0" hangingPunct="1">
         <a:lnSpc>
           <a:spcPct val="90000"/>
         </a:lnSpc>
         <a:spcBef>
-          <a:spcPts val="184"/>
+          <a:spcPts val="144"/>
         </a:spcBef>
         <a:buFont typeface="Arial" panose="020B0604020202020204" pitchFamily="34" charset="0"/>
         <a:buChar char="•"/>
-        <a:defRPr sz="735" kern="1200">
+        <a:defRPr sz="577" kern="1200">
           <a:solidFill>
             <a:schemeClr val="tx1"/>
           </a:solidFill>
@@ -3189,16 +3189,16 @@
           <a:cs typeface="+mn-cs"/>
         </a:defRPr>
       </a:lvl3pPr>
-      <a:lvl4pPr marL="587913" indent="-83988" algn="l" defTabSz="335951" rtl="0" eaLnBrk="1" latinLnBrk="0" hangingPunct="1">
+      <a:lvl4pPr marL="461978" indent="-65997" algn="l" defTabSz="263987" rtl="0" eaLnBrk="1" latinLnBrk="0" hangingPunct="1">
         <a:lnSpc>
           <a:spcPct val="90000"/>
         </a:lnSpc>
         <a:spcBef>
-          <a:spcPts val="184"/>
+          <a:spcPts val="144"/>
         </a:spcBef>
         <a:buFont typeface="Arial" panose="020B0604020202020204" pitchFamily="34" charset="0"/>
         <a:buChar char="•"/>
-        <a:defRPr sz="661" kern="1200">
+        <a:defRPr sz="520" kern="1200">
           <a:solidFill>
             <a:schemeClr val="tx1"/>
           </a:solidFill>
@@ -3207,16 +3207,16 @@
           <a:cs typeface="+mn-cs"/>
         </a:defRPr>
       </a:lvl4pPr>
-      <a:lvl5pPr marL="755889" indent="-83988" algn="l" defTabSz="335951" rtl="0" eaLnBrk="1" latinLnBrk="0" hangingPunct="1">
+      <a:lvl5pPr marL="593971" indent="-65997" algn="l" defTabSz="263987" rtl="0" eaLnBrk="1" latinLnBrk="0" hangingPunct="1">
         <a:lnSpc>
           <a:spcPct val="90000"/>
         </a:lnSpc>
         <a:spcBef>
-          <a:spcPts val="184"/>
+          <a:spcPts val="144"/>
         </a:spcBef>
         <a:buFont typeface="Arial" panose="020B0604020202020204" pitchFamily="34" charset="0"/>
         <a:buChar char="•"/>
-        <a:defRPr sz="661" kern="1200">
+        <a:defRPr sz="520" kern="1200">
           <a:solidFill>
             <a:schemeClr val="tx1"/>
           </a:solidFill>
@@ -3225,16 +3225,16 @@
           <a:cs typeface="+mn-cs"/>
         </a:defRPr>
       </a:lvl5pPr>
-      <a:lvl6pPr marL="923864" indent="-83988" algn="l" defTabSz="335951" rtl="0" eaLnBrk="1" latinLnBrk="0" hangingPunct="1">
+      <a:lvl6pPr marL="725965" indent="-65997" algn="l" defTabSz="263987" rtl="0" eaLnBrk="1" latinLnBrk="0" hangingPunct="1">
         <a:lnSpc>
           <a:spcPct val="90000"/>
         </a:lnSpc>
         <a:spcBef>
-          <a:spcPts val="184"/>
+          <a:spcPts val="144"/>
         </a:spcBef>
         <a:buFont typeface="Arial" panose="020B0604020202020204" pitchFamily="34" charset="0"/>
         <a:buChar char="•"/>
-        <a:defRPr sz="661" kern="1200">
+        <a:defRPr sz="520" kern="1200">
           <a:solidFill>
             <a:schemeClr val="tx1"/>
           </a:solidFill>
@@ -3243,16 +3243,16 @@
           <a:cs typeface="+mn-cs"/>
         </a:defRPr>
       </a:lvl6pPr>
-      <a:lvl7pPr marL="1091839" indent="-83988" algn="l" defTabSz="335951" rtl="0" eaLnBrk="1" latinLnBrk="0" hangingPunct="1">
+      <a:lvl7pPr marL="857959" indent="-65997" algn="l" defTabSz="263987" rtl="0" eaLnBrk="1" latinLnBrk="0" hangingPunct="1">
         <a:lnSpc>
           <a:spcPct val="90000"/>
         </a:lnSpc>
         <a:spcBef>
-          <a:spcPts val="184"/>
+          <a:spcPts val="144"/>
         </a:spcBef>
         <a:buFont typeface="Arial" panose="020B0604020202020204" pitchFamily="34" charset="0"/>
         <a:buChar char="•"/>
-        <a:defRPr sz="661" kern="1200">
+        <a:defRPr sz="520" kern="1200">
           <a:solidFill>
             <a:schemeClr val="tx1"/>
           </a:solidFill>
@@ -3261,16 +3261,16 @@
           <a:cs typeface="+mn-cs"/>
         </a:defRPr>
       </a:lvl7pPr>
-      <a:lvl8pPr marL="1259815" indent="-83988" algn="l" defTabSz="335951" rtl="0" eaLnBrk="1" latinLnBrk="0" hangingPunct="1">
+      <a:lvl8pPr marL="989952" indent="-65997" algn="l" defTabSz="263987" rtl="0" eaLnBrk="1" latinLnBrk="0" hangingPunct="1">
         <a:lnSpc>
           <a:spcPct val="90000"/>
         </a:lnSpc>
         <a:spcBef>
-          <a:spcPts val="184"/>
+          <a:spcPts val="144"/>
         </a:spcBef>
         <a:buFont typeface="Arial" panose="020B0604020202020204" pitchFamily="34" charset="0"/>
         <a:buChar char="•"/>
-        <a:defRPr sz="661" kern="1200">
+        <a:defRPr sz="520" kern="1200">
           <a:solidFill>
             <a:schemeClr val="tx1"/>
           </a:solidFill>
@@ -3279,16 +3279,16 @@
           <a:cs typeface="+mn-cs"/>
         </a:defRPr>
       </a:lvl8pPr>
-      <a:lvl9pPr marL="1427790" indent="-83988" algn="l" defTabSz="335951" rtl="0" eaLnBrk="1" latinLnBrk="0" hangingPunct="1">
+      <a:lvl9pPr marL="1121946" indent="-65997" algn="l" defTabSz="263987" rtl="0" eaLnBrk="1" latinLnBrk="0" hangingPunct="1">
         <a:lnSpc>
           <a:spcPct val="90000"/>
         </a:lnSpc>
         <a:spcBef>
-          <a:spcPts val="184"/>
+          <a:spcPts val="144"/>
         </a:spcBef>
         <a:buFont typeface="Arial" panose="020B0604020202020204" pitchFamily="34" charset="0"/>
         <a:buChar char="•"/>
-        <a:defRPr sz="661" kern="1200">
+        <a:defRPr sz="520" kern="1200">
           <a:solidFill>
             <a:schemeClr val="tx1"/>
           </a:solidFill>
@@ -3302,8 +3302,8 @@
       <a:defPPr>
         <a:defRPr lang="en-US"/>
       </a:defPPr>
-      <a:lvl1pPr marL="0" algn="l" defTabSz="335951" rtl="0" eaLnBrk="1" latinLnBrk="0" hangingPunct="1">
-        <a:defRPr sz="661" kern="1200">
+      <a:lvl1pPr marL="0" algn="l" defTabSz="263987" rtl="0" eaLnBrk="1" latinLnBrk="0" hangingPunct="1">
+        <a:defRPr sz="520" kern="1200">
           <a:solidFill>
             <a:schemeClr val="tx1"/>
           </a:solidFill>
@@ -3312,8 +3312,8 @@
           <a:cs typeface="+mn-cs"/>
         </a:defRPr>
       </a:lvl1pPr>
-      <a:lvl2pPr marL="167975" algn="l" defTabSz="335951" rtl="0" eaLnBrk="1" latinLnBrk="0" hangingPunct="1">
-        <a:defRPr sz="661" kern="1200">
+      <a:lvl2pPr marL="131994" algn="l" defTabSz="263987" rtl="0" eaLnBrk="1" latinLnBrk="0" hangingPunct="1">
+        <a:defRPr sz="520" kern="1200">
           <a:solidFill>
             <a:schemeClr val="tx1"/>
           </a:solidFill>
@@ -3322,8 +3322,8 @@
           <a:cs typeface="+mn-cs"/>
         </a:defRPr>
       </a:lvl2pPr>
-      <a:lvl3pPr marL="335951" algn="l" defTabSz="335951" rtl="0" eaLnBrk="1" latinLnBrk="0" hangingPunct="1">
-        <a:defRPr sz="661" kern="1200">
+      <a:lvl3pPr marL="263987" algn="l" defTabSz="263987" rtl="0" eaLnBrk="1" latinLnBrk="0" hangingPunct="1">
+        <a:defRPr sz="520" kern="1200">
           <a:solidFill>
             <a:schemeClr val="tx1"/>
           </a:solidFill>
@@ -3332,8 +3332,8 @@
           <a:cs typeface="+mn-cs"/>
         </a:defRPr>
       </a:lvl3pPr>
-      <a:lvl4pPr marL="503926" algn="l" defTabSz="335951" rtl="0" eaLnBrk="1" latinLnBrk="0" hangingPunct="1">
-        <a:defRPr sz="661" kern="1200">
+      <a:lvl4pPr marL="395981" algn="l" defTabSz="263987" rtl="0" eaLnBrk="1" latinLnBrk="0" hangingPunct="1">
+        <a:defRPr sz="520" kern="1200">
           <a:solidFill>
             <a:schemeClr val="tx1"/>
           </a:solidFill>
@@ -3342,8 +3342,8 @@
           <a:cs typeface="+mn-cs"/>
         </a:defRPr>
       </a:lvl4pPr>
-      <a:lvl5pPr marL="671901" algn="l" defTabSz="335951" rtl="0" eaLnBrk="1" latinLnBrk="0" hangingPunct="1">
-        <a:defRPr sz="661" kern="1200">
+      <a:lvl5pPr marL="527975" algn="l" defTabSz="263987" rtl="0" eaLnBrk="1" latinLnBrk="0" hangingPunct="1">
+        <a:defRPr sz="520" kern="1200">
           <a:solidFill>
             <a:schemeClr val="tx1"/>
           </a:solidFill>
@@ -3352,8 +3352,8 @@
           <a:cs typeface="+mn-cs"/>
         </a:defRPr>
       </a:lvl5pPr>
-      <a:lvl6pPr marL="839876" algn="l" defTabSz="335951" rtl="0" eaLnBrk="1" latinLnBrk="0" hangingPunct="1">
-        <a:defRPr sz="661" kern="1200">
+      <a:lvl6pPr marL="659968" algn="l" defTabSz="263987" rtl="0" eaLnBrk="1" latinLnBrk="0" hangingPunct="1">
+        <a:defRPr sz="520" kern="1200">
           <a:solidFill>
             <a:schemeClr val="tx1"/>
           </a:solidFill>
@@ -3362,8 +3362,8 @@
           <a:cs typeface="+mn-cs"/>
         </a:defRPr>
       </a:lvl6pPr>
-      <a:lvl7pPr marL="1007852" algn="l" defTabSz="335951" rtl="0" eaLnBrk="1" latinLnBrk="0" hangingPunct="1">
-        <a:defRPr sz="661" kern="1200">
+      <a:lvl7pPr marL="791962" algn="l" defTabSz="263987" rtl="0" eaLnBrk="1" latinLnBrk="0" hangingPunct="1">
+        <a:defRPr sz="520" kern="1200">
           <a:solidFill>
             <a:schemeClr val="tx1"/>
           </a:solidFill>
@@ -3372,8 +3372,8 @@
           <a:cs typeface="+mn-cs"/>
         </a:defRPr>
       </a:lvl7pPr>
-      <a:lvl8pPr marL="1175827" algn="l" defTabSz="335951" rtl="0" eaLnBrk="1" latinLnBrk="0" hangingPunct="1">
-        <a:defRPr sz="661" kern="1200">
+      <a:lvl8pPr marL="923955" algn="l" defTabSz="263987" rtl="0" eaLnBrk="1" latinLnBrk="0" hangingPunct="1">
+        <a:defRPr sz="520" kern="1200">
           <a:solidFill>
             <a:schemeClr val="tx1"/>
           </a:solidFill>
@@ -3382,8 +3382,8 @@
           <a:cs typeface="+mn-cs"/>
         </a:defRPr>
       </a:lvl8pPr>
-      <a:lvl9pPr marL="1343802" algn="l" defTabSz="335951" rtl="0" eaLnBrk="1" latinLnBrk="0" hangingPunct="1">
-        <a:defRPr sz="661" kern="1200">
+      <a:lvl9pPr marL="1055949" algn="l" defTabSz="263987" rtl="0" eaLnBrk="1" latinLnBrk="0" hangingPunct="1">
+        <a:defRPr sz="520" kern="1200">
           <a:solidFill>
             <a:schemeClr val="tx1"/>
           </a:solidFill>
@@ -3416,6 +3416,53 @@
       </p:grpSpPr>
       <p:sp>
         <p:nvSpPr>
+          <p:cNvPr id="79" name="ZoneTexte 78">
+            <a:extLst>
+              <a:ext uri="{FF2B5EF4-FFF2-40B4-BE49-F238E27FC236}">
+                <a16:creationId xmlns:a16="http://schemas.microsoft.com/office/drawing/2014/main" id="{18AE7EF2-DF27-ABBF-9043-493680FCA0E5}"/>
+              </a:ext>
+            </a:extLst>
+          </p:cNvPr>
+          <p:cNvSpPr txBox="1"/>
+          <p:nvPr/>
+        </p:nvSpPr>
+        <p:spPr>
+          <a:xfrm>
+            <a:off x="922413" y="621783"/>
+            <a:ext cx="935256" cy="307777"/>
+          </a:xfrm>
+          <a:prstGeom prst="rect">
+            <a:avLst/>
+          </a:prstGeom>
+          <a:noFill/>
+        </p:spPr>
+        <p:txBody>
+          <a:bodyPr wrap="square" rtlCol="0">
+            <a:spAutoFit/>
+          </a:bodyPr>
+          <a:lstStyle/>
+          <a:p>
+            <a:pPr algn="ctr"/>
+            <a:r>
+              <a:rPr lang="en-GB" sz="700" b="1" dirty="0"/>
+              <a:t>No integration</a:t>
+            </a:r>
+          </a:p>
+          <a:p>
+            <a:pPr algn="ctr"/>
+            <a:r>
+              <a:rPr lang="en-GB" sz="700" b="1" dirty="0">
+                <a:solidFill>
+                  <a:srgbClr val="C00000"/>
+                </a:solidFill>
+              </a:rPr>
+              <a:t>Unimodal models</a:t>
+            </a:r>
+          </a:p>
+        </p:txBody>
+      </p:sp>
+      <p:sp>
+        <p:nvSpPr>
           <p:cNvPr id="4" name="Rectangle : coins arrondis 3">
             <a:extLst>
               <a:ext uri="{FF2B5EF4-FFF2-40B4-BE49-F238E27FC236}">
@@ -3428,8 +3475,8 @@
         </p:nvSpPr>
         <p:spPr>
           <a:xfrm>
-            <a:off x="2079959" y="920552"/>
-            <a:ext cx="658191" cy="229421"/>
+            <a:off x="2384979" y="923708"/>
+            <a:ext cx="508580" cy="169132"/>
           </a:xfrm>
           <a:prstGeom prst="roundRect">
             <a:avLst/>
@@ -3461,87 +3508,7 @@
           <a:lstStyle/>
           <a:p>
             <a:pPr algn="ctr"/>
-            <a:endParaRPr lang="fr-FR"/>
-          </a:p>
-        </p:txBody>
-      </p:sp>
-      <p:sp>
-        <p:nvSpPr>
-          <p:cNvPr id="74" name="ZoneTexte 73">
-            <a:extLst>
-              <a:ext uri="{FF2B5EF4-FFF2-40B4-BE49-F238E27FC236}">
-                <a16:creationId xmlns:a16="http://schemas.microsoft.com/office/drawing/2014/main" id="{11762797-38EE-7652-7509-C45CE009CB28}"/>
-              </a:ext>
-            </a:extLst>
-          </p:cNvPr>
-          <p:cNvSpPr txBox="1"/>
-          <p:nvPr/>
-        </p:nvSpPr>
-        <p:spPr>
-          <a:xfrm>
-            <a:off x="79583" y="55237"/>
-            <a:ext cx="4001617" cy="215444"/>
-          </a:xfrm>
-          <a:prstGeom prst="rect">
-            <a:avLst/>
-          </a:prstGeom>
-          <a:noFill/>
-        </p:spPr>
-        <p:txBody>
-          <a:bodyPr wrap="square" rtlCol="0">
-            <a:spAutoFit/>
-          </a:bodyPr>
-          <a:lstStyle/>
-          <a:p>
-            <a:pPr algn="just"/>
-            <a:r>
-              <a:rPr lang="en-GB" sz="800" b="1" dirty="0"/>
-              <a:t>Development of an Innovative Multimodal Strategy to Predict Steatohepatitis.</a:t>
-            </a:r>
-          </a:p>
-        </p:txBody>
-      </p:sp>
-      <p:sp>
-        <p:nvSpPr>
-          <p:cNvPr id="79" name="ZoneTexte 78">
-            <a:extLst>
-              <a:ext uri="{FF2B5EF4-FFF2-40B4-BE49-F238E27FC236}">
-                <a16:creationId xmlns:a16="http://schemas.microsoft.com/office/drawing/2014/main" id="{18AE7EF2-DF27-ABBF-9043-493680FCA0E5}"/>
-              </a:ext>
-            </a:extLst>
-          </p:cNvPr>
-          <p:cNvSpPr txBox="1"/>
-          <p:nvPr/>
-        </p:nvSpPr>
-        <p:spPr>
-          <a:xfrm>
-            <a:off x="-103672" y="648123"/>
-            <a:ext cx="1658097" cy="215444"/>
-          </a:xfrm>
-          <a:prstGeom prst="rect">
-            <a:avLst/>
-          </a:prstGeom>
-          <a:noFill/>
-        </p:spPr>
-        <p:txBody>
-          <a:bodyPr wrap="square" rtlCol="0">
-            <a:spAutoFit/>
-          </a:bodyPr>
-          <a:lstStyle/>
-          <a:p>
-            <a:pPr algn="ctr"/>
-            <a:r>
-              <a:rPr lang="en-GB" sz="800" u="sng" dirty="0"/>
-              <a:t>Strategy n°1</a:t>
-            </a:r>
-            <a:r>
-              <a:rPr lang="en-GB" sz="800" dirty="0"/>
-              <a:t>: </a:t>
-            </a:r>
-            <a:r>
-              <a:rPr lang="en-GB" sz="800" b="1" dirty="0"/>
-              <a:t>Unimodal data</a:t>
-            </a:r>
+            <a:endParaRPr lang="fr-FR" sz="900"/>
           </a:p>
         </p:txBody>
       </p:sp>
@@ -3559,8 +3526,8 @@
         </p:nvSpPr>
         <p:spPr>
           <a:xfrm>
-            <a:off x="1613352" y="642348"/>
-            <a:ext cx="1756856" cy="215444"/>
+            <a:off x="1964727" y="616948"/>
+            <a:ext cx="1357512" cy="307777"/>
           </a:xfrm>
           <a:prstGeom prst="rect">
             <a:avLst/>
@@ -3573,36 +3540,39 @@
           </a:bodyPr>
           <a:lstStyle/>
           <a:p>
-            <a:pPr algn="just"/>
-            <a:r>
-              <a:rPr lang="en-GB" sz="800" u="sng" dirty="0"/>
-              <a:t>Strategy n°2</a:t>
-            </a:r>
-            <a:r>
-              <a:rPr lang="en-GB" sz="800" dirty="0"/>
-              <a:t>: </a:t>
-            </a:r>
-            <a:r>
-              <a:rPr lang="en-GB" sz="800" b="1" dirty="0"/>
+            <a:pPr algn="ctr"/>
+            <a:r>
+              <a:rPr lang="en-GB" sz="700" b="1" dirty="0"/>
               <a:t>Pooled</a:t>
             </a:r>
             <a:r>
-              <a:rPr lang="en-GB" sz="800" dirty="0"/>
+              <a:rPr lang="en-GB" sz="700" dirty="0"/>
               <a:t> </a:t>
             </a:r>
             <a:r>
-              <a:rPr lang="en-GB" sz="800" b="1" dirty="0"/>
-              <a:t>data integration </a:t>
-            </a:r>
-          </a:p>
-        </p:txBody>
-      </p:sp>
-      <p:sp>
-        <p:nvSpPr>
-          <p:cNvPr id="82" name="Rectangle : coins arrondis 81">
+              <a:rPr lang="en-GB" sz="700" b="1" dirty="0"/>
+              <a:t>data integration</a:t>
+            </a:r>
+          </a:p>
+          <a:p>
+            <a:pPr algn="ctr"/>
+            <a:r>
+              <a:rPr lang="en-GB" sz="700" b="1" dirty="0">
+                <a:solidFill>
+                  <a:srgbClr val="C00000"/>
+                </a:solidFill>
+              </a:rPr>
+              <a:t>Multimodal model</a:t>
+            </a:r>
+          </a:p>
+        </p:txBody>
+      </p:sp>
+      <p:sp>
+        <p:nvSpPr>
+          <p:cNvPr id="103" name="Flèche vers la gauche 102">
             <a:extLst>
               <a:ext uri="{FF2B5EF4-FFF2-40B4-BE49-F238E27FC236}">
-                <a16:creationId xmlns:a16="http://schemas.microsoft.com/office/drawing/2014/main" id="{AD176429-E1B7-EF4D-B3E5-DBCCC618697F}"/>
+                <a16:creationId xmlns:a16="http://schemas.microsoft.com/office/drawing/2014/main" id="{26D75E03-134C-2748-F1AC-6C06561E3462}"/>
               </a:ext>
             </a:extLst>
           </p:cNvPr>
@@ -3610,14 +3580,106 @@
           <p:nvPr/>
         </p:nvSpPr>
         <p:spPr>
-          <a:xfrm>
-            <a:off x="137499" y="293143"/>
-            <a:ext cx="4359517" cy="287256"/>
+          <a:xfrm rot="16200000">
+            <a:off x="978952" y="1193080"/>
+            <a:ext cx="144467" cy="99705"/>
+          </a:xfrm>
+          <a:prstGeom prst="leftArrow">
+            <a:avLst/>
+          </a:prstGeom>
+          <a:solidFill>
+            <a:schemeClr val="bg2">
+              <a:lumMod val="75000"/>
+            </a:schemeClr>
+          </a:solidFill>
+          <a:ln>
+            <a:noFill/>
+          </a:ln>
+        </p:spPr>
+        <p:style>
+          <a:lnRef idx="3">
+            <a:schemeClr val="lt1"/>
+          </a:lnRef>
+          <a:fillRef idx="1">
+            <a:schemeClr val="dk1"/>
+          </a:fillRef>
+          <a:effectRef idx="1">
+            <a:schemeClr val="dk1"/>
+          </a:effectRef>
+          <a:fontRef idx="minor">
+            <a:schemeClr val="lt1"/>
+          </a:fontRef>
+        </p:style>
+        <p:txBody>
+          <a:bodyPr rtlCol="0" anchor="ctr"/>
+          <a:lstStyle/>
+          <a:p>
+            <a:pPr algn="ctr"/>
+            <a:endParaRPr lang="fr-FR" sz="900"/>
+          </a:p>
+        </p:txBody>
+      </p:sp>
+      <p:sp>
+        <p:nvSpPr>
+          <p:cNvPr id="113" name="ZoneTexte 112">
+            <a:extLst>
+              <a:ext uri="{FF2B5EF4-FFF2-40B4-BE49-F238E27FC236}">
+                <a16:creationId xmlns:a16="http://schemas.microsoft.com/office/drawing/2014/main" id="{E5DCF8BD-628E-F0F7-54F6-3C3E391316B9}"/>
+              </a:ext>
+            </a:extLst>
+          </p:cNvPr>
+          <p:cNvSpPr txBox="1"/>
+          <p:nvPr/>
+        </p:nvSpPr>
+        <p:spPr>
+          <a:xfrm>
+            <a:off x="896586" y="1331567"/>
+            <a:ext cx="343364" cy="230832"/>
+          </a:xfrm>
+          <a:prstGeom prst="rect">
+            <a:avLst/>
+          </a:prstGeom>
+          <a:noFill/>
+        </p:spPr>
+        <p:txBody>
+          <a:bodyPr wrap="none" rtlCol="0">
+            <a:spAutoFit/>
+          </a:bodyPr>
+          <a:lstStyle/>
+          <a:p>
+            <a:r>
+              <a:rPr lang="fr-FR" sz="900" b="1" dirty="0"/>
+              <a:t>M1</a:t>
+            </a:r>
+          </a:p>
+        </p:txBody>
+      </p:sp>
+      <p:sp>
+        <p:nvSpPr>
+          <p:cNvPr id="2" name="Rectangle : coins arrondis 1">
+            <a:extLst>
+              <a:ext uri="{FF2B5EF4-FFF2-40B4-BE49-F238E27FC236}">
+                <a16:creationId xmlns:a16="http://schemas.microsoft.com/office/drawing/2014/main" id="{775BE4EA-6224-A865-F644-1FCAAA8F0DE7}"/>
+              </a:ext>
+            </a:extLst>
+          </p:cNvPr>
+          <p:cNvSpPr/>
+          <p:nvPr/>
+        </p:nvSpPr>
+        <p:spPr>
+          <a:xfrm>
+            <a:off x="976228" y="925260"/>
+            <a:ext cx="152458" cy="136543"/>
           </a:xfrm>
           <a:prstGeom prst="roundRect">
             <a:avLst/>
           </a:prstGeom>
-          <a:noFill/>
+          <a:solidFill>
+            <a:schemeClr val="accent6">
+              <a:lumMod val="20000"/>
+              <a:lumOff val="80000"/>
+            </a:schemeClr>
+          </a:solidFill>
         </p:spPr>
         <p:style>
           <a:lnRef idx="2">
@@ -3640,46 +3702,16 @@
           <a:lstStyle/>
           <a:p>
             <a:pPr algn="ctr"/>
-            <a:endParaRPr lang="en-GB" dirty="0"/>
-          </a:p>
-        </p:txBody>
-      </p:sp>
-      <p:pic>
-        <p:nvPicPr>
-          <p:cNvPr id="86" name="Image 85">
+            <a:endParaRPr lang="fr-FR" sz="900"/>
+          </a:p>
+        </p:txBody>
+      </p:sp>
+      <p:sp>
+        <p:nvSpPr>
+          <p:cNvPr id="6" name="Rectangle : coins arrondis 5">
             <a:extLst>
               <a:ext uri="{FF2B5EF4-FFF2-40B4-BE49-F238E27FC236}">
-                <a16:creationId xmlns:a16="http://schemas.microsoft.com/office/drawing/2014/main" id="{DC6B8F2D-4A4F-F5E2-9064-29F1743C7E5C}"/>
-              </a:ext>
-            </a:extLst>
-          </p:cNvPr>
-          <p:cNvPicPr>
-            <a:picLocks noChangeAspect="1"/>
-          </p:cNvPicPr>
-          <p:nvPr/>
-        </p:nvPicPr>
-        <p:blipFill>
-          <a:blip r:embed="rId3"/>
-          <a:stretch>
-            <a:fillRect/>
-          </a:stretch>
-        </p:blipFill>
-        <p:spPr>
-          <a:xfrm>
-            <a:off x="166094" y="311832"/>
-            <a:ext cx="239348" cy="239348"/>
-          </a:xfrm>
-          <a:prstGeom prst="rect">
-            <a:avLst/>
-          </a:prstGeom>
-        </p:spPr>
-      </p:pic>
-      <p:sp>
-        <p:nvSpPr>
-          <p:cNvPr id="103" name="Flèche vers la gauche 102">
-            <a:extLst>
-              <a:ext uri="{FF2B5EF4-FFF2-40B4-BE49-F238E27FC236}">
-                <a16:creationId xmlns:a16="http://schemas.microsoft.com/office/drawing/2014/main" id="{26D75E03-134C-2748-F1AC-6C06561E3462}"/>
+                <a16:creationId xmlns:a16="http://schemas.microsoft.com/office/drawing/2014/main" id="{6F984FF6-9D9D-B60D-1802-2802C3F35CAC}"/>
               </a:ext>
             </a:extLst>
           </p:cNvPr>
@@ -3687,107 +3719,15 @@
           <p:nvPr/>
         </p:nvSpPr>
         <p:spPr>
-          <a:xfrm rot="16200000">
-            <a:off x="125277" y="1224859"/>
-            <a:ext cx="274136" cy="197308"/>
-          </a:xfrm>
-          <a:prstGeom prst="leftArrow">
-            <a:avLst/>
-          </a:prstGeom>
-          <a:solidFill>
-            <a:schemeClr val="bg2">
-              <a:lumMod val="75000"/>
-            </a:schemeClr>
-          </a:solidFill>
-          <a:ln>
-            <a:solidFill>
-              <a:schemeClr val="tx1">
-                <a:lumMod val="95000"/>
-                <a:lumOff val="5000"/>
-              </a:schemeClr>
-            </a:solidFill>
-          </a:ln>
-        </p:spPr>
-        <p:style>
-          <a:lnRef idx="3">
-            <a:schemeClr val="lt1"/>
-          </a:lnRef>
-          <a:fillRef idx="1">
-            <a:schemeClr val="dk1"/>
-          </a:fillRef>
-          <a:effectRef idx="1">
-            <a:schemeClr val="dk1"/>
-          </a:effectRef>
-          <a:fontRef idx="minor">
-            <a:schemeClr val="lt1"/>
-          </a:fontRef>
-        </p:style>
-        <p:txBody>
-          <a:bodyPr rtlCol="0" anchor="ctr"/>
-          <a:lstStyle/>
-          <a:p>
-            <a:pPr algn="ctr"/>
-            <a:endParaRPr lang="fr-FR"/>
-          </a:p>
-        </p:txBody>
-      </p:sp>
-      <p:sp>
-        <p:nvSpPr>
-          <p:cNvPr id="113" name="ZoneTexte 112">
-            <a:extLst>
-              <a:ext uri="{FF2B5EF4-FFF2-40B4-BE49-F238E27FC236}">
-                <a16:creationId xmlns:a16="http://schemas.microsoft.com/office/drawing/2014/main" id="{E5DCF8BD-628E-F0F7-54F6-3C3E391316B9}"/>
-              </a:ext>
-            </a:extLst>
-          </p:cNvPr>
-          <p:cNvSpPr txBox="1"/>
-          <p:nvPr/>
-        </p:nvSpPr>
-        <p:spPr>
-          <a:xfrm>
-            <a:off x="79726" y="1463731"/>
-            <a:ext cx="397866" cy="276999"/>
-          </a:xfrm>
-          <a:prstGeom prst="rect">
-            <a:avLst/>
-          </a:prstGeom>
-          <a:noFill/>
-        </p:spPr>
-        <p:txBody>
-          <a:bodyPr wrap="none" rtlCol="0">
-            <a:spAutoFit/>
-          </a:bodyPr>
-          <a:lstStyle/>
-          <a:p>
-            <a:r>
-              <a:rPr lang="fr-FR" sz="1200" b="1" dirty="0"/>
-              <a:t>M1</a:t>
-            </a:r>
-          </a:p>
-        </p:txBody>
-      </p:sp>
-      <p:sp>
-        <p:nvSpPr>
-          <p:cNvPr id="2" name="Rectangle : coins arrondis 1">
-            <a:extLst>
-              <a:ext uri="{FF2B5EF4-FFF2-40B4-BE49-F238E27FC236}">
-                <a16:creationId xmlns:a16="http://schemas.microsoft.com/office/drawing/2014/main" id="{775BE4EA-6224-A865-F644-1FCAAA8F0DE7}"/>
-              </a:ext>
-            </a:extLst>
-          </p:cNvPr>
-          <p:cNvSpPr/>
-          <p:nvPr/>
-        </p:nvSpPr>
-        <p:spPr>
-          <a:xfrm>
-            <a:off x="161088" y="929307"/>
-            <a:ext cx="197307" cy="185215"/>
+          <a:xfrm>
+            <a:off x="1305196" y="929949"/>
+            <a:ext cx="152458" cy="136543"/>
           </a:xfrm>
           <a:prstGeom prst="roundRect">
             <a:avLst/>
           </a:prstGeom>
           <a:solidFill>
-            <a:schemeClr val="accent6">
+            <a:schemeClr val="accent5">
               <a:lumMod val="20000"/>
               <a:lumOff val="80000"/>
             </a:schemeClr>
@@ -3814,16 +3754,16 @@
           <a:lstStyle/>
           <a:p>
             <a:pPr algn="ctr"/>
-            <a:endParaRPr lang="fr-FR"/>
-          </a:p>
-        </p:txBody>
-      </p:sp>
-      <p:sp>
-        <p:nvSpPr>
-          <p:cNvPr id="6" name="Rectangle : coins arrondis 5">
+            <a:endParaRPr lang="fr-FR" sz="900"/>
+          </a:p>
+        </p:txBody>
+      </p:sp>
+      <p:sp>
+        <p:nvSpPr>
+          <p:cNvPr id="10" name="Rectangle : coins arrondis 9">
             <a:extLst>
               <a:ext uri="{FF2B5EF4-FFF2-40B4-BE49-F238E27FC236}">
-                <a16:creationId xmlns:a16="http://schemas.microsoft.com/office/drawing/2014/main" id="{6F984FF6-9D9D-B60D-1802-2802C3F35CAC}"/>
+                <a16:creationId xmlns:a16="http://schemas.microsoft.com/office/drawing/2014/main" id="{758444EC-2DBE-6B92-7D97-0607595601C2}"/>
               </a:ext>
             </a:extLst>
           </p:cNvPr>
@@ -3832,14 +3772,14 @@
         </p:nvSpPr>
         <p:spPr>
           <a:xfrm>
-            <a:off x="586830" y="935668"/>
-            <a:ext cx="197307" cy="185215"/>
+            <a:off x="1620060" y="931203"/>
+            <a:ext cx="152458" cy="136543"/>
           </a:xfrm>
           <a:prstGeom prst="roundRect">
             <a:avLst/>
           </a:prstGeom>
           <a:solidFill>
-            <a:schemeClr val="accent5">
+            <a:schemeClr val="accent2">
               <a:lumMod val="20000"/>
               <a:lumOff val="80000"/>
             </a:schemeClr>
@@ -3866,16 +3806,86 @@
           <a:lstStyle/>
           <a:p>
             <a:pPr algn="ctr"/>
-            <a:endParaRPr lang="fr-FR"/>
-          </a:p>
-        </p:txBody>
-      </p:sp>
-      <p:sp>
-        <p:nvSpPr>
-          <p:cNvPr id="10" name="Rectangle : coins arrondis 9">
+            <a:endParaRPr lang="fr-FR" sz="900"/>
+          </a:p>
+        </p:txBody>
+      </p:sp>
+      <p:sp>
+        <p:nvSpPr>
+          <p:cNvPr id="23" name="ZoneTexte 22">
             <a:extLst>
               <a:ext uri="{FF2B5EF4-FFF2-40B4-BE49-F238E27FC236}">
-                <a16:creationId xmlns:a16="http://schemas.microsoft.com/office/drawing/2014/main" id="{758444EC-2DBE-6B92-7D97-0607595601C2}"/>
+                <a16:creationId xmlns:a16="http://schemas.microsoft.com/office/drawing/2014/main" id="{5BBFF380-9244-6D6D-7236-0FF390BD5732}"/>
+              </a:ext>
+            </a:extLst>
+          </p:cNvPr>
+          <p:cNvSpPr txBox="1"/>
+          <p:nvPr/>
+        </p:nvSpPr>
+        <p:spPr>
+          <a:xfrm>
+            <a:off x="1214747" y="1331567"/>
+            <a:ext cx="343364" cy="230832"/>
+          </a:xfrm>
+          <a:prstGeom prst="rect">
+            <a:avLst/>
+          </a:prstGeom>
+          <a:noFill/>
+        </p:spPr>
+        <p:txBody>
+          <a:bodyPr wrap="none" rtlCol="0">
+            <a:spAutoFit/>
+          </a:bodyPr>
+          <a:lstStyle/>
+          <a:p>
+            <a:r>
+              <a:rPr lang="fr-FR" sz="900" b="1" dirty="0"/>
+              <a:t>M2</a:t>
+            </a:r>
+          </a:p>
+        </p:txBody>
+      </p:sp>
+      <p:sp>
+        <p:nvSpPr>
+          <p:cNvPr id="24" name="ZoneTexte 23">
+            <a:extLst>
+              <a:ext uri="{FF2B5EF4-FFF2-40B4-BE49-F238E27FC236}">
+                <a16:creationId xmlns:a16="http://schemas.microsoft.com/office/drawing/2014/main" id="{042D7C86-A089-8A45-212A-EABB9F038A3A}"/>
+              </a:ext>
+            </a:extLst>
+          </p:cNvPr>
+          <p:cNvSpPr txBox="1"/>
+          <p:nvPr/>
+        </p:nvSpPr>
+        <p:spPr>
+          <a:xfrm>
+            <a:off x="1537761" y="1331567"/>
+            <a:ext cx="343364" cy="230832"/>
+          </a:xfrm>
+          <a:prstGeom prst="rect">
+            <a:avLst/>
+          </a:prstGeom>
+          <a:noFill/>
+        </p:spPr>
+        <p:txBody>
+          <a:bodyPr wrap="none" rtlCol="0">
+            <a:spAutoFit/>
+          </a:bodyPr>
+          <a:lstStyle/>
+          <a:p>
+            <a:r>
+              <a:rPr lang="fr-FR" sz="900" b="1" dirty="0"/>
+              <a:t>M3</a:t>
+            </a:r>
+          </a:p>
+        </p:txBody>
+      </p:sp>
+      <p:sp>
+        <p:nvSpPr>
+          <p:cNvPr id="28" name="Rectangle : coins arrondis 27">
+            <a:extLst>
+              <a:ext uri="{FF2B5EF4-FFF2-40B4-BE49-F238E27FC236}">
+                <a16:creationId xmlns:a16="http://schemas.microsoft.com/office/drawing/2014/main" id="{284B0927-1D39-B2E7-63CF-EA79F2FBA886}"/>
               </a:ext>
             </a:extLst>
           </p:cNvPr>
@@ -3884,16 +3894,15 @@
         </p:nvSpPr>
         <p:spPr>
           <a:xfrm>
-            <a:off x="994318" y="937369"/>
-            <a:ext cx="197307" cy="185215"/>
+            <a:off x="974955" y="1750493"/>
+            <a:ext cx="152458" cy="136543"/>
           </a:xfrm>
           <a:prstGeom prst="roundRect">
             <a:avLst/>
           </a:prstGeom>
           <a:solidFill>
-            <a:schemeClr val="accent2">
-              <a:lumMod val="20000"/>
-              <a:lumOff val="80000"/>
+            <a:schemeClr val="bg2">
+              <a:lumMod val="50000"/>
             </a:schemeClr>
           </a:solidFill>
         </p:spPr>
@@ -3918,16 +3927,16 @@
           <a:lstStyle/>
           <a:p>
             <a:pPr algn="ctr"/>
-            <a:endParaRPr lang="fr-FR"/>
-          </a:p>
-        </p:txBody>
-      </p:sp>
-      <p:sp>
-        <p:nvSpPr>
-          <p:cNvPr id="21" name="Flèche vers la gauche 20">
+            <a:endParaRPr lang="fr-FR" sz="900"/>
+          </a:p>
+        </p:txBody>
+      </p:sp>
+      <p:sp>
+        <p:nvSpPr>
+          <p:cNvPr id="29" name="Rectangle : coins arrondis 28">
             <a:extLst>
               <a:ext uri="{FF2B5EF4-FFF2-40B4-BE49-F238E27FC236}">
-                <a16:creationId xmlns:a16="http://schemas.microsoft.com/office/drawing/2014/main" id="{022427F5-5483-C22C-CF7B-FE17378D1238}"/>
+                <a16:creationId xmlns:a16="http://schemas.microsoft.com/office/drawing/2014/main" id="{8EABACFB-BEEE-F368-8C24-09E2B94B4277}"/>
               </a:ext>
             </a:extLst>
           </p:cNvPr>
@@ -3935,364 +3944,9 @@
           <p:nvPr/>
         </p:nvSpPr>
         <p:spPr>
-          <a:xfrm rot="16200000">
-            <a:off x="548189" y="1220002"/>
-            <a:ext cx="274136" cy="197308"/>
-          </a:xfrm>
-          <a:prstGeom prst="leftArrow">
-            <a:avLst/>
-          </a:prstGeom>
-          <a:solidFill>
-            <a:schemeClr val="bg2">
-              <a:lumMod val="75000"/>
-            </a:schemeClr>
-          </a:solidFill>
-          <a:ln>
-            <a:solidFill>
-              <a:schemeClr val="tx1">
-                <a:lumMod val="95000"/>
-                <a:lumOff val="5000"/>
-              </a:schemeClr>
-            </a:solidFill>
-          </a:ln>
-        </p:spPr>
-        <p:style>
-          <a:lnRef idx="3">
-            <a:schemeClr val="lt1"/>
-          </a:lnRef>
-          <a:fillRef idx="1">
-            <a:schemeClr val="dk1"/>
-          </a:fillRef>
-          <a:effectRef idx="1">
-            <a:schemeClr val="dk1"/>
-          </a:effectRef>
-          <a:fontRef idx="minor">
-            <a:schemeClr val="lt1"/>
-          </a:fontRef>
-        </p:style>
-        <p:txBody>
-          <a:bodyPr rtlCol="0" anchor="ctr"/>
-          <a:lstStyle/>
-          <a:p>
-            <a:pPr algn="ctr"/>
-            <a:endParaRPr lang="fr-FR"/>
-          </a:p>
-        </p:txBody>
-      </p:sp>
-      <p:sp>
-        <p:nvSpPr>
-          <p:cNvPr id="22" name="Flèche vers la gauche 21">
-            <a:extLst>
-              <a:ext uri="{FF2B5EF4-FFF2-40B4-BE49-F238E27FC236}">
-                <a16:creationId xmlns:a16="http://schemas.microsoft.com/office/drawing/2014/main" id="{056FAE8F-FC97-2B58-CC11-3E13D586426D}"/>
-              </a:ext>
-            </a:extLst>
-          </p:cNvPr>
-          <p:cNvSpPr/>
-          <p:nvPr/>
-        </p:nvSpPr>
-        <p:spPr>
-          <a:xfrm rot="16200000">
-            <a:off x="2276918" y="1223471"/>
-            <a:ext cx="274136" cy="197308"/>
-          </a:xfrm>
-          <a:prstGeom prst="leftArrow">
-            <a:avLst/>
-          </a:prstGeom>
-          <a:solidFill>
-            <a:schemeClr val="bg2">
-              <a:lumMod val="75000"/>
-            </a:schemeClr>
-          </a:solidFill>
-          <a:ln>
-            <a:solidFill>
-              <a:schemeClr val="tx1">
-                <a:lumMod val="95000"/>
-                <a:lumOff val="5000"/>
-              </a:schemeClr>
-            </a:solidFill>
-          </a:ln>
-        </p:spPr>
-        <p:style>
-          <a:lnRef idx="3">
-            <a:schemeClr val="lt1"/>
-          </a:lnRef>
-          <a:fillRef idx="1">
-            <a:schemeClr val="dk1"/>
-          </a:fillRef>
-          <a:effectRef idx="1">
-            <a:schemeClr val="dk1"/>
-          </a:effectRef>
-          <a:fontRef idx="minor">
-            <a:schemeClr val="lt1"/>
-          </a:fontRef>
-        </p:style>
-        <p:txBody>
-          <a:bodyPr rtlCol="0" anchor="ctr"/>
-          <a:lstStyle/>
-          <a:p>
-            <a:pPr algn="ctr"/>
-            <a:endParaRPr lang="fr-FR"/>
-          </a:p>
-        </p:txBody>
-      </p:sp>
-      <p:sp>
-        <p:nvSpPr>
-          <p:cNvPr id="23" name="ZoneTexte 22">
-            <a:extLst>
-              <a:ext uri="{FF2B5EF4-FFF2-40B4-BE49-F238E27FC236}">
-                <a16:creationId xmlns:a16="http://schemas.microsoft.com/office/drawing/2014/main" id="{5BBFF380-9244-6D6D-7236-0FF390BD5732}"/>
-              </a:ext>
-            </a:extLst>
-          </p:cNvPr>
-          <p:cNvSpPr txBox="1"/>
-          <p:nvPr/>
-        </p:nvSpPr>
-        <p:spPr>
-          <a:xfrm>
-            <a:off x="486545" y="1460517"/>
-            <a:ext cx="397866" cy="276999"/>
-          </a:xfrm>
-          <a:prstGeom prst="rect">
-            <a:avLst/>
-          </a:prstGeom>
-          <a:noFill/>
-        </p:spPr>
-        <p:txBody>
-          <a:bodyPr wrap="none" rtlCol="0">
-            <a:spAutoFit/>
-          </a:bodyPr>
-          <a:lstStyle/>
-          <a:p>
-            <a:r>
-              <a:rPr lang="fr-FR" sz="1200" b="1" dirty="0"/>
-              <a:t>M2</a:t>
-            </a:r>
-          </a:p>
-        </p:txBody>
-      </p:sp>
-      <p:sp>
-        <p:nvSpPr>
-          <p:cNvPr id="24" name="ZoneTexte 23">
-            <a:extLst>
-              <a:ext uri="{FF2B5EF4-FFF2-40B4-BE49-F238E27FC236}">
-                <a16:creationId xmlns:a16="http://schemas.microsoft.com/office/drawing/2014/main" id="{042D7C86-A089-8A45-212A-EABB9F038A3A}"/>
-              </a:ext>
-            </a:extLst>
-          </p:cNvPr>
-          <p:cNvSpPr txBox="1"/>
-          <p:nvPr/>
-        </p:nvSpPr>
-        <p:spPr>
-          <a:xfrm>
-            <a:off x="899828" y="1467125"/>
-            <a:ext cx="397866" cy="276999"/>
-          </a:xfrm>
-          <a:prstGeom prst="rect">
-            <a:avLst/>
-          </a:prstGeom>
-          <a:noFill/>
-        </p:spPr>
-        <p:txBody>
-          <a:bodyPr wrap="none" rtlCol="0">
-            <a:spAutoFit/>
-          </a:bodyPr>
-          <a:lstStyle/>
-          <a:p>
-            <a:r>
-              <a:rPr lang="fr-FR" sz="1200" b="1" dirty="0"/>
-              <a:t>M3</a:t>
-            </a:r>
-          </a:p>
-        </p:txBody>
-      </p:sp>
-      <p:sp>
-        <p:nvSpPr>
-          <p:cNvPr id="25" name="Flèche vers la gauche 24">
-            <a:extLst>
-              <a:ext uri="{FF2B5EF4-FFF2-40B4-BE49-F238E27FC236}">
-                <a16:creationId xmlns:a16="http://schemas.microsoft.com/office/drawing/2014/main" id="{173E48D8-035E-6CEC-83E0-0C426C8753BC}"/>
-              </a:ext>
-            </a:extLst>
-          </p:cNvPr>
-          <p:cNvSpPr/>
-          <p:nvPr/>
-        </p:nvSpPr>
-        <p:spPr>
-          <a:xfrm rot="16200000">
-            <a:off x="958938" y="1782535"/>
-            <a:ext cx="274136" cy="197308"/>
-          </a:xfrm>
-          <a:prstGeom prst="leftArrow">
-            <a:avLst/>
-          </a:prstGeom>
-          <a:solidFill>
-            <a:schemeClr val="bg2">
-              <a:lumMod val="75000"/>
-            </a:schemeClr>
-          </a:solidFill>
-          <a:ln>
-            <a:solidFill>
-              <a:schemeClr val="tx1">
-                <a:lumMod val="95000"/>
-                <a:lumOff val="5000"/>
-              </a:schemeClr>
-            </a:solidFill>
-          </a:ln>
-        </p:spPr>
-        <p:style>
-          <a:lnRef idx="3">
-            <a:schemeClr val="lt1"/>
-          </a:lnRef>
-          <a:fillRef idx="1">
-            <a:schemeClr val="dk1"/>
-          </a:fillRef>
-          <a:effectRef idx="1">
-            <a:schemeClr val="dk1"/>
-          </a:effectRef>
-          <a:fontRef idx="minor">
-            <a:schemeClr val="lt1"/>
-          </a:fontRef>
-        </p:style>
-        <p:txBody>
-          <a:bodyPr rtlCol="0" anchor="ctr"/>
-          <a:lstStyle/>
-          <a:p>
-            <a:pPr algn="ctr"/>
-            <a:endParaRPr lang="fr-FR"/>
-          </a:p>
-        </p:txBody>
-      </p:sp>
-      <p:sp>
-        <p:nvSpPr>
-          <p:cNvPr id="26" name="Flèche vers la gauche 25">
-            <a:extLst>
-              <a:ext uri="{FF2B5EF4-FFF2-40B4-BE49-F238E27FC236}">
-                <a16:creationId xmlns:a16="http://schemas.microsoft.com/office/drawing/2014/main" id="{568C6D58-0687-C21D-FC27-40506D853144}"/>
-              </a:ext>
-            </a:extLst>
-          </p:cNvPr>
-          <p:cNvSpPr/>
-          <p:nvPr/>
-        </p:nvSpPr>
-        <p:spPr>
-          <a:xfrm rot="16200000">
-            <a:off x="548411" y="1789702"/>
-            <a:ext cx="274136" cy="197308"/>
-          </a:xfrm>
-          <a:prstGeom prst="leftArrow">
-            <a:avLst/>
-          </a:prstGeom>
-          <a:solidFill>
-            <a:schemeClr val="bg2">
-              <a:lumMod val="75000"/>
-            </a:schemeClr>
-          </a:solidFill>
-          <a:ln>
-            <a:solidFill>
-              <a:schemeClr val="tx1">
-                <a:lumMod val="95000"/>
-                <a:lumOff val="5000"/>
-              </a:schemeClr>
-            </a:solidFill>
-          </a:ln>
-        </p:spPr>
-        <p:style>
-          <a:lnRef idx="3">
-            <a:schemeClr val="lt1"/>
-          </a:lnRef>
-          <a:fillRef idx="1">
-            <a:schemeClr val="dk1"/>
-          </a:fillRef>
-          <a:effectRef idx="1">
-            <a:schemeClr val="dk1"/>
-          </a:effectRef>
-          <a:fontRef idx="minor">
-            <a:schemeClr val="lt1"/>
-          </a:fontRef>
-        </p:style>
-        <p:txBody>
-          <a:bodyPr rtlCol="0" anchor="ctr"/>
-          <a:lstStyle/>
-          <a:p>
-            <a:pPr algn="ctr"/>
-            <a:endParaRPr lang="fr-FR"/>
-          </a:p>
-        </p:txBody>
-      </p:sp>
-      <p:sp>
-        <p:nvSpPr>
-          <p:cNvPr id="27" name="Flèche vers la gauche 26">
-            <a:extLst>
-              <a:ext uri="{FF2B5EF4-FFF2-40B4-BE49-F238E27FC236}">
-                <a16:creationId xmlns:a16="http://schemas.microsoft.com/office/drawing/2014/main" id="{B7A1E173-8B91-1CEE-8EDF-D51110677622}"/>
-              </a:ext>
-            </a:extLst>
-          </p:cNvPr>
-          <p:cNvSpPr/>
-          <p:nvPr/>
-        </p:nvSpPr>
-        <p:spPr>
-          <a:xfrm rot="16200000">
-            <a:off x="122671" y="1775925"/>
-            <a:ext cx="274136" cy="197308"/>
-          </a:xfrm>
-          <a:prstGeom prst="leftArrow">
-            <a:avLst/>
-          </a:prstGeom>
-          <a:solidFill>
-            <a:schemeClr val="bg2">
-              <a:lumMod val="75000"/>
-            </a:schemeClr>
-          </a:solidFill>
-          <a:ln>
-            <a:solidFill>
-              <a:schemeClr val="tx1">
-                <a:lumMod val="95000"/>
-                <a:lumOff val="5000"/>
-              </a:schemeClr>
-            </a:solidFill>
-          </a:ln>
-        </p:spPr>
-        <p:style>
-          <a:lnRef idx="3">
-            <a:schemeClr val="lt1"/>
-          </a:lnRef>
-          <a:fillRef idx="1">
-            <a:schemeClr val="dk1"/>
-          </a:fillRef>
-          <a:effectRef idx="1">
-            <a:schemeClr val="dk1"/>
-          </a:effectRef>
-          <a:fontRef idx="minor">
-            <a:schemeClr val="lt1"/>
-          </a:fontRef>
-        </p:style>
-        <p:txBody>
-          <a:bodyPr rtlCol="0" anchor="ctr"/>
-          <a:lstStyle/>
-          <a:p>
-            <a:pPr algn="ctr"/>
-            <a:endParaRPr lang="fr-FR"/>
-          </a:p>
-        </p:txBody>
-      </p:sp>
-      <p:sp>
-        <p:nvSpPr>
-          <p:cNvPr id="28" name="Rectangle : coins arrondis 27">
-            <a:extLst>
-              <a:ext uri="{FF2B5EF4-FFF2-40B4-BE49-F238E27FC236}">
-                <a16:creationId xmlns:a16="http://schemas.microsoft.com/office/drawing/2014/main" id="{284B0927-1D39-B2E7-63CF-EA79F2FBA886}"/>
-              </a:ext>
-            </a:extLst>
-          </p:cNvPr>
-          <p:cNvSpPr/>
-          <p:nvPr/>
-        </p:nvSpPr>
-        <p:spPr>
-          <a:xfrm>
-            <a:off x="163697" y="2073603"/>
-            <a:ext cx="197307" cy="185215"/>
+          <a:xfrm>
+            <a:off x="1304487" y="1750493"/>
+            <a:ext cx="152458" cy="136543"/>
           </a:xfrm>
           <a:prstGeom prst="roundRect">
             <a:avLst/>
@@ -4324,16 +3978,16 @@
           <a:lstStyle/>
           <a:p>
             <a:pPr algn="ctr"/>
-            <a:endParaRPr lang="fr-FR"/>
-          </a:p>
-        </p:txBody>
-      </p:sp>
-      <p:sp>
-        <p:nvSpPr>
-          <p:cNvPr id="29" name="Rectangle : coins arrondis 28">
+            <a:endParaRPr lang="fr-FR" sz="900"/>
+          </a:p>
+        </p:txBody>
+      </p:sp>
+      <p:sp>
+        <p:nvSpPr>
+          <p:cNvPr id="30" name="Rectangle : coins arrondis 29">
             <a:extLst>
               <a:ext uri="{FF2B5EF4-FFF2-40B4-BE49-F238E27FC236}">
-                <a16:creationId xmlns:a16="http://schemas.microsoft.com/office/drawing/2014/main" id="{8EABACFB-BEEE-F368-8C24-09E2B94B4277}"/>
+                <a16:creationId xmlns:a16="http://schemas.microsoft.com/office/drawing/2014/main" id="{9C0A4D17-C97E-A113-52B6-F480FD2830B2}"/>
               </a:ext>
             </a:extLst>
           </p:cNvPr>
@@ -4342,8 +3996,8 @@
         </p:nvSpPr>
         <p:spPr>
           <a:xfrm>
-            <a:off x="578362" y="2073603"/>
-            <a:ext cx="197307" cy="185215"/>
+            <a:off x="1620060" y="1755459"/>
+            <a:ext cx="152458" cy="136543"/>
           </a:xfrm>
           <a:prstGeom prst="roundRect">
             <a:avLst/>
@@ -4375,16 +4029,16 @@
           <a:lstStyle/>
           <a:p>
             <a:pPr algn="ctr"/>
-            <a:endParaRPr lang="fr-FR"/>
-          </a:p>
-        </p:txBody>
-      </p:sp>
-      <p:sp>
-        <p:nvSpPr>
-          <p:cNvPr id="30" name="Rectangle : coins arrondis 29">
+            <a:endParaRPr lang="fr-FR" sz="900"/>
+          </a:p>
+        </p:txBody>
+      </p:sp>
+      <p:sp>
+        <p:nvSpPr>
+          <p:cNvPr id="76" name="Rectangle : coins arrondis 75">
             <a:extLst>
               <a:ext uri="{FF2B5EF4-FFF2-40B4-BE49-F238E27FC236}">
-                <a16:creationId xmlns:a16="http://schemas.microsoft.com/office/drawing/2014/main" id="{9C0A4D17-C97E-A113-52B6-F480FD2830B2}"/>
+                <a16:creationId xmlns:a16="http://schemas.microsoft.com/office/drawing/2014/main" id="{5C2EE547-8918-F81C-C722-8C870F5345CE}"/>
               </a:ext>
             </a:extLst>
           </p:cNvPr>
@@ -4393,15 +4047,16 @@
         </p:nvSpPr>
         <p:spPr>
           <a:xfrm>
-            <a:off x="994318" y="2080339"/>
-            <a:ext cx="197307" cy="185215"/>
+            <a:off x="2403676" y="939236"/>
+            <a:ext cx="152458" cy="136543"/>
           </a:xfrm>
           <a:prstGeom prst="roundRect">
             <a:avLst/>
           </a:prstGeom>
           <a:solidFill>
-            <a:schemeClr val="bg2">
-              <a:lumMod val="50000"/>
+            <a:schemeClr val="accent6">
+              <a:lumMod val="20000"/>
+              <a:lumOff val="80000"/>
             </a:schemeClr>
           </a:solidFill>
         </p:spPr>
@@ -4426,16 +4081,16 @@
           <a:lstStyle/>
           <a:p>
             <a:pPr algn="ctr"/>
-            <a:endParaRPr lang="fr-FR"/>
-          </a:p>
-        </p:txBody>
-      </p:sp>
-      <p:sp>
-        <p:nvSpPr>
-          <p:cNvPr id="63" name="Rectangle : coins arrondis 62">
+            <a:endParaRPr lang="fr-FR" sz="900"/>
+          </a:p>
+        </p:txBody>
+      </p:sp>
+      <p:sp>
+        <p:nvSpPr>
+          <p:cNvPr id="77" name="Rectangle : coins arrondis 76">
             <a:extLst>
               <a:ext uri="{FF2B5EF4-FFF2-40B4-BE49-F238E27FC236}">
-                <a16:creationId xmlns:a16="http://schemas.microsoft.com/office/drawing/2014/main" id="{2C73109F-D9ED-7AE1-2C4C-D56E85B2A8DE}"/>
+                <a16:creationId xmlns:a16="http://schemas.microsoft.com/office/drawing/2014/main" id="{93BD61E4-0B97-3613-4C76-25C01FDFE9E7}"/>
               </a:ext>
             </a:extLst>
           </p:cNvPr>
@@ -4444,14 +4099,14 @@
         </p:nvSpPr>
         <p:spPr>
           <a:xfrm>
-            <a:off x="446125" y="345800"/>
-            <a:ext cx="197307" cy="185215"/>
+            <a:off x="2563041" y="939236"/>
+            <a:ext cx="152458" cy="136543"/>
           </a:xfrm>
           <a:prstGeom prst="roundRect">
             <a:avLst/>
           </a:prstGeom>
           <a:solidFill>
-            <a:schemeClr val="accent6">
+            <a:schemeClr val="accent5">
               <a:lumMod val="20000"/>
               <a:lumOff val="80000"/>
             </a:schemeClr>
@@ -4478,16 +4133,16 @@
           <a:lstStyle/>
           <a:p>
             <a:pPr algn="ctr"/>
-            <a:endParaRPr lang="fr-FR"/>
-          </a:p>
-        </p:txBody>
-      </p:sp>
-      <p:sp>
-        <p:nvSpPr>
-          <p:cNvPr id="72" name="Rectangle : coins arrondis 71">
+            <a:endParaRPr lang="fr-FR" sz="900"/>
+          </a:p>
+        </p:txBody>
+      </p:sp>
+      <p:sp>
+        <p:nvSpPr>
+          <p:cNvPr id="87" name="Rectangle : coins arrondis 86">
             <a:extLst>
               <a:ext uri="{FF2B5EF4-FFF2-40B4-BE49-F238E27FC236}">
-                <a16:creationId xmlns:a16="http://schemas.microsoft.com/office/drawing/2014/main" id="{D7CDB61C-28EC-128D-0B90-6F70C4B36DBE}"/>
+                <a16:creationId xmlns:a16="http://schemas.microsoft.com/office/drawing/2014/main" id="{5C7DBF4A-0595-00C8-45C9-701591F66FDB}"/>
               </a:ext>
             </a:extLst>
           </p:cNvPr>
@@ -4496,14 +4151,14 @@
         </p:nvSpPr>
         <p:spPr>
           <a:xfrm>
-            <a:off x="1224388" y="343595"/>
-            <a:ext cx="197307" cy="185215"/>
+            <a:off x="2719867" y="939236"/>
+            <a:ext cx="152458" cy="136543"/>
           </a:xfrm>
           <a:prstGeom prst="roundRect">
             <a:avLst/>
           </a:prstGeom>
           <a:solidFill>
-            <a:schemeClr val="accent5">
+            <a:schemeClr val="accent2">
               <a:lumMod val="20000"/>
               <a:lumOff val="80000"/>
             </a:schemeClr>
@@ -4530,16 +4185,51 @@
           <a:lstStyle/>
           <a:p>
             <a:pPr algn="ctr"/>
-            <a:endParaRPr lang="fr-FR"/>
-          </a:p>
-        </p:txBody>
-      </p:sp>
-      <p:sp>
-        <p:nvSpPr>
-          <p:cNvPr id="75" name="Rectangle : coins arrondis 74">
+            <a:endParaRPr lang="fr-FR" sz="900"/>
+          </a:p>
+        </p:txBody>
+      </p:sp>
+      <p:sp>
+        <p:nvSpPr>
+          <p:cNvPr id="110" name="ZoneTexte 109">
             <a:extLst>
               <a:ext uri="{FF2B5EF4-FFF2-40B4-BE49-F238E27FC236}">
-                <a16:creationId xmlns:a16="http://schemas.microsoft.com/office/drawing/2014/main" id="{844CB366-0744-0C56-9F69-6733DBCBBC15}"/>
+                <a16:creationId xmlns:a16="http://schemas.microsoft.com/office/drawing/2014/main" id="{17EFB093-CAA9-8780-EC51-F1455276EA9B}"/>
+              </a:ext>
+            </a:extLst>
+          </p:cNvPr>
+          <p:cNvSpPr txBox="1"/>
+          <p:nvPr/>
+        </p:nvSpPr>
+        <p:spPr>
+          <a:xfrm>
+            <a:off x="2475893" y="1326977"/>
+            <a:ext cx="343364" cy="230832"/>
+          </a:xfrm>
+          <a:prstGeom prst="rect">
+            <a:avLst/>
+          </a:prstGeom>
+          <a:noFill/>
+        </p:spPr>
+        <p:txBody>
+          <a:bodyPr wrap="none" rtlCol="0">
+            <a:spAutoFit/>
+          </a:bodyPr>
+          <a:lstStyle/>
+          <a:p>
+            <a:r>
+              <a:rPr lang="fr-FR" sz="900" b="1" dirty="0"/>
+              <a:t>M4</a:t>
+            </a:r>
+          </a:p>
+        </p:txBody>
+      </p:sp>
+      <p:sp>
+        <p:nvSpPr>
+          <p:cNvPr id="125" name="Rectangle : coins arrondis 124">
+            <a:extLst>
+              <a:ext uri="{FF2B5EF4-FFF2-40B4-BE49-F238E27FC236}">
+                <a16:creationId xmlns:a16="http://schemas.microsoft.com/office/drawing/2014/main" id="{D5C359F6-F32D-ABEC-8AB5-5F852297E03B}"/>
               </a:ext>
             </a:extLst>
           </p:cNvPr>
@@ -4548,16 +4238,15 @@
         </p:nvSpPr>
         <p:spPr>
           <a:xfrm>
-            <a:off x="2692256" y="343595"/>
-            <a:ext cx="197307" cy="185215"/>
+            <a:off x="2554756" y="1750493"/>
+            <a:ext cx="152458" cy="136543"/>
           </a:xfrm>
           <a:prstGeom prst="roundRect">
             <a:avLst/>
           </a:prstGeom>
           <a:solidFill>
-            <a:schemeClr val="accent2">
-              <a:lumMod val="20000"/>
-              <a:lumOff val="80000"/>
+            <a:schemeClr val="bg2">
+              <a:lumMod val="50000"/>
             </a:schemeClr>
           </a:solidFill>
         </p:spPr>
@@ -4582,16 +4271,63 @@
           <a:lstStyle/>
           <a:p>
             <a:pPr algn="ctr"/>
-            <a:endParaRPr lang="fr-FR"/>
-          </a:p>
-        </p:txBody>
-      </p:sp>
-      <p:sp>
-        <p:nvSpPr>
-          <p:cNvPr id="76" name="Rectangle : coins arrondis 75">
+            <a:endParaRPr lang="fr-FR" sz="900"/>
+          </a:p>
+        </p:txBody>
+      </p:sp>
+      <p:sp>
+        <p:nvSpPr>
+          <p:cNvPr id="128" name="ZoneTexte 127">
             <a:extLst>
               <a:ext uri="{FF2B5EF4-FFF2-40B4-BE49-F238E27FC236}">
-                <a16:creationId xmlns:a16="http://schemas.microsoft.com/office/drawing/2014/main" id="{5C2EE547-8918-F81C-C722-8C870F5345CE}"/>
+                <a16:creationId xmlns:a16="http://schemas.microsoft.com/office/drawing/2014/main" id="{3F51A3BF-95D0-2812-03EE-8052FB68D2DF}"/>
+              </a:ext>
+            </a:extLst>
+          </p:cNvPr>
+          <p:cNvSpPr txBox="1"/>
+          <p:nvPr/>
+        </p:nvSpPr>
+        <p:spPr>
+          <a:xfrm>
+            <a:off x="3368764" y="609660"/>
+            <a:ext cx="1486105" cy="307777"/>
+          </a:xfrm>
+          <a:prstGeom prst="rect">
+            <a:avLst/>
+          </a:prstGeom>
+          <a:noFill/>
+        </p:spPr>
+        <p:txBody>
+          <a:bodyPr wrap="square" rtlCol="0">
+            <a:spAutoFit/>
+          </a:bodyPr>
+          <a:lstStyle/>
+          <a:p>
+            <a:pPr algn="ctr"/>
+            <a:r>
+              <a:rPr lang="en-GB" sz="700" b="1" dirty="0"/>
+              <a:t>Multistep data integration</a:t>
+            </a:r>
+          </a:p>
+          <a:p>
+            <a:pPr algn="ctr"/>
+            <a:r>
+              <a:rPr lang="en-GB" sz="700" b="1" dirty="0">
+                <a:solidFill>
+                  <a:srgbClr val="C00000"/>
+                </a:solidFill>
+              </a:rPr>
+              <a:t>Incremental multimodal model</a:t>
+            </a:r>
+          </a:p>
+        </p:txBody>
+      </p:sp>
+      <p:sp>
+        <p:nvSpPr>
+          <p:cNvPr id="129" name="Rectangle : coins arrondis 128">
+            <a:extLst>
+              <a:ext uri="{FF2B5EF4-FFF2-40B4-BE49-F238E27FC236}">
+                <a16:creationId xmlns:a16="http://schemas.microsoft.com/office/drawing/2014/main" id="{12DED574-FE3C-AEA3-0655-3CC76E0C13D6}"/>
               </a:ext>
             </a:extLst>
           </p:cNvPr>
@@ -4600,8 +4336,8 @@
         </p:nvSpPr>
         <p:spPr>
           <a:xfrm>
-            <a:off x="2104157" y="941612"/>
-            <a:ext cx="197307" cy="185215"/>
+            <a:off x="3316520" y="939471"/>
+            <a:ext cx="152458" cy="136543"/>
           </a:xfrm>
           <a:prstGeom prst="roundRect">
             <a:avLst/>
@@ -4634,16 +4370,51 @@
           <a:lstStyle/>
           <a:p>
             <a:pPr algn="ctr"/>
-            <a:endParaRPr lang="fr-FR"/>
-          </a:p>
-        </p:txBody>
-      </p:sp>
-      <p:sp>
-        <p:nvSpPr>
-          <p:cNvPr id="77" name="Rectangle : coins arrondis 76">
+            <a:endParaRPr lang="fr-FR" sz="900"/>
+          </a:p>
+        </p:txBody>
+      </p:sp>
+      <p:sp>
+        <p:nvSpPr>
+          <p:cNvPr id="131" name="ZoneTexte 130">
             <a:extLst>
               <a:ext uri="{FF2B5EF4-FFF2-40B4-BE49-F238E27FC236}">
-                <a16:creationId xmlns:a16="http://schemas.microsoft.com/office/drawing/2014/main" id="{93BD61E4-0B97-3613-4C76-25C01FDFE9E7}"/>
+                <a16:creationId xmlns:a16="http://schemas.microsoft.com/office/drawing/2014/main" id="{7EBAD5D0-3621-743A-6AD4-1B78C1BC26E6}"/>
+              </a:ext>
+            </a:extLst>
+          </p:cNvPr>
+          <p:cNvSpPr txBox="1"/>
+          <p:nvPr/>
+        </p:nvSpPr>
+        <p:spPr>
+          <a:xfrm>
+            <a:off x="3245945" y="1321164"/>
+            <a:ext cx="343364" cy="230832"/>
+          </a:xfrm>
+          <a:prstGeom prst="rect">
+            <a:avLst/>
+          </a:prstGeom>
+          <a:noFill/>
+        </p:spPr>
+        <p:txBody>
+          <a:bodyPr wrap="none" rtlCol="0">
+            <a:spAutoFit/>
+          </a:bodyPr>
+          <a:lstStyle/>
+          <a:p>
+            <a:r>
+              <a:rPr lang="fr-FR" sz="900" b="1" dirty="0"/>
+              <a:t>M1</a:t>
+            </a:r>
+          </a:p>
+        </p:txBody>
+      </p:sp>
+      <p:sp>
+        <p:nvSpPr>
+          <p:cNvPr id="133" name="Rectangle : coins arrondis 132">
+            <a:extLst>
+              <a:ext uri="{FF2B5EF4-FFF2-40B4-BE49-F238E27FC236}">
+                <a16:creationId xmlns:a16="http://schemas.microsoft.com/office/drawing/2014/main" id="{7E941BCC-04C3-1456-F746-EB363313BA03}"/>
               </a:ext>
             </a:extLst>
           </p:cNvPr>
@@ -4652,8 +4423,8 @@
         </p:nvSpPr>
         <p:spPr>
           <a:xfrm>
-            <a:off x="2310402" y="941612"/>
-            <a:ext cx="197307" cy="185215"/>
+            <a:off x="3724102" y="1362312"/>
+            <a:ext cx="152458" cy="136543"/>
           </a:xfrm>
           <a:prstGeom prst="roundRect">
             <a:avLst/>
@@ -4686,16 +4457,51 @@
           <a:lstStyle/>
           <a:p>
             <a:pPr algn="ctr"/>
-            <a:endParaRPr lang="fr-FR"/>
-          </a:p>
-        </p:txBody>
-      </p:sp>
-      <p:sp>
-        <p:nvSpPr>
-          <p:cNvPr id="87" name="Rectangle : coins arrondis 86">
+            <a:endParaRPr lang="fr-FR" sz="900"/>
+          </a:p>
+        </p:txBody>
+      </p:sp>
+      <p:sp>
+        <p:nvSpPr>
+          <p:cNvPr id="135" name="ZoneTexte 134">
             <a:extLst>
               <a:ext uri="{FF2B5EF4-FFF2-40B4-BE49-F238E27FC236}">
-                <a16:creationId xmlns:a16="http://schemas.microsoft.com/office/drawing/2014/main" id="{5C7DBF4A-0595-00C8-45C9-701591F66FDB}"/>
+                <a16:creationId xmlns:a16="http://schemas.microsoft.com/office/drawing/2014/main" id="{F8D97D9F-345F-FD52-E860-E64F2756361F}"/>
+              </a:ext>
+            </a:extLst>
+          </p:cNvPr>
+          <p:cNvSpPr txBox="1"/>
+          <p:nvPr/>
+        </p:nvSpPr>
+        <p:spPr>
+          <a:xfrm>
+            <a:off x="4027892" y="1315164"/>
+            <a:ext cx="401072" cy="230832"/>
+          </a:xfrm>
+          <a:prstGeom prst="rect">
+            <a:avLst/>
+          </a:prstGeom>
+          <a:noFill/>
+        </p:spPr>
+        <p:txBody>
+          <a:bodyPr wrap="none" rtlCol="0">
+            <a:spAutoFit/>
+          </a:bodyPr>
+          <a:lstStyle/>
+          <a:p>
+            <a:r>
+              <a:rPr lang="fr-FR" sz="900" b="1" dirty="0"/>
+              <a:t>*M5</a:t>
+            </a:r>
+          </a:p>
+        </p:txBody>
+      </p:sp>
+      <p:sp>
+        <p:nvSpPr>
+          <p:cNvPr id="137" name="Rectangle : coins arrondis 136">
+            <a:extLst>
+              <a:ext uri="{FF2B5EF4-FFF2-40B4-BE49-F238E27FC236}">
+                <a16:creationId xmlns:a16="http://schemas.microsoft.com/office/drawing/2014/main" id="{32AA29B7-4A45-3F56-B0DE-86B16778596C}"/>
               </a:ext>
             </a:extLst>
           </p:cNvPr>
@@ -4704,8 +4510,8 @@
         </p:nvSpPr>
         <p:spPr>
           <a:xfrm>
-            <a:off x="2513363" y="941612"/>
-            <a:ext cx="197307" cy="185215"/>
+            <a:off x="4552511" y="1354994"/>
+            <a:ext cx="152458" cy="136543"/>
           </a:xfrm>
           <a:prstGeom prst="roundRect">
             <a:avLst/>
@@ -4738,16 +4544,51 @@
           <a:lstStyle/>
           <a:p>
             <a:pPr algn="ctr"/>
-            <a:endParaRPr lang="fr-FR"/>
-          </a:p>
-        </p:txBody>
-      </p:sp>
-      <p:sp>
-        <p:nvSpPr>
-          <p:cNvPr id="105" name="Flèche vers la gauche 104">
+            <a:endParaRPr lang="fr-FR" sz="900"/>
+          </a:p>
+        </p:txBody>
+      </p:sp>
+      <p:sp>
+        <p:nvSpPr>
+          <p:cNvPr id="139" name="ZoneTexte 138">
             <a:extLst>
               <a:ext uri="{FF2B5EF4-FFF2-40B4-BE49-F238E27FC236}">
-                <a16:creationId xmlns:a16="http://schemas.microsoft.com/office/drawing/2014/main" id="{C686ACD6-9B12-2524-C9A8-C908F3899679}"/>
+                <a16:creationId xmlns:a16="http://schemas.microsoft.com/office/drawing/2014/main" id="{AC40E083-3C78-FC45-205B-7BAE13FDA777}"/>
+              </a:ext>
+            </a:extLst>
+          </p:cNvPr>
+          <p:cNvSpPr txBox="1"/>
+          <p:nvPr/>
+        </p:nvSpPr>
+        <p:spPr>
+          <a:xfrm>
+            <a:off x="4821778" y="1308548"/>
+            <a:ext cx="401072" cy="230832"/>
+          </a:xfrm>
+          <a:prstGeom prst="rect">
+            <a:avLst/>
+          </a:prstGeom>
+          <a:noFill/>
+        </p:spPr>
+        <p:txBody>
+          <a:bodyPr wrap="none" rtlCol="0">
+            <a:spAutoFit/>
+          </a:bodyPr>
+          <a:lstStyle/>
+          <a:p>
+            <a:r>
+              <a:rPr lang="fr-FR" sz="900" b="1" dirty="0"/>
+              <a:t>*M6</a:t>
+            </a:r>
+          </a:p>
+        </p:txBody>
+      </p:sp>
+      <p:sp>
+        <p:nvSpPr>
+          <p:cNvPr id="140" name="Rectangle : coins arrondis 139">
+            <a:extLst>
+              <a:ext uri="{FF2B5EF4-FFF2-40B4-BE49-F238E27FC236}">
+                <a16:creationId xmlns:a16="http://schemas.microsoft.com/office/drawing/2014/main" id="{F609820A-3B2C-0CA3-6778-55A4A69CEE48}"/>
               </a:ext>
             </a:extLst>
           </p:cNvPr>
@@ -4755,101 +4596,9 @@
           <p:nvPr/>
         </p:nvSpPr>
         <p:spPr>
-          <a:xfrm rot="16200000">
-            <a:off x="962675" y="1218777"/>
-            <a:ext cx="274136" cy="197308"/>
-          </a:xfrm>
-          <a:prstGeom prst="leftArrow">
-            <a:avLst/>
-          </a:prstGeom>
-          <a:solidFill>
-            <a:schemeClr val="bg2">
-              <a:lumMod val="75000"/>
-            </a:schemeClr>
-          </a:solidFill>
-          <a:ln>
-            <a:solidFill>
-              <a:schemeClr val="tx1">
-                <a:lumMod val="95000"/>
-                <a:lumOff val="5000"/>
-              </a:schemeClr>
-            </a:solidFill>
-          </a:ln>
-        </p:spPr>
-        <p:style>
-          <a:lnRef idx="3">
-            <a:schemeClr val="lt1"/>
-          </a:lnRef>
-          <a:fillRef idx="1">
-            <a:schemeClr val="dk1"/>
-          </a:fillRef>
-          <a:effectRef idx="1">
-            <a:schemeClr val="dk1"/>
-          </a:effectRef>
-          <a:fontRef idx="minor">
-            <a:schemeClr val="lt1"/>
-          </a:fontRef>
-        </p:style>
-        <p:txBody>
-          <a:bodyPr rtlCol="0" anchor="ctr"/>
-          <a:lstStyle/>
-          <a:p>
-            <a:pPr algn="ctr"/>
-            <a:endParaRPr lang="fr-FR"/>
-          </a:p>
-        </p:txBody>
-      </p:sp>
-      <p:sp>
-        <p:nvSpPr>
-          <p:cNvPr id="110" name="ZoneTexte 109">
-            <a:extLst>
-              <a:ext uri="{FF2B5EF4-FFF2-40B4-BE49-F238E27FC236}">
-                <a16:creationId xmlns:a16="http://schemas.microsoft.com/office/drawing/2014/main" id="{17EFB093-CAA9-8780-EC51-F1455276EA9B}"/>
-              </a:ext>
-            </a:extLst>
-          </p:cNvPr>
-          <p:cNvSpPr txBox="1"/>
-          <p:nvPr/>
-        </p:nvSpPr>
-        <p:spPr>
-          <a:xfrm>
-            <a:off x="2223689" y="1452157"/>
-            <a:ext cx="397866" cy="276999"/>
-          </a:xfrm>
-          <a:prstGeom prst="rect">
-            <a:avLst/>
-          </a:prstGeom>
-          <a:noFill/>
-        </p:spPr>
-        <p:txBody>
-          <a:bodyPr wrap="none" rtlCol="0">
-            <a:spAutoFit/>
-          </a:bodyPr>
-          <a:lstStyle/>
-          <a:p>
-            <a:r>
-              <a:rPr lang="fr-FR" sz="1200" b="1" dirty="0"/>
-              <a:t>M1</a:t>
-            </a:r>
-          </a:p>
-        </p:txBody>
-      </p:sp>
-      <p:sp>
-        <p:nvSpPr>
-          <p:cNvPr id="125" name="Rectangle : coins arrondis 124">
-            <a:extLst>
-              <a:ext uri="{FF2B5EF4-FFF2-40B4-BE49-F238E27FC236}">
-                <a16:creationId xmlns:a16="http://schemas.microsoft.com/office/drawing/2014/main" id="{D5C359F6-F32D-ABEC-8AB5-5F852297E03B}"/>
-              </a:ext>
-            </a:extLst>
-          </p:cNvPr>
-          <p:cNvSpPr/>
-          <p:nvPr/>
-        </p:nvSpPr>
-        <p:spPr>
-          <a:xfrm>
-            <a:off x="2310402" y="2080104"/>
-            <a:ext cx="197307" cy="185215"/>
+          <a:xfrm>
+            <a:off x="4981347" y="1750493"/>
+            <a:ext cx="152458" cy="136543"/>
           </a:xfrm>
           <a:prstGeom prst="roundRect">
             <a:avLst/>
@@ -4881,16 +4630,16 @@
           <a:lstStyle/>
           <a:p>
             <a:pPr algn="ctr"/>
-            <a:endParaRPr lang="fr-FR"/>
-          </a:p>
-        </p:txBody>
-      </p:sp>
-      <p:sp>
-        <p:nvSpPr>
-          <p:cNvPr id="128" name="ZoneTexte 127">
+            <a:endParaRPr lang="fr-FR" sz="900"/>
+          </a:p>
+        </p:txBody>
+      </p:sp>
+      <p:sp>
+        <p:nvSpPr>
+          <p:cNvPr id="7" name="ZoneTexte 6">
             <a:extLst>
               <a:ext uri="{FF2B5EF4-FFF2-40B4-BE49-F238E27FC236}">
-                <a16:creationId xmlns:a16="http://schemas.microsoft.com/office/drawing/2014/main" id="{3F51A3BF-95D0-2812-03EE-8052FB68D2DF}"/>
+                <a16:creationId xmlns:a16="http://schemas.microsoft.com/office/drawing/2014/main" id="{6BD6968D-6853-F391-6FE3-5321F27D80B3}"/>
               </a:ext>
             </a:extLst>
           </p:cNvPr>
@@ -4899,8 +4648,8 @@
         </p:nvSpPr>
         <p:spPr>
           <a:xfrm>
-            <a:off x="3393056" y="645236"/>
-            <a:ext cx="1887667" cy="215444"/>
+            <a:off x="2967544" y="1738353"/>
+            <a:ext cx="2120696" cy="184666"/>
           </a:xfrm>
           <a:prstGeom prst="rect">
             <a:avLst/>
@@ -4915,26 +4664,273 @@
           <a:p>
             <a:pPr algn="just"/>
             <a:r>
-              <a:rPr lang="en-GB" sz="800" u="sng" dirty="0"/>
-              <a:t>Strategy n°3</a:t>
-            </a:r>
-            <a:r>
-              <a:rPr lang="en-GB" sz="800" dirty="0"/>
-              <a:t>: </a:t>
-            </a:r>
-            <a:r>
-              <a:rPr lang="en-GB" sz="800" b="1" dirty="0"/>
-              <a:t>Multistep data integration</a:t>
-            </a:r>
-          </a:p>
-        </p:txBody>
-      </p:sp>
-      <p:sp>
-        <p:nvSpPr>
-          <p:cNvPr id="129" name="Rectangle : coins arrondis 128">
+              <a:rPr lang="en-GB" sz="600" dirty="0"/>
+              <a:t>* The target variable is the residuals of the previous model.</a:t>
+            </a:r>
+          </a:p>
+        </p:txBody>
+      </p:sp>
+      <p:sp>
+        <p:nvSpPr>
+          <p:cNvPr id="12" name="ZoneTexte 11">
             <a:extLst>
               <a:ext uri="{FF2B5EF4-FFF2-40B4-BE49-F238E27FC236}">
-                <a16:creationId xmlns:a16="http://schemas.microsoft.com/office/drawing/2014/main" id="{12DED574-FE3C-AEA3-0655-3CC76E0C13D6}"/>
+                <a16:creationId xmlns:a16="http://schemas.microsoft.com/office/drawing/2014/main" id="{13354CD7-3C5E-C0D7-340A-E532A0D089DD}"/>
+              </a:ext>
+            </a:extLst>
+          </p:cNvPr>
+          <p:cNvSpPr txBox="1"/>
+          <p:nvPr/>
+        </p:nvSpPr>
+        <p:spPr>
+          <a:xfrm>
+            <a:off x="895295" y="37540"/>
+            <a:ext cx="722858" cy="184666"/>
+          </a:xfrm>
+          <a:prstGeom prst="rect">
+            <a:avLst/>
+          </a:prstGeom>
+          <a:noFill/>
+        </p:spPr>
+        <p:txBody>
+          <a:bodyPr wrap="square" rtlCol="0">
+            <a:spAutoFit/>
+          </a:bodyPr>
+          <a:lstStyle/>
+          <a:p>
+            <a:r>
+              <a:rPr lang="en-GB" sz="600" b="1" dirty="0"/>
+              <a:t>biochemical</a:t>
+            </a:r>
+          </a:p>
+        </p:txBody>
+      </p:sp>
+      <p:sp>
+        <p:nvSpPr>
+          <p:cNvPr id="13" name="ZoneTexte 12">
+            <a:extLst>
+              <a:ext uri="{FF2B5EF4-FFF2-40B4-BE49-F238E27FC236}">
+                <a16:creationId xmlns:a16="http://schemas.microsoft.com/office/drawing/2014/main" id="{354CBA41-53B8-7BB2-9C7C-2A3308E0D77F}"/>
+              </a:ext>
+            </a:extLst>
+          </p:cNvPr>
+          <p:cNvSpPr txBox="1"/>
+          <p:nvPr/>
+        </p:nvSpPr>
+        <p:spPr>
+          <a:xfrm>
+            <a:off x="2007270" y="30027"/>
+            <a:ext cx="1343342" cy="184666"/>
+          </a:xfrm>
+          <a:prstGeom prst="rect">
+            <a:avLst/>
+          </a:prstGeom>
+          <a:noFill/>
+        </p:spPr>
+        <p:txBody>
+          <a:bodyPr wrap="square" rtlCol="0">
+            <a:spAutoFit/>
+          </a:bodyPr>
+          <a:lstStyle/>
+          <a:p>
+            <a:pPr algn="just"/>
+            <a:r>
+              <a:rPr lang="en-GB" sz="600" b="1" dirty="0"/>
+              <a:t>Mid-infrared spectroscopy</a:t>
+            </a:r>
+          </a:p>
+        </p:txBody>
+      </p:sp>
+      <p:sp>
+        <p:nvSpPr>
+          <p:cNvPr id="14" name="ZoneTexte 13">
+            <a:extLst>
+              <a:ext uri="{FF2B5EF4-FFF2-40B4-BE49-F238E27FC236}">
+                <a16:creationId xmlns:a16="http://schemas.microsoft.com/office/drawing/2014/main" id="{9ECEA8EF-C0B1-B1D3-717A-41B94849340B}"/>
+              </a:ext>
+            </a:extLst>
+          </p:cNvPr>
+          <p:cNvSpPr txBox="1"/>
+          <p:nvPr/>
+        </p:nvSpPr>
+        <p:spPr>
+          <a:xfrm>
+            <a:off x="3693008" y="18457"/>
+            <a:ext cx="873630" cy="184666"/>
+          </a:xfrm>
+          <a:prstGeom prst="rect">
+            <a:avLst/>
+          </a:prstGeom>
+          <a:noFill/>
+        </p:spPr>
+        <p:txBody>
+          <a:bodyPr wrap="square" rtlCol="0">
+            <a:spAutoFit/>
+          </a:bodyPr>
+          <a:lstStyle/>
+          <a:p>
+            <a:pPr algn="just"/>
+            <a:r>
+              <a:rPr lang="en-GB" sz="600" b="1" dirty="0" err="1"/>
+              <a:t>metallomic</a:t>
+            </a:r>
+            <a:endParaRPr lang="en-GB" sz="600" b="1" dirty="0"/>
+          </a:p>
+        </p:txBody>
+      </p:sp>
+      <p:sp>
+        <p:nvSpPr>
+          <p:cNvPr id="16" name="ZoneTexte 15">
+            <a:extLst>
+              <a:ext uri="{FF2B5EF4-FFF2-40B4-BE49-F238E27FC236}">
+                <a16:creationId xmlns:a16="http://schemas.microsoft.com/office/drawing/2014/main" id="{61AE4824-FDC9-11BA-6919-298F1991847C}"/>
+              </a:ext>
+            </a:extLst>
+          </p:cNvPr>
+          <p:cNvSpPr txBox="1"/>
+          <p:nvPr/>
+        </p:nvSpPr>
+        <p:spPr>
+          <a:xfrm>
+            <a:off x="37042" y="1738287"/>
+            <a:ext cx="568883" cy="184666"/>
+          </a:xfrm>
+          <a:prstGeom prst="rect">
+            <a:avLst/>
+          </a:prstGeom>
+          <a:noFill/>
+        </p:spPr>
+        <p:txBody>
+          <a:bodyPr wrap="square" rtlCol="0">
+            <a:spAutoFit/>
+          </a:bodyPr>
+          <a:lstStyle/>
+          <a:p>
+            <a:pPr algn="ctr"/>
+            <a:r>
+              <a:rPr lang="en-GB" sz="600" b="1" dirty="0"/>
+              <a:t>Prediction</a:t>
+            </a:r>
+          </a:p>
+        </p:txBody>
+      </p:sp>
+      <p:sp>
+        <p:nvSpPr>
+          <p:cNvPr id="57" name="ZoneTexte 56">
+            <a:extLst>
+              <a:ext uri="{FF2B5EF4-FFF2-40B4-BE49-F238E27FC236}">
+                <a16:creationId xmlns:a16="http://schemas.microsoft.com/office/drawing/2014/main" id="{82EF4A44-A950-47B7-AD0D-FBE8A5B63E91}"/>
+              </a:ext>
+            </a:extLst>
+          </p:cNvPr>
+          <p:cNvSpPr txBox="1"/>
+          <p:nvPr/>
+        </p:nvSpPr>
+        <p:spPr>
+          <a:xfrm>
+            <a:off x="-41386" y="121889"/>
+            <a:ext cx="736127" cy="276999"/>
+          </a:xfrm>
+          <a:prstGeom prst="rect">
+            <a:avLst/>
+          </a:prstGeom>
+          <a:noFill/>
+        </p:spPr>
+        <p:txBody>
+          <a:bodyPr wrap="square">
+            <a:spAutoFit/>
+          </a:bodyPr>
+          <a:lstStyle/>
+          <a:p>
+            <a:pPr algn="ctr"/>
+            <a:r>
+              <a:rPr lang="en-GB" sz="600" b="1" dirty="0"/>
+              <a:t>Data obtained </a:t>
+            </a:r>
+          </a:p>
+          <a:p>
+            <a:pPr algn="ctr"/>
+            <a:r>
+              <a:rPr lang="en-GB" sz="600" b="1" dirty="0"/>
+              <a:t>from serum</a:t>
+            </a:r>
+            <a:endParaRPr lang="fr-FR" sz="600" b="1" dirty="0"/>
+          </a:p>
+        </p:txBody>
+      </p:sp>
+      <p:sp>
+        <p:nvSpPr>
+          <p:cNvPr id="59" name="ZoneTexte 58">
+            <a:extLst>
+              <a:ext uri="{FF2B5EF4-FFF2-40B4-BE49-F238E27FC236}">
+                <a16:creationId xmlns:a16="http://schemas.microsoft.com/office/drawing/2014/main" id="{5A994A5F-A4E4-43EB-8952-3B2A891381D1}"/>
+              </a:ext>
+            </a:extLst>
+          </p:cNvPr>
+          <p:cNvSpPr txBox="1"/>
+          <p:nvPr/>
+        </p:nvSpPr>
+        <p:spPr>
+          <a:xfrm>
+            <a:off x="13811" y="760474"/>
+            <a:ext cx="587565" cy="276999"/>
+          </a:xfrm>
+          <a:prstGeom prst="rect">
+            <a:avLst/>
+          </a:prstGeom>
+          <a:noFill/>
+        </p:spPr>
+        <p:txBody>
+          <a:bodyPr wrap="square">
+            <a:spAutoFit/>
+          </a:bodyPr>
+          <a:lstStyle/>
+          <a:p>
+            <a:pPr algn="ctr"/>
+            <a:r>
+              <a:rPr lang="en-GB" sz="600" b="1" dirty="0"/>
+              <a:t>Analysis Strategy</a:t>
+            </a:r>
+            <a:endParaRPr lang="fr-FR" sz="600" b="1" dirty="0"/>
+          </a:p>
+        </p:txBody>
+      </p:sp>
+      <p:pic>
+        <p:nvPicPr>
+          <p:cNvPr id="61" name="Image 60">
+            <a:extLst>
+              <a:ext uri="{FF2B5EF4-FFF2-40B4-BE49-F238E27FC236}">
+                <a16:creationId xmlns:a16="http://schemas.microsoft.com/office/drawing/2014/main" id="{E5AA3998-8164-40A6-841E-41D374399A15}"/>
+              </a:ext>
+            </a:extLst>
+          </p:cNvPr>
+          <p:cNvPicPr>
+            <a:picLocks noChangeAspect="1"/>
+          </p:cNvPicPr>
+          <p:nvPr/>
+        </p:nvPicPr>
+        <p:blipFill>
+          <a:blip r:embed="rId3"/>
+          <a:stretch>
+            <a:fillRect/>
+          </a:stretch>
+        </p:blipFill>
+        <p:spPr>
+          <a:xfrm>
+            <a:off x="223455" y="1028794"/>
+            <a:ext cx="239348" cy="239348"/>
+          </a:xfrm>
+          <a:prstGeom prst="rect">
+            <a:avLst/>
+          </a:prstGeom>
+        </p:spPr>
+      </p:pic>
+      <p:sp>
+        <p:nvSpPr>
+          <p:cNvPr id="62" name="Flèche vers la gauche 102">
+            <a:extLst>
+              <a:ext uri="{FF2B5EF4-FFF2-40B4-BE49-F238E27FC236}">
+                <a16:creationId xmlns:a16="http://schemas.microsoft.com/office/drawing/2014/main" id="{057ACBAC-4E5B-46D4-80AA-FC67C653A797}"/>
               </a:ext>
             </a:extLst>
           </p:cNvPr>
@@ -4942,9 +4938,804 @@
           <p:nvPr/>
         </p:nvSpPr>
         <p:spPr>
-          <a:xfrm>
-            <a:off x="3677071" y="937370"/>
-            <a:ext cx="197307" cy="185215"/>
+          <a:xfrm rot="16200000">
+            <a:off x="1309193" y="1193080"/>
+            <a:ext cx="144467" cy="99705"/>
+          </a:xfrm>
+          <a:prstGeom prst="leftArrow">
+            <a:avLst/>
+          </a:prstGeom>
+          <a:solidFill>
+            <a:schemeClr val="bg2">
+              <a:lumMod val="75000"/>
+            </a:schemeClr>
+          </a:solidFill>
+          <a:ln>
+            <a:noFill/>
+          </a:ln>
+        </p:spPr>
+        <p:style>
+          <a:lnRef idx="3">
+            <a:schemeClr val="lt1"/>
+          </a:lnRef>
+          <a:fillRef idx="1">
+            <a:schemeClr val="dk1"/>
+          </a:fillRef>
+          <a:effectRef idx="1">
+            <a:schemeClr val="dk1"/>
+          </a:effectRef>
+          <a:fontRef idx="minor">
+            <a:schemeClr val="lt1"/>
+          </a:fontRef>
+        </p:style>
+        <p:txBody>
+          <a:bodyPr rtlCol="0" anchor="ctr"/>
+          <a:lstStyle/>
+          <a:p>
+            <a:pPr algn="ctr"/>
+            <a:endParaRPr lang="fr-FR" sz="900"/>
+          </a:p>
+        </p:txBody>
+      </p:sp>
+      <p:sp>
+        <p:nvSpPr>
+          <p:cNvPr id="64" name="Flèche vers la gauche 102">
+            <a:extLst>
+              <a:ext uri="{FF2B5EF4-FFF2-40B4-BE49-F238E27FC236}">
+                <a16:creationId xmlns:a16="http://schemas.microsoft.com/office/drawing/2014/main" id="{38A4D128-1D16-4E6D-9184-28379A119AA1}"/>
+              </a:ext>
+            </a:extLst>
+          </p:cNvPr>
+          <p:cNvSpPr/>
+          <p:nvPr/>
+        </p:nvSpPr>
+        <p:spPr>
+          <a:xfrm rot="16200000">
+            <a:off x="1622434" y="1193079"/>
+            <a:ext cx="144467" cy="99705"/>
+          </a:xfrm>
+          <a:prstGeom prst="leftArrow">
+            <a:avLst/>
+          </a:prstGeom>
+          <a:solidFill>
+            <a:schemeClr val="bg2">
+              <a:lumMod val="75000"/>
+            </a:schemeClr>
+          </a:solidFill>
+          <a:ln>
+            <a:noFill/>
+          </a:ln>
+        </p:spPr>
+        <p:style>
+          <a:lnRef idx="3">
+            <a:schemeClr val="lt1"/>
+          </a:lnRef>
+          <a:fillRef idx="1">
+            <a:schemeClr val="dk1"/>
+          </a:fillRef>
+          <a:effectRef idx="1">
+            <a:schemeClr val="dk1"/>
+          </a:effectRef>
+          <a:fontRef idx="minor">
+            <a:schemeClr val="lt1"/>
+          </a:fontRef>
+        </p:style>
+        <p:txBody>
+          <a:bodyPr rtlCol="0" anchor="ctr"/>
+          <a:lstStyle/>
+          <a:p>
+            <a:pPr algn="ctr"/>
+            <a:endParaRPr lang="fr-FR" sz="900"/>
+          </a:p>
+        </p:txBody>
+      </p:sp>
+      <p:sp>
+        <p:nvSpPr>
+          <p:cNvPr id="65" name="Flèche vers la gauche 102">
+            <a:extLst>
+              <a:ext uri="{FF2B5EF4-FFF2-40B4-BE49-F238E27FC236}">
+                <a16:creationId xmlns:a16="http://schemas.microsoft.com/office/drawing/2014/main" id="{2D834EF8-8402-4DB8-A3D9-3547F0AC1883}"/>
+              </a:ext>
+            </a:extLst>
+          </p:cNvPr>
+          <p:cNvSpPr/>
+          <p:nvPr/>
+        </p:nvSpPr>
+        <p:spPr>
+          <a:xfrm rot="16200000">
+            <a:off x="2558754" y="1195240"/>
+            <a:ext cx="144467" cy="99705"/>
+          </a:xfrm>
+          <a:prstGeom prst="leftArrow">
+            <a:avLst/>
+          </a:prstGeom>
+          <a:solidFill>
+            <a:schemeClr val="bg2">
+              <a:lumMod val="75000"/>
+            </a:schemeClr>
+          </a:solidFill>
+          <a:ln>
+            <a:noFill/>
+          </a:ln>
+        </p:spPr>
+        <p:style>
+          <a:lnRef idx="3">
+            <a:schemeClr val="lt1"/>
+          </a:lnRef>
+          <a:fillRef idx="1">
+            <a:schemeClr val="dk1"/>
+          </a:fillRef>
+          <a:effectRef idx="1">
+            <a:schemeClr val="dk1"/>
+          </a:effectRef>
+          <a:fontRef idx="minor">
+            <a:schemeClr val="lt1"/>
+          </a:fontRef>
+        </p:style>
+        <p:txBody>
+          <a:bodyPr rtlCol="0" anchor="ctr"/>
+          <a:lstStyle/>
+          <a:p>
+            <a:pPr algn="ctr"/>
+            <a:endParaRPr lang="fr-FR" sz="900"/>
+          </a:p>
+        </p:txBody>
+      </p:sp>
+      <p:sp>
+        <p:nvSpPr>
+          <p:cNvPr id="66" name="Flèche vers la gauche 102">
+            <a:extLst>
+              <a:ext uri="{FF2B5EF4-FFF2-40B4-BE49-F238E27FC236}">
+                <a16:creationId xmlns:a16="http://schemas.microsoft.com/office/drawing/2014/main" id="{57929834-0C98-455C-B42F-A4C4968630F4}"/>
+              </a:ext>
+            </a:extLst>
+          </p:cNvPr>
+          <p:cNvSpPr/>
+          <p:nvPr/>
+        </p:nvSpPr>
+        <p:spPr>
+          <a:xfrm rot="16200000">
+            <a:off x="3326926" y="1179897"/>
+            <a:ext cx="144467" cy="99705"/>
+          </a:xfrm>
+          <a:prstGeom prst="leftArrow">
+            <a:avLst/>
+          </a:prstGeom>
+          <a:solidFill>
+            <a:schemeClr val="bg2">
+              <a:lumMod val="75000"/>
+            </a:schemeClr>
+          </a:solidFill>
+          <a:ln>
+            <a:noFill/>
+          </a:ln>
+        </p:spPr>
+        <p:style>
+          <a:lnRef idx="3">
+            <a:schemeClr val="lt1"/>
+          </a:lnRef>
+          <a:fillRef idx="1">
+            <a:schemeClr val="dk1"/>
+          </a:fillRef>
+          <a:effectRef idx="1">
+            <a:schemeClr val="dk1"/>
+          </a:effectRef>
+          <a:fontRef idx="minor">
+            <a:schemeClr val="lt1"/>
+          </a:fontRef>
+        </p:style>
+        <p:txBody>
+          <a:bodyPr rtlCol="0" anchor="ctr"/>
+          <a:lstStyle/>
+          <a:p>
+            <a:pPr algn="ctr"/>
+            <a:endParaRPr lang="fr-FR" sz="900" dirty="0"/>
+          </a:p>
+        </p:txBody>
+      </p:sp>
+      <p:sp>
+        <p:nvSpPr>
+          <p:cNvPr id="67" name="Flèche vers la gauche 102">
+            <a:extLst>
+              <a:ext uri="{FF2B5EF4-FFF2-40B4-BE49-F238E27FC236}">
+                <a16:creationId xmlns:a16="http://schemas.microsoft.com/office/drawing/2014/main" id="{8F4BD41F-9367-4046-9190-51806E263868}"/>
+              </a:ext>
+            </a:extLst>
+          </p:cNvPr>
+          <p:cNvSpPr/>
+          <p:nvPr/>
+        </p:nvSpPr>
+        <p:spPr>
+          <a:xfrm rot="10800000">
+            <a:off x="3549698" y="1383703"/>
+            <a:ext cx="144467" cy="99705"/>
+          </a:xfrm>
+          <a:prstGeom prst="leftArrow">
+            <a:avLst/>
+          </a:prstGeom>
+          <a:solidFill>
+            <a:schemeClr val="bg2">
+              <a:lumMod val="75000"/>
+            </a:schemeClr>
+          </a:solidFill>
+          <a:ln>
+            <a:noFill/>
+          </a:ln>
+        </p:spPr>
+        <p:style>
+          <a:lnRef idx="3">
+            <a:schemeClr val="lt1"/>
+          </a:lnRef>
+          <a:fillRef idx="1">
+            <a:schemeClr val="dk1"/>
+          </a:fillRef>
+          <a:effectRef idx="1">
+            <a:schemeClr val="dk1"/>
+          </a:effectRef>
+          <a:fontRef idx="minor">
+            <a:schemeClr val="lt1"/>
+          </a:fontRef>
+        </p:style>
+        <p:txBody>
+          <a:bodyPr rtlCol="0" anchor="ctr"/>
+          <a:lstStyle/>
+          <a:p>
+            <a:pPr algn="ctr"/>
+            <a:endParaRPr lang="fr-FR" sz="900"/>
+          </a:p>
+        </p:txBody>
+      </p:sp>
+      <p:sp>
+        <p:nvSpPr>
+          <p:cNvPr id="68" name="Flèche vers la gauche 102">
+            <a:extLst>
+              <a:ext uri="{FF2B5EF4-FFF2-40B4-BE49-F238E27FC236}">
+                <a16:creationId xmlns:a16="http://schemas.microsoft.com/office/drawing/2014/main" id="{A7B29E67-63DF-4C63-8783-E0E253E5E86C}"/>
+              </a:ext>
+            </a:extLst>
+          </p:cNvPr>
+          <p:cNvSpPr/>
+          <p:nvPr/>
+        </p:nvSpPr>
+        <p:spPr>
+          <a:xfrm rot="10800000">
+            <a:off x="3947117" y="1380730"/>
+            <a:ext cx="144467" cy="99705"/>
+          </a:xfrm>
+          <a:prstGeom prst="leftArrow">
+            <a:avLst/>
+          </a:prstGeom>
+          <a:solidFill>
+            <a:schemeClr val="bg2">
+              <a:lumMod val="75000"/>
+            </a:schemeClr>
+          </a:solidFill>
+          <a:ln>
+            <a:noFill/>
+          </a:ln>
+        </p:spPr>
+        <p:style>
+          <a:lnRef idx="3">
+            <a:schemeClr val="lt1"/>
+          </a:lnRef>
+          <a:fillRef idx="1">
+            <a:schemeClr val="dk1"/>
+          </a:fillRef>
+          <a:effectRef idx="1">
+            <a:schemeClr val="dk1"/>
+          </a:effectRef>
+          <a:fontRef idx="minor">
+            <a:schemeClr val="lt1"/>
+          </a:fontRef>
+        </p:style>
+        <p:txBody>
+          <a:bodyPr rtlCol="0" anchor="ctr"/>
+          <a:lstStyle/>
+          <a:p>
+            <a:pPr algn="ctr"/>
+            <a:endParaRPr lang="fr-FR" sz="900" dirty="0"/>
+          </a:p>
+        </p:txBody>
+      </p:sp>
+      <p:cxnSp>
+        <p:nvCxnSpPr>
+          <p:cNvPr id="18" name="Connecteur droit 17">
+            <a:extLst>
+              <a:ext uri="{FF2B5EF4-FFF2-40B4-BE49-F238E27FC236}">
+                <a16:creationId xmlns:a16="http://schemas.microsoft.com/office/drawing/2014/main" id="{312581B8-4721-42FC-ABCC-B48CC6D15847}"/>
+              </a:ext>
+            </a:extLst>
+          </p:cNvPr>
+          <p:cNvCxnSpPr>
+            <a:cxnSpLocks/>
+          </p:cNvCxnSpPr>
+          <p:nvPr/>
+        </p:nvCxnSpPr>
+        <p:spPr>
+          <a:xfrm flipV="1">
+            <a:off x="895295" y="469123"/>
+            <a:ext cx="4327926" cy="14101"/>
+          </a:xfrm>
+          <a:prstGeom prst="line">
+            <a:avLst/>
+          </a:prstGeom>
+          <a:ln w="19050"/>
+        </p:spPr>
+        <p:style>
+          <a:lnRef idx="1">
+            <a:schemeClr val="accent1"/>
+          </a:lnRef>
+          <a:fillRef idx="0">
+            <a:schemeClr val="accent1"/>
+          </a:fillRef>
+          <a:effectRef idx="0">
+            <a:schemeClr val="accent1"/>
+          </a:effectRef>
+          <a:fontRef idx="minor">
+            <a:schemeClr val="tx1"/>
+          </a:fontRef>
+        </p:style>
+      </p:cxnSp>
+      <p:sp>
+        <p:nvSpPr>
+          <p:cNvPr id="78" name="Flèche vers la gauche 102">
+            <a:extLst>
+              <a:ext uri="{FF2B5EF4-FFF2-40B4-BE49-F238E27FC236}">
+                <a16:creationId xmlns:a16="http://schemas.microsoft.com/office/drawing/2014/main" id="{37377C35-5B62-4634-A9F0-6C3899BD8A37}"/>
+              </a:ext>
+            </a:extLst>
+          </p:cNvPr>
+          <p:cNvSpPr/>
+          <p:nvPr/>
+        </p:nvSpPr>
+        <p:spPr>
+          <a:xfrm rot="16200000">
+            <a:off x="2577978" y="1610778"/>
+            <a:ext cx="106014" cy="55404"/>
+          </a:xfrm>
+          <a:prstGeom prst="leftArrow">
+            <a:avLst/>
+          </a:prstGeom>
+          <a:solidFill>
+            <a:srgbClr val="0070C0"/>
+          </a:solidFill>
+          <a:ln>
+            <a:solidFill>
+              <a:srgbClr val="0070C0"/>
+            </a:solidFill>
+          </a:ln>
+        </p:spPr>
+        <p:style>
+          <a:lnRef idx="3">
+            <a:schemeClr val="lt1"/>
+          </a:lnRef>
+          <a:fillRef idx="1">
+            <a:schemeClr val="dk1"/>
+          </a:fillRef>
+          <a:effectRef idx="1">
+            <a:schemeClr val="dk1"/>
+          </a:effectRef>
+          <a:fontRef idx="minor">
+            <a:schemeClr val="lt1"/>
+          </a:fontRef>
+        </p:style>
+        <p:txBody>
+          <a:bodyPr rtlCol="0" anchor="ctr"/>
+          <a:lstStyle/>
+          <a:p>
+            <a:pPr algn="ctr"/>
+            <a:endParaRPr lang="fr-FR" sz="900"/>
+          </a:p>
+        </p:txBody>
+      </p:sp>
+      <p:cxnSp>
+        <p:nvCxnSpPr>
+          <p:cNvPr id="81" name="Connecteur droit 80">
+            <a:extLst>
+              <a:ext uri="{FF2B5EF4-FFF2-40B4-BE49-F238E27FC236}">
+                <a16:creationId xmlns:a16="http://schemas.microsoft.com/office/drawing/2014/main" id="{39FF094B-56FF-48C1-A18E-EA19BD416A4C}"/>
+              </a:ext>
+            </a:extLst>
+          </p:cNvPr>
+          <p:cNvCxnSpPr>
+            <a:cxnSpLocks/>
+          </p:cNvCxnSpPr>
+          <p:nvPr/>
+        </p:nvCxnSpPr>
+        <p:spPr>
+          <a:xfrm flipV="1">
+            <a:off x="836828" y="1552527"/>
+            <a:ext cx="4386022" cy="20040"/>
+          </a:xfrm>
+          <a:prstGeom prst="line">
+            <a:avLst/>
+          </a:prstGeom>
+          <a:ln w="19050"/>
+        </p:spPr>
+        <p:style>
+          <a:lnRef idx="1">
+            <a:schemeClr val="accent1"/>
+          </a:lnRef>
+          <a:fillRef idx="0">
+            <a:schemeClr val="accent1"/>
+          </a:fillRef>
+          <a:effectRef idx="0">
+            <a:schemeClr val="accent1"/>
+          </a:effectRef>
+          <a:fontRef idx="minor">
+            <a:schemeClr val="tx1"/>
+          </a:fontRef>
+        </p:style>
+      </p:cxnSp>
+      <p:sp>
+        <p:nvSpPr>
+          <p:cNvPr id="83" name="Flèche vers la gauche 102">
+            <a:extLst>
+              <a:ext uri="{FF2B5EF4-FFF2-40B4-BE49-F238E27FC236}">
+                <a16:creationId xmlns:a16="http://schemas.microsoft.com/office/drawing/2014/main" id="{A739C1F0-10B4-4A84-896A-ABF190B4A018}"/>
+              </a:ext>
+            </a:extLst>
+          </p:cNvPr>
+          <p:cNvSpPr/>
+          <p:nvPr/>
+        </p:nvSpPr>
+        <p:spPr>
+          <a:xfrm rot="10800000">
+            <a:off x="4365277" y="1373414"/>
+            <a:ext cx="144467" cy="99705"/>
+          </a:xfrm>
+          <a:prstGeom prst="leftArrow">
+            <a:avLst/>
+          </a:prstGeom>
+          <a:solidFill>
+            <a:schemeClr val="bg2">
+              <a:lumMod val="75000"/>
+            </a:schemeClr>
+          </a:solidFill>
+          <a:ln>
+            <a:noFill/>
+          </a:ln>
+        </p:spPr>
+        <p:style>
+          <a:lnRef idx="3">
+            <a:schemeClr val="lt1"/>
+          </a:lnRef>
+          <a:fillRef idx="1">
+            <a:schemeClr val="dk1"/>
+          </a:fillRef>
+          <a:effectRef idx="1">
+            <a:schemeClr val="dk1"/>
+          </a:effectRef>
+          <a:fontRef idx="minor">
+            <a:schemeClr val="lt1"/>
+          </a:fontRef>
+        </p:style>
+        <p:txBody>
+          <a:bodyPr rtlCol="0" anchor="ctr"/>
+          <a:lstStyle/>
+          <a:p>
+            <a:pPr algn="ctr"/>
+            <a:endParaRPr lang="fr-FR" sz="900"/>
+          </a:p>
+        </p:txBody>
+      </p:sp>
+      <p:sp>
+        <p:nvSpPr>
+          <p:cNvPr id="84" name="Flèche vers la gauche 102">
+            <a:extLst>
+              <a:ext uri="{FF2B5EF4-FFF2-40B4-BE49-F238E27FC236}">
+                <a16:creationId xmlns:a16="http://schemas.microsoft.com/office/drawing/2014/main" id="{4B1A0850-6F5C-497B-8C10-8C3F379C5EDD}"/>
+              </a:ext>
+            </a:extLst>
+          </p:cNvPr>
+          <p:cNvSpPr/>
+          <p:nvPr/>
+        </p:nvSpPr>
+        <p:spPr>
+          <a:xfrm rot="10800000">
+            <a:off x="4743824" y="1369212"/>
+            <a:ext cx="144467" cy="99705"/>
+          </a:xfrm>
+          <a:prstGeom prst="leftArrow">
+            <a:avLst/>
+          </a:prstGeom>
+          <a:solidFill>
+            <a:schemeClr val="bg2">
+              <a:lumMod val="75000"/>
+            </a:schemeClr>
+          </a:solidFill>
+          <a:ln>
+            <a:noFill/>
+          </a:ln>
+        </p:spPr>
+        <p:style>
+          <a:lnRef idx="3">
+            <a:schemeClr val="lt1"/>
+          </a:lnRef>
+          <a:fillRef idx="1">
+            <a:schemeClr val="dk1"/>
+          </a:fillRef>
+          <a:effectRef idx="1">
+            <a:schemeClr val="dk1"/>
+          </a:effectRef>
+          <a:fontRef idx="minor">
+            <a:schemeClr val="lt1"/>
+          </a:fontRef>
+        </p:style>
+        <p:txBody>
+          <a:bodyPr rtlCol="0" anchor="ctr"/>
+          <a:lstStyle/>
+          <a:p>
+            <a:pPr algn="ctr"/>
+            <a:endParaRPr lang="fr-FR" sz="900"/>
+          </a:p>
+        </p:txBody>
+      </p:sp>
+      <p:sp>
+        <p:nvSpPr>
+          <p:cNvPr id="85" name="Flèche vers la gauche 102">
+            <a:extLst>
+              <a:ext uri="{FF2B5EF4-FFF2-40B4-BE49-F238E27FC236}">
+                <a16:creationId xmlns:a16="http://schemas.microsoft.com/office/drawing/2014/main" id="{376BFE58-ADF8-4C37-9398-F49989D2166E}"/>
+              </a:ext>
+            </a:extLst>
+          </p:cNvPr>
+          <p:cNvSpPr/>
+          <p:nvPr/>
+        </p:nvSpPr>
+        <p:spPr>
+          <a:xfrm rot="16200000">
+            <a:off x="998177" y="1615163"/>
+            <a:ext cx="106014" cy="55404"/>
+          </a:xfrm>
+          <a:prstGeom prst="leftArrow">
+            <a:avLst/>
+          </a:prstGeom>
+          <a:solidFill>
+            <a:srgbClr val="0070C0"/>
+          </a:solidFill>
+          <a:ln>
+            <a:solidFill>
+              <a:srgbClr val="0070C0"/>
+            </a:solidFill>
+          </a:ln>
+        </p:spPr>
+        <p:style>
+          <a:lnRef idx="3">
+            <a:schemeClr val="lt1"/>
+          </a:lnRef>
+          <a:fillRef idx="1">
+            <a:schemeClr val="dk1"/>
+          </a:fillRef>
+          <a:effectRef idx="1">
+            <a:schemeClr val="dk1"/>
+          </a:effectRef>
+          <a:fontRef idx="minor">
+            <a:schemeClr val="lt1"/>
+          </a:fontRef>
+        </p:style>
+        <p:txBody>
+          <a:bodyPr rtlCol="0" anchor="ctr"/>
+          <a:lstStyle/>
+          <a:p>
+            <a:pPr algn="ctr"/>
+            <a:endParaRPr lang="fr-FR" sz="900"/>
+          </a:p>
+        </p:txBody>
+      </p:sp>
+      <p:sp>
+        <p:nvSpPr>
+          <p:cNvPr id="88" name="Flèche vers la gauche 102">
+            <a:extLst>
+              <a:ext uri="{FF2B5EF4-FFF2-40B4-BE49-F238E27FC236}">
+                <a16:creationId xmlns:a16="http://schemas.microsoft.com/office/drawing/2014/main" id="{03AA402C-CBF6-44D8-9606-1B06F38394CB}"/>
+              </a:ext>
+            </a:extLst>
+          </p:cNvPr>
+          <p:cNvSpPr/>
+          <p:nvPr/>
+        </p:nvSpPr>
+        <p:spPr>
+          <a:xfrm rot="16200000">
+            <a:off x="1327709" y="1610778"/>
+            <a:ext cx="106014" cy="55404"/>
+          </a:xfrm>
+          <a:prstGeom prst="leftArrow">
+            <a:avLst/>
+          </a:prstGeom>
+          <a:solidFill>
+            <a:srgbClr val="0070C0"/>
+          </a:solidFill>
+          <a:ln>
+            <a:solidFill>
+              <a:srgbClr val="0070C0"/>
+            </a:solidFill>
+          </a:ln>
+        </p:spPr>
+        <p:style>
+          <a:lnRef idx="3">
+            <a:schemeClr val="lt1"/>
+          </a:lnRef>
+          <a:fillRef idx="1">
+            <a:schemeClr val="dk1"/>
+          </a:fillRef>
+          <a:effectRef idx="1">
+            <a:schemeClr val="dk1"/>
+          </a:effectRef>
+          <a:fontRef idx="minor">
+            <a:schemeClr val="lt1"/>
+          </a:fontRef>
+        </p:style>
+        <p:txBody>
+          <a:bodyPr rtlCol="0" anchor="ctr"/>
+          <a:lstStyle/>
+          <a:p>
+            <a:pPr algn="ctr"/>
+            <a:endParaRPr lang="fr-FR" sz="900"/>
+          </a:p>
+        </p:txBody>
+      </p:sp>
+      <p:sp>
+        <p:nvSpPr>
+          <p:cNvPr id="89" name="Flèche vers la gauche 102">
+            <a:extLst>
+              <a:ext uri="{FF2B5EF4-FFF2-40B4-BE49-F238E27FC236}">
+                <a16:creationId xmlns:a16="http://schemas.microsoft.com/office/drawing/2014/main" id="{1E6103E5-AF94-4F9C-9F64-E07756836A4B}"/>
+              </a:ext>
+            </a:extLst>
+          </p:cNvPr>
+          <p:cNvSpPr/>
+          <p:nvPr/>
+        </p:nvSpPr>
+        <p:spPr>
+          <a:xfrm rot="16200000">
+            <a:off x="5004569" y="1600114"/>
+            <a:ext cx="106014" cy="55404"/>
+          </a:xfrm>
+          <a:prstGeom prst="leftArrow">
+            <a:avLst/>
+          </a:prstGeom>
+          <a:solidFill>
+            <a:srgbClr val="0070C0"/>
+          </a:solidFill>
+          <a:ln>
+            <a:solidFill>
+              <a:srgbClr val="0070C0"/>
+            </a:solidFill>
+          </a:ln>
+        </p:spPr>
+        <p:style>
+          <a:lnRef idx="3">
+            <a:schemeClr val="lt1"/>
+          </a:lnRef>
+          <a:fillRef idx="1">
+            <a:schemeClr val="dk1"/>
+          </a:fillRef>
+          <a:effectRef idx="1">
+            <a:schemeClr val="dk1"/>
+          </a:effectRef>
+          <a:fontRef idx="minor">
+            <a:schemeClr val="lt1"/>
+          </a:fontRef>
+        </p:style>
+        <p:txBody>
+          <a:bodyPr rtlCol="0" anchor="ctr"/>
+          <a:lstStyle/>
+          <a:p>
+            <a:pPr algn="ctr"/>
+            <a:endParaRPr lang="fr-FR" sz="900"/>
+          </a:p>
+        </p:txBody>
+      </p:sp>
+      <p:sp>
+        <p:nvSpPr>
+          <p:cNvPr id="91" name="Flèche vers la gauche 102">
+            <a:extLst>
+              <a:ext uri="{FF2B5EF4-FFF2-40B4-BE49-F238E27FC236}">
+                <a16:creationId xmlns:a16="http://schemas.microsoft.com/office/drawing/2014/main" id="{AF9A07FB-A92C-40B6-959F-E4E7F68CA600}"/>
+              </a:ext>
+            </a:extLst>
+          </p:cNvPr>
+          <p:cNvSpPr/>
+          <p:nvPr/>
+        </p:nvSpPr>
+        <p:spPr>
+          <a:xfrm rot="16200000">
+            <a:off x="1640525" y="1610777"/>
+            <a:ext cx="106014" cy="55404"/>
+          </a:xfrm>
+          <a:prstGeom prst="leftArrow">
+            <a:avLst/>
+          </a:prstGeom>
+          <a:solidFill>
+            <a:srgbClr val="0070C0"/>
+          </a:solidFill>
+          <a:ln>
+            <a:solidFill>
+              <a:srgbClr val="0070C0"/>
+            </a:solidFill>
+          </a:ln>
+        </p:spPr>
+        <p:style>
+          <a:lnRef idx="3">
+            <a:schemeClr val="lt1"/>
+          </a:lnRef>
+          <a:fillRef idx="1">
+            <a:schemeClr val="dk1"/>
+          </a:fillRef>
+          <a:effectRef idx="1">
+            <a:schemeClr val="dk1"/>
+          </a:effectRef>
+          <a:fontRef idx="minor">
+            <a:schemeClr val="lt1"/>
+          </a:fontRef>
+        </p:style>
+        <p:txBody>
+          <a:bodyPr rtlCol="0" anchor="ctr"/>
+          <a:lstStyle/>
+          <a:p>
+            <a:pPr algn="ctr"/>
+            <a:endParaRPr lang="fr-FR" sz="900"/>
+          </a:p>
+        </p:txBody>
+      </p:sp>
+      <p:cxnSp>
+        <p:nvCxnSpPr>
+          <p:cNvPr id="38" name="Connecteur droit 37">
+            <a:extLst>
+              <a:ext uri="{FF2B5EF4-FFF2-40B4-BE49-F238E27FC236}">
+                <a16:creationId xmlns:a16="http://schemas.microsoft.com/office/drawing/2014/main" id="{B96B4431-1588-4816-979B-B22671A14911}"/>
+              </a:ext>
+            </a:extLst>
+          </p:cNvPr>
+          <p:cNvCxnSpPr>
+            <a:cxnSpLocks/>
+          </p:cNvCxnSpPr>
+          <p:nvPr/>
+        </p:nvCxnSpPr>
+        <p:spPr>
+          <a:xfrm>
+            <a:off x="694741" y="37540"/>
+            <a:ext cx="0" cy="1885413"/>
+          </a:xfrm>
+          <a:prstGeom prst="line">
+            <a:avLst/>
+          </a:prstGeom>
+          <a:ln w="12700">
+            <a:prstDash val="dash"/>
+          </a:ln>
+        </p:spPr>
+        <p:style>
+          <a:lnRef idx="1">
+            <a:schemeClr val="accent1"/>
+          </a:lnRef>
+          <a:fillRef idx="0">
+            <a:schemeClr val="accent1"/>
+          </a:fillRef>
+          <a:effectRef idx="0">
+            <a:schemeClr val="accent1"/>
+          </a:effectRef>
+          <a:fontRef idx="minor">
+            <a:schemeClr val="tx1"/>
+          </a:fontRef>
+        </p:style>
+      </p:cxnSp>
+      <p:sp>
+        <p:nvSpPr>
+          <p:cNvPr id="3" name="Rectangle : coins arrondis 2">
+            <a:extLst>
+              <a:ext uri="{FF2B5EF4-FFF2-40B4-BE49-F238E27FC236}">
+                <a16:creationId xmlns:a16="http://schemas.microsoft.com/office/drawing/2014/main" id="{04E47473-5E0F-7AD1-DC98-76E1B413CEB9}"/>
+              </a:ext>
+            </a:extLst>
+          </p:cNvPr>
+          <p:cNvSpPr/>
+          <p:nvPr/>
+        </p:nvSpPr>
+        <p:spPr>
+          <a:xfrm>
+            <a:off x="1077402" y="230058"/>
+            <a:ext cx="152458" cy="136543"/>
           </a:xfrm>
           <a:prstGeom prst="roundRect">
             <a:avLst/>
@@ -4977,16 +5768,16 @@
           <a:lstStyle/>
           <a:p>
             <a:pPr algn="ctr"/>
-            <a:endParaRPr lang="fr-FR"/>
-          </a:p>
-        </p:txBody>
-      </p:sp>
-      <p:sp>
-        <p:nvSpPr>
-          <p:cNvPr id="130" name="Flèche vers la gauche 129">
+            <a:endParaRPr lang="fr-FR" sz="900"/>
+          </a:p>
+        </p:txBody>
+      </p:sp>
+      <p:sp>
+        <p:nvSpPr>
+          <p:cNvPr id="5" name="Rectangle : coins arrondis 4">
             <a:extLst>
               <a:ext uri="{FF2B5EF4-FFF2-40B4-BE49-F238E27FC236}">
-                <a16:creationId xmlns:a16="http://schemas.microsoft.com/office/drawing/2014/main" id="{DD23AFE2-A0D2-7D5C-9538-5BB8F5581F22}"/>
+                <a16:creationId xmlns:a16="http://schemas.microsoft.com/office/drawing/2014/main" id="{E1C24507-D9DA-BBAF-4308-B212E9350872}"/>
               </a:ext>
             </a:extLst>
           </p:cNvPr>
@@ -4994,158 +5785,9 @@
           <p:nvPr/>
         </p:nvSpPr>
         <p:spPr>
-          <a:xfrm rot="10800000">
-            <a:off x="3949918" y="935559"/>
-            <a:ext cx="274136" cy="197308"/>
-          </a:xfrm>
-          <a:prstGeom prst="leftArrow">
-            <a:avLst/>
-          </a:prstGeom>
-          <a:solidFill>
-            <a:schemeClr val="bg2">
-              <a:lumMod val="75000"/>
-            </a:schemeClr>
-          </a:solidFill>
-          <a:ln>
-            <a:solidFill>
-              <a:schemeClr val="tx1">
-                <a:lumMod val="95000"/>
-                <a:lumOff val="5000"/>
-              </a:schemeClr>
-            </a:solidFill>
-          </a:ln>
-        </p:spPr>
-        <p:style>
-          <a:lnRef idx="3">
-            <a:schemeClr val="lt1"/>
-          </a:lnRef>
-          <a:fillRef idx="1">
-            <a:schemeClr val="dk1"/>
-          </a:fillRef>
-          <a:effectRef idx="1">
-            <a:schemeClr val="dk1"/>
-          </a:effectRef>
-          <a:fontRef idx="minor">
-            <a:schemeClr val="lt1"/>
-          </a:fontRef>
-        </p:style>
-        <p:txBody>
-          <a:bodyPr rtlCol="0" anchor="ctr"/>
-          <a:lstStyle/>
-          <a:p>
-            <a:pPr algn="ctr"/>
-            <a:endParaRPr lang="fr-FR"/>
-          </a:p>
-        </p:txBody>
-      </p:sp>
-      <p:sp>
-        <p:nvSpPr>
-          <p:cNvPr id="131" name="ZoneTexte 130">
-            <a:extLst>
-              <a:ext uri="{FF2B5EF4-FFF2-40B4-BE49-F238E27FC236}">
-                <a16:creationId xmlns:a16="http://schemas.microsoft.com/office/drawing/2014/main" id="{7EBAD5D0-3621-743A-6AD4-1B78C1BC26E6}"/>
-              </a:ext>
-            </a:extLst>
-          </p:cNvPr>
-          <p:cNvSpPr txBox="1"/>
-          <p:nvPr/>
-        </p:nvSpPr>
-        <p:spPr>
-          <a:xfrm>
-            <a:off x="4199425" y="889775"/>
-            <a:ext cx="397866" cy="276999"/>
-          </a:xfrm>
-          <a:prstGeom prst="rect">
-            <a:avLst/>
-          </a:prstGeom>
-          <a:noFill/>
-        </p:spPr>
-        <p:txBody>
-          <a:bodyPr wrap="none" rtlCol="0">
-            <a:spAutoFit/>
-          </a:bodyPr>
-          <a:lstStyle/>
-          <a:p>
-            <a:r>
-              <a:rPr lang="fr-FR" sz="1200" b="1" dirty="0"/>
-              <a:t>M1</a:t>
-            </a:r>
-          </a:p>
-        </p:txBody>
-      </p:sp>
-      <p:sp>
-        <p:nvSpPr>
-          <p:cNvPr id="132" name="Flèche vers la gauche 131">
-            <a:extLst>
-              <a:ext uri="{FF2B5EF4-FFF2-40B4-BE49-F238E27FC236}">
-                <a16:creationId xmlns:a16="http://schemas.microsoft.com/office/drawing/2014/main" id="{D60DC7AA-85AB-0A9B-F420-36AF1BB9F1FE}"/>
-              </a:ext>
-            </a:extLst>
-          </p:cNvPr>
-          <p:cNvSpPr/>
-          <p:nvPr/>
-        </p:nvSpPr>
-        <p:spPr>
-          <a:xfrm rot="16200000">
-            <a:off x="4261293" y="1218777"/>
-            <a:ext cx="274136" cy="197308"/>
-          </a:xfrm>
-          <a:prstGeom prst="leftArrow">
-            <a:avLst/>
-          </a:prstGeom>
-          <a:solidFill>
-            <a:schemeClr val="bg2">
-              <a:lumMod val="75000"/>
-            </a:schemeClr>
-          </a:solidFill>
-          <a:ln>
-            <a:solidFill>
-              <a:schemeClr val="tx1">
-                <a:lumMod val="95000"/>
-                <a:lumOff val="5000"/>
-              </a:schemeClr>
-            </a:solidFill>
-          </a:ln>
-        </p:spPr>
-        <p:style>
-          <a:lnRef idx="3">
-            <a:schemeClr val="lt1"/>
-          </a:lnRef>
-          <a:fillRef idx="1">
-            <a:schemeClr val="dk1"/>
-          </a:fillRef>
-          <a:effectRef idx="1">
-            <a:schemeClr val="dk1"/>
-          </a:effectRef>
-          <a:fontRef idx="minor">
-            <a:schemeClr val="lt1"/>
-          </a:fontRef>
-        </p:style>
-        <p:txBody>
-          <a:bodyPr rtlCol="0" anchor="ctr"/>
-          <a:lstStyle/>
-          <a:p>
-            <a:pPr algn="ctr"/>
-            <a:endParaRPr lang="fr-FR"/>
-          </a:p>
-        </p:txBody>
-      </p:sp>
-      <p:sp>
-        <p:nvSpPr>
-          <p:cNvPr id="133" name="Rectangle : coins arrondis 132">
-            <a:extLst>
-              <a:ext uri="{FF2B5EF4-FFF2-40B4-BE49-F238E27FC236}">
-                <a16:creationId xmlns:a16="http://schemas.microsoft.com/office/drawing/2014/main" id="{7E941BCC-04C3-1456-F746-EB363313BA03}"/>
-              </a:ext>
-            </a:extLst>
-          </p:cNvPr>
-          <p:cNvSpPr/>
-          <p:nvPr/>
-        </p:nvSpPr>
-        <p:spPr>
-          <a:xfrm>
-            <a:off x="4299709" y="1514582"/>
-            <a:ext cx="197307" cy="185215"/>
+          <a:xfrm>
+            <a:off x="2428676" y="226030"/>
+            <a:ext cx="152458" cy="136543"/>
           </a:xfrm>
           <a:prstGeom prst="roundRect">
             <a:avLst/>
@@ -5178,16 +5820,16 @@
           <a:lstStyle/>
           <a:p>
             <a:pPr algn="ctr"/>
-            <a:endParaRPr lang="fr-FR"/>
-          </a:p>
-        </p:txBody>
-      </p:sp>
-      <p:sp>
-        <p:nvSpPr>
-          <p:cNvPr id="134" name="Flèche vers la gauche 133">
+            <a:endParaRPr lang="fr-FR" sz="900"/>
+          </a:p>
+        </p:txBody>
+      </p:sp>
+      <p:sp>
+        <p:nvSpPr>
+          <p:cNvPr id="8" name="Rectangle : coins arrondis 7">
             <a:extLst>
               <a:ext uri="{FF2B5EF4-FFF2-40B4-BE49-F238E27FC236}">
-                <a16:creationId xmlns:a16="http://schemas.microsoft.com/office/drawing/2014/main" id="{504BC8B2-D223-C1DB-55EB-8FE858F68121}"/>
+                <a16:creationId xmlns:a16="http://schemas.microsoft.com/office/drawing/2014/main" id="{721AD1AE-4136-F331-E727-F0C070FF4FED}"/>
               </a:ext>
             </a:extLst>
           </p:cNvPr>
@@ -5196,157 +5838,8 @@
         </p:nvSpPr>
         <p:spPr>
           <a:xfrm>
-            <a:off x="3947519" y="1506967"/>
-            <a:ext cx="274136" cy="197308"/>
-          </a:xfrm>
-          <a:prstGeom prst="leftArrow">
-            <a:avLst/>
-          </a:prstGeom>
-          <a:solidFill>
-            <a:schemeClr val="bg2">
-              <a:lumMod val="75000"/>
-            </a:schemeClr>
-          </a:solidFill>
-          <a:ln>
-            <a:solidFill>
-              <a:schemeClr val="tx1">
-                <a:lumMod val="95000"/>
-                <a:lumOff val="5000"/>
-              </a:schemeClr>
-            </a:solidFill>
-          </a:ln>
-        </p:spPr>
-        <p:style>
-          <a:lnRef idx="3">
-            <a:schemeClr val="lt1"/>
-          </a:lnRef>
-          <a:fillRef idx="1">
-            <a:schemeClr val="dk1"/>
-          </a:fillRef>
-          <a:effectRef idx="1">
-            <a:schemeClr val="dk1"/>
-          </a:effectRef>
-          <a:fontRef idx="minor">
-            <a:schemeClr val="lt1"/>
-          </a:fontRef>
-        </p:style>
-        <p:txBody>
-          <a:bodyPr rtlCol="0" anchor="ctr"/>
-          <a:lstStyle/>
-          <a:p>
-            <a:pPr algn="ctr"/>
-            <a:endParaRPr lang="fr-FR"/>
-          </a:p>
-        </p:txBody>
-      </p:sp>
-      <p:sp>
-        <p:nvSpPr>
-          <p:cNvPr id="135" name="ZoneTexte 134">
-            <a:extLst>
-              <a:ext uri="{FF2B5EF4-FFF2-40B4-BE49-F238E27FC236}">
-                <a16:creationId xmlns:a16="http://schemas.microsoft.com/office/drawing/2014/main" id="{F8D97D9F-345F-FD52-E860-E64F2756361F}"/>
-              </a:ext>
-            </a:extLst>
-          </p:cNvPr>
-          <p:cNvSpPr txBox="1"/>
-          <p:nvPr/>
-        </p:nvSpPr>
-        <p:spPr>
-          <a:xfrm>
-            <a:off x="3582385" y="1467124"/>
-            <a:ext cx="397866" cy="276999"/>
-          </a:xfrm>
-          <a:prstGeom prst="rect">
-            <a:avLst/>
-          </a:prstGeom>
-          <a:noFill/>
-        </p:spPr>
-        <p:txBody>
-          <a:bodyPr wrap="none" rtlCol="0">
-            <a:spAutoFit/>
-          </a:bodyPr>
-          <a:lstStyle/>
-          <a:p>
-            <a:r>
-              <a:rPr lang="fr-FR" sz="1200" b="1" dirty="0"/>
-              <a:t>M2</a:t>
-            </a:r>
-          </a:p>
-        </p:txBody>
-      </p:sp>
-      <p:sp>
-        <p:nvSpPr>
-          <p:cNvPr id="136" name="Flèche vers la gauche 135">
-            <a:extLst>
-              <a:ext uri="{FF2B5EF4-FFF2-40B4-BE49-F238E27FC236}">
-                <a16:creationId xmlns:a16="http://schemas.microsoft.com/office/drawing/2014/main" id="{A9F02C92-3BA9-F826-1B80-BE86E79AEFEC}"/>
-              </a:ext>
-            </a:extLst>
-          </p:cNvPr>
-          <p:cNvSpPr/>
-          <p:nvPr/>
-        </p:nvSpPr>
-        <p:spPr>
-          <a:xfrm rot="16200000">
-            <a:off x="3652818" y="1779242"/>
-            <a:ext cx="274136" cy="197308"/>
-          </a:xfrm>
-          <a:prstGeom prst="leftArrow">
-            <a:avLst/>
-          </a:prstGeom>
-          <a:solidFill>
-            <a:schemeClr val="bg2">
-              <a:lumMod val="75000"/>
-            </a:schemeClr>
-          </a:solidFill>
-          <a:ln>
-            <a:solidFill>
-              <a:schemeClr val="tx1">
-                <a:lumMod val="95000"/>
-                <a:lumOff val="5000"/>
-              </a:schemeClr>
-            </a:solidFill>
-          </a:ln>
-        </p:spPr>
-        <p:style>
-          <a:lnRef idx="3">
-            <a:schemeClr val="lt1"/>
-          </a:lnRef>
-          <a:fillRef idx="1">
-            <a:schemeClr val="dk1"/>
-          </a:fillRef>
-          <a:effectRef idx="1">
-            <a:schemeClr val="dk1"/>
-          </a:effectRef>
-          <a:fontRef idx="minor">
-            <a:schemeClr val="lt1"/>
-          </a:fontRef>
-        </p:style>
-        <p:txBody>
-          <a:bodyPr rtlCol="0" anchor="ctr"/>
-          <a:lstStyle/>
-          <a:p>
-            <a:pPr algn="ctr"/>
-            <a:endParaRPr lang="fr-FR"/>
-          </a:p>
-        </p:txBody>
-      </p:sp>
-      <p:sp>
-        <p:nvSpPr>
-          <p:cNvPr id="137" name="Rectangle : coins arrondis 136">
-            <a:extLst>
-              <a:ext uri="{FF2B5EF4-FFF2-40B4-BE49-F238E27FC236}">
-                <a16:creationId xmlns:a16="http://schemas.microsoft.com/office/drawing/2014/main" id="{32AA29B7-4A45-3F56-B0DE-86B16778596C}"/>
-              </a:ext>
-            </a:extLst>
-          </p:cNvPr>
-          <p:cNvSpPr/>
-          <p:nvPr/>
-        </p:nvSpPr>
-        <p:spPr>
-          <a:xfrm>
-            <a:off x="3691234" y="2071675"/>
-            <a:ext cx="197307" cy="185215"/>
+            <a:off x="3876560" y="230058"/>
+            <a:ext cx="152458" cy="136543"/>
           </a:xfrm>
           <a:prstGeom prst="roundRect">
             <a:avLst/>
@@ -5379,16 +5872,16 @@
           <a:lstStyle/>
           <a:p>
             <a:pPr algn="ctr"/>
-            <a:endParaRPr lang="fr-FR"/>
-          </a:p>
-        </p:txBody>
-      </p:sp>
-      <p:sp>
-        <p:nvSpPr>
-          <p:cNvPr id="138" name="Flèche vers la gauche 137">
+            <a:endParaRPr lang="fr-FR" sz="900"/>
+          </a:p>
+        </p:txBody>
+      </p:sp>
+      <p:sp>
+        <p:nvSpPr>
+          <p:cNvPr id="17" name="Flèche vers la gauche 102">
             <a:extLst>
               <a:ext uri="{FF2B5EF4-FFF2-40B4-BE49-F238E27FC236}">
-                <a16:creationId xmlns:a16="http://schemas.microsoft.com/office/drawing/2014/main" id="{CA24409A-0D05-181E-FB8E-1ED6206F88C9}"/>
+                <a16:creationId xmlns:a16="http://schemas.microsoft.com/office/drawing/2014/main" id="{A27F6ACB-94B1-AA0F-A449-8C5D32E8E58E}"/>
               </a:ext>
             </a:extLst>
           </p:cNvPr>
@@ -5396,24 +5889,19 @@
           <p:nvPr/>
         </p:nvSpPr>
         <p:spPr>
-          <a:xfrm rot="10800000">
-            <a:off x="3947519" y="2062222"/>
-            <a:ext cx="274136" cy="197308"/>
+          <a:xfrm rot="16200000">
+            <a:off x="2822569" y="515059"/>
+            <a:ext cx="106014" cy="55404"/>
           </a:xfrm>
           <a:prstGeom prst="leftArrow">
             <a:avLst/>
           </a:prstGeom>
           <a:solidFill>
-            <a:schemeClr val="bg2">
-              <a:lumMod val="75000"/>
-            </a:schemeClr>
+            <a:srgbClr val="0070C0"/>
           </a:solidFill>
           <a:ln>
             <a:solidFill>
-              <a:schemeClr val="tx1">
-                <a:lumMod val="95000"/>
-                <a:lumOff val="5000"/>
-              </a:schemeClr>
+              <a:srgbClr val="0070C0"/>
             </a:solidFill>
           </a:ln>
         </p:spPr>
@@ -5436,51 +5924,16 @@
           <a:lstStyle/>
           <a:p>
             <a:pPr algn="ctr"/>
-            <a:endParaRPr lang="fr-FR"/>
-          </a:p>
-        </p:txBody>
-      </p:sp>
-      <p:sp>
-        <p:nvSpPr>
-          <p:cNvPr id="139" name="ZoneTexte 138">
+            <a:endParaRPr lang="fr-FR" sz="900"/>
+          </a:p>
+        </p:txBody>
+      </p:sp>
+      <p:sp>
+        <p:nvSpPr>
+          <p:cNvPr id="19" name="Flèche vers la gauche 102">
             <a:extLst>
               <a:ext uri="{FF2B5EF4-FFF2-40B4-BE49-F238E27FC236}">
-                <a16:creationId xmlns:a16="http://schemas.microsoft.com/office/drawing/2014/main" id="{AC40E083-3C78-FC45-205B-7BAE13FDA777}"/>
-              </a:ext>
-            </a:extLst>
-          </p:cNvPr>
-          <p:cNvSpPr txBox="1"/>
-          <p:nvPr/>
-        </p:nvSpPr>
-        <p:spPr>
-          <a:xfrm>
-            <a:off x="4192243" y="2035470"/>
-            <a:ext cx="397866" cy="276999"/>
-          </a:xfrm>
-          <a:prstGeom prst="rect">
-            <a:avLst/>
-          </a:prstGeom>
-          <a:noFill/>
-        </p:spPr>
-        <p:txBody>
-          <a:bodyPr wrap="none" rtlCol="0">
-            <a:spAutoFit/>
-          </a:bodyPr>
-          <a:lstStyle/>
-          <a:p>
-            <a:r>
-              <a:rPr lang="fr-FR" sz="1200" b="1" dirty="0"/>
-              <a:t>M3</a:t>
-            </a:r>
-          </a:p>
-        </p:txBody>
-      </p:sp>
-      <p:sp>
-        <p:nvSpPr>
-          <p:cNvPr id="140" name="Rectangle : coins arrondis 139">
-            <a:extLst>
-              <a:ext uri="{FF2B5EF4-FFF2-40B4-BE49-F238E27FC236}">
-                <a16:creationId xmlns:a16="http://schemas.microsoft.com/office/drawing/2014/main" id="{F609820A-3B2C-0CA3-6778-55A4A69CEE48}"/>
+                <a16:creationId xmlns:a16="http://schemas.microsoft.com/office/drawing/2014/main" id="{7217010A-A320-51E8-79D7-ECDAB56F338E}"/>
               </a:ext>
             </a:extLst>
           </p:cNvPr>
@@ -5488,75 +5941,19 @@
           <p:nvPr/>
         </p:nvSpPr>
         <p:spPr>
-          <a:xfrm>
-            <a:off x="4878460" y="2062224"/>
-            <a:ext cx="197307" cy="185215"/>
-          </a:xfrm>
-          <a:prstGeom prst="roundRect">
-            <a:avLst/>
-          </a:prstGeom>
-          <a:solidFill>
-            <a:schemeClr val="bg2">
-              <a:lumMod val="50000"/>
-            </a:schemeClr>
-          </a:solidFill>
-        </p:spPr>
-        <p:style>
-          <a:lnRef idx="2">
-            <a:schemeClr val="accent1">
-              <a:shade val="15000"/>
-            </a:schemeClr>
-          </a:lnRef>
-          <a:fillRef idx="1">
-            <a:schemeClr val="accent1"/>
-          </a:fillRef>
-          <a:effectRef idx="0">
-            <a:schemeClr val="accent1"/>
-          </a:effectRef>
-          <a:fontRef idx="minor">
-            <a:schemeClr val="lt1"/>
-          </a:fontRef>
-        </p:style>
-        <p:txBody>
-          <a:bodyPr rtlCol="0" anchor="ctr"/>
-          <a:lstStyle/>
-          <a:p>
-            <a:pPr algn="ctr"/>
-            <a:endParaRPr lang="fr-FR"/>
-          </a:p>
-        </p:txBody>
-      </p:sp>
-      <p:sp>
-        <p:nvSpPr>
-          <p:cNvPr id="141" name="Flèche vers la gauche 140">
-            <a:extLst>
-              <a:ext uri="{FF2B5EF4-FFF2-40B4-BE49-F238E27FC236}">
-                <a16:creationId xmlns:a16="http://schemas.microsoft.com/office/drawing/2014/main" id="{E6C8F8E5-4546-7CEE-6575-9D75FCBD15D2}"/>
-              </a:ext>
-            </a:extLst>
-          </p:cNvPr>
-          <p:cNvSpPr/>
-          <p:nvPr/>
-        </p:nvSpPr>
-        <p:spPr>
-          <a:xfrm rot="10800000">
-            <a:off x="4560697" y="2071276"/>
-            <a:ext cx="274136" cy="197308"/>
+          <a:xfrm rot="16200000">
+            <a:off x="254587" y="515059"/>
+            <a:ext cx="106014" cy="55404"/>
           </a:xfrm>
           <a:prstGeom prst="leftArrow">
             <a:avLst/>
           </a:prstGeom>
           <a:solidFill>
-            <a:schemeClr val="bg2">
-              <a:lumMod val="75000"/>
-            </a:schemeClr>
+            <a:srgbClr val="0070C0"/>
           </a:solidFill>
           <a:ln>
             <a:solidFill>
-              <a:schemeClr val="tx1">
-                <a:lumMod val="95000"/>
-                <a:lumOff val="5000"/>
-              </a:schemeClr>
+              <a:srgbClr val="0070C0"/>
             </a:solidFill>
           </a:ln>
         </p:spPr>
@@ -5579,16 +5976,16 @@
           <a:lstStyle/>
           <a:p>
             <a:pPr algn="ctr"/>
-            <a:endParaRPr lang="fr-FR"/>
-          </a:p>
-        </p:txBody>
-      </p:sp>
-      <p:sp>
-        <p:nvSpPr>
-          <p:cNvPr id="3" name="Flèche vers la gauche 2">
+            <a:endParaRPr lang="fr-FR" sz="900"/>
+          </a:p>
+        </p:txBody>
+      </p:sp>
+      <p:sp>
+        <p:nvSpPr>
+          <p:cNvPr id="20" name="Flèche vers la gauche 102">
             <a:extLst>
               <a:ext uri="{FF2B5EF4-FFF2-40B4-BE49-F238E27FC236}">
-                <a16:creationId xmlns:a16="http://schemas.microsoft.com/office/drawing/2014/main" id="{1AB750BB-FD42-6B60-CF92-25D7D2113611}"/>
+                <a16:creationId xmlns:a16="http://schemas.microsoft.com/office/drawing/2014/main" id="{B27D9301-2A5C-1438-0B6A-33FE07A25AED}"/>
               </a:ext>
             </a:extLst>
           </p:cNvPr>
@@ -5597,23 +5994,18 @@
         </p:nvSpPr>
         <p:spPr>
           <a:xfrm rot="16200000">
-            <a:off x="2271986" y="1789702"/>
-            <a:ext cx="274136" cy="197308"/>
+            <a:off x="251441" y="1600114"/>
+            <a:ext cx="106014" cy="55404"/>
           </a:xfrm>
           <a:prstGeom prst="leftArrow">
             <a:avLst/>
           </a:prstGeom>
           <a:solidFill>
-            <a:schemeClr val="bg2">
-              <a:lumMod val="75000"/>
-            </a:schemeClr>
+            <a:srgbClr val="0070C0"/>
           </a:solidFill>
           <a:ln>
             <a:solidFill>
-              <a:schemeClr val="tx1">
-                <a:lumMod val="95000"/>
-                <a:lumOff val="5000"/>
-              </a:schemeClr>
+              <a:srgbClr val="0070C0"/>
             </a:solidFill>
           </a:ln>
         </p:spPr>
@@ -5636,314 +6028,7 @@
           <a:lstStyle/>
           <a:p>
             <a:pPr algn="ctr"/>
-            <a:endParaRPr lang="fr-FR"/>
-          </a:p>
-        </p:txBody>
-      </p:sp>
-      <p:sp>
-        <p:nvSpPr>
-          <p:cNvPr id="7" name="ZoneTexte 6">
-            <a:extLst>
-              <a:ext uri="{FF2B5EF4-FFF2-40B4-BE49-F238E27FC236}">
-                <a16:creationId xmlns:a16="http://schemas.microsoft.com/office/drawing/2014/main" id="{6BD6968D-6853-F391-6FE3-5321F27D80B3}"/>
-              </a:ext>
-            </a:extLst>
-          </p:cNvPr>
-          <p:cNvSpPr txBox="1"/>
-          <p:nvPr/>
-        </p:nvSpPr>
-        <p:spPr>
-          <a:xfrm>
-            <a:off x="3519635" y="2253615"/>
-            <a:ext cx="1773444" cy="307777"/>
-          </a:xfrm>
-          <a:prstGeom prst="rect">
-            <a:avLst/>
-          </a:prstGeom>
-          <a:noFill/>
-        </p:spPr>
-        <p:txBody>
-          <a:bodyPr wrap="square" rtlCol="0">
-            <a:spAutoFit/>
-          </a:bodyPr>
-          <a:lstStyle/>
-          <a:p>
-            <a:pPr algn="just"/>
-            <a:r>
-              <a:rPr lang="en-GB" sz="700" dirty="0"/>
-              <a:t>* The target variable is the residuals of the previous model.</a:t>
-            </a:r>
-          </a:p>
-        </p:txBody>
-      </p:sp>
-      <p:sp>
-        <p:nvSpPr>
-          <p:cNvPr id="9" name="ZoneTexte 8">
-            <a:extLst>
-              <a:ext uri="{FF2B5EF4-FFF2-40B4-BE49-F238E27FC236}">
-                <a16:creationId xmlns:a16="http://schemas.microsoft.com/office/drawing/2014/main" id="{F6B576B3-5B2B-D004-AC2D-8400CFEF7DDB}"/>
-              </a:ext>
-            </a:extLst>
-          </p:cNvPr>
-          <p:cNvSpPr txBox="1"/>
-          <p:nvPr/>
-        </p:nvSpPr>
-        <p:spPr>
-          <a:xfrm>
-            <a:off x="3507279" y="1453576"/>
-            <a:ext cx="257675" cy="246221"/>
-          </a:xfrm>
-          <a:prstGeom prst="rect">
-            <a:avLst/>
-          </a:prstGeom>
-          <a:noFill/>
-        </p:spPr>
-        <p:txBody>
-          <a:bodyPr wrap="square">
-            <a:spAutoFit/>
-          </a:bodyPr>
-          <a:lstStyle/>
-          <a:p>
-            <a:r>
-              <a:rPr lang="en-GB" sz="1000" dirty="0"/>
-              <a:t>*</a:t>
-            </a:r>
-            <a:endParaRPr lang="fr-FR" sz="1000" dirty="0"/>
-          </a:p>
-        </p:txBody>
-      </p:sp>
-      <p:sp>
-        <p:nvSpPr>
-          <p:cNvPr id="11" name="ZoneTexte 10">
-            <a:extLst>
-              <a:ext uri="{FF2B5EF4-FFF2-40B4-BE49-F238E27FC236}">
-                <a16:creationId xmlns:a16="http://schemas.microsoft.com/office/drawing/2014/main" id="{DBB4DC55-D66D-57D2-5E43-CC8DC9D00FDD}"/>
-              </a:ext>
-            </a:extLst>
-          </p:cNvPr>
-          <p:cNvSpPr txBox="1"/>
-          <p:nvPr/>
-        </p:nvSpPr>
-        <p:spPr>
-          <a:xfrm>
-            <a:off x="4137361" y="1982112"/>
-            <a:ext cx="257675" cy="246221"/>
-          </a:xfrm>
-          <a:prstGeom prst="rect">
-            <a:avLst/>
-          </a:prstGeom>
-          <a:noFill/>
-        </p:spPr>
-        <p:txBody>
-          <a:bodyPr wrap="square">
-            <a:spAutoFit/>
-          </a:bodyPr>
-          <a:lstStyle/>
-          <a:p>
-            <a:r>
-              <a:rPr lang="en-GB" sz="1000" dirty="0"/>
-              <a:t>*</a:t>
-            </a:r>
-            <a:endParaRPr lang="fr-FR" sz="1000" dirty="0"/>
-          </a:p>
-        </p:txBody>
-      </p:sp>
-      <p:sp>
-        <p:nvSpPr>
-          <p:cNvPr id="12" name="ZoneTexte 11">
-            <a:extLst>
-              <a:ext uri="{FF2B5EF4-FFF2-40B4-BE49-F238E27FC236}">
-                <a16:creationId xmlns:a16="http://schemas.microsoft.com/office/drawing/2014/main" id="{13354CD7-3C5E-C0D7-340A-E532A0D089DD}"/>
-              </a:ext>
-            </a:extLst>
-          </p:cNvPr>
-          <p:cNvSpPr txBox="1"/>
-          <p:nvPr/>
-        </p:nvSpPr>
-        <p:spPr>
-          <a:xfrm>
-            <a:off x="616594" y="339280"/>
-            <a:ext cx="722858" cy="184666"/>
-          </a:xfrm>
-          <a:prstGeom prst="rect">
-            <a:avLst/>
-          </a:prstGeom>
-          <a:noFill/>
-        </p:spPr>
-        <p:txBody>
-          <a:bodyPr wrap="square" rtlCol="0">
-            <a:spAutoFit/>
-          </a:bodyPr>
-          <a:lstStyle/>
-          <a:p>
-            <a:r>
-              <a:rPr lang="en-GB" sz="600" dirty="0"/>
-              <a:t>Blood markers </a:t>
-            </a:r>
-          </a:p>
-        </p:txBody>
-      </p:sp>
-      <p:sp>
-        <p:nvSpPr>
-          <p:cNvPr id="13" name="ZoneTexte 12">
-            <a:extLst>
-              <a:ext uri="{FF2B5EF4-FFF2-40B4-BE49-F238E27FC236}">
-                <a16:creationId xmlns:a16="http://schemas.microsoft.com/office/drawing/2014/main" id="{354CBA41-53B8-7BB2-9C7C-2A3308E0D77F}"/>
-              </a:ext>
-            </a:extLst>
-          </p:cNvPr>
-          <p:cNvSpPr txBox="1"/>
-          <p:nvPr/>
-        </p:nvSpPr>
-        <p:spPr>
-          <a:xfrm>
-            <a:off x="1408719" y="340326"/>
-            <a:ext cx="1343342" cy="184666"/>
-          </a:xfrm>
-          <a:prstGeom prst="rect">
-            <a:avLst/>
-          </a:prstGeom>
-          <a:noFill/>
-        </p:spPr>
-        <p:txBody>
-          <a:bodyPr wrap="square" rtlCol="0">
-            <a:spAutoFit/>
-          </a:bodyPr>
-          <a:lstStyle/>
-          <a:p>
-            <a:pPr algn="just"/>
-            <a:r>
-              <a:rPr lang="en-GB" sz="600" dirty="0"/>
-              <a:t>Serum Mid-infrared spectroscopy</a:t>
-            </a:r>
-          </a:p>
-        </p:txBody>
-      </p:sp>
-      <p:sp>
-        <p:nvSpPr>
-          <p:cNvPr id="14" name="ZoneTexte 13">
-            <a:extLst>
-              <a:ext uri="{FF2B5EF4-FFF2-40B4-BE49-F238E27FC236}">
-                <a16:creationId xmlns:a16="http://schemas.microsoft.com/office/drawing/2014/main" id="{9ECEA8EF-C0B1-B1D3-717A-41B94849340B}"/>
-              </a:ext>
-            </a:extLst>
-          </p:cNvPr>
-          <p:cNvSpPr txBox="1"/>
-          <p:nvPr/>
-        </p:nvSpPr>
-        <p:spPr>
-          <a:xfrm>
-            <a:off x="2897331" y="348364"/>
-            <a:ext cx="873630" cy="184666"/>
-          </a:xfrm>
-          <a:prstGeom prst="rect">
-            <a:avLst/>
-          </a:prstGeom>
-          <a:noFill/>
-        </p:spPr>
-        <p:txBody>
-          <a:bodyPr wrap="square" rtlCol="0">
-            <a:spAutoFit/>
-          </a:bodyPr>
-          <a:lstStyle/>
-          <a:p>
-            <a:pPr algn="just"/>
-            <a:r>
-              <a:rPr lang="en-GB" sz="600" dirty="0"/>
-              <a:t>Serum </a:t>
-            </a:r>
-            <a:r>
-              <a:rPr lang="en-GB" sz="600" dirty="0" err="1"/>
-              <a:t>metalomic</a:t>
-            </a:r>
-            <a:endParaRPr lang="en-GB" sz="600" dirty="0"/>
-          </a:p>
-        </p:txBody>
-      </p:sp>
-      <p:sp>
-        <p:nvSpPr>
-          <p:cNvPr id="15" name="Rectangle : coins arrondis 14">
-            <a:extLst>
-              <a:ext uri="{FF2B5EF4-FFF2-40B4-BE49-F238E27FC236}">
-                <a16:creationId xmlns:a16="http://schemas.microsoft.com/office/drawing/2014/main" id="{ED067BAC-08E2-12DA-F3D6-424C297B96AC}"/>
-              </a:ext>
-            </a:extLst>
-          </p:cNvPr>
-          <p:cNvSpPr/>
-          <p:nvPr/>
-        </p:nvSpPr>
-        <p:spPr>
-          <a:xfrm>
-            <a:off x="3675596" y="345800"/>
-            <a:ext cx="197307" cy="185215"/>
-          </a:xfrm>
-          <a:prstGeom prst="roundRect">
-            <a:avLst/>
-          </a:prstGeom>
-          <a:solidFill>
-            <a:schemeClr val="bg2">
-              <a:lumMod val="50000"/>
-            </a:schemeClr>
-          </a:solidFill>
-        </p:spPr>
-        <p:style>
-          <a:lnRef idx="2">
-            <a:schemeClr val="accent1">
-              <a:shade val="15000"/>
-            </a:schemeClr>
-          </a:lnRef>
-          <a:fillRef idx="1">
-            <a:schemeClr val="accent1"/>
-          </a:fillRef>
-          <a:effectRef idx="0">
-            <a:schemeClr val="accent1"/>
-          </a:effectRef>
-          <a:fontRef idx="minor">
-            <a:schemeClr val="lt1"/>
-          </a:fontRef>
-        </p:style>
-        <p:txBody>
-          <a:bodyPr rtlCol="0" anchor="ctr"/>
-          <a:lstStyle/>
-          <a:p>
-            <a:pPr algn="ctr"/>
-            <a:endParaRPr lang="fr-FR"/>
-          </a:p>
-        </p:txBody>
-      </p:sp>
-      <p:sp>
-        <p:nvSpPr>
-          <p:cNvPr id="16" name="ZoneTexte 15">
-            <a:extLst>
-              <a:ext uri="{FF2B5EF4-FFF2-40B4-BE49-F238E27FC236}">
-                <a16:creationId xmlns:a16="http://schemas.microsoft.com/office/drawing/2014/main" id="{61AE4824-FDC9-11BA-6919-298F1991847C}"/>
-              </a:ext>
-            </a:extLst>
-          </p:cNvPr>
-          <p:cNvSpPr txBox="1"/>
-          <p:nvPr/>
-        </p:nvSpPr>
-        <p:spPr>
-          <a:xfrm>
-            <a:off x="3900072" y="346072"/>
-            <a:ext cx="873630" cy="184666"/>
-          </a:xfrm>
-          <a:prstGeom prst="rect">
-            <a:avLst/>
-          </a:prstGeom>
-          <a:noFill/>
-        </p:spPr>
-        <p:txBody>
-          <a:bodyPr wrap="square" rtlCol="0">
-            <a:spAutoFit/>
-          </a:bodyPr>
-          <a:lstStyle/>
-          <a:p>
-            <a:pPr algn="just"/>
-            <a:r>
-              <a:rPr lang="en-GB" sz="600" dirty="0"/>
-              <a:t>Outcomes</a:t>
-            </a:r>
+            <a:endParaRPr lang="fr-FR" sz="900"/>
           </a:p>
         </p:txBody>
       </p:sp>
